--- a/images/measurement/measurement_figs.pptx
+++ b/images/measurement/measurement_figs.pptx
@@ -8,6 +8,7 @@
     <p:sldId id="256" r:id="rId2"/>
     <p:sldId id="257" r:id="rId3"/>
     <p:sldId id="258" r:id="rId4"/>
+    <p:sldId id="259" r:id="rId5"/>
   </p:sldIdLst>
   <p:sldSz cx="12192000" cy="6858000"/>
   <p:notesSz cx="6858000" cy="9144000"/>
@@ -160,6 +161,286 @@
     </inkml:brush>
   </inkml:definitions>
   <inkml:trace contextRef="#ctx0" brushRef="#br0">2591 16 24575,'-15'0'0,"-2"0"0,-1 0 0,4 0 0,-11 0 0,11 0 0,-12 0 0,8 0 0,1 0 0,1 0 0,3 0 0,1-4 0,0 4 0,1-4 0,2 4 0,-3 0 0,5-3 0,-5 2 0,4-2 0,-8 3 0,8 0 0,-4 0 0,0 0 0,0 0 0,-1 0 0,-2 0 0,6 0 0,-7 0 0,8 0 0,-8 0 0,8 0 0,-4 0 0,4 0 0,1 0 0,-1 0 0,1 0 0,-1 0 0,-3 0 0,2 0 0,-2 0 0,-1 0 0,3 0 0,-2 0 0,-1 0 0,4 0 0,-8 0 0,7 0 0,-6 0 0,6 0 0,-2 0 0,-1 0 0,3 0 0,-2 0 0,-1 0 0,4 0 0,-8 0 0,8 0 0,-8 0 0,3 0 0,-3 0 0,-6 0 0,-3 0 0,6 0 0,-4 0 0,10 0 0,1 0 0,0 0 0,0 0 0,4 0 0,-4 0 0,5 0 0,-1 0 0,-3 0 0,2 0 0,-3 0 0,5 0 0,-1 0 0,1 0 0,0 0 0,-1 0 0,1 0 0,-1 0 0,0 0 0,1 0 0,-1 0 0,1 0 0,-1 0 0,-3 0 0,2 0 0,-6 0 0,6 0 0,-7 3 0,8-2 0,-4 6 0,1-2 0,2 3 0,-3-4 0,5-1 0,-1 1 0,-3-3 0,6 5 0,-6-5 0,7 6 0,-4-6 0,1 5 0,-1-1 0,0-1 0,1 3 0,-1-7 0,-3 10 0,3-8 0,-3 8 0,4-6 0,-5 4 0,4-4 0,-4 3 0,5-3 0,-1 0 0,1 3 0,-1-3 0,1 1 0,3 1 0,-3-5 0,3 5 0,-3-2 0,0 4 0,-1-4 0,1 2 0,-1-2 0,-3 4 0,2 0 0,-3 0 0,5-4 0,-1 3 0,1-3 0,-1 0 0,4 3 0,-3-6 0,3 5 0,-3-2 0,0 0 0,0 2 0,-1-2 0,1 0 0,3 3 0,-3-3 0,3 0 0,-3 3 0,-1-3 0,1 3 0,-1-3 0,1 3 0,-1-3 0,1 4 0,-1-1 0,1-3 0,3 3 0,-3-3 0,3 1 0,0 1 0,-3-5 0,6 6 0,-5-3 0,2 3 0,-4 1 0,1-1 0,-1 1 0,-4 0 0,4-1 0,-4 1 0,5 0 0,-1-1 0,1 1 0,-1-1 0,1 1 0,-1-1 0,-3 1 0,5 0 0,-4 0 0,5-1 0,-2 1 0,0-1 0,0 0 0,-1 0 0,1 1 0,-1-1 0,1 1 0,-1-1 0,-3 1 0,2 0 0,-3 4 0,1-3 0,2 2 0,-3-3 0,8 0 0,-3-1 0,3-3 0,0 3 0,-3-3 0,7 3 0,-7 0 0,3 1 0,-4-1 0,1 1 0,-1-1 0,1 1 0,-1-1 0,4 5 0,-3-4 0,3 4 0,-3-5 0,3 1 0,-3 0 0,3-1 0,-1 1 0,-1-1 0,1 5 0,-2-4 0,-1 4 0,4-5 0,-3 1 0,6 0 0,-6-1 0,6 1 0,-5-1 0,1 5 0,1-4 0,-3 8 0,2-3 0,-3 3 0,0-3 0,-1 2 0,1-2 0,4 0 0,-3-2 0,3-3 0,-1-1 0,2 1 0,0-1 0,2 1 0,-6-1 0,3 1 0,0-1 0,-3 1 0,3-1 0,0 1 0,-3-1 0,6 1 0,-5-4 0,5 3 0,-3-3 0,1 3 0,2 1 0,-5-1 0,5 1 0,-6-1 0,3 1 0,-4 3 0,4-2 0,-4 7 0,4-8 0,-1 8 0,-1-8 0,5 4 0,-2-5 0,-1 1 0,3 0 0,-2-1 0,0 1 0,2 3 0,-2 2 0,-1 4 0,-1-1 0,-3 1 0,0-1 0,-1 1 0,5-1 0,-4 4 0,7-6 0,-6 1 0,7-8 0,-4 1 0,4-1 0,0 5 0,-3-3 0,2 2 0,-2 1 0,-1 0 0,3 5 0,-3 0 0,1-1 0,2 1 0,-7 0 0,7-5 0,-2 4 0,3-7 0,-4 2 0,3-3 0,-2-1 0,3 1 0,0-1 0,0 1 0,0-1 0,0 1 0,0 0 0,0 3 0,-3-2 0,2 6 0,-2-6 0,3 7 0,0-8 0,-4 4 0,3-5 0,-2 1 0,3-1 0,0 1 0,0-1 0,0 1 0,-3-1 0,2 1 0,-2-1 0,3 1 0,-4-1 0,3 1 0,-2-1 0,3 1 0,-3-1 0,2 0 0,-2 1 0,-1-1 0,3 5 0,-5-3 0,5 2 0,-3-3 0,1-1 0,2 1 0,-2-1 0,3 1 0,0-1 0,-3 1 0,2-1 0,-6 1 0,6-1 0,-5 1 0,5 4 0,-6-4 0,6 8 0,-5-8 0,5 4 0,-3-4 0,1-1 0,2 0 0,-2 0 0,3 0 0,0 0 0,0 1 0,0-1 0,0 1 0,0-1 0,0 1 0,0 2 0,0 2 0,0 3 0,0 1 0,0-3 0,0 3 0,0-8 0,0 4 0,-7-4 0,5-1 0,-5 1 0,7 4 0,0-4 0,-4 8 0,0-8 0,-5 8 0,1-3 0,0 3 0,0-3 0,0-1 0,4-5 0,-3 1 0,6-1 0,-2 1 0,0-1 0,2 0 0,-2 1 0,3-1 0,0 5 0,-3-4 0,2 8 0,-2-8 0,-1 8 0,3-7 0,-3 2 0,4-3 0,0-1 0,-3 1 0,2-1 0,-2 1 0,3-1 0,0 1 0,0-1 0,-4 1 0,4-1 0,-4 1 0,4-1 0,0 1 0,0-1 0,0 1 0,0-1 0,0 1 0,0-1 0,0 1 0,0-1 0,-3 1 0,2-1 0,-2 1 0,3-1 0,0 1 0,0 4 0,0-4 0,0 8 0,0-8 0,0 8 0,0-3 0,0-1 0,-4 4 0,3-7 0,-3 6 0,4-6 0,0 2 0,0 1 0,0 1 0,0-1 0,0 4 0,0-4 0,0 1 0,0 3 0,0-4 0,0 5 0,0 0 0,0-5 0,0 4 0,0-8 0,0 8 0,0-7 0,0 2 0,0-3 0,0-1 0,0 5 0,0-4 0,0 4 0,0-4 0,0 3 0,0-2 0,0 6 0,0-6 0,0 7 0,0-8 0,0 4 0,0-1 0,0-2 0,0 3 0,0-5 0,0 1 0,0 3 0,0-2 0,0 2 0,0-3 0,0 3 0,0 2 0,0 0 0,0-2 0,0-3 0,0 3 0,0-2 0,0 3 0,0-5 0,4 1 0,-4-1 0,4 1 0,-1-1 0,-2 1 0,2-1 0,1 1 0,-3-1 0,5 1 0,-5 4 0,6 0 0,-6 1 0,6 2 0,2 5 0,-4-5 0,6 8 0,-10-14 0,7 6 0,-7-6 0,6 2 0,-6-3 0,2-1 0,0 1 0,1-1 0,1 1 0,1-1 0,-5 0 0,6 1 0,-7-1 0,7 1 0,-6 0 0,6-1 0,-7 1 0,7-1 0,-3 1 0,4-1 0,-1 1 0,1-1 0,0 1 0,-1-1 0,1 1 0,-1-1 0,5 1 0,-3 4 0,2-3 0,-3 3 0,0-5 0,-1 1 0,1-1 0,-4 0 0,2-2 0,-5 1 0,5-2 0,-2 3 0,0 0 0,3 0 0,-3 1 0,0 0 0,3-1 0,-3 1 0,0-1 0,3 1 0,-3-1 0,3 0 0,0 0 0,-3 1 0,3-1 0,-6 1 0,5-1 0,-1 1 0,-1-1 0,3 1 0,-7-1 0,7 1 0,-6-1 0,2 1 0,1 0 0,-4-1 0,7 0 0,-6 1 0,5-1 0,-5 1 0,6-4 0,-6 3 0,5-3 0,-2 3 0,1 1 0,1-1 0,-2 0 0,0 1 0,3-4 0,-6 2 0,5-5 0,-5 6 0,6-3 0,-3 0 0,4 3 0,-4-3 0,2 0 0,-1 3 0,2-3 0,1 4 0,-1-4 0,-3 3 0,3-3 0,-3 0 0,4 3 0,-1-7 0,-2 7 0,1-6 0,-2 2 0,4 1 0,-1 0 0,1 0 0,-4 2 0,3-5 0,-3 6 0,0-3 0,3 0 0,-3 3 0,3-6 0,1 5 0,-1-1 0,1 2 0,-1-3 0,1 3 0,0-3 0,-1 0 0,1 3 0,-1-6 0,1 2 0,-1 1 0,1 0 0,-1 0 0,1 3 0,3-6 0,-2 5 0,3-1 0,-1-1 0,-2 2 0,2-1 0,1 2 0,-4 1 0,4-3 0,-4 1 0,-1-1 0,5 2 0,-4 1 0,8 0 0,-3 0 0,3 1 0,1-5 0,0 4 0,-1-4 0,-3 4 0,3 1 0,-8-2 0,4-2 0,-5 1 0,1-5 0,-1 6 0,1-6 0,-1 5 0,1-5 0,0 3 0,-1-1 0,1-2 0,2 2 0,3-3 0,-1 4 0,-1-4 0,-3 4 0,-1-4 0,1 3 0,0-2 0,-1 6 0,1-7 0,-1 4 0,1-1 0,-1-2 0,1 2 0,-1-3 0,0 0 0,0 0 0,4 0 0,2 0 0,-1 4 0,4 0 0,-3 4 0,-1-3 0,0 2 0,0-3 0,-4 1 0,4-2 0,-5 1 0,5-3 0,-4 2 0,4 0 0,-4-2 0,-1 3 0,1-1 0,-1-2 0,5 2 0,-4 0 0,4-2 0,-5 6 0,1-6 0,-1 5 0,1-5 0,0 3 0,-1-1 0,1-2 0,-4 6 0,2-7 0,-1 7 0,2-6 0,1 6 0,-1-7 0,1 4 0,-1-1 0,1-2 0,-1 6 0,1-7 0,-1 7 0,1-6 0,-4 5 0,2-2 0,-1 1 0,2 1 0,1-5 0,-1 6 0,0-7 0,-3 7 0,3-6 0,-4 2 0,5-3 0,-1 3 0,0-2 0,1 2 0,4 1 0,-4-3 0,8 6 0,-8-6 0,4 6 0,-1-6 0,-2 2 0,3 1 0,-5 0 0,1 0 0,3-1 0,2 1 0,-1 0 0,4 1 0,-7-2 0,2 1 0,-3-4 0,3 4 0,-2-4 0,3 3 0,-1-2 0,-2 2 0,6-3 0,-6 0 0,7 4 0,-4-3 0,1 3 0,2-4 0,-6 0 0,3 0 0,-5 0 0,1 0 0,-1 0 0,1 0 0,-1 0 0,0 0 0,0 0 0,1 0 0,-1 0 0,1 0 0,-1 0 0,1 0 0,-1 0 0,1 0 0,-1 0 0,0 0 0,1 0 0,-1 0 0,5 0 0,0 0 0,1 0 0,3 0 0,-8 0 0,4 0 0,-5 0 0,1 0 0,-1 0 0,0 0 0,0 0 0,1 0 0,-1 0 0,1 0 0,-1 0 0,0 0 0,0 0 0,1 0 0,-1 0 0,5 3 0,0 5 0,0-3 0,-1 2 0,-3-4 0,-1-2 0,1 3 0,-1-1 0,1-2 0,-1 2 0,1 0 0,-1-2 0,-3 6 0,3-6 0,-3 2 0,3-3 0,0 0 0,-3 3 0,2-3 0,-2 4 0,4-4 0,-1 0 0,0 0 0,1 0 0,-1 0 0,1 0 0,0 0 0,3 0 0,-2 0 0,6 0 0,-2 0 0,0 0 0,2 0 0,-2 0 0,4 0 0,-5 0 0,4 0 0,-8 0 0,8 0 0,-7 0 0,6 0 0,-6 0 0,2 0 0,-3 0 0,-1 0 0,1 0 0,-1 0 0,1 0 0,-1 0 0,5 0 0,-3 0 0,2 0 0,1-4 0,-4 3 0,4-3 0,-5 4 0,1-3 0,0 2 0,-1-2 0,1 3 0,-1 0 0,-3-3 0,2 2 0,-1-2 0,2-1 0,1 3 0,-1-5 0,5 5 0,0-6 0,5 6 0,-4-6 0,7 2 0,-10-3 0,10 3 0,-7-2 0,4 3 0,-1-1 0,1-2 0,-4 2 0,2-3 0,-2 4 0,4-4 0,-1 4 0,1-1 0,0-2 0,-1 2 0,1-3 0,-4 3 0,2-2 0,-2 6 0,-1-6 0,0 3 0,0-1 0,-4 2 0,4 0 0,-1-2 0,-2 1 0,3-3 0,-1 6 0,-2-6 0,2 7 0,-3-7 0,-1 6 0,5-6 0,-4 6 0,8-6 0,0 2 0,-2-3 0,1 1 0,-4 3 0,-2-3 0,2 6 0,-3-6 0,3 7 0,-2-7 0,3 6 0,-5-2 0,1-1 0,-1 4 0,0-4 0,-2 1 0,1 2 0,-2-5 0,3 5 0,1-2 0,-1 0 0,1-2 0,-1 1 0,1-3 0,-1 7 0,5-7 0,-4 6 0,4-6 0,-5 6 0,1-6 0,0 6 0,3-6 0,-2 3 0,2-1 0,1-2 0,-4 3 0,4-4 0,-4 4 0,-1-3 0,1 6 0,-1-5 0,1 5 0,-1-6 0,1 6 0,-1-5 0,1 1 0,-1 1 0,1-2 0,3 1 0,-2 1 0,2-3 0,1 2 0,-3-2 0,2 2 0,-3-2 0,-1 7 0,1-7 0,3 6 0,-2-6 0,3 3 0,-5 0 0,1 1 0,-1-1 0,0 3 0,-2-5 0,1 5 0,-2-6 0,3 7 0,0-7 0,1 3 0,3-4 0,-2-4 0,7 7 0,-3-6 0,0 6 0,2-3 0,-6 1 0,3 2 0,-5-2 0,1 6 0,-1-5 0,1 5 0,-1-6 0,1 6 0,-1-5 0,1 5 0,-1-6 0,-2 3 0,1 0 0,-2-3 0,3 6 0,1-5 0,-1 2 0,1-4 0,-1 1 0,1-1 0,-1 1 0,1-1 0,-1 1 0,1-1 0,-1 4 0,1-3 0,-1 6 0,-3-5 0,3 5 0,-3-6 0,3 3 0,1-3 0,-1-1 0,1 1 0,-1-1 0,1 4 0,-4-2 0,2 1 0,-1 1 0,-1-3 0,2 7 0,-5-7 0,5 3 0,-2-4 0,4 1 0,-1-1 0,1 1 0,-1-1 0,1 1 0,-1-1 0,1 0 0,0 1 0,-1-1 0,1 1 0,-1 3 0,-3-3 0,3 3 0,-6-4 0,6 4 0,-7-2 0,7 5 0,-3-5 0,4 2 0,-1-4 0,1 1 0,-1-5 0,1 4 0,0-4 0,-1 5 0,1-1 0,0 4 0,-1-3 0,1 6 0,-4-5 0,2 5 0,-1-3 0,-1 1 0,2-1 0,-2 0 0,4-3 0,-1 3 0,1-4 0,-1 4 0,1-3 0,-4 3 0,3-3 0,-3 3 0,0-3 0,3 3 0,-6-4 0,5 4 0,-5-2 0,3 2 0,-1 0 0,-2-7 0,6 6 0,-3-4 0,0-1 0,3 5 0,-3-7 0,0 4 0,3 1 0,-3-1 0,0 1 0,2 0 0,-5-1 0,2 1 0,1 2 0,-3-1 0,5 1 0,-5-2 0,3-1 0,-1-3 0,-2 2 0,3-2 0,-4 3 0,3 1 0,-2-1 0,2-4 0,1 4 0,-3-8 0,2 8 0,-3-4 0,4 0 0,-3 0 0,6-1 0,-7-2 0,8 2 0,-8-4 0,8 1 0,-7 3 0,2-3 0,1 8 0,-3-4 0,2 5 0,-3-1 0,3 1 0,-2-1 0,3 1 0,-4-1 0,0-4 0,0 4 0,3-8 0,-2 8 0,3-8 0,-4 7 0,0-6 0,3 6 0,-2-2 0,2 3 0,-3 1 0,0-1 0,0 0 0,0 1 0,0 0 0,0-1 0,0 1 0,0-5 0,0 4 0,4-4 0,-3 4 0,2-3 0,-3 2 0,0-2 0,0 3 0,0 1 0,0-1 0,0 1 0,0-4 0,0 2 0,0-2 0,0 3 0,3 1 0,-2-1 0,3 0 0,-4 1 0,0-1 0,0 1 0,0-1 0,0 1 0,0-5 0,0 4 0,0-4 0,0 5 0,0-5 0,0 4 0,0-4 0,0 5 0,0-1 0,0 0 0,0 1 0,0-1 0,0 1 0,0-1 0,0-3 0,3 2 0,-2-2 0,2-1 0,-3 3 0,4-6 0,-3 6 0,2-6 0,1 6 0,-3-2 0,2-1 0,0 3 0,-2-2 0,2-1 0,-3 0 0,0 0 0,0 1 0,0 3 0,0 1 0,0-1 0,0 1 0,4 0 0,-3-1 0,2 0 0,-3 1 0,0 0 0,0-1 0,0 1 0,3 3 0,-2-3 0,3 3 0,-4-3 0,0-1 0,0 1 0,0-1 0,0 1 0,3-1 0,-2 1 0,2 0 0,0-1 0,-2 1 0,2-1 0,1 1 0,-4-1 0,4 1 0,-1-1 0,-2 1 0,2-1 0,1-3 0,-3 2 0,3-3 0,-4 5 0,0-1 0,0 1 0,0 0 0,0 0 0,0-1 0,0 1 0,0 0 0,0 0 0,0-1 0,0 1 0,0 0 0,0-1 0,0 1 0,0-1 0,0 1 0,0-1 0,-4 1 0,4-1 0,-4 1 0,1 0 0,2-1 0,-5 1 0,5-1 0,-2 1 0,-1 3 0,4-2 0,-4 2 0,4-4 0,0 1 0,0 0 0,0 0 0,0 0 0,0-1 0,-3-4 0,2 4 0,-3-8 0,1 8 0,2-4 0,-3 5 0,4-1 0,0 1 0,0-1 0,-3 0 0,2 1 0,-2 0 0,3-4 0,0 3 0,0-8 0,0 7 0,0-2 0,-4-1 0,3 4 0,-2-8 0,-1 7 0,3-6 0,-2 6 0,-1-7 0,3 8 0,-6-8 0,6 8 0,-6-4 0,6 0 0,-6 4 0,7-4 0,-7 5 0,6-1 0,-6-3 0,6 2 0,-6-2 0,6-1 0,-2 3 0,-1-2 0,4 3 0,-4 1 0,1-1 0,2 1 0,-6-1 0,7 1 0,-7-1 0,6 1 0,-5 0 0,5-1 0,-6 4 0,6-2 0,-5 2 0,2-4 0,-1 1 0,-1-1 0,5 1 0,-6-1 0,3 1 0,-3-1 0,3 1 0,-4-5 0,8 4 0,-8-8 0,4 7 0,-1-6 0,-1 6 0,5-7 0,-6 8 0,3-8 0,-1 8 0,-2-8 0,6 7 0,-7-6 0,4 6 0,0-2 0,-3-1 0,2 3 0,1-2 0,-3 3 0,6 1 0,-5-1 0,1 1 0,1-1 0,-3-3 0,3 2 0,-1-3 0,-2 1 0,3 2 0,-4-6 0,4 6 0,-4-3 0,8 5 0,-7-1 0,3 1 0,0 0 0,1-1 0,-1 4 0,3-3 0,-5 3 0,5-3 0,-6-1 0,3 1 0,0-1 0,1 1 0,-1 3 0,4-3 0,-7 3 0,3-4 0,0 1 0,-3 3 0,6-2 0,-5 1 0,2-2 0,0 0 0,-3 3 0,6-3 0,-5 3 0,5-4 0,-6 4 0,7-2 0,-7 2 0,6-4 0,-6 4 0,7-3 0,-7 3 0,6-4 0,-6 4 0,3-2 0,-3 1 0,3-2 0,-3 3 0,6-2 0,-5 5 0,5-6 0,-6 3 0,3-3 0,0-1 0,-2 1 0,5-1 0,-6 1 0,6 0 0,-5-1 0,2 1 0,0-1 0,-3 1 0,3-1 0,-4 1 0,1 0 0,3-1 0,-2 4 0,5-2 0,-6 1 0,6-2 0,-5-1 0,2 1 0,-4-1 0,4 1 0,-3 0 0,3-1 0,-3 1 0,-1-1 0,1 0 0,-1 1 0,0-1 0,1 1 0,-1-5 0,-4 3 0,3-2 0,-2 3 0,3 0 0,1 1 0,-1-1 0,1 1 0,-5 2 0,4-1 0,-4 2 0,4-1 0,1-1 0,-5 5 0,7-6 0,-5 6 0,5-2 0,-2 3 0,3-3 0,-3 2 0,6-6 0,-6 6 0,7-5 0,-7 5 0,6-5 0,-5 5 0,5-5 0,-6 6 0,6-7 0,-5 3 0,2-4 0,-4 1 0,0-1 0,1 4 0,-1-3 0,4 3 0,-2 0 0,2-2 0,-4 5 0,1-2 0,3-1 0,-2 3 0,2-2 0,-4 0 0,1 2 0,-1-6 0,1 6 0,-1-5 0,0 5 0,-3-6 0,2 6 0,-2-3 0,-1 0 0,4 3 0,-4-2 0,4 3 0,1-4 0,-1 4 0,1-7 0,-1 3 0,1 0 0,0 1 0,-1-1 0,1 0 0,-1 0 0,4-3 0,-2 7 0,2-7 0,-3 3 0,-1 0 0,1-2 0,3 2 0,-3-1 0,3-1 0,-3 2 0,-1-1 0,4-1 0,-3 2 0,3-4 0,-3 4 0,-1-2 0,1 2 0,0-4 0,-1 1 0,1 3 0,-1-3 0,1 3 0,-1 0 0,-3-3 0,2 6 0,-2-6 0,3 3 0,1 0 0,-5-3 0,4 2 0,-4 1 0,1-3 0,2 3 0,-3-1 0,5-2 0,-1 6 0,1-2 0,-1 0 0,1 2 0,-1-6 0,1 6 0,-1-5 0,1 2 0,-1 0 0,1 0 0,0 1 0,-1-1 0,1 0 0,3-3 0,-3 7 0,3-4 0,-4 1 0,1 2 0,-1-2 0,1-1 0,0 4 0,-1-4 0,1 1 0,0 2 0,-1-6 0,1 3 0,-1 0 0,1-2 0,0 5 0,0-2 0,-1-1 0,1 4 0,-1-4 0,1 4 0,-1 0 0,1-3 0,-1 2 0,1-2 0,0 0 0,-1 2 0,1-2 0,2-1 0,-1 3 0,2-2 0,-1 0 0,-1 2 0,2-2 0,-4-1 0,1 3 0,0-5 0,-1 5 0,1-6 0,0 6 0,3-5 0,-3 5 0,3-6 0,-3 7 0,0-4 0,3 1 0,-3 2 0,3-2 0,-4 0 0,1-1 0,0-4 0,-1 4 0,1-2 0,0 5 0,-1-5 0,1 5 0,3-6 0,-3 6 0,3-2 0,0 0 0,-2-1 0,2 0 0,-3-3 0,-1 6 0,1-5 0,0 5 0,3-5 0,-3 5 0,3-2 0,0-1 0,-3 3 0,3-2 0,-4 0 0,1 2 0,0-2 0,-1 3 0,1 0 0,-1 0 0,0 0 0,1 0 0,-1 0 0,1 0 0,-1 0 0,1 0 0,-1 0 0,1 0 0,-1 0 0,1 0 0,0 0 0,0 0 0,-1 0 0,1 0 0,0 0 0,0 0 0,-1 0 0,1 0 0,0 0 0,0 0 0,-1 0 0,1 0 0,0 0 0,0 0 0,3 3 0,-3-2 0,4 2 0,-2 0 0,2 1 0,3 4 0,-3-1 0,-1 0 0,-4 1 0,-3 0 0,2-1 0,-3 1 0,5-1 0,6-6 0,6 2 0,0-6 0,2 3 0</inkml:trace>
+</inkml:ink>
+</file>
+
+<file path=ppt/ink/ink100.xml><?xml version="1.0" encoding="utf-8"?>
+<inkml:ink xmlns:inkml="http://www.w3.org/2003/InkML">
+  <inkml:definitions>
+    <inkml:context xml:id="ctx0">
+      <inkml:inkSource xml:id="inkSrc0">
+        <inkml:traceFormat>
+          <inkml:channel name="X" type="integer" min="-2.14748E9" max="2.14748E9" units="cm"/>
+          <inkml:channel name="Y" type="integer" min="-2.14748E9" max="2.14748E9" units="cm"/>
+          <inkml:channel name="F" type="integer" max="32767" units="dev"/>
+        </inkml:traceFormat>
+        <inkml:channelProperties>
+          <inkml:channelProperty channel="X" name="resolution" value="1000" units="1/cm"/>
+          <inkml:channelProperty channel="Y" name="resolution" value="1000" units="1/cm"/>
+          <inkml:channelProperty channel="F" name="resolution" value="0" units="1/dev"/>
+        </inkml:channelProperties>
+      </inkml:inkSource>
+      <inkml:timestamp xml:id="ts0" timeString="2022-09-22T23:16:24.861"/>
+    </inkml:context>
+    <inkml:brush xml:id="br0">
+      <inkml:brushProperty name="width" value="0.1" units="cm"/>
+      <inkml:brushProperty name="height" value="0.1" units="cm"/>
+      <inkml:brushProperty name="color" value="#FFC114"/>
+    </inkml:brush>
+  </inkml:definitions>
+  <inkml:trace contextRef="#ctx0" brushRef="#br0">0 15 24575,'10'0'0,"2"0"0,-1 0 0,4 0 0,-4 0 0,2 0 0,-5 0 0,5 0 0,-2 0 0,4 0 0,-1 0 0,1 0 0,-1 0 0,1 0 0,-4 0 0,7 0 0,-10 0 0,10-7 0,-7 6 0,0-6 0,-1 7 0,-3 0 0,-1 0 0,1 0 0,-1 0 0,1 0 0,-1 0 0,0 0 0,0 0 0,0 0 0,1 0 0,-1 0 0,4 0 0,-2 0 0,5 0 0,-2 0 0,4 0 0,-4 0 0,-1 0 0,-4 0 0,1 0 0,0 0 0,-1 0 0,-2 0 0,-1 0 0</inkml:trace>
+</inkml:ink>
+</file>
+
+<file path=ppt/ink/ink101.xml><?xml version="1.0" encoding="utf-8"?>
+<inkml:ink xmlns:inkml="http://www.w3.org/2003/InkML">
+  <inkml:definitions>
+    <inkml:context xml:id="ctx0">
+      <inkml:inkSource xml:id="inkSrc0">
+        <inkml:traceFormat>
+          <inkml:channel name="X" type="integer" min="-2.14748E9" max="2.14748E9" units="cm"/>
+          <inkml:channel name="Y" type="integer" min="-2.14748E9" max="2.14748E9" units="cm"/>
+          <inkml:channel name="F" type="integer" max="32767" units="dev"/>
+        </inkml:traceFormat>
+        <inkml:channelProperties>
+          <inkml:channelProperty channel="X" name="resolution" value="1000" units="1/cm"/>
+          <inkml:channelProperty channel="Y" name="resolution" value="1000" units="1/cm"/>
+          <inkml:channelProperty channel="F" name="resolution" value="0" units="1/dev"/>
+        </inkml:channelProperties>
+      </inkml:inkSource>
+      <inkml:timestamp xml:id="ts0" timeString="2022-09-22T23:16:26.333"/>
+    </inkml:context>
+    <inkml:brush xml:id="br0">
+      <inkml:brushProperty name="width" value="0.1" units="cm"/>
+      <inkml:brushProperty name="height" value="0.1" units="cm"/>
+      <inkml:brushProperty name="color" value="#FFC114"/>
+    </inkml:brush>
+  </inkml:definitions>
+  <inkml:trace contextRef="#ctx0" brushRef="#br0">1 0 24575,'17'0'0,"2"0"0,5 0 0,-1 0 0,1 0 0,0 0 0,0 0 0,0 0 0,-4 0 0,-2 0 0,-7 0 0,3 0 0,-6 0 0,2 0 0,-4 0 0,0 0 0,-2 0 0,-2 0 0</inkml:trace>
+</inkml:ink>
+</file>
+
+<file path=ppt/ink/ink102.xml><?xml version="1.0" encoding="utf-8"?>
+<inkml:ink xmlns:inkml="http://www.w3.org/2003/InkML">
+  <inkml:definitions>
+    <inkml:context xml:id="ctx0">
+      <inkml:inkSource xml:id="inkSrc0">
+        <inkml:traceFormat>
+          <inkml:channel name="X" type="integer" min="-2.14748E9" max="2.14748E9" units="cm"/>
+          <inkml:channel name="Y" type="integer" min="-2.14748E9" max="2.14748E9" units="cm"/>
+          <inkml:channel name="F" type="integer" max="32767" units="dev"/>
+        </inkml:traceFormat>
+        <inkml:channelProperties>
+          <inkml:channelProperty channel="X" name="resolution" value="1000" units="1/cm"/>
+          <inkml:channelProperty channel="Y" name="resolution" value="1000" units="1/cm"/>
+          <inkml:channelProperty channel="F" name="resolution" value="0" units="1/dev"/>
+        </inkml:channelProperties>
+      </inkml:inkSource>
+      <inkml:timestamp xml:id="ts0" timeString="2022-09-22T23:16:29.437"/>
+    </inkml:context>
+    <inkml:brush xml:id="br0">
+      <inkml:brushProperty name="width" value="0.1" units="cm"/>
+      <inkml:brushProperty name="height" value="0.1" units="cm"/>
+      <inkml:brushProperty name="color" value="#FFC114"/>
+    </inkml:brush>
+  </inkml:definitions>
+  <inkml:trace contextRef="#ctx0" brushRef="#br0">1 7 24575,'17'0'0,"5"0"0,-7 0 0,4 0 0,0 0 0,-4 0 0,0 0 0,-1 0 0,-7 0 0,4 0 0,-5 0 0,1 0 0,-1 0 0,4 0 0,1 0 0,3 0 0,1 0 0,-4 0 0,-1 0 0,-4 0 0,1 0 0,-1-2 0,1 1 0,-1-2 0,0 3 0,0 0 0,1 0 0,-1 0 0,0 0 0,0 0 0,1 0 0,-1 0 0,1 0 0,-1 0 0,1 0 0,-1 0 0,1 0 0,-1 0 0,0 0 0,1 0 0,-1 0 0,0 0 0,1 0 0,-1 0 0,1 0 0,-1 0 0,1 0 0,-1 0 0,0 0 0,1 0 0,-1 0 0,1 0 0,-1 0 0,1 0 0,-1 0 0,-2 0 0,-1 0 0</inkml:trace>
+</inkml:ink>
+</file>
+
+<file path=ppt/ink/ink103.xml><?xml version="1.0" encoding="utf-8"?>
+<inkml:ink xmlns:inkml="http://www.w3.org/2003/InkML">
+  <inkml:definitions>
+    <inkml:context xml:id="ctx0">
+      <inkml:inkSource xml:id="inkSrc0">
+        <inkml:traceFormat>
+          <inkml:channel name="X" type="integer" min="-2.14748E9" max="2.14748E9" units="cm"/>
+          <inkml:channel name="Y" type="integer" min="-2.14748E9" max="2.14748E9" units="cm"/>
+          <inkml:channel name="F" type="integer" max="32767" units="dev"/>
+        </inkml:traceFormat>
+        <inkml:channelProperties>
+          <inkml:channelProperty channel="X" name="resolution" value="1000" units="1/cm"/>
+          <inkml:channelProperty channel="Y" name="resolution" value="1000" units="1/cm"/>
+          <inkml:channelProperty channel="F" name="resolution" value="0" units="1/dev"/>
+        </inkml:channelProperties>
+      </inkml:inkSource>
+      <inkml:timestamp xml:id="ts0" timeString="2022-09-22T23:16:31.106"/>
+    </inkml:context>
+    <inkml:brush xml:id="br0">
+      <inkml:brushProperty name="width" value="0.1" units="cm"/>
+      <inkml:brushProperty name="height" value="0.1" units="cm"/>
+      <inkml:brushProperty name="color" value="#FFC114"/>
+    </inkml:brush>
+  </inkml:definitions>
+  <inkml:trace contextRef="#ctx0" brushRef="#br0">1 0 24575,'13'0'0,"0"0"0,6 0 0,5 0 0,1 0 0,4 0 0,-9 0 0,7 0 0,-10 0 0,6 0 0,-8 0 0,0 0 0,-1 0 0,-3 0 0,-1 0 0,-3 0 0,-1 0 0,1 0 0,-4 0 0,0 0 0</inkml:trace>
+</inkml:ink>
+</file>
+
+<file path=ppt/ink/ink104.xml><?xml version="1.0" encoding="utf-8"?>
+<inkml:ink xmlns:inkml="http://www.w3.org/2003/InkML">
+  <inkml:definitions>
+    <inkml:context xml:id="ctx0">
+      <inkml:inkSource xml:id="inkSrc0">
+        <inkml:traceFormat>
+          <inkml:channel name="X" type="integer" min="-2.14748E9" max="2.14748E9" units="cm"/>
+          <inkml:channel name="Y" type="integer" min="-2.14748E9" max="2.14748E9" units="cm"/>
+          <inkml:channel name="F" type="integer" max="32767" units="dev"/>
+        </inkml:traceFormat>
+        <inkml:channelProperties>
+          <inkml:channelProperty channel="X" name="resolution" value="1000" units="1/cm"/>
+          <inkml:channelProperty channel="Y" name="resolution" value="1000" units="1/cm"/>
+          <inkml:channelProperty channel="F" name="resolution" value="0" units="1/dev"/>
+        </inkml:channelProperties>
+      </inkml:inkSource>
+      <inkml:timestamp xml:id="ts0" timeString="2022-09-22T23:16:32.938"/>
+    </inkml:context>
+    <inkml:brush xml:id="br0">
+      <inkml:brushProperty name="width" value="0.1" units="cm"/>
+      <inkml:brushProperty name="height" value="0.1" units="cm"/>
+      <inkml:brushProperty name="color" value="#FFC114"/>
+    </inkml:brush>
+  </inkml:definitions>
+  <inkml:trace contextRef="#ctx0" brushRef="#br0">1 1 24575,'16'0'0,"9"0"0,-4 0 0,7 0 0,1 0 0,-4 0 0,0 0 0,-7 0 0,-7 0 0,0 0 0,-1 0 0,-3 0 0,3 0 0,-4 0 0,1 0 0,-1 0 0,0 0 0,0 0 0,1 0 0,-1 0 0,4 0 0,1 0 0,8 0 0,-3 0 0,6 0 0,-6 0 0,-1 0 0,-1 0 0,-7 0 0,3 0 0,-3 0 0,-3 0 0,-2 0 0</inkml:trace>
+</inkml:ink>
+</file>
+
+<file path=ppt/ink/ink105.xml><?xml version="1.0" encoding="utf-8"?>
+<inkml:ink xmlns:inkml="http://www.w3.org/2003/InkML">
+  <inkml:definitions>
+    <inkml:context xml:id="ctx0">
+      <inkml:inkSource xml:id="inkSrc0">
+        <inkml:traceFormat>
+          <inkml:channel name="X" type="integer" min="-2.14748E9" max="2.14748E9" units="cm"/>
+          <inkml:channel name="Y" type="integer" min="-2.14748E9" max="2.14748E9" units="cm"/>
+          <inkml:channel name="F" type="integer" max="32767" units="dev"/>
+        </inkml:traceFormat>
+        <inkml:channelProperties>
+          <inkml:channelProperty channel="X" name="resolution" value="1000" units="1/cm"/>
+          <inkml:channelProperty channel="Y" name="resolution" value="1000" units="1/cm"/>
+          <inkml:channelProperty channel="F" name="resolution" value="0" units="1/dev"/>
+        </inkml:channelProperties>
+      </inkml:inkSource>
+      <inkml:timestamp xml:id="ts0" timeString="2022-09-22T23:19:19.462"/>
+    </inkml:context>
+    <inkml:brush xml:id="br0">
+      <inkml:brushProperty name="width" value="0.1" units="cm"/>
+      <inkml:brushProperty name="height" value="0.1" units="cm"/>
+      <inkml:brushProperty name="color" value="#EBEBEB"/>
+    </inkml:brush>
+  </inkml:definitions>
+  <inkml:trace contextRef="#ctx0" brushRef="#br0">1 1 24575,'22'0'0,"-4"0"0,0 0 0,-3 0 0,4 0 0,-4 0 0,4 0 0,-5 3 0,1-2 0,-1 2 0,1 0 0,-1-2 0,1 5 0,4-5 0,0 2 0,5-3 0,0 4 0,0-3 0,0 2 0,5 1 0,6-3 0,1 3 0,0-1 0,-7-2 0,-1 3 0,2-4 0,0 3 0,3-2 0,-8 6 0,9-6 0,-9 6 0,3-6 0,-4 6 0,-4-6 0,3 6 0,-8-6 0,4 3 0,-4-1 0,3-2 0,2 2 0,4-3 0,0 4 0,0-4 0,4 4 0,-3-1 0,9-2 0,-9 3 0,9 0 0,-9-3 0,8 3 0,-3-4 0,5 0 0,-1 0 0,1 0 0,5 0 0,-4 0 0,10 0 0,-5 0 0,6 0 0,13 0 0,-16 0 0,35 0 0,-38 0 0,30-5 0,-28 4 0,16-4 0,-10 5 0,4 0 0,-7 0 0,1 0 0,0 0 0,-5 0 0,-7 0 0,-2 0 0,-7 4 0,-2-3 0,-1 6 0,-8-6 0,4 6 0,-4-7 0,-1 4 0,1-4 0,-1 0 0,1 3 0,-1-2 0,5 2 0,-4-3 0,8 0 0,-7 0 0,2 0 0,-3 0 0,3 0 0,-2 3 0,7-2 0,-3 6 0,14-3 0,-8 1 0,13 2 0,-14-3 0,8 5 0,-8-1 0,9 1 0,-4-1 0,0 0 0,3 1 0,-3-1 0,5-3 0,-5 3 0,8-8 0,-6 8 0,8-7 0,-6 3 0,1-4 0,0 3 0,-1-2 0,1 7 0,0-7 0,5 7 0,-4-7 0,19 11 0,-16-6 0,11 6 0,-20-3 0,-1-5 0,-5 4 0,-1-4 0,-3 4 0,3-4 0,-7 2 0,2-2 0,1 4 0,-4-1 0,4-2 0,-4 1 0,-1-5 0,1 5 0,-1-5 0,1 6 0,-1-7 0,5 7 0,-3-6 0,6 6 0,-6-6 0,17 10 0,-10-6 0,11 7 0,-10-5 0,0 1 0,-4-3 0,3 2 0,-8-3 0,4 0 0,-5 0 0,-3-1 0,3-3 0,-7 6 0,4-5 0,1 5 0,0-6 0,2 3 0,0 1 0,-3-4 0,0 4 0,-1-4 0,-4 0 0,1 0 0,-1 0 0,1 0 0,-1 0 0,-2 0 0,-1 0 0</inkml:trace>
+</inkml:ink>
+</file>
+
+<file path=ppt/ink/ink106.xml><?xml version="1.0" encoding="utf-8"?>
+<inkml:ink xmlns:inkml="http://www.w3.org/2003/InkML">
+  <inkml:definitions>
+    <inkml:context xml:id="ctx0">
+      <inkml:inkSource xml:id="inkSrc0">
+        <inkml:traceFormat>
+          <inkml:channel name="X" type="integer" min="-2.14748E9" max="2.14748E9" units="cm"/>
+          <inkml:channel name="Y" type="integer" min="-2.14748E9" max="2.14748E9" units="cm"/>
+          <inkml:channel name="F" type="integer" max="32767" units="dev"/>
+        </inkml:traceFormat>
+        <inkml:channelProperties>
+          <inkml:channelProperty channel="X" name="resolution" value="1000" units="1/cm"/>
+          <inkml:channelProperty channel="Y" name="resolution" value="1000" units="1/cm"/>
+          <inkml:channelProperty channel="F" name="resolution" value="0" units="1/dev"/>
+        </inkml:channelProperties>
+      </inkml:inkSource>
+      <inkml:timestamp xml:id="ts0" timeString="2022-09-22T23:19:21.978"/>
+    </inkml:context>
+    <inkml:brush xml:id="br0">
+      <inkml:brushProperty name="width" value="0.1" units="cm"/>
+      <inkml:brushProperty name="height" value="0.1" units="cm"/>
+      <inkml:brushProperty name="color" value="#EBEBEB"/>
+    </inkml:brush>
+  </inkml:definitions>
+  <inkml:trace contextRef="#ctx0" brushRef="#br0">0 1304 24575,'21'0'0,"10"-4"0,12-6 0,12-6 0,5-8 0,7 2 0,2-8 0,0 3 0,0-10 0,-24 15 0,13-7 0,-12 4 0,4 4 0,23-16 0,-37 19 0,49-9 0,-58 10 0,42-8 0,-35 11 0,25-9 0,-16 9 0,9-6 0,-11 2 0,1 4 0,-2-3 0,-10 8 0,-2-3 0,-4 4 0,0-4 0,0 3 0,0-2 0,0 3 0,-5-3 0,4 2 0,-3-2 0,4 0 0,0-2 0,0 1 0,20-11 0,-11 11 0,23-12 0,-20 10 0,10-4 0,-10 4 0,9-4 0,-9 5 0,4-1 0,-5 1 0,-5 1 0,3 3 0,-3-3 0,0 3 0,4 1 0,-5-1 0,18-4 0,-10 3 0,15-4 0,-11 5 0,12-1 0,-4 5 0,3-4 0,-10 4 0,-2 0 0,-10-3 0,-1 4 0,-10-4 0,4 1 0,-3 2 0,4-2 0,0-1 0,0 0 0,0-4 0,4 4 0,-3 0 0,4-1 0,0-3 0,-4 7 0,3-6 0,1 6 0,1-4 0,5 1 0,-1 3 0,1-3 0,5 3 0,2-4 0,5 0 0,-1-1 0,-4 1 0,-2 4 0,-5-3 0,-1 4 0,-4-1 0,4-3 0,-9 7 0,3-3 0,-4 4 0,5 0 0,-4 0 0,4 0 0,0 0 0,-4-3 0,3 2 0,1-6 0,-4 6 0,8-7 0,-8 7 0,4-6 0,0 2 0,-4 0 0,8-2 0,-8 6 0,4-7 0,-5 7 0,0-6 0,-1 3 0,1-1 0,-4-1 0,3 5 0,-8-6 0,4 7 0,-4-4 0,-1 1 0,1 2 0,-1-2 0,1 3 0,-1-3 0,1 2 0,-5-2 0,4 0 0,-7 2 0,7-2 0,-7 3 0,4-3 0,-5 2 0,1-2 0,-1 3 0,1 0 0,-1-2 0,0 1 0,1-2 0,-4 3 0,0 0 0</inkml:trace>
+</inkml:ink>
+</file>
+
+<file path=ppt/ink/ink107.xml><?xml version="1.0" encoding="utf-8"?>
+<inkml:ink xmlns:inkml="http://www.w3.org/2003/InkML">
+  <inkml:definitions>
+    <inkml:context xml:id="ctx0">
+      <inkml:inkSource xml:id="inkSrc0">
+        <inkml:traceFormat>
+          <inkml:channel name="X" type="integer" min="-2.14748E9" max="2.14748E9" units="cm"/>
+          <inkml:channel name="Y" type="integer" min="-2.14748E9" max="2.14748E9" units="cm"/>
+          <inkml:channel name="F" type="integer" max="32767" units="dev"/>
+        </inkml:traceFormat>
+        <inkml:channelProperties>
+          <inkml:channelProperty channel="X" name="resolution" value="1000" units="1/cm"/>
+          <inkml:channelProperty channel="Y" name="resolution" value="1000" units="1/cm"/>
+          <inkml:channelProperty channel="F" name="resolution" value="0" units="1/dev"/>
+        </inkml:channelProperties>
+      </inkml:inkSource>
+      <inkml:timestamp xml:id="ts0" timeString="2022-09-22T23:19:24.876"/>
+    </inkml:context>
+    <inkml:brush xml:id="br0">
+      <inkml:brushProperty name="width" value="0.1" units="cm"/>
+      <inkml:brushProperty name="height" value="0.1" units="cm"/>
+      <inkml:brushProperty name="color" value="#EBEBEB"/>
+    </inkml:brush>
+  </inkml:definitions>
+  <inkml:trace contextRef="#ctx0" brushRef="#br0">1 87 24575,'13'0'0,"0"0"0,1 0 0,5 0 0,-3 0 0,2 0 0,1-3 0,-3 2 0,2-3 0,-3 4 0,-4-3 0,2 3 0,-5-3 0,6 3 0,-4 0 0,4 0 0,-4 0 0,3 0 0,-6-3 0,3 2 0,-3-2 0,3 3 0,-2 0 0,5-6 0,-5 4 0,5-4 0,-2 6 0,4-4 0,-1 4 0,1-4 0,-1 1 0,1 2 0,4-2 0,-4 3 0,4 0 0,-1-3 0,-2 2 0,7-3 0,-3 1 0,8 2 0,2-7 0,5 7 0,0-3 0,-1 1 0,1 2 0,0-3 0,-1 4 0,1 0 0,0 0 0,-1 0 0,1 0 0,0 0 0,5 0 0,1 0 0,6 0 0,0 0 0,21 0 0,-22 0 0,21 0 0,-26 0 0,1 0 0,-2 0 0,-6 0 0,1 0 0,0 0 0,-5 0 0,3 0 0,-3 0 0,5 0 0,-1 0 0,6 0 0,-4 0 0,10 0 0,-5 0 0,6 0 0,6 4 0,-4-3 0,3 4 0,-10-5 0,3 0 0,-9 0 0,4 0 0,0 0 0,-3 0 0,8 0 0,-3 0 0,4 0 0,1 0 0,21 0 0,-16 0 0,10 0 0,-16 0 0,-5 0 0,6 0 0,-6 0 0,5 0 0,-5 0 0,1 0 0,3 0 0,-9 0 0,9 0 0,-3 0 0,4 0 0,1 0 0,16 0 0,-13 0 0,7 0 0,-17 0 0,-5 0 0,5 4 0,-4-3 0,4 3 0,-5 0 0,-5-3 0,3 3 0,-8-4 0,4 0 0,-5 0 0,-5 0 0,0 0 0,-8 0 0,-1 0 0,-3 0 0,3 0 0,1 0 0,0 0 0,2 0 0,3 0 0,3 0 0,5 0 0,5 0 0,-4 0 0,8 0 0,-7 0 0,2 0 0,-4 0 0,-4 0 0,3 0 0,-8 0 0,4 0 0,-5 0 0,5 0 0,1 0 0,4 0 0,0-4 0,-1 4 0,1-4 0,0 0 0,0 4 0,-4-4 0,3 0 0,-8 4 0,4-4 0,0 0 0,-4 4 0,4-4 0,-5 4 0,5 0 0,-3 0 0,2 0 0,-3 0 0,-1 0 0,-3 0 0,3 0 0,-3 0 0,3 0 0,1 0 0,4 0 0,-4 0 0,4 0 0,-5 0 0,1 0 0,-4 0 0,2 0 0,-6 0 0,4 0 0,-5 0 0,0 0 0,-2 0 0,-1 0 0</inkml:trace>
+</inkml:ink>
+</file>
+
+<file path=ppt/ink/ink108.xml><?xml version="1.0" encoding="utf-8"?>
+<inkml:ink xmlns:inkml="http://www.w3.org/2003/InkML">
+  <inkml:definitions>
+    <inkml:context xml:id="ctx0">
+      <inkml:inkSource xml:id="inkSrc0">
+        <inkml:traceFormat>
+          <inkml:channel name="X" type="integer" min="-2.14748E9" max="2.14748E9" units="cm"/>
+          <inkml:channel name="Y" type="integer" min="-2.14748E9" max="2.14748E9" units="cm"/>
+          <inkml:channel name="F" type="integer" max="32767" units="dev"/>
+        </inkml:traceFormat>
+        <inkml:channelProperties>
+          <inkml:channelProperty channel="X" name="resolution" value="1000" units="1/cm"/>
+          <inkml:channelProperty channel="Y" name="resolution" value="1000" units="1/cm"/>
+          <inkml:channelProperty channel="F" name="resolution" value="0" units="1/dev"/>
+        </inkml:channelProperties>
+      </inkml:inkSource>
+      <inkml:timestamp xml:id="ts0" timeString="2022-09-22T23:19:28.509"/>
+    </inkml:context>
+    <inkml:brush xml:id="br0">
+      <inkml:brushProperty name="width" value="0.1" units="cm"/>
+      <inkml:brushProperty name="height" value="0.1" units="cm"/>
+      <inkml:brushProperty name="color" value="#EBEBEB"/>
+    </inkml:brush>
+  </inkml:definitions>
+  <inkml:trace contextRef="#ctx0" brushRef="#br0">1 0 24575,'13'0'0,"4"0"0,3 0 0,4 0 0,4 0 0,-7 0 0,12 0 0,-8 0 0,5 0 0,4 0 0,-4 0 0,-1 0 0,5 0 0,-9 0 0,3 0 0,-4 0 0,0 0 0,0 0 0,0 0 0,5 0 0,-9 0 0,8 0 0,-8 0 0,0 0 0,2 0 0,-2 0 0,0 0 0,3 0 0,-4 0 0,5 4 0,0-3 0,0 6 0,-4-6 0,3 6 0,-4-3 0,5 1 0,0 2 0,0-6 0,0 6 0,0-6 0,4 6 0,-3-6 0,9 3 0,-9-1 0,9-2 0,-5 3 0,1-4 0,4 0 0,-4 0 0,4 0 0,-4 3 0,4-2 0,-4 3 0,10-4 0,-4 0 0,9 0 0,-3 0 0,5 4 0,0-3 0,5 3 0,-3 0 0,10-3 0,-11 8 0,11-8 0,-16 7 0,9-7 0,-16 6 0,4-2 0,-6 0 0,1 3 0,0-7 0,-5 6 0,3-6 0,-3 2 0,5 1 0,-1-3 0,0 7 0,0-7 0,7 3 0,-5 0 0,9-3 0,-3 7 0,-1-7 0,5 3 0,-5 0 0,1-3 0,3 3 0,-9-4 0,4 0 0,0 4 0,-4-3 0,4 4 0,1-5 0,-5 0 0,9 0 0,-3 0 0,4 0 0,7 4 0,-4-3 0,3 4 0,1-1 0,-4-3 0,4 4 0,-6-1 0,-6-3 0,-1 3 0,-5 0 0,0-3 0,-1 3 0,-4-4 0,-1 0 0,-6 0 0,6 0 0,-4 0 0,4 0 0,-5 0 0,0 0 0,0 0 0,0 0 0,-5 0 0,4 0 0,-3 0 0,4 0 0,0 0 0,0 0 0,-1 0 0,12 0 0,-9 0 0,9 0 0,-15 0 0,2 0 0,-10 0 0,6 0 0,-7 0 0,4 0 0,-1 0 0,1 0 0,-1 3 0,1-2 0,-1 2 0,1-3 0,-1 0 0,1 3 0,-1-2 0,-3 2 0,3-3 0,-7 0 0,4 0 0,-5 0 0,1 0 0,-1 0 0,0 0 0,1 0 0,-1 0 0,4 0 0,-2 0 0,2 0 0,-4 0 0,1 0 0,-4 0 0,0 0 0</inkml:trace>
+</inkml:ink>
+</file>
+
+<file path=ppt/ink/ink109.xml><?xml version="1.0" encoding="utf-8"?>
+<inkml:ink xmlns:inkml="http://www.w3.org/2003/InkML">
+  <inkml:definitions>
+    <inkml:context xml:id="ctx0">
+      <inkml:inkSource xml:id="inkSrc0">
+        <inkml:traceFormat>
+          <inkml:channel name="X" type="integer" min="-2.14748E9" max="2.14748E9" units="cm"/>
+          <inkml:channel name="Y" type="integer" min="-2.14748E9" max="2.14748E9" units="cm"/>
+          <inkml:channel name="F" type="integer" max="32767" units="dev"/>
+        </inkml:traceFormat>
+        <inkml:channelProperties>
+          <inkml:channelProperty channel="X" name="resolution" value="1000" units="1/cm"/>
+          <inkml:channelProperty channel="Y" name="resolution" value="1000" units="1/cm"/>
+          <inkml:channelProperty channel="F" name="resolution" value="0" units="1/dev"/>
+        </inkml:channelProperties>
+      </inkml:inkSource>
+      <inkml:timestamp xml:id="ts0" timeString="2022-09-22T23:19:31.108"/>
+    </inkml:context>
+    <inkml:brush xml:id="br0">
+      <inkml:brushProperty name="width" value="0.1" units="cm"/>
+      <inkml:brushProperty name="height" value="0.1" units="cm"/>
+      <inkml:brushProperty name="color" value="#EBEBEB"/>
+    </inkml:brush>
+  </inkml:definitions>
+  <inkml:trace contextRef="#ctx0" brushRef="#br0">0 109 24575,'10'0'0,"3"0"0,-2 0 0,3 0 0,1 0 0,-1 0 0,5 0 0,-3 0 0,7 0 0,1 0 0,17 0 0,-3 0 0,8 0 0,-11 0 0,5 0 0,-4 0 0,10 0 0,-10 0 0,9 0 0,-14 0 0,8 0 0,-3 0 0,5 0 0,6 0 0,0 0 0,6 0 0,8 0 0,-11 0 0,15 0 0,-16 0 0,18 0 0,-11 0 0,9 0 0,-16 0 0,-2 0 0,-7 0 0,-5 0 0,-5 0 0,-2 0 0,1 0 0,-4 0 0,9 0 0,-4 0 0,4 0 0,1 0 0,5 0 0,-4 0 0,4 0 0,0-4 0,-4 3 0,9-7 0,-8 7 0,8-8 0,-9 8 0,10-7 0,-10 7 0,9-7 0,-9 3 0,10-4 0,-10 4 0,25-3 0,-22 3 0,22 0 0,-25-3 0,10 7 0,-5-3 0,1 4 0,3-4 0,-9 3 0,5-3 0,-7 0 0,6 3 0,-4-3 0,4 4 0,-5 0 0,0 0 0,-5 0 0,-2 0 0,1 0 0,-8 0 0,7 0 0,-9 0 0,5 0 0,-4 0 0,8 0 0,-7 0 0,12 0 0,-8 0 0,9 0 0,-4 0 0,4 0 0,6 0 0,-4 0 0,4 0 0,-5 0 0,-5 0 0,3 0 0,-8 0 0,4 0 0,6 0 0,-13 0 0,12 0 0,-19 0 0,8 0 0,-8 0 0,8 4 0,-3-3 0,4 6 0,0-6 0,0 6 0,0-6 0,0 2 0,-1 1 0,1 0 0,0 1 0,5 2 0,-4-6 0,8 7 0,-7-4 0,2 5 0,-4-1 0,0-4 0,0 3 0,0-6 0,-4 6 0,-2-6 0,-3 2 0,-1-3 0,-3 3 0,2-3 0,-5 3 0,5-3 0,-2 0 0,0 0 0,2 0 0,-5 0 0,2 0 0,-4 0 0,1 0 0,-1 0 0,1 0 0,-1 0 0,1 0 0,-1 0 0,9 0 0,-3 0 0,10 0 0,-2 0 0,4 0 0,-4 0 0,3 0 0,-11 0 0,5 0 0,-9 0 0,2 0 0,-4 0 0,1 0 0,0 0 0,3 0 0,1 0 0,3 0 0,1 0 0,-1 0 0,-3 0 0,3 0 0,-7 0 0,3 0 0,-3 0 0,-1 0 0,1 0 0,-1 0 0,1 0 0,-1 0 0,0 0 0,1 3 0,-1-2 0,4 5 0,-5-5 0,1 2 0</inkml:trace>
 </inkml:ink>
 </file>
 
@@ -2086,7 +2367,7 @@
       <inkml:brushProperty name="height" value="0.1" units="cm"/>
     </inkml:brush>
   </inkml:definitions>
-  <inkml:trace contextRef="#ctx0" brushRef="#br0">1 1 24575,'13'0'0,"5"0"0,-2 0 0,6 0 0,-2 0 0,4 0 0,0 0 0,0 0 0,0 0 0,0 0 0,0 0 0,-1 0 0,1 0 0,-4 0 0,3 0 0,-8 0 0,8 0 0,-7 3 0,3-2 0,6 9 0,-8-8 0,4 4 0,-7-2 0,-6-4 0,2 4 0,-4-1 0,1-3 0,-1 3 0,0-3 0,1 0 0,-1 0 0,1 3 0,-1-2 0,1 2 0,3-3 0,1 0 0,3 0 0,5 3 0,1-2 0,-1 3 0,9-4 0,-7 3 0,12-2 0,-7 6 0,7-6 0,-3 3 0,5-4 0,-1 0 0,1 0 0,5 4 0,-9-3 0,8 3 0,-9-4 0,5 0 0,-5 0 0,3 4 0,-8-3 0,4 6 0,-1-6 0,-2 6 0,2-6 0,1 7 0,-4-7 0,9 2 0,-5-3 0,6 4 0,-1-3 0,6 3 0,-5-4 0,5 0 0,-5 4 0,4-3 0,-3 7 0,4-7 0,-5 2 0,5-3 0,-4 0 0,9 0 0,-9 0 0,43 0 0,-34 0 0,47 0 0,-48 0 0,22 0 0,-18 0 0,11 0 0,-4 0 0,-1 0 0,5 0 0,-16 0 0,8 0 0,-14 4 0,8-3 0,-9 7 0,-1-7 0,-1 3 0,-9-1 0,8-2 0,-8 6 0,4-6 0,-5 3 0,0-1 0,0-2 0,5 3 0,-4-4 0,8 3 0,-3-2 0,0 3 0,3-4 0,-3 0 0,5 0 0,0 4 0,-1-3 0,1 3 0,0-4 0,-1 4 0,1-3 0,5 3 0,-4-1 0,10-2 0,-5 3 0,6-4 0,-1 4 0,1-2 0,0 2 0,6-4 0,-5 0 0,5 0 0,0 0 0,-5 0 0,5 0 0,-6 0 0,6 0 0,-5 0 0,5 0 0,-6 0 0,6 0 0,1 0 0,1 0 0,4 0 0,9 0 0,-15 0 0,18 0 0,-22 0 0,12 0 0,-1 0 0,1-5 0,13 4 0,-10-3 0,5 4 0,3 0 0,-20 0 0,21 0 0,3 0 0,-21 0 0,31 0 0,-35 0 0,16 0 0,-7 0 0,0 0 0,1 0 0,-1-5 0,1 4 0,-7-3 0,19 4 0,-26 0 0,24 0 0,-22 0 0,12 0 0,-1 0 0,-6 0 0,5-5 0,-11 4 0,5-4 0,-11 2 0,3 2 0,12-7 0,-12 7 0,16-4 0,-19 5 0,-1 0 0,4-4 0,-3 3 0,4-3 0,1 0 0,-7 3 0,6-3 0,-5-1 0,0 4 0,0-3 0,-7 0 0,1 3 0,0-2 0,-1 3 0,1 0 0,0-4 0,-1 3 0,1-3 0,5 4 0,-4 0 0,9 0 0,-4 0 0,6-4 0,6 3 0,-4-3 0,3 4 0,1 0 0,-4-5 0,4 4 0,-6-3 0,-1 4 0,1 0 0,0 0 0,6 0 0,8 0 0,-15 0 0,17 0 0,-19 0 0,17 0 0,-1 0 0,-5 0 0,4 0 0,-11 0 0,11 0 0,-11 0 0,5 0 0,-6 0 0,0 0 0,6 0 0,-5 0 0,11 0 0,-10 0 0,9 0 0,11 0 0,-17 0 0,14 0 0,-18 0 0,0 0 0,11 0 0,-11 0 0,5 0 0,-6 0 0,0 0 0,0 0 0,0 0 0,0 0 0,-1 0 0,7 0 0,-5 0 0,11 0 0,16 0 0,-15 0 0,14 0 0,-27 0 0,-1 4 0,1-3 0,0 4 0,0-1 0,12-3 0,-15 3 0,19-4 0,-7 0 0,-6 0 0,8 0 0,-11 0 0,2 4 0,9-3 0,-9 3 0,3-4 0,-5 0 0,0 0 0,0 0 0,-1 0 0,1 0 0,27 0 0,-21 4 0,27-2 0,-31 2 0,10 0 0,-11 1 0,5 1 0,-6 2 0,-1-3 0,1 1 0,0 2 0,0-7 0,-1 3 0,1 0 0,0-3 0,0 4 0,0-5 0,6 0 0,-5 0 0,11 0 0,-10 0 0,4 0 0,20 0 0,-24 0 0,23 0 0,-36 0 0,9 0 0,-8 0 0,8 0 0,-9 0 0,10 0 0,-5 0 0,1 0 0,3 0 0,-4 0 0,6 0 0,0 0 0,0 0 0,20 0 0,-26 0 0,30 0 0,-33 0 0,14 0 0,-5 0 0,-1 0 0,1 0 0,21 0 0,-16 0 0,15 0 0,-14 0 0,-5 0 0,5 0 0,-6 0 0,0 0 0,0 0 0,-1 0 0,1 0 0,-5 0 0,-3 0 0,-4 0 0,-1 0 0,1 0 0,0 0 0,-5 0 0,8 0 0,-6 0 0,8 0 0,-6 0 0,6 0 0,-4 0 0,4 0 0,-5 0 0,0 0 0,-6 0 0,0 0 0,-5 0 0,0 0 0,-4 0 0,-2 0 0,-7 0 0,-1 0 0,-3 0 0,-1 0 0,1 0 0,-1 0 0,1 0 0,-1 0 0,0 0 0,1 0 0,-1 0 0,1 0 0,-1 0 0,0 0 0,1 0 0,-1 0 0,1 0 0,-1 0 0,1 0 0,-1 0 0,1 0 0,0 0 0,-1 0 0,0 0 0,0 0 0,1 0 0,-1 0 0,0 0 0,1 0 0,-1 0 0,0 0 0,0 0 0,1 0 0,-1 0 0,1 0 0,-1 0 0,0 0 0,0 0 0,1 0 0,-1 0 0,1 0 0,-1 0 0,1 0 0,-1 0 0,0 0 0,1 0 0,-1 0 0,0 0 0,1 0 0,-1 0 0,0 0 0,1 0 0,-1 0 0,0 0 0,1 0 0,-1 0 0,1 0 0,-1 0 0,1 0 0,-1 0 0,0 0 0,0 0 0,0 0 0,1 0 0,0 0 0,-1 0 0,1 0 0,-4 0 0,0 0 0</inkml:trace>
+  <inkml:trace contextRef="#ctx0" brushRef="#br0">2 6 24575,'13'0'0,"4"0"0,-1 0 0,6 0 0,-3 0 0,4 0 0,1 0 0,-1 0 0,0 0 0,0 0 0,1 0 0,-1 0 0,0 0 0,-3 0 0,2 0 0,-7 0 0,7 0 0,-7 3 0,4-2 0,5 9 0,-7-8 0,4 5 0,-8-4 0,-6-2 0,3 2 0,-3 0 0,-1-2 0,0 2 0,0-3 0,1 0 0,-1 0 0,0 2 0,1-1 0,-1 2 0,4-3 0,0 0 0,5 0 0,3 4 0,1-3 0,0 2 0,8-3 0,-7 4 0,13-4 0,-9 8 0,9-8 0,-4 4 0,5-4 0,0 0 0,0 0 0,5 4 0,-9-3 0,8 3 0,-9-4 0,5 0 0,-5 0 0,4 4 0,-9-3 0,4 7 0,0-8 0,-4 8 0,4-8 0,0 8 0,-3-7 0,7 3 0,-2-4 0,3 3 0,0-2 0,6 3 0,-5-4 0,5 0 0,-5 4 0,5-3 0,-4 7 0,4-7 0,-6 3 0,6-4 0,-4 0 0,10 0 0,-10 0 0,42 0 0,-34 0 0,47 0 0,-47 0 0,21 0 0,-17 0 0,11 0 0,-5 0 0,0 0 0,4 0 0,-15 0 0,8 0 0,-15 4 0,10-4 0,-10 8 0,-1-7 0,-1 3 0,-9 0 0,9-4 0,-9 8 0,4-8 0,-4 4 0,-1-1 0,0-2 0,5 3 0,-3-4 0,7 4 0,-3-3 0,0 3 0,4-4 0,-4 0 0,5 0 0,0 3 0,0-2 0,-1 3 0,1-4 0,0 4 0,0-3 0,5 3 0,-4 0 0,9-3 0,-4 3 0,6-4 0,-1 4 0,1-3 0,0 3 0,5-4 0,-4 0 0,5 0 0,-1 0 0,-4 0 0,5 0 0,-6 0 0,5 0 0,-4 0 0,5 0 0,-7 0 0,7 0 0,1 0 0,0 0 0,5 0 0,8 0 0,-15 0 0,19 0 0,-22 0 0,11 0 0,0 0 0,0-5 0,13 4 0,-9-3 0,4 4 0,3 0 0,-19 0 0,19 0 0,5 0 0,-22 0 0,31 0 0,-35 0 0,17 0 0,-7 0 0,-1 0 0,1 0 0,0-5 0,0 4 0,-6-3 0,18 4 0,-25 0 0,23 0 0,-21 0 0,11 0 0,0 0 0,-7 0 0,6-5 0,-11 4 0,4-3 0,-10 0 0,3 3 0,11-7 0,-10 7 0,14-3 0,-19 4 0,1 0 0,3-4 0,-4 2 0,5-2 0,1 0 0,-7 3 0,5-3 0,-3 0 0,-1 3 0,-1-3 0,-5 0 0,0 3 0,0-3 0,-1 4 0,1 0 0,0-4 0,0 3 0,0-3 0,4 4 0,-3 0 0,9 0 0,-3 0 0,4-4 0,7 3 0,-5-3 0,5 4 0,-1 0 0,-4-4 0,5 3 0,-6-4 0,-1 5 0,1 0 0,-1 0 0,7 0 0,7 0 0,-14 0 0,17 0 0,-19 0 0,16 0 0,0 0 0,-6 0 0,4 0 0,-10 0 0,11 0 0,-11 0 0,4 0 0,-5 0 0,0 0 0,5 0 0,-4 0 0,11 0 0,-11 0 0,10 0 0,10 0 0,-16 0 0,13 0 0,-17 0 0,0 0 0,10 0 0,-10 0 0,5 0 0,-6 0 0,-1 0 0,1 0 0,0 0 0,-1 0 0,1 0 0,5 0 0,-4 0 0,10 0 0,17 0 0,-16 0 0,14 0 0,-27 0 0,1 5 0,0-4 0,-1 3 0,1 0 0,11-3 0,-14 3 0,19-4 0,-8 0 0,-5 0 0,8 0 0,-11 0 0,1 4 0,10-3 0,-10 4 0,4-5 0,-5 0 0,-1 0 0,1 0 0,-1 0 0,1 0 0,26 0 0,-20 4 0,26-3 0,-31 3 0,10 0 0,-9 2 0,3-1 0,-5 4 0,-1-4 0,1 0 0,-1 3 0,1-7 0,0 3 0,-1 1 0,1-4 0,0 3 0,-1-4 0,7 0 0,-5 0 0,10 0 0,-9 0 0,3 0 0,21 0 0,-25 0 0,24 0 0,-36 0 0,9 0 0,-9 0 0,9 0 0,-8 0 0,8 0 0,-4 0 0,1 0 0,3 0 0,-4 0 0,6 0 0,-1 0 0,1 0 0,19 0 0,-24 0 0,27 0 0,-31 0 0,14 0 0,-5 0 0,-1 0 0,1 0 0,20 0 0,-16 0 0,16 0 0,-14 0 0,-5 0 0,4 0 0,-5 0 0,-1 0 0,1 0 0,0 0 0,-1 0 0,-4 0 0,-3 0 0,-4 0 0,0 0 0,-1 0 0,1 0 0,-5 0 0,9 0 0,-7 0 0,8 0 0,-6 0 0,6 0 0,-4 0 0,5 0 0,-7 0 0,1 0 0,-5 0 0,-1 0 0,-5 0 0,0 0 0,-3 0 0,-2 0 0,-8 0 0,0 0 0,-3 0 0,-1 0 0,0 0 0,1 0 0,-1 0 0,0 0 0,0 0 0,1 0 0,-1 0 0,0 0 0,0 0 0,0 0 0,1 0 0,-1 0 0,0 0 0,1 0 0,-1 0 0,0 0 0,1 0 0,-1 0 0,0 0 0,0 0 0,1 0 0,-1 0 0,0 0 0,0 0 0,0 0 0,0 0 0,0 0 0,0 0 0,1 0 0,-1 0 0,0 0 0,1 0 0,-1 0 0,0 0 0,0 0 0,0 0 0,0 0 0,1 0 0,-1 0 0,0 0 0,0 0 0,0 0 0,0 0 0,1 0 0,-1 0 0,0 0 0,0 0 0,1 0 0,-1 0 0,0 0 0,0 0 0,1 0 0,-1 0 0,0 0 0,0 0 0,0 0 0,0 0 0,0 0 0,1 0 0,-1 0 0,0 0 0,1 0 0,-1 0 0,-3 0 0,0 0 0</inkml:trace>
 </inkml:ink>
 </file>
 
@@ -2225,6 +2506,33 @@
 </inkml:ink>
 </file>
 
+<file path=ppt/ink/ink79.xml><?xml version="1.0" encoding="utf-8"?>
+<inkml:ink xmlns:inkml="http://www.w3.org/2003/InkML">
+  <inkml:definitions>
+    <inkml:context xml:id="ctx0">
+      <inkml:inkSource xml:id="inkSrc0">
+        <inkml:traceFormat>
+          <inkml:channel name="X" type="integer" min="-2.14748E9" max="2.14748E9" units="cm"/>
+          <inkml:channel name="Y" type="integer" min="-2.14748E9" max="2.14748E9" units="cm"/>
+          <inkml:channel name="F" type="integer" max="32767" units="dev"/>
+        </inkml:traceFormat>
+        <inkml:channelProperties>
+          <inkml:channelProperty channel="X" name="resolution" value="1000" units="1/cm"/>
+          <inkml:channelProperty channel="Y" name="resolution" value="1000" units="1/cm"/>
+          <inkml:channelProperty channel="F" name="resolution" value="0" units="1/dev"/>
+        </inkml:channelProperties>
+      </inkml:inkSource>
+      <inkml:timestamp xml:id="ts0" timeString="2022-09-22T23:10:51.397"/>
+    </inkml:context>
+    <inkml:brush xml:id="br0">
+      <inkml:brushProperty name="width" value="0.1" units="cm"/>
+      <inkml:brushProperty name="height" value="0.1" units="cm"/>
+    </inkml:brush>
+  </inkml:definitions>
+  <inkml:trace contextRef="#ctx0" brushRef="#br0">68 0 24575,'0'49'0,"0"3"0,0 30 0,0 5-1128,0-29 0,0 2 1128,0-5 0,0 2 0,0 11 0,0 0 0,0-6 0,0-1 0,0 8 0,0 0 0,0 1 0,0-1 0,0-8 0,0 1 0,0 15 0,0 1 0,0-11 0,0 1-666,0 11 0,0 1 666,0-5 0,0 0 0,0 10 0,0 0 0,0-7 0,0-1 0,0 9 0,0-1 0,0-14 0,0-2 0,0 6 0,0-2 0,0-11 0,0-1 36,0-1 1,0-1-37,0-4 0,0-2 0,0 34 0,0-9 0,0 18 0,0-45 0,0 44 1019,0-45-1019,0 11 1618,0 5-1618,0-16 878,0 16-878,0-18 0,0 11 0,0-10 0,0 16 0,0-25 0,0 37 0,0-22 0,0 21 0,0-15 0,0 20 0,0-33 0,0 39 0,0-37 0,0 17 0,0-6 0,0-1 0,0 1 0,-4-1 0,3 1 0,-4-7 0,5 5 0,0-10 0,0 4 0,-4-6 0,3-1 0,-3 1 0,0 0 0,3 0 0,-4 0 0,1 13 0,2-21 0,-2 25 0,4-20 0,0 16 0,0 1 0,0-7 0,-4-1 0,3 0 0,-4-5 0,5 5 0,0-12 0,0 5 0,-4-5 0,3 6 0,-7 0 0,7 0 0,-3-5 0,4-2 0,0-6 0,0 1 0,0 0 0,0-5 0,0 14 0,0-12 0,0 14 0,0-17 0,0 5 0,0-4 0,0 5 0,0-1 0,0 1 0,0 0 0,0-1 0,0 1 0,0 0 0,4-1 0,-4 1 0,4 0 0,-4-1 0,4 1 0,-3 5 0,3-4 0,0 10 0,-3-10 0,3 9 0,-4-3 0,0-1 0,5 5 0,-4-10 0,3 4 0,-4-5 0,0-1 0,0-4 0,0 4 0,0-9 0,0 8 0,0-3 0,0 5 0,0 5 0,0 1 0,0 1 0,0 3 0,0-9 0,0 4 0,0-5 0,0 0 0,0-6 0,0 0 0,0-5 0,0 0 0,0 0 0,0 10 0,0-2 0,0 8 0,0-5 0,0-1 0,0 1 0,0 5 0,0-4 0,0 4 0,0-5 0,0 0 0,0-1 0,0-4 0,0-1 0,0-6 0,0 1 0,0 0 0,0 0 0,0 0 0,0 0 0,0 0 0,0 0 0,0-1 0,0 1 0,0 5 0,0-4 0,0 24 0,0-15 0,4 16 0,0-16 0,5 1 0,-4 0 0,3-1 0,-4 1 0,5 0 0,0-1 0,-4-4 0,-2 4 0,-3-9 0,0 4 0,0-6 0,0 1 0,0 0 0,0 0 0,0 6 0,0-4 0,0 4 0,0-6 0,0 5 0,0-4 0,0 4 0,0-6 0,0 1 0,0 0 0,0-4 0,0-1 0,0-1 0,0-6 0,0 10 0,0-13 0,0 9 0,0-7 0,0 3 0,0-3 0,0-1 0,0-3 0,0 2 0,0-1 0,0 1 0,0-2 0,0-1 0,0 1 0,0 3 0,0-3 0,0 7 0,-3-3 0,2 3 0,-2 1 0,0-4 0,2 2 0,-5-2 0,6 0 0,-4 0 0,4-5 0,0 1 0,-3-1 0,3 1 0,-3-1 0,3 6 0,0 8 0,0 7 0,0 3 0,0 3 0,0-4 0,0 6 0,0-5 0,0-1 0,0-6 0,0-3 0,0-1 0,0-5 0,0 1 0,0-4 0,0 3 0,0-3 0,0-1 0,0 4 0,0-6 0,0 2 0,0 0 0,0-3 0,0 3 0,0 0 0,0-2 0,0 5 0,0-5 0,0 6 0,0-7 0,0 3 0,0 0 0,0-2 0,0 2 0,0-4 0,0 1 0,0 3 0,0 7 0,0-1 0,0 5 0,0-2 0,0-3 0,0 7 0,0-8 0,0 8 0,0-7 0,0 2 0,0-7 0,0 3 0,0-7 0,0 3 0,0-3 0,0-1 0,0 1 0,0-1 0,0 1 0,0-1 0,0 1 0,0-1 0,0 0 0,0 1 0,0-1 0,0 0 0,0 1 0,0 3 0,0 1 0,-7 4 0,6-1 0,-6-3 0,7-1 0,0-3 0,0-1 0,0 1 0,-3-4 0,3 3 0,-3-2 0,3 2 0,0 8 0,-4-2 0,4 7 0,-4-5 0,1 1 0,2-4 0,-2-1 0,3-3 0,0-1 0,-3-2 0,3-1 0,-3-3 0</inkml:trace>
+</inkml:ink>
+</file>
+
 <file path=ppt/ink/ink8.xml><?xml version="1.0" encoding="utf-8"?>
 <inkml:ink xmlns:inkml="http://www.w3.org/2003/InkML">
   <inkml:definitions>
@@ -2252,6 +2560,283 @@
 </inkml:ink>
 </file>
 
+<file path=ppt/ink/ink80.xml><?xml version="1.0" encoding="utf-8"?>
+<inkml:ink xmlns:inkml="http://www.w3.org/2003/InkML">
+  <inkml:definitions>
+    <inkml:context xml:id="ctx0">
+      <inkml:inkSource xml:id="inkSrc0">
+        <inkml:traceFormat>
+          <inkml:channel name="X" type="integer" min="-2.14748E9" max="2.14748E9" units="cm"/>
+          <inkml:channel name="Y" type="integer" min="-2.14748E9" max="2.14748E9" units="cm"/>
+          <inkml:channel name="F" type="integer" max="32767" units="dev"/>
+        </inkml:traceFormat>
+        <inkml:channelProperties>
+          <inkml:channelProperty channel="X" name="resolution" value="1000" units="1/cm"/>
+          <inkml:channelProperty channel="Y" name="resolution" value="1000" units="1/cm"/>
+          <inkml:channelProperty channel="F" name="resolution" value="0" units="1/dev"/>
+        </inkml:channelProperties>
+      </inkml:inkSource>
+      <inkml:timestamp xml:id="ts0" timeString="2022-09-22T23:11:01.507"/>
+    </inkml:context>
+    <inkml:brush xml:id="br0">
+      <inkml:brushProperty name="width" value="0.1" units="cm"/>
+      <inkml:brushProperty name="height" value="0.1" units="cm"/>
+    </inkml:brush>
+  </inkml:definitions>
+  <inkml:trace contextRef="#ctx0" brushRef="#br0">1 64 24575,'18'0'0,"3"0"0,-6 0 0,13 0 0,-7 0 0,4 0 0,-3 0 0,-2 0 0,0 0 0,9 0 0,-8 0 0,6 0 0,-9 0 0,1 0 0,-7 0 0,6 0 0,-11 0 0,7 0 0,-7 0 0,3 0 0,0 0 0,-2 0 0,5 0 0,-5-3 0,6 2 0,-3-2 0,3 3 0,-3-3 0,3 2 0,-3-5 0,3 5 0,1-2 0,-1 0 0,1 2 0,-1-5 0,1 5 0,-1-2 0,1 3 0,-1-3 0,-3 2 0,3-3 0,-7 4 0,3 0 0,0 0 0,-2 0 0,5 0 0,-5-2 0,5 1 0,-5-2 0,5 3 0,-5 0 0,12 0 0,-11 0 0,11 0 0,-12 0 0,2 0 0,0-3 0,-3 2 0,3-2 0,0 3 0,-2 0 0,5-4 0,-2 4 0,4-4 0,-1 4 0,1 0 0,-1 0 0,1 0 0,-1 0 0,5 0 0,-3 0 0,2 0 0,-3 0 0,-1 0 0,1 0 0,-1 0 0,5 0 0,1 0 0,-1 0 0,15 0 0,-12 0 0,13 0 0,-12 0 0,1 0 0,5 0 0,-4 0 0,4 0 0,-5 0 0,4 0 0,-3 0 0,4 0 0,-5 0 0,0 0 0,10 0 0,-11 0 0,10 0 0,-17 4 0,6-4 0,-6 7 0,3-3 0,-5 0 0,5 3 0,-4-6 0,4 5 0,-4-5 0,3 2 0,-6-3 0,6 0 0,-3 0 0,1 0 0,2 0 0,-3 0 0,4 0 0,-4 0 0,8 0 0,-3 0 0,4 0 0,-1 0 0,1 0 0,-4 0 0,2 0 0,-2 0 0,3 0 0,1 0 0,0 0 0,-5 0 0,4 0 0,-7 0 0,2 0 0,-3 0 0,-1 0 0,1 0 0,-1 0 0,-3 0 0,3 0 0,-7 0 0,7 0 0,-3 0 0,0 0 0,3 0 0,-7 0 0,7 0 0,-7 0 0,7 0 0,-7 0 0,7 0 0,-7 0 0,3 3 0,-3-2 0,0 2 0,-1-3 0,-3 3 0,3-2 0,-3 2 0,3-3 0,4 0 0,1 0 0,8 0 0,0 0 0,5 0 0,-4 0 0,3 0 0,-8 0 0,4 0 0,-8 0 0,-1 0 0,-3 0 0,-1 0 0,0 0 0,4 0 0,1 0 0,4 0 0,3 0 0,-2 0 0,3-4 0,-5 3 0,-3-2 0,3 3 0,-7 0 0,3 0 0,-3 0 0,-1 0 0,1 0 0,-1 0 0,1 0 0,-1 0 0,0 0 0,1 0 0,-1 0 0,1 0 0,-1 0 0,1 0 0,-1 0 0,1 0 0,-4 0 0,0 0 0</inkml:trace>
+</inkml:ink>
+</file>
+
+<file path=ppt/ink/ink81.xml><?xml version="1.0" encoding="utf-8"?>
+<inkml:ink xmlns:inkml="http://www.w3.org/2003/InkML">
+  <inkml:definitions>
+    <inkml:context xml:id="ctx0">
+      <inkml:inkSource xml:id="inkSrc0">
+        <inkml:traceFormat>
+          <inkml:channel name="X" type="integer" min="-2.14748E9" max="2.14748E9" units="cm"/>
+          <inkml:channel name="Y" type="integer" min="-2.14748E9" max="2.14748E9" units="cm"/>
+          <inkml:channel name="F" type="integer" max="32767" units="dev"/>
+        </inkml:traceFormat>
+        <inkml:channelProperties>
+          <inkml:channelProperty channel="X" name="resolution" value="1000" units="1/cm"/>
+          <inkml:channelProperty channel="Y" name="resolution" value="1000" units="1/cm"/>
+          <inkml:channelProperty channel="F" name="resolution" value="0" units="1/dev"/>
+        </inkml:channelProperties>
+      </inkml:inkSource>
+      <inkml:timestamp xml:id="ts0" timeString="2022-09-22T23:11:26.172"/>
+    </inkml:context>
+    <inkml:brush xml:id="br0">
+      <inkml:brushProperty name="width" value="0.1" units="cm"/>
+      <inkml:brushProperty name="height" value="0.1" units="cm"/>
+      <inkml:brushProperty name="color" value="#FF0000"/>
+    </inkml:brush>
+  </inkml:definitions>
+  <inkml:trace contextRef="#ctx0" brushRef="#br0">0 31 24575,'18'0'0,"-1"-3"0,-2 2 0,3-5 0,-2 5 0,3-6 0,-5 6 0,5-6 0,-4 7 0,4-4 0,-8 4 0,3 0 0,-7 0 0,3 0 0,0 0 0,-2 0 0,2 0 0,-4 0 0,1 0 0,3 0 0,-3 0 0,7 3 0,-7 1 0,4 3 0,-1 0 0,-3-1 0,7 1 0,-7 0 0,3 0 0,-3 0 0,-1-1 0,1 1 0,0-1 0,-1 4 0,5-2 0,-3 6 0,2-6 0,-3 5 0,3-2 0,-2 4 0,2-4 0,-2 2 0,-1-2 0,0 4 0,0-1 0,1 5 0,-1-3 0,1 2 0,-4 1 0,2 1 0,-2-1 0,1 4 0,2-3 0,-7 4 0,7-4 0,-6 2 0,2-6 0,-3 3 0,3-5 0,-2 0 0,2 1 0,1 3 0,-3-2 0,2 7 0,-3-4 0,0 5 0,0 0 0,0 5 0,0-4 0,0 4 0,0-1 0,0-3 0,0 4 0,0 0 0,0-8 0,0 6 0,0-11 0,0-1 0,0-1 0,0-7 0,0 3 0,0-3 0,0-1 0,0 0 0,0 1 0,0-1 0,0 0 0,0 1 0,0-1 0,0 1 0,0 0 0,0-1 0,0 0 0,0 0 0,0 0 0,0 0 0,-2-2 0,1 1 0,1-4 0,3 2 0,3-3 0,4 0 0,-2 0 0,6 0 0,-7 0 0,7 0 0,-7 0 0,7 0 0,-3 0 0,3 0 0,-3 0 0,3 0 0,-7 0 0,7 0 0,-7 0 0,3 0 0,-3 0 0,-1 0 0,1 0 0,-1 0 0,0 0 0,0 0 0,1 0 0,-1 0 0,1 0 0,-1 0 0,-5 2 0,-2 2 0,-9 2 0,-1 1 0,-3 1 0,-5 3 0,3 0 0,-6 5 0,6-1 0,-7-3 0,11-2 0,-2-3 0,4 0 0,5 0 0,-4 0 0,5-4 0,-2 0 0,3 0 0,-3-2 0,3 2 0,-4-3 0,1 2 0,3 2 0,-3-1 0,5 3 0,-5-3 0,3 4 0,-1-1 0,2 1 0,-1-1 0,2 1 0,-2-1 0,3 4 0,-3 1 0,2 4 0,-2-1 0,3 5 0,0-3 0,0 6 0,0-6 0,0 3 0,0-1 0,0-2 0,0 2 0,0-3 0,0-1 0,0 1 0,0-4 0,0 3 0,0-3 0,0 0 0,0 2 0,0-5 0,0 5 0,0-2 0,0 4 0,0-4 0,0 2 0,0-2 0,0 4 0,0 4 0,0-4 0,0 8 0,0-8 0,0 8 0,0 8 0,0-5 0,0 8 0,0-10 0,0-4 0,0-1 0,0-1 0,0-6 0,0 6 0,0-7 0,0 0 0,-3-1 0,-1-3 0,-3 3 0,1-3 0,-1 3 0,0-3 0,1 0 0,2-1 0,-2 1 0,6-1 0,-6-2 0,5 2 0,-5-6 0,6 6 0,-6-2 0,2 2 0,-3 4 0,1-2 0,-1 2 0,0-4 0,1 1 0,2-1 0,-2 1 0,5 0 0,-4-1 0,1-2 0,-2 1 0,-4-4 0,2 5 0,-5-5 0,2 5 0,0-6 0,-3 7 0,3-6 0,0 2 0,-2 0 0,5-2 0,-2 2 0,4-3 0,-1 0 0,1 0 0,0 0 0,-4 0 0,0 0 0,-5 0 0,-4 0 0,0 0 0,-1-6 0,-3 1 0,11-6 0,-6 4 0,11 0 0,-3 0 0,3 4 0,4 0 0,0 3 0</inkml:trace>
+</inkml:ink>
+</file>
+
+<file path=ppt/ink/ink82.xml><?xml version="1.0" encoding="utf-8"?>
+<inkml:ink xmlns:inkml="http://www.w3.org/2003/InkML">
+  <inkml:definitions>
+    <inkml:context xml:id="ctx0">
+      <inkml:inkSource xml:id="inkSrc0">
+        <inkml:traceFormat>
+          <inkml:channel name="X" type="integer" min="-2.14748E9" max="2.14748E9" units="cm"/>
+          <inkml:channel name="Y" type="integer" min="-2.14748E9" max="2.14748E9" units="cm"/>
+          <inkml:channel name="F" type="integer" max="32767" units="dev"/>
+        </inkml:traceFormat>
+        <inkml:channelProperties>
+          <inkml:channelProperty channel="X" name="resolution" value="1000" units="1/cm"/>
+          <inkml:channelProperty channel="Y" name="resolution" value="1000" units="1/cm"/>
+          <inkml:channelProperty channel="F" name="resolution" value="0" units="1/dev"/>
+        </inkml:channelProperties>
+      </inkml:inkSource>
+      <inkml:timestamp xml:id="ts0" timeString="2022-09-22T23:11:08.807"/>
+    </inkml:context>
+    <inkml:brush xml:id="br0">
+      <inkml:brushProperty name="width" value="0.1" units="cm"/>
+      <inkml:brushProperty name="height" value="0.1" units="cm"/>
+      <inkml:brushProperty name="color" value="#FFC000"/>
+    </inkml:brush>
+  </inkml:definitions>
+  <inkml:trace contextRef="#ctx0" brushRef="#br0">1 1 24575,'19'0'0,"18"0"0,-5 0 0,13 0 0,-10 0 0,-6 0 0,0 0 0,0 0 0,-4 0 0,4 0 0,-5 0 0,-1 0 0,-3 0 0,-1 0 0,-5 0 0,-3 0 0,-1 0 0,-3 0 0,-1 0 0,-2 0 0,-1 0 0</inkml:trace>
+</inkml:ink>
+</file>
+
+<file path=ppt/ink/ink83.xml><?xml version="1.0" encoding="utf-8"?>
+<inkml:ink xmlns:inkml="http://www.w3.org/2003/InkML">
+  <inkml:definitions>
+    <inkml:context xml:id="ctx0">
+      <inkml:inkSource xml:id="inkSrc0">
+        <inkml:traceFormat>
+          <inkml:channel name="X" type="integer" min="-2.14748E9" max="2.14748E9" units="cm"/>
+          <inkml:channel name="Y" type="integer" min="-2.14748E9" max="2.14748E9" units="cm"/>
+          <inkml:channel name="F" type="integer" max="32767" units="dev"/>
+        </inkml:traceFormat>
+        <inkml:channelProperties>
+          <inkml:channelProperty channel="X" name="resolution" value="1000" units="1/cm"/>
+          <inkml:channelProperty channel="Y" name="resolution" value="1000" units="1/cm"/>
+          <inkml:channelProperty channel="F" name="resolution" value="0" units="1/dev"/>
+        </inkml:channelProperties>
+      </inkml:inkSource>
+      <inkml:timestamp xml:id="ts0" timeString="2022-09-22T23:11:10.657"/>
+    </inkml:context>
+    <inkml:brush xml:id="br0">
+      <inkml:brushProperty name="width" value="0.1" units="cm"/>
+      <inkml:brushProperty name="height" value="0.1" units="cm"/>
+      <inkml:brushProperty name="color" value="#FFC000"/>
+    </inkml:brush>
+  </inkml:definitions>
+  <inkml:trace contextRef="#ctx0" brushRef="#br0">1 0 24575,'14'0'0,"2"0"0,-5 0 0,4 0 0,-1 0 0,1 0 0,3 0 0,-2 0 0,3 0 0,-1 0 0,-2 0 0,3 0 0,-1 0 0,2 0 0,0 0 0,-2 0 0,-3 0 0,-4 0 0,-1 0 0,-4 0 0,1 0 0,-1 0 0,0 0 0,1 0 0,0 0 0,3 0 0,-6 0 0,3 0 0</inkml:trace>
+</inkml:ink>
+</file>
+
+<file path=ppt/ink/ink84.xml><?xml version="1.0" encoding="utf-8"?>
+<inkml:ink xmlns:inkml="http://www.w3.org/2003/InkML">
+  <inkml:definitions>
+    <inkml:context xml:id="ctx0">
+      <inkml:inkSource xml:id="inkSrc0">
+        <inkml:traceFormat>
+          <inkml:channel name="X" type="integer" min="-2.14748E9" max="2.14748E9" units="cm"/>
+          <inkml:channel name="Y" type="integer" min="-2.14748E9" max="2.14748E9" units="cm"/>
+          <inkml:channel name="F" type="integer" max="32767" units="dev"/>
+        </inkml:traceFormat>
+        <inkml:channelProperties>
+          <inkml:channelProperty channel="X" name="resolution" value="1000" units="1/cm"/>
+          <inkml:channelProperty channel="Y" name="resolution" value="1000" units="1/cm"/>
+          <inkml:channelProperty channel="F" name="resolution" value="0" units="1/dev"/>
+        </inkml:channelProperties>
+      </inkml:inkSource>
+      <inkml:timestamp xml:id="ts0" timeString="2022-09-22T23:11:12.295"/>
+    </inkml:context>
+    <inkml:brush xml:id="br0">
+      <inkml:brushProperty name="width" value="0.1" units="cm"/>
+      <inkml:brushProperty name="height" value="0.1" units="cm"/>
+      <inkml:brushProperty name="color" value="#FFC000"/>
+    </inkml:brush>
+  </inkml:definitions>
+  <inkml:trace contextRef="#ctx0" brushRef="#br0">0 0 24575,'24'0'0,"-1"0"0,1 0 0,5 0 0,-4 0 0,8 0 0,-7 0 0,2 0 0,1 0 0,-4 0 0,8 0 0,-3 0 0,0 0 0,-1 0 0,0 0 0,-8 0 0,2 0 0,-12 0 0,-1 0 0,-3 0 0,-4 0 0,0 0 0</inkml:trace>
+</inkml:ink>
+</file>
+
+<file path=ppt/ink/ink85.xml><?xml version="1.0" encoding="utf-8"?>
+<inkml:ink xmlns:inkml="http://www.w3.org/2003/InkML">
+  <inkml:definitions>
+    <inkml:context xml:id="ctx0">
+      <inkml:inkSource xml:id="inkSrc0">
+        <inkml:traceFormat>
+          <inkml:channel name="X" type="integer" min="-2.14748E9" max="2.14748E9" units="cm"/>
+          <inkml:channel name="Y" type="integer" min="-2.14748E9" max="2.14748E9" units="cm"/>
+          <inkml:channel name="F" type="integer" max="32767" units="dev"/>
+        </inkml:traceFormat>
+        <inkml:channelProperties>
+          <inkml:channelProperty channel="X" name="resolution" value="1000" units="1/cm"/>
+          <inkml:channelProperty channel="Y" name="resolution" value="1000" units="1/cm"/>
+          <inkml:channelProperty channel="F" name="resolution" value="0" units="1/dev"/>
+        </inkml:channelProperties>
+      </inkml:inkSource>
+      <inkml:timestamp xml:id="ts0" timeString="2022-09-22T23:11:14.482"/>
+    </inkml:context>
+    <inkml:brush xml:id="br0">
+      <inkml:brushProperty name="width" value="0.1" units="cm"/>
+      <inkml:brushProperty name="height" value="0.1" units="cm"/>
+      <inkml:brushProperty name="color" value="#FFC000"/>
+    </inkml:brush>
+  </inkml:definitions>
+  <inkml:trace contextRef="#ctx0" brushRef="#br0">0 0 24575,'27'0'0,"0"0"0,-4 0 0,6 0 0,6 0 0,1 0 0,5 0 0,-7 0 0,1 0 0,-5 0 0,3 0 0,-15 0 0,4 0 0,-14 0 0,2 0 0,-4 0 0,1 0 0,-1 0 0,1 0 0,-1 0 0,0 0 0,0 0 0,0 0 0,1 0 0,-1 0 0,4 0 0,1 0 0,0 0 0,-1 0 0,-3 0 0,-3 0 0,-2 0 0</inkml:trace>
+</inkml:ink>
+</file>
+
+<file path=ppt/ink/ink86.xml><?xml version="1.0" encoding="utf-8"?>
+<inkml:ink xmlns:inkml="http://www.w3.org/2003/InkML">
+  <inkml:definitions>
+    <inkml:context xml:id="ctx0">
+      <inkml:inkSource xml:id="inkSrc0">
+        <inkml:traceFormat>
+          <inkml:channel name="X" type="integer" min="-2.14748E9" max="2.14748E9" units="cm"/>
+          <inkml:channel name="Y" type="integer" min="-2.14748E9" max="2.14748E9" units="cm"/>
+          <inkml:channel name="F" type="integer" max="32767" units="dev"/>
+        </inkml:traceFormat>
+        <inkml:channelProperties>
+          <inkml:channelProperty channel="X" name="resolution" value="1000" units="1/cm"/>
+          <inkml:channelProperty channel="Y" name="resolution" value="1000" units="1/cm"/>
+          <inkml:channelProperty channel="F" name="resolution" value="0" units="1/dev"/>
+        </inkml:channelProperties>
+      </inkml:inkSource>
+      <inkml:timestamp xml:id="ts0" timeString="2022-09-22T23:11:16.239"/>
+    </inkml:context>
+    <inkml:brush xml:id="br0">
+      <inkml:brushProperty name="width" value="0.1" units="cm"/>
+      <inkml:brushProperty name="height" value="0.1" units="cm"/>
+      <inkml:brushProperty name="color" value="#FFC000"/>
+    </inkml:brush>
+  </inkml:definitions>
+  <inkml:trace contextRef="#ctx0" brushRef="#br0">1 0 24575,'22'0'0,"5"0"0,-2 0 0,8 0 0,-3 0 0,5 0 0,-1 0 0,-4 0 0,4 0 0,1 0 0,-14 0 0,-1 0 0</inkml:trace>
+</inkml:ink>
+</file>
+
+<file path=ppt/ink/ink87.xml><?xml version="1.0" encoding="utf-8"?>
+<inkml:ink xmlns:inkml="http://www.w3.org/2003/InkML">
+  <inkml:definitions>
+    <inkml:context xml:id="ctx0">
+      <inkml:inkSource xml:id="inkSrc0">
+        <inkml:traceFormat>
+          <inkml:channel name="X" type="integer" min="-2.14748E9" max="2.14748E9" units="cm"/>
+          <inkml:channel name="Y" type="integer" min="-2.14748E9" max="2.14748E9" units="cm"/>
+          <inkml:channel name="F" type="integer" max="32767" units="dev"/>
+        </inkml:traceFormat>
+        <inkml:channelProperties>
+          <inkml:channelProperty channel="X" name="resolution" value="1000" units="1/cm"/>
+          <inkml:channelProperty channel="Y" name="resolution" value="1000" units="1/cm"/>
+          <inkml:channelProperty channel="F" name="resolution" value="0" units="1/dev"/>
+        </inkml:channelProperties>
+      </inkml:inkSource>
+      <inkml:timestamp xml:id="ts0" timeString="2022-09-22T23:11:30.491"/>
+    </inkml:context>
+    <inkml:brush xml:id="br0">
+      <inkml:brushProperty name="width" value="0.1" units="cm"/>
+      <inkml:brushProperty name="height" value="0.1" units="cm"/>
+    </inkml:brush>
+  </inkml:definitions>
+  <inkml:trace contextRef="#ctx0" brushRef="#br0">0 0 24575,'10'0'0,"-1"0"0,-2 0 0,3 0 0,-3 0 0,3 0 0,-4 0 0,1 0 0,0 0 0,3 0 0,-3 0 0,3 0 0,0 0 0,-2 0 0,2 0 0,0 0 0,-3 0 0,3 0 0,-3 0 0,0 0 0,-1 0 0,1 0 0,3 0 0,-3 0 0,3 0 0,-3 0 0,-1 0 0,4 0 0,-2 0 0,2 0 0,-4 0 0,1 0 0,0 0 0,-1 0 0,1 0 0,-1 0 0,1 0 0,-1 0 0,1 0 0,-1 0 0,1 0 0,0 0 0,-1 0 0,1 0 0,-1 0 0,1 0 0,-1 0 0,1 0 0,-1 0 0,1 0 0,3 3 0,-3-2 0,7 2 0,0 0 0,-2-2 0,1 2 0,-3 0 0,-3-2 0,7 2 0,-7-3 0,3 0 0,-3 0 0,3 0 0,-3 0 0,4 0 0,-1 0 0,-3 0 0,7 0 0,-7 0 0,7 0 0,-3 0 0,3 0 0,1 0 0,-1 0 0,1 0 0,-1 0 0,1 0 0,-1 0 0,1 0 0,-1 0 0,1 0 0,-1 0 0,-3 0 0,2 0 0,-2 0 0,4 0 0,-4 0 0,-1 0 0,-3 0 0,-1 0 0,1 0 0,-1 0 0,1 0 0,-1 0 0,4 0 0,1 0 0,0 0 0,7 0 0,-6 0 0,7 0 0,0 0 0,-4 0 0,4 0 0,-5 0 0,-3 0 0,-1 0 0,0 0 0,-2 0 0,2 0 0,-4 0 0,1 0 0,0 0 0,-1 0 0,0 0 0,0 0 0,0 0 0,1 0 0,-1 0 0,0 0 0,0 0 0,1 0 0,-1 0 0,0 0 0,0-3 0,1 3 0,-1-3 0,1 0 0,0 2 0,-1-2 0,0 3 0,-2-3 0,1 2 0,-4-1 0,2 2 0</inkml:trace>
+</inkml:ink>
+</file>
+
+<file path=ppt/ink/ink88.xml><?xml version="1.0" encoding="utf-8"?>
+<inkml:ink xmlns:inkml="http://www.w3.org/2003/InkML">
+  <inkml:definitions>
+    <inkml:context xml:id="ctx0">
+      <inkml:inkSource xml:id="inkSrc0">
+        <inkml:traceFormat>
+          <inkml:channel name="X" type="integer" min="-2.14748E9" max="2.14748E9" units="cm"/>
+          <inkml:channel name="Y" type="integer" min="-2.14748E9" max="2.14748E9" units="cm"/>
+          <inkml:channel name="F" type="integer" max="32767" units="dev"/>
+        </inkml:traceFormat>
+        <inkml:channelProperties>
+          <inkml:channelProperty channel="X" name="resolution" value="1000" units="1/cm"/>
+          <inkml:channelProperty channel="Y" name="resolution" value="1000" units="1/cm"/>
+          <inkml:channelProperty channel="F" name="resolution" value="0" units="1/dev"/>
+        </inkml:channelProperties>
+      </inkml:inkSource>
+      <inkml:timestamp xml:id="ts0" timeString="2022-09-22T23:13:45.450"/>
+    </inkml:context>
+    <inkml:brush xml:id="br0">
+      <inkml:brushProperty name="width" value="0.1" units="cm"/>
+      <inkml:brushProperty name="height" value="0.1" units="cm"/>
+      <inkml:brushProperty name="color" value="#0070C0"/>
+    </inkml:brush>
+  </inkml:definitions>
+  <inkml:trace contextRef="#ctx0" brushRef="#br0">1253 1 24575,'-13'0'0,"1"0"0,5 0 0,1 0 0,-1 0 0,0 0 0,1 0 0,-1 0 0,1 0 0,-1 0 0,1 0 0,-1 0 0,1 3 0,-1-2 0,1 4 0,-1-4 0,1 2 0,-1 0 0,1-2 0,-1 2 0,1-3 0,2 2 0,-1-1 0,4 5 0,-4-5 0,1 2 0,0 0 0,-2-3 0,6 6 0,-6-5 0,2 5 0,-2-6 0,-1 6 0,1-2 0,-1 2 0,0 1 0,1 0 0,-1-4 0,1 3 0,-1-3 0,4 4 0,-3-3 0,2 1 0,-2 3 0,-1 2 0,-4 9 0,-1-3 0,-4 7 0,1-4 0,3 1 0,-3 3 0,7-8 0,-7 8 0,7-7 0,0 3 0,1-5 0,3 1 0,-3-1 0,0 1 0,-1 3 0,0 2 0,0 4 0,4 0 0,-3 0 0,3-5 0,-4 4 0,1-7 0,-1 3 0,4-5 0,-2-3 0,5 3 0,-5-7 0,6 3 0,-3-3 0,3-1 0,0 1 0,0-1 0,-3 0 0,2 5 0,-5 0 0,5 7 0,-6 2 0,3 4 0,-4 0 0,4-1 0,-4 6 0,7-4 0,-6 4 0,6-1 0,-2-3 0,3 4 0,0-1 0,0 2 0,0 5 0,0 0 0,0-1 0,0-4 0,0 4 0,0-5 0,0 6 0,0-5 0,0-1 0,0-6 0,0 1 0,0 0 0,0 6 0,0-4 0,0 4 0,0-2 0,0-3 0,0 4 0,0 0 0,0 1 0,0 4 0,3 1 0,2 0 0,0-6 0,2 0 0,-6-9 0,3-5 0,-4-5 0,0-4 0,0 8 0,0 7 0,0 9 0,0 5 0,0-1 0,0-4 0,0-1 0,0 0 0,0-4 0,0-1 0,0-1 0,0-4 0,0 5 0,0-1 0,0 1 0,0-1 0,0 1 0,0 0 0,-4 0 0,3 0 0,-6 0 0,6-4 0,-2 3 0,3-8 0,0 8 0,0-3 0,0-1 0,0 4 0,0-3 0,0 4 0,0 0 0,0 0 0,0 0 0,0-1 0,0 1 0,0-4 0,0-1 0,0-5 0,0 5 0,0-3 0,0 13 0,3-8 0,-2 5 0,3-3 0,-1-3 0,-2 4 0,3 5 0,-4-9 0,0 8 0,0-8 0,0 0 0,0 2 0,0-6 0,0 3 0,0-5 0,3 1 0,1-1 0,0 1 0,3 3 0,-2 7 0,3 5 0,1 4 0,0 6 0,-5 2 0,1 4 0,-5-4 0,0 3 0,0-9 0,0-1 0,0-1 0,0-9 0,0 4 0,0-10 0,0 9 0,0-7 0,0 7 0,0 1 0,0 1 0,0 10 0,0-4 0,0 4 0,0 0 0,-4-4 0,3 4 0,-7-5 0,7-5 0,-7 3 0,7-3 0,-2 0 0,3 3 0,-4-8 0,3 4 0,-2-5 0,3 11 0,0-8 0,0 4 0,0-8 0,0-8 0,0 0 0,0-1 0,-4-3 0,4 0 0,-7 2 0,3-5 0,0 6 0,-1-7 0,4 3 0,-2-3 0,0-4 0,2 3 0,-1-2 0,-1 2 0,-1 1 0,-3 7 0,0-2 0,3 7 0,-3-5 0,3 1 0,0-1 0,-2-3 0,5-1 0,-5-3 0,6-1 0,-3 1 0,0-3 0,-1 1 0,-2-1 0,-4 3 0,-1 0 0,-8 4 0,-6-2 0,-4 3 0,-17-3 0,13 0 0,-23-4 0,17-2 0,-13-3 0,6 0 0,-1 0 0,6 0 0,1 0 0,6 0 0,4 0 0,5 0 0,6 0 0,5 0 0,3 0 0,1 0 0,3 0 0,6 0 0,8 0 0,4 0 0,6 0 0,2 0 0,-4 0 0,8 0 0,-3 0 0,8 0 0,-3 0 0,9 0 0,-4 0 0,-1 0 0,0 0 0,-5 0 0,-1 0 0,-3 4 0,-1-4 0,-8 4 0,-1-1 0,-4-3 0,1 3 0,0-3 0,-4 3 0,3-2 0,-3 1 0,4 1 0,-1-2 0,1 2 0,3 0 0,5-2 0,1 5 0,2-2 0,-3 0 0,-1 3 0,1-3 0,-4 0 0,2 2 0,-2-2 0,4 4 0,-1-1 0,1 0 0,3 1 0,-2-1 0,7 1 0,-8-1 0,4 1 0,-8-1 0,3 0 0,-7-1 0,3 1 0,-3 3 0,0-2 0,0 5 0,-1-5 0,2 6 0,-1-3 0,-3 3 0,2 7 0,-5-1 0,2 2 0,-3 6 0,0-7 0,0 8 0,0-6 0,0 6 0,0-4 0,-4 9 0,-1-4 0,-3 4 0,-1 1 0,0 0 0,0 5 0,5 1 0,-5 19 0,4-16 0,-1 43 0,-3-33 0,8 22 0,-3-17 0,4 2 0,0-5 0,0 9 0,0-22 0,0 3 0,0-16 0,0-5 0,-7-10 0,-1-7 0,0 0 0,2 9 0,6 7 0,0 6 0,-4-1 0,3-5 0,-2 0 0,-1-1 0,3 1 0,-2 0 0,3-4 0,0 3 0,0-3 0,0-1 0,0 4 0,0-7 0,0 2 0,0-3 0,0-1 0,0-3 0,0 3 0,0-7 0,0 7 0,0-3 0,0 0 0,0 2 0,0-2 0,0 4 0,0 4 0,0-4 0,0 4 0,0-5 0,0 1 0,0-1 0,0 1 0,0-1 0,0 1 0,0-1 0,0-3 0,0 3 0,0-3 0,0 0 0,0 7 0,0-6 0,0 11 0,0-8 0,0 8 0,0-3 0,0 7 0,0-2 0,-4 3 0,3-4 0,-2-5 0,3 4 0,-3-7 0,2 2 0,-2-7 0,3 3 0,0-3 0,0 0 0,0 3 0,0-3 0,0 7 0,0 2 0,0 0 0,-4 3 0,3-4 0,-2 5 0,-1 0 0,3 0 0,-2 0 0,3-4 0,0 9 0,0-8 0,0 5 0,0-7 0,0 0 0,0-4 0,0 8 0,0-3 0,0 0 0,0 3 0,0-8 0,0 8 0,0-3 0,0 4 0,0-1 0,0 1 0,0 5 0,0-4 0,0 9 0,0-5 0,0 6 0,0-5 0,0-6 0,0-5 0,0-8 0,-7-4 0,6 1 0,-6 4 0,7 7 0,0 5 0,0 0 0,0 0 0,0-1 0,0-3 0,0 3 0,0-7 0,0 2 0,0-7 0,0-1 0,0-3 0,0-1 0,0 1 0,0 0 0,0-1 0,0 1 0,0-1 0,0 1 0,0 3 0,-6 1 0,4 8 0,-4-4 0,6 8 0,-4-8 0,4 4 0,-4-4 0,4-1 0,0 1 0,0-4 0,0 2 0,0-2 0,0 3 0,0 1 0,0 0 0,0-1 0,0 1 0,0-1 0,0-3 0,0-1 0,0 0 0,0-2 0,0 5 0,0-5 0,0 5 0,0-5 0,0 2 0,0 0 0,0-3 0,4 7 0,-4-7 0,4 7 0,-4-3 0,0 0 0,3 3 0,-2-3 0,2 3 0,-3 1 0,3-1 0,-2 1 0,5-1 0,-5 1 0,2-1 0,1 1 0,-4-1 0,4 1 0,-1-1 0,-2 1 0,2 3 0,-3-2 0,0 7 0,0-8 0,0 4 0,0-4 0,3-1 0,-2-3 0,2 3 0,-3-7 0,0 3 0,0-3 0,0-1 0,0 1 0,0 3 0,0-3 0,0 4 0,0-5 0,0 4 0,0-2 0,0 5 0,3-2 0,-2 0 0,2 3 0,-3-3 0,0 3 0,0 1 0,0-4 0,0-1 0,0-4 0,0 1 0,0 2 0,0-1 0,0 1 0,0-3 0,0 1 0,0 7 0,0-2 0,0 7 0,0-1 0,0-2 0,0 3 0,0-1 0,0-6 0,0 6 0,0-10 0,0 2 0,0-4 0,0 1 0,0-1 0,0 1 0,0-1 0,0 1 0,0-1 0,0 4 0,0 1 0,0 4 0,0 3 0,0-2 0,0 7 0,0-8 0,0 4 0,0 0 0,0-4 0,0 4 0,0-4 0,0-1 0,0 5 0,4-4 0,-4 8 0,4-3 0,-4 4 0,0-5 0,0 0 0,0-4 0,0-5 0,0 1 0,0-5 0,0 1 0,0-1 0,0 1 0,2-4 0,2 3 0,2-3 0,0 1 0,1 2 0,-1-3 0,1 4 0,0 3 0,-1-3 0,-2 3 0,2-3 0,-2 0 0,0-1 0,1 1 0,-1-4 0,-1 3 0,3-5 0,-2 5 0,2-6 0,1 3 0,-4 0 0,3-2 0,-5 5 0,5-6 0,-3 6 0,4-5 0,-1 4 0,0-1 0,1 2 0,-1-3 0,0 0 0,0-3 0,1 3 0,-1-2 0,4 2 0,-2-1 0,2-1 0,-4 2 0,1-3 0,0 0 0,-1 0 0,0 0 0,1 0 0,-1 0 0,1 0 0,-1 0 0,1 0 0,-1 0 0,1 0 0,-1 0 0,1 0 0,-1 0 0,1 0 0,-1 0 0,0 0 0,1 0 0,-1 0 0,0 0 0,-2 0 0,-1 0 0</inkml:trace>
+</inkml:ink>
+</file>
+
+<file path=ppt/ink/ink89.xml><?xml version="1.0" encoding="utf-8"?>
+<inkml:ink xmlns:inkml="http://www.w3.org/2003/InkML">
+  <inkml:definitions>
+    <inkml:context xml:id="ctx0">
+      <inkml:inkSource xml:id="inkSrc0">
+        <inkml:traceFormat>
+          <inkml:channel name="X" type="integer" min="-2.14748E9" max="2.14748E9" units="cm"/>
+          <inkml:channel name="Y" type="integer" min="-2.14748E9" max="2.14748E9" units="cm"/>
+          <inkml:channel name="F" type="integer" max="32767" units="dev"/>
+        </inkml:traceFormat>
+        <inkml:channelProperties>
+          <inkml:channelProperty channel="X" name="resolution" value="1000" units="1/cm"/>
+          <inkml:channelProperty channel="Y" name="resolution" value="1000" units="1/cm"/>
+          <inkml:channelProperty channel="F" name="resolution" value="0" units="1/dev"/>
+        </inkml:channelProperties>
+      </inkml:inkSource>
+      <inkml:timestamp xml:id="ts0" timeString="2022-09-22T23:15:39.192"/>
+    </inkml:context>
+    <inkml:brush xml:id="br0">
+      <inkml:brushProperty name="width" value="0.1" units="cm"/>
+      <inkml:brushProperty name="height" value="0.1" units="cm"/>
+    </inkml:brush>
+  </inkml:definitions>
+  <inkml:trace contextRef="#ctx0" brushRef="#br0">0 0 24575,'0'18'0,"0"10"0,0 9 0,0 10 0,0 13 0,0 2 0,0 7 0,0 5 0,0-5 0,0 14 0,0 2-724,0 7 724,0 7 0,0-48 0,0 0 0,0 8 0,0 1 0,0-5 0,0 2 0,0 10 0,0 2-810,0-3 1,0 0 809,0 8 0,0 2 0,0-1 0,0 0 0,0 0 0,0 0 0,0-5 0,0 0 0,0 0 0,0-1-478,0-4 1,0-1 477,0-4 0,0 1 0,0 3 0,0-1 0,0-11 0,0 0 0,0 6 0,0 0 0,0-7 0,0 0 0,0 4 0,0 0 0,0 0 0,0 0-175,0-4 1,0 0 174,0 49 0,0-8 0,0 7-167,0-5 167,0-39 0,0-2 0,0 21 0,0-14 0,0 0 0,0 19 1389,0 13-1389,0-14 0,5-20 0,1 17 0,0 1 0,4 7 0,-9-6 0,9 6 0,-9-8 0,4 0 0,-5 1 1003,0-19-1003,0 14 0,0-20 0,0 16 394,0-7-394,0 1 916,0-1-916,0-5 112,0-8-112,0-2 0,0-9 0,0 0 0,0-3 0,0-3 0,0 5 0,0-5 0,0 3 0,0-8 0,0 9 0,0-9 0,0-1 0,0-5 0,0-2 0,0-5 0,0 1 0,0-6 0,0-4 0,0 0 0</inkml:trace>
+</inkml:ink>
+</file>
+
 <file path=ppt/ink/ink9.xml><?xml version="1.0" encoding="utf-8"?>
 <inkml:ink xmlns:inkml="http://www.w3.org/2003/InkML">
   <inkml:definitions>
@@ -2276,6 +2861,281 @@
     </inkml:brush>
   </inkml:definitions>
   <inkml:trace contextRef="#ctx0" brushRef="#br0">1868 97 24575,'-16'-8'0,"-3"0"0,10 0 0,-2 1 0,3 2 0,0-5 0,-3 8 0,2-6 0,-3 8 0,1-3 0,2 2 0,-2-3 0,3-3 0,-4 5 0,3-6 0,-2 8 0,-1 0 0,3 0 0,-2 0 0,-1-3 0,4 2 0,-4-3 0,1 4 0,2 0 0,-3 0 0,5 0 0,-1 0 0,1 0 0,-5 0 0,4-3 0,-4 2 0,4-3 0,1 4 0,-1 0 0,1 0 0,-1 0 0,1 0 0,-5 0 0,4 0 0,-4 0 0,0 0 0,4 0 0,-4 0 0,5 0 0,-1 0 0,-3 0 0,2 0 0,-3 0 0,5 0 0,-1 0 0,1 0 0,-5 0 0,4 0 0,-4 0 0,0 0 0,4 0 0,-4 0 0,5 0 0,-1 0 0,-7 0 0,6 0 0,-6 0 0,8 0 0,-1 0 0,0 0 0,1 0 0,-1 0 0,1 0 0,-1 0 0,1 0 0,-1 0 0,-3 0 0,2 0 0,-7 0 0,8 0 0,-8 0 0,8 0 0,-8 0 0,7 0 0,-2 0 0,3 0 0,1 0 0,-1 0 0,1 0 0,-1 0 0,1 0 0,-1 0 0,1 0 0,-1 0 0,1 0 0,0 0 0,-1 0 0,1 0 0,-1 0 0,1 0 0,-1 0 0,1 0 0,-1 0 0,1 0 0,-1 0 0,1 0 0,0 0 0,0 4 0,-5 0 0,4 4 0,-8-4 0,8 3 0,-8-3 0,3 4 0,1 0 0,-4 1 0,7-2 0,-2 1 0,3 0 0,1-1 0,-5 1 0,4 0 0,-4 0 0,4-1 0,-3 1 0,2 0 0,-2 0 0,-1-1 0,7 1 0,-10-3 0,13 1 0,-9-2 0,7 1 0,-3 1 0,-1-2 0,1 0 0,3 3 0,-3-3 0,3 4 0,-4-4 0,1 3 0,-1-3 0,1 3 0,-1-3 0,4 3 0,-3-3 0,3 1 0,0 1 0,-3-2 0,7 4 0,-7-4 0,6 3 0,-6-3 0,3 4 0,-3-1 0,-1 1 0,0 3 0,1-2 0,-1 2 0,0 1 0,0-3 0,4 2 0,-3-3 0,6-1 0,-5-3 0,5 3 0,-2-3 0,-1 3 0,0 1 0,0-1 0,-3 1 0,6-1 0,-2 1 0,0-1 0,2 1 0,-3-1 0,1 1 0,2-1 0,-5 1 0,1-1 0,1 1 0,-3 4 0,3-4 0,-1 4 0,-1-5 0,5 1 0,-6-1 0,6 1 0,-2-1 0,0 1 0,2-1 0,-6 1 0,3 3 0,-4 2 0,-1 4 0,1-1 0,0 1 0,-1 0 0,-3 0 0,7-5 0,-7 4 0,8-8 0,0 4 0,-3-4 0,3-1 0,0 1 0,-3-1 0,6 5 0,-6-4 0,3 8 0,-1-8 0,-2 8 0,6-7 0,-3 2 0,4-3 0,0-1 0,0 1 0,0-1 0,0 1 0,0-1 0,0 1 0,-3 4 0,2-4 0,-7 8 0,7 1 0,-6 1 0,2 11 0,-3-10 0,0 5 0,-1-8 0,1 1 0,3-4 0,-2 2 0,6-6 0,-6 3 0,6-5 0,-6 1 0,7-1 0,-4 1 0,4-1 0,0 1 0,0-1 0,0 1 0,0 2 0,0-2 0,0 6 0,-3-1 0,2 0 0,-7 2 0,7-6 0,-2 2 0,-1-3 0,3 0 0,-2 3 0,3-2 0,-4 6 0,3-6 0,-6 7 0,6-4 0,-6 1 0,2 2 0,1-6 0,-3 3 0,6-5 0,-5 1 0,5-1 0,-3 5 0,1-4 0,2 4 0,-6 0 0,6-4 0,-6 4 0,6-5 0,-2 1 0,3-1 0,0 1 0,-3-1 0,2 1 0,-3 0 0,4-1 0,0 4 0,0-3 0,0 3 0,0-3 0,0-1 0,0 1 0,0-1 0,0 1 0,0-1 0,0 1 0,0-1 0,0 1 0,0-1 0,0 1 0,0-1 0,0 1 0,0-1 0,0 1 0,0-1 0,0 0 0,0 1 0,0 0 0,0-1 0,0 0 0,0 1 0,0-1 0,0 1 0,0-1 0,0 1 0,0-1 0,0 0 0,0 1 0,0-1 0,0 0 0,0 1 0,0 0 0,0-1 0,0 1 0,-3-1 0,2 1 0,-2-1 0,3 1 0,0-1 0,0 1 0,0-1 0,0 1 0,0-1 0,0 1 0,0-1 0,0 1 0,0-1 0,-3 1 0,2 0 0,-3-1 0,4 1 0,0-1 0,0 1 0,0-1 0,0 1 0,0-1 0,0 0 0,0 1 0,0 4 0,0 0 0,0 5 0,-3-1 0,2 1 0,-3-4 0,4 2 0,0-6 0,0 3 0,0-5 0,0 1 0,0-1 0,0 1 0,0-1 0,0 1 0,0-1 0,0 1 0,0-1 0,0 1 0,-3-1 0,2 1 0,-2-1 0,3 1 0,0-1 0,0 0 0,0 0 0,0 0 0,0 1 0,0-1 0,0 5 0,0-4 0,0 4 0,0-4 0,0 3 0,0-2 0,0 2 0,0-3 0,0 3 0,0-2 0,0 7 0,0-8 0,0 8 0,0-8 0,0 4 0,0-4 0,0-1 0,0 1 0,0-1 0,0 1 0,0-1 0,0 1 0,3-1 0,-2 1 0,2-1 0,0 1 0,-2-1 0,6 1 0,-6-1 0,6 1 0,-7 0 0,7-1 0,-3 1 0,0-1 0,3 1 0,-3-1 0,0 5 0,3-4 0,-3 4 0,4 0 0,-3-4 0,2 4 0,-3-1 0,0-3 0,3-1 0,-7 0 0,7-3 0,-3 4 0,0-1 0,3 1 0,-6-1 0,2 0 0,0-2 0,1-2 0,3 0 0,-3 1 0,3 3 0,-3-3 0,0 3 0,3-3 0,-6 4 0,5-4 0,-5 3 0,6-6 0,-7 5 0,4-2 0,-1 3 0,1 0 0,4 1 0,-1-1 0,-3 1 0,3-1 0,-3 1 0,0-1 0,3 1 0,-3-1 0,0 0 0,2-3 0,-5 3 0,6-6 0,-6 6 0,5-7 0,-5 7 0,6-3 0,-6 3 0,5-3 0,-2 3 0,3-7 0,-3 7 0,3-3 0,-3 0 0,4 3 0,-1-3 0,1 4 0,-1-1 0,-2 1 0,1-1 0,-2 0 0,0 1 0,-1-2 0,-3 2 0,4-5 0,-3 4 0,5-6 0,-5 5 0,6-5 0,-3 5 0,0-2 0,2 0 0,-5 2 0,6-5 0,-4 2 0,5-3 0,-1 0 0,-3 3 0,2-2 0,-5 5 0,5-5 0,-2 3 0,4-4 0,-1 3 0,1-2 0,-1 2 0,1 1 0,-1 0 0,1 0 0,-1 2 0,1-5 0,-1 2 0,1 1 0,-1-3 0,1 5 0,-1-5 0,1 6 0,-1-6 0,1 5 0,-1-5 0,-3 6 0,3-6 0,-3 5 0,4-1 0,-1-1 0,1 2 0,-1-2 0,0 0 0,1 3 0,0-6 0,-1 6 0,0-6 0,1 5 0,-1-5 0,-3 6 0,3-6 0,-6 5 0,6-5 0,-3 6 0,3-7 0,1 4 0,-4-1 0,2-2 0,-1 2 0,2-3 0,-3 3 0,3-2 0,-3 6 0,3-6 0,1 5 0,-1-5 0,-3 6 0,3-6 0,-3 2 0,0 0 0,3-2 0,-7 6 0,7-7 0,-3 4 0,0-1 0,3-2 0,-3 2 0,3 0 0,1-2 0,-1 5 0,1-5 0,-1 6 0,0-6 0,1 2 0,-1 0 0,1-2 0,-1 2 0,1-3 0,-1 4 0,1-3 0,-1 2 0,1 0 0,-1-2 0,1 3 0,-4-1 0,3-2 0,-3 2 0,4-3 0,-1 0 0,1 3 0,-1-2 0,1 3 0,-1-4 0,1 0 0,-1 3 0,1-2 0,-1 5 0,1-5 0,-1 6 0,0-6 0,-2 5 0,1-5 0,-2 6 0,4-6 0,-1 2 0,1 0 0,-1-2 0,1 3 0,-1-1 0,0-2 0,1 2 0,-1-3 0,1 0 0,0 3 0,-1-2 0,1 3 0,3-1 0,-2-2 0,6 3 0,-6-4 0,7 4 0,-4-3 0,1 6 0,3-6 0,-8 2 0,8 1 0,-8-3 0,4 2 0,0-3 0,-4 4 0,4-4 0,-1 4 0,-2-4 0,7 0 0,-8 3 0,8-2 0,-8 6 0,4-6 0,0 2 0,-4 0 0,8-2 0,0 6 0,-3-6 0,6 3 0,-10-1 0,2-2 0,-3 2 0,-1-3 0,1 4 0,-1-4 0,1 4 0,0-4 0,-1 3 0,1-2 0,-1 2 0,1-3 0,-1 0 0,1 0 0,-1 0 0,1 4 0,-1-4 0,1 4 0,-1-4 0,0 0 0,1 0 0,-1 0 0,1 0 0,3 0 0,-2 0 0,7 0 0,-4 0 0,1 0 0,2 0 0,-2 0 0,0 0 0,2 0 0,-6 0 0,7 0 0,-4 0 0,1 0 0,3 0 0,-4 0 0,1 0 0,2 0 0,-6 0 0,7 0 0,-8 0 0,8 0 0,-8 0 0,8 0 0,-7 0 0,2 0 0,-3 0 0,3 0 0,-2 0 0,7-4 0,-8 3 0,8-3 0,-8 1 0,8 2 0,-7-5 0,2 5 0,1-6 0,-4 6 0,4-3 0,-4 4 0,-1-3 0,1 2 0,-1-2 0,1 3 0,-4-4 0,3 3 0,-3-2 0,3 0 0,1 2 0,-1-3 0,1 4 0,-1 0 0,-2-3 0,1 2 0,-2-2 0,4 0 0,0 2 0,-1-3 0,1 1 0,-1 2 0,1-2 0,-1 0 0,1 2 0,-1-3 0,1 4 0,-1-3 0,0-1 0,4-3 0,7-6 0,0 4 0,3-4 0,1 4 0,-5 1 0,5-5 0,-5 4 0,-1-3 0,1 4 0,4-5 0,-3 3 0,4-2 0,-6 3 0,-3 1 0,3 0 0,-8 4 0,8-3 0,-8 2 0,4 1 0,-5-3 0,1 6 0,-1-2 0,1 0 0,-1 2 0,0-5 0,1 5 0,-1-6 0,1 3 0,-1 0 0,1-3 0,-1 6 0,1-2 0,0 0 0,-1 2 0,0-6 0,1 7 0,-1-7 0,1 3 0,-1 0 0,1 0 0,-1 1 0,1 2 0,-4-6 0,3 7 0,-3-4 0,3 1 0,0 2 0,1-5 0,-1 2 0,1-4 0,-1 1 0,1 2 0,-1-1 0,1 5 0,-4-6 0,2 6 0,-2-5 0,4 2 0,-1-4 0,1 1 0,-1-1 0,1 4 0,-1-3 0,1 3 0,-1-3 0,1 3 0,-4-3 0,2 7 0,-5-7 0,5 3 0,-2 0 0,4-3 0,-1 3 0,-2-4 0,1 1 0,-2-1 0,4 1 0,-1-1 0,1 1 0,0 2 0,-4-1 0,2 5 0,-5-6 0,3 4 0,-1-5 0,5-3 0,1-1 0,7-1 0,-7-3 0,7 3 0,-7-4 0,3 5 0,-4 0 0,-1 4 0,1 1 0,-4-1 0,3 1 0,-6-1 0,5 1 0,-1-5 0,-1 4 0,3-4 0,-3 4 0,0 1 0,3-1 0,-6 1 0,2-1 0,-3 1 0,4 3 0,0-3 0,3-1 0,1 0 0,-4-8 0,3 8 0,-3-4 0,0 0 0,3 7 0,-6-5 0,5 5 0,-5-2 0,6 0 0,-6-1 0,6-3 0,-3 3 0,4-8 0,-4 7 0,3-2 0,-6-1 0,6 4 0,-6-4 0,2 4 0,-3 1 0,4-5 0,-3 4 0,2-8 0,-3 8 0,4-8 0,-3 4 0,3-5 0,-4 4 0,4-2 0,-4 6 0,4-3 0,-4 5 0,0-1 0,4-3 0,-3 2 0,2-2 0,-3 3 0,0-4 0,4 4 0,-3-8 0,2 8 0,-3-8 0,3 7 0,-2-2 0,3 3 0,-4-3 0,0 2 0,0-2 0,0 3 0,0-4 0,0 4 0,3-8 0,-2 8 0,3-4 0,-4 5 0,0-1 0,0 0 0,0 1 0,0-1 0,0 1 0,0-1 0,0 1 0,0-1 0,0 1 0,0-1 0,0 1 0,0-1 0,0 1 0,0 0 0,0-1 0,0 1 0,0-4 0,0 2 0,0-1 0,0-2 0,0 3 0,0-2 0,0 3 0,0-3 0,0 2 0,0-2 0,0 3 0,0 1 0,0-1 0,0 1 0,0 0 0,0-1 0,0 1 0,0-1 0,0 1 0,0 0 0,0-1 0,0 1 0,0 0 0,0-4 0,0-1 0,0-5 0,0 4 0,0 2 0,0 3 0,0-4 0,0 4 0,0-4 0,0 1 0,0 2 0,0-7 0,0 8 0,0-4 0,0 1 0,0-2 0,0 0 0,0 2 0,0 3 0,0 1 0,0-1 0,0 1 0,0-1 0,0 1 0,0-1 0,0 1 0,0-1 0,-3 1 0,2-12 0,-3 8 0,4-12 0,-3 15 0,2-8 0,-6 7 0,7-2 0,-4 3 0,1 1 0,2-1 0,-2 1 0,3 0 0,0-1 0,0 1 0,-3-1 0,2 1 0,-6-1 0,6-3 0,-2 2 0,0-2 0,2 3 0,-2 1 0,-1-1 0,3 1 0,-2-1 0,0 1 0,2-1 0,-3-4 0,1 7 0,2-6 0,-2 7 0,0-3 0,2-1 0,-3 1 0,1-1 0,-1 1 0,0 0 0,-3-1 0,7 1 0,-7 0 0,6-1 0,-6 1 0,6-1 0,-5 4 0,5-3 0,-6 3 0,6-3 0,-5 2 0,5-4 0,-9 4 0,4-9 0,-6 5 0,0-7 0,4 3 0,-4-3 0,4 3 0,3 2 0,-2-1 0,3 3 0,-1-2 0,-2 3 0,3 1 0,0-1 0,-3 1 0,7-1 0,-7 1 0,6-1 0,-2 0 0,-1 1 0,3-1 0,-2 1 0,0-1 0,2 1 0,-6-1 0,7 1 0,-4 0 0,1-1 0,2 1 0,-5-1 0,5 0 0,-6 1 0,6-1 0,-6 4 0,7-2 0,-4 1 0,1-2 0,2-1 0,-6 1 0,7 0 0,-7 2 0,6-1 0,-2 2 0,-1-4 0,0 1 0,0-1 0,-2 1 0,2 0 0,0 0 0,-3 3 0,6-3 0,-5 6 0,5-5 0,-5 2 0,5-4 0,-6 4 0,6-2 0,-5 5 0,5-6 0,-6 6 0,6-5 0,-5 2 0,2-4 0,-4 1 0,4 0 0,-2 3 0,5-3 0,-6 7 0,6-7 0,-5 6 0,5-6 0,-6 7 0,6-7 0,-5 6 0,2-5 0,0 1 0,-3 1 0,6-2 0,-5 2 0,5-4 0,-6 4 0,6-3 0,-6 6 0,3-5 0,0 1 0,-3 1 0,3-2 0,-3 2 0,-1-4 0,1 1 0,0 3 0,-1-3 0,4 3 0,-3 0 0,3-3 0,0 3 0,-3 0 0,6-3 0,-5 3 0,2-4 0,-4 4 0,1-3 0,2 3 0,-1-3 0,1 3 0,-2-3 0,-1 3 0,1-4 0,0 1 0,-1 3 0,1-3 0,-1 3 0,1 0 0,-1-3 0,1 3 0,0 0 0,3-2 0,-3 2 0,3-1 0,-4-1 0,1 5 0,2-6 0,-1 6 0,2-5 0,-4 2 0,1-1 0,3-1 0,-3 5 0,6-6 0,-6 7 0,7-7 0,-7 6 0,3-6 0,-4 3 0,1 0 0,3-2 0,-3 1 0,3 1 0,-4-2 0,1 5 0,-1-6 0,1 6 0,-1-6 0,1 3 0,-1-3 0,1 3 0,3-3 0,-2 6 0,1-5 0,-2 5 0,3-6 0,-3 6 0,3-5 0,-4 2 0,1 0 0,0-3 0,-1 3 0,1 0 0,0 1 0,3-1 0,-3 4 0,3-4 0,-3 1 0,-1 2 0,1-2 0,-1 3 0,4-4 0,-2 3 0,2-2 0,-3 3 0,3-3 0,-3 2 0,4-2 0,-4 3 0,-1 0 0,1 0 0,3-3 0,-7 2 0,6-6 0,-7 6 0,5-5 0,0 5 0,-1-6 0,1 7 0,-1-4 0,4 1 0,-2 2 0,2-2 0,-3 3 0,0 0 0,-4-3 0,3 2 0,-3-3 0,3 1 0,1 2 0,-1-2 0,1 0 0,-1 2 0,1-6 0,-1 6 0,1-2 0,0 3 0,-1 0 0,4-3 0,-3 2 0,3-3 0,-3 1 0,0 2 0,0-2 0,0 3 0,0 0 0,0-3 0,0 2 0,-1-2 0,1 3 0,-1-4 0,1 4 0,-1-4 0,1 4 0,-1 0 0,1-3 0,0 2 0,0-2 0,0 3 0,0 0 0,-1 0 0,1 0 0,0 0 0,-1 0 0,1 0 0,0 0 0,-1 0 0,1 0 0,0 0 0,0 0 0,0 0 0,0 0 0,0 0 0,0 0 0,3 0 0,1 0 0</inkml:trace>
+</inkml:ink>
+</file>
+
+<file path=ppt/ink/ink90.xml><?xml version="1.0" encoding="utf-8"?>
+<inkml:ink xmlns:inkml="http://www.w3.org/2003/InkML">
+  <inkml:definitions>
+    <inkml:context xml:id="ctx0">
+      <inkml:inkSource xml:id="inkSrc0">
+        <inkml:traceFormat>
+          <inkml:channel name="X" type="integer" min="-2.14748E9" max="2.14748E9" units="cm"/>
+          <inkml:channel name="Y" type="integer" min="-2.14748E9" max="2.14748E9" units="cm"/>
+          <inkml:channel name="F" type="integer" max="32767" units="dev"/>
+        </inkml:traceFormat>
+        <inkml:channelProperties>
+          <inkml:channelProperty channel="X" name="resolution" value="1000" units="1/cm"/>
+          <inkml:channelProperty channel="Y" name="resolution" value="1000" units="1/cm"/>
+          <inkml:channelProperty channel="F" name="resolution" value="0" units="1/dev"/>
+        </inkml:channelProperties>
+      </inkml:inkSource>
+      <inkml:timestamp xml:id="ts0" timeString="2022-09-22T23:15:41.575"/>
+    </inkml:context>
+    <inkml:brush xml:id="br0">
+      <inkml:brushProperty name="width" value="0.1" units="cm"/>
+      <inkml:brushProperty name="height" value="0.1" units="cm"/>
+    </inkml:brush>
+  </inkml:definitions>
+  <inkml:trace contextRef="#ctx0" brushRef="#br0">1 343 24575,'0'-9'0,"0"-4"0,7-2 0,2-5 0,7-3 0,-1 3 0,1-3 0,-5 8 0,4-8 0,-7 7 0,3 1 0,-4 5 0,0 3 0,-1 1 0,-2-1 0,1 1 0,-1 0 0,-1-1 0,3 4 0,-5-3 0,5-1 0,-5 0 0,5-3 0,-2 0 0,-1 2 0,4-2 0,-7 0 0,6 5 0,-5-4 0,2 5 0,-1-2 0,2 2 0,2 2 0,4 2 0,5 3 0,5 5 0,3 5 0,1 3 0,0-1 0,0 1 0,0 0 0,0 0 0,-5-1 0,4 1 0,-7-1 0,3 0 0,-8-4 0,2 3 0,-2-3 0,0 0 0,3 2 0,-6-2 0,2 0 0,-3-1 0,-1-3 0,1-1 0,-1 1 0,-2-1 0,-1 1 0,0-4 0,-3 0 0,3-3 0</inkml:trace>
+</inkml:ink>
+</file>
+
+<file path=ppt/ink/ink91.xml><?xml version="1.0" encoding="utf-8"?>
+<inkml:ink xmlns:inkml="http://www.w3.org/2003/InkML">
+  <inkml:definitions>
+    <inkml:context xml:id="ctx0">
+      <inkml:inkSource xml:id="inkSrc0">
+        <inkml:traceFormat>
+          <inkml:channel name="X" type="integer" min="-2.14748E9" max="2.14748E9" units="cm"/>
+          <inkml:channel name="Y" type="integer" min="-2.14748E9" max="2.14748E9" units="cm"/>
+          <inkml:channel name="F" type="integer" max="32767" units="dev"/>
+        </inkml:traceFormat>
+        <inkml:channelProperties>
+          <inkml:channelProperty channel="X" name="resolution" value="1000" units="1/cm"/>
+          <inkml:channelProperty channel="Y" name="resolution" value="1000" units="1/cm"/>
+          <inkml:channelProperty channel="F" name="resolution" value="0" units="1/dev"/>
+        </inkml:channelProperties>
+      </inkml:inkSource>
+      <inkml:timestamp xml:id="ts0" timeString="2022-09-22T23:15:44.175"/>
+    </inkml:context>
+    <inkml:brush xml:id="br0">
+      <inkml:brushProperty name="width" value="0.1" units="cm"/>
+      <inkml:brushProperty name="height" value="0.1" units="cm"/>
+    </inkml:brush>
+  </inkml:definitions>
+  <inkml:trace contextRef="#ctx0" brushRef="#br0">0 111 24575,'10'0'0,"-2"0"0,2 0 0,1 3 0,1 4 0,-2 1 0,0 2 0,-2 5 0,2-7 0,-2 10 0,-1-10 0,-1 2 0,1-4 0,-1 1 0,1-1 0,-1 1 0,1-1 0,-3 1 0,1-4 0,-4 3 0,5-5 0,-5 5 0,4-5 0,-1 1 0,-1 1 0,0 0 0,0 4 0,0-1 0,1 1 0,2 3 0,-2-3 0,0 3 0,2 0 0,-5-2 0,5 2 0,-5-4 0,1 1 0,1-4 0,-2-3 0,4 0 0,-1-6 0,3-1 0,3-1 0,-2-5 0,6 1 0,-7 1 0,7-2 0,-3 2 0,4-8 0,0 4 0,0-4 0,-3 0 0,1 4 0,0-8 0,-2 3 0,4-4 0,-6 5 0,6-4 0,-7 7 0,3 1 0,-4 1 0,0 7 0,0-3 0,-1 6 0,1 1 0,-4 0 0,3 3 0,-5-3 0,2 3 0</inkml:trace>
+</inkml:ink>
+</file>
+
+<file path=ppt/ink/ink92.xml><?xml version="1.0" encoding="utf-8"?>
+<inkml:ink xmlns:inkml="http://www.w3.org/2003/InkML">
+  <inkml:definitions>
+    <inkml:context xml:id="ctx0">
+      <inkml:inkSource xml:id="inkSrc0">
+        <inkml:traceFormat>
+          <inkml:channel name="X" type="integer" min="-2.14748E9" max="2.14748E9" units="cm"/>
+          <inkml:channel name="Y" type="integer" min="-2.14748E9" max="2.14748E9" units="cm"/>
+          <inkml:channel name="F" type="integer" max="32767" units="dev"/>
+        </inkml:traceFormat>
+        <inkml:channelProperties>
+          <inkml:channelProperty channel="X" name="resolution" value="1000" units="1/cm"/>
+          <inkml:channelProperty channel="Y" name="resolution" value="1000" units="1/cm"/>
+          <inkml:channelProperty channel="F" name="resolution" value="0" units="1/dev"/>
+        </inkml:channelProperties>
+      </inkml:inkSource>
+      <inkml:timestamp xml:id="ts0" timeString="2022-09-22T23:15:52.137"/>
+    </inkml:context>
+    <inkml:brush xml:id="br0">
+      <inkml:brushProperty name="width" value="0.1" units="cm"/>
+      <inkml:brushProperty name="height" value="0.1" units="cm"/>
+    </inkml:brush>
+  </inkml:definitions>
+  <inkml:trace contextRef="#ctx0" brushRef="#br0">0 0 24575,'0'18'0,"0"10"0,0 9 0,0 10 0,0 13 0,0 2 0,0 7 0,0 5 0,0-5 0,0 14 0,0 2-724,0 7 724,0 7 0,0-48 0,0 0 0,0 8 0,0 1 0,0-5 0,0 2 0,0 10 0,0 2-810,0-3 1,0 0 809,0 8 0,0 2 0,0-1 0,0 0 0,0 0 0,0 0 0,0-5 0,0 0 0,0 0 0,0-1-478,0-4 1,0-1 477,0-4 0,0 1 0,0 3 0,0-1 0,0-11 0,0 0 0,0 6 0,0 0 0,0-7 0,0 0 0,0 4 0,0 0 0,0 0 0,0 0-175,0-4 1,0 0 174,0 49 0,0-8 0,0 7-167,0-5 167,0-39 0,0-2 0,0 21 0,0-14 0,0 0 0,0 19 1389,0 13-1389,0-14 0,5-20 0,1 17 0,0 1 0,4 7 0,-9-6 0,9 6 0,-9-8 0,4 0 0,-5 1 1003,0-19-1003,0 14 0,0-20 0,0 16 394,0-7-394,0 1 916,0-1-916,0-5 112,0-8-112,0-2 0,0-9 0,0 0 0,0-3 0,0-3 0,0 5 0,0-5 0,0 3 0,0-8 0,0 9 0,0-9 0,0-1 0,0-5 0,0-2 0,0-5 0,0 1 0,0-6 0,0-4 0,0 0 0</inkml:trace>
+</inkml:ink>
+</file>
+
+<file path=ppt/ink/ink93.xml><?xml version="1.0" encoding="utf-8"?>
+<inkml:ink xmlns:inkml="http://www.w3.org/2003/InkML">
+  <inkml:definitions>
+    <inkml:context xml:id="ctx0">
+      <inkml:inkSource xml:id="inkSrc0">
+        <inkml:traceFormat>
+          <inkml:channel name="X" type="integer" min="-2.14748E9" max="2.14748E9" units="cm"/>
+          <inkml:channel name="Y" type="integer" min="-2.14748E9" max="2.14748E9" units="cm"/>
+          <inkml:channel name="F" type="integer" max="32767" units="dev"/>
+        </inkml:traceFormat>
+        <inkml:channelProperties>
+          <inkml:channelProperty channel="X" name="resolution" value="1000" units="1/cm"/>
+          <inkml:channelProperty channel="Y" name="resolution" value="1000" units="1/cm"/>
+          <inkml:channelProperty channel="F" name="resolution" value="0" units="1/dev"/>
+        </inkml:channelProperties>
+      </inkml:inkSource>
+      <inkml:timestamp xml:id="ts0" timeString="2022-09-22T23:15:52.138"/>
+    </inkml:context>
+    <inkml:brush xml:id="br0">
+      <inkml:brushProperty name="width" value="0.1" units="cm"/>
+      <inkml:brushProperty name="height" value="0.1" units="cm"/>
+    </inkml:brush>
+  </inkml:definitions>
+  <inkml:trace contextRef="#ctx0" brushRef="#br0">1 343 24575,'0'-9'0,"0"-4"0,7-2 0,2-5 0,7-3 0,-1 3 0,1-3 0,-5 8 0,4-8 0,-7 7 0,3 1 0,-4 5 0,0 3 0,-1 1 0,-2-1 0,1 1 0,-1 0 0,-1-1 0,3 4 0,-5-3 0,5-1 0,-5 0 0,5-3 0,-2 0 0,-1 2 0,4-2 0,-7 0 0,6 5 0,-5-4 0,2 5 0,-1-2 0,2 2 0,2 2 0,4 2 0,5 3 0,5 5 0,3 5 0,1 3 0,0-1 0,0 1 0,0 0 0,0 0 0,-5-1 0,4 1 0,-7-1 0,3 0 0,-8-4 0,2 3 0,-2-3 0,0 0 0,3 2 0,-6-2 0,2 0 0,-3-1 0,-1-3 0,1-1 0,-1 1 0,-2-1 0,-1 1 0,0-4 0,-3 0 0,3-3 0</inkml:trace>
+</inkml:ink>
+</file>
+
+<file path=ppt/ink/ink94.xml><?xml version="1.0" encoding="utf-8"?>
+<inkml:ink xmlns:inkml="http://www.w3.org/2003/InkML">
+  <inkml:definitions>
+    <inkml:context xml:id="ctx0">
+      <inkml:inkSource xml:id="inkSrc0">
+        <inkml:traceFormat>
+          <inkml:channel name="X" type="integer" min="-2.14748E9" max="2.14748E9" units="cm"/>
+          <inkml:channel name="Y" type="integer" min="-2.14748E9" max="2.14748E9" units="cm"/>
+          <inkml:channel name="F" type="integer" max="32767" units="dev"/>
+        </inkml:traceFormat>
+        <inkml:channelProperties>
+          <inkml:channelProperty channel="X" name="resolution" value="1000" units="1/cm"/>
+          <inkml:channelProperty channel="Y" name="resolution" value="1000" units="1/cm"/>
+          <inkml:channelProperty channel="F" name="resolution" value="0" units="1/dev"/>
+        </inkml:channelProperties>
+      </inkml:inkSource>
+      <inkml:timestamp xml:id="ts0" timeString="2022-09-22T23:15:52.139"/>
+    </inkml:context>
+    <inkml:brush xml:id="br0">
+      <inkml:brushProperty name="width" value="0.1" units="cm"/>
+      <inkml:brushProperty name="height" value="0.1" units="cm"/>
+    </inkml:brush>
+  </inkml:definitions>
+  <inkml:trace contextRef="#ctx0" brushRef="#br0">0 111 24575,'10'0'0,"-2"0"0,2 0 0,1 3 0,1 4 0,-2 1 0,0 2 0,-2 5 0,2-7 0,-2 10 0,-1-10 0,-1 2 0,1-4 0,-1 1 0,1-1 0,-1 1 0,1-1 0,-3 1 0,1-4 0,-4 3 0,5-5 0,-5 5 0,4-5 0,-1 1 0,-1 1 0,0 0 0,0 4 0,0-1 0,1 1 0,2 3 0,-2-3 0,0 3 0,2 0 0,-5-2 0,5 2 0,-5-4 0,1 1 0,1-4 0,-2-3 0,4 0 0,-1-6 0,3-1 0,3-1 0,-2-5 0,6 1 0,-7 1 0,7-2 0,-3 2 0,4-8 0,0 4 0,0-4 0,-3 0 0,1 4 0,0-8 0,-2 3 0,4-4 0,-6 5 0,6-4 0,-7 7 0,3 1 0,-4 1 0,0 7 0,0-3 0,-1 6 0,1 1 0,-4 0 0,3 3 0,-5-3 0,2 3 0</inkml:trace>
+</inkml:ink>
+</file>
+
+<file path=ppt/ink/ink95.xml><?xml version="1.0" encoding="utf-8"?>
+<inkml:ink xmlns:inkml="http://www.w3.org/2003/InkML">
+  <inkml:definitions>
+    <inkml:context xml:id="ctx0">
+      <inkml:inkSource xml:id="inkSrc0">
+        <inkml:traceFormat>
+          <inkml:channel name="X" type="integer" min="-2.14748E9" max="2.14748E9" units="cm"/>
+          <inkml:channel name="Y" type="integer" min="-2.14748E9" max="2.14748E9" units="cm"/>
+          <inkml:channel name="F" type="integer" max="32767" units="dev"/>
+        </inkml:traceFormat>
+        <inkml:channelProperties>
+          <inkml:channelProperty channel="X" name="resolution" value="1000" units="1/cm"/>
+          <inkml:channelProperty channel="Y" name="resolution" value="1000" units="1/cm"/>
+          <inkml:channelProperty channel="F" name="resolution" value="0" units="1/dev"/>
+        </inkml:channelProperties>
+      </inkml:inkSource>
+      <inkml:timestamp xml:id="ts0" timeString="2022-09-22T23:16:11.251"/>
+    </inkml:context>
+    <inkml:brush xml:id="br0">
+      <inkml:brushProperty name="width" value="0.1" units="cm"/>
+      <inkml:brushProperty name="height" value="0.1" units="cm"/>
+      <inkml:brushProperty name="color" value="#FFC114"/>
+    </inkml:brush>
+  </inkml:definitions>
+  <inkml:trace contextRef="#ctx0" brushRef="#br0">0 7 24575,'13'0'0,"0"0"0,11 0 0,-7 0 0,6 0 0,-8 0 0,8 0 0,-6 0 0,11 0 0,-9 0 0,5 0 0,-4 0 0,3 0 0,-8 0 0,4 0 0,-8 0 0,3 0 0,-7 0 0,3 0 0,-3 0 0,-1 0 0,1 0 0,-1 0 0,0 0 0,1 0 0,-1 0 0,0 0 0,0 0 0,1-3 0,-1 3 0,0-3 0,0 3 0,-2 0 0,-2 0 0</inkml:trace>
+</inkml:ink>
+</file>
+
+<file path=ppt/ink/ink96.xml><?xml version="1.0" encoding="utf-8"?>
+<inkml:ink xmlns:inkml="http://www.w3.org/2003/InkML">
+  <inkml:definitions>
+    <inkml:context xml:id="ctx0">
+      <inkml:inkSource xml:id="inkSrc0">
+        <inkml:traceFormat>
+          <inkml:channel name="X" type="integer" min="-2.14748E9" max="2.14748E9" units="cm"/>
+          <inkml:channel name="Y" type="integer" min="-2.14748E9" max="2.14748E9" units="cm"/>
+          <inkml:channel name="F" type="integer" max="32767" units="dev"/>
+        </inkml:traceFormat>
+        <inkml:channelProperties>
+          <inkml:channelProperty channel="X" name="resolution" value="1000" units="1/cm"/>
+          <inkml:channelProperty channel="Y" name="resolution" value="1000" units="1/cm"/>
+          <inkml:channelProperty channel="F" name="resolution" value="0" units="1/dev"/>
+        </inkml:channelProperties>
+      </inkml:inkSource>
+      <inkml:timestamp xml:id="ts0" timeString="2022-09-22T23:16:13.499"/>
+    </inkml:context>
+    <inkml:brush xml:id="br0">
+      <inkml:brushProperty name="width" value="0.1" units="cm"/>
+      <inkml:brushProperty name="height" value="0.1" units="cm"/>
+      <inkml:brushProperty name="color" value="#FFC114"/>
+    </inkml:brush>
+  </inkml:definitions>
+  <inkml:trace contextRef="#ctx0" brushRef="#br0">0 1 24575,'22'0'0,"1"0"0,1 0 0,-1 0 0,1 0 0,0 0 0,0 0 0,0 0 0,0 0 0,-1 0 0,-3 0 0,3 0 0,-3 0 0,4 0 0,-5 0 0,4 0 0,-7 0 0,2 0 0,-7 0 0,0 0 0,-5 0 0,1 0 0,-1 0 0,0 0 0,0 0 0,1 0 0,-1 0 0,1 0 0,0 0 0,-1 0 0,1 0 0,-1 0 0,-2 0 0,-1 0 0</inkml:trace>
+</inkml:ink>
+</file>
+
+<file path=ppt/ink/ink97.xml><?xml version="1.0" encoding="utf-8"?>
+<inkml:ink xmlns:inkml="http://www.w3.org/2003/InkML">
+  <inkml:definitions>
+    <inkml:context xml:id="ctx0">
+      <inkml:inkSource xml:id="inkSrc0">
+        <inkml:traceFormat>
+          <inkml:channel name="X" type="integer" min="-2.14748E9" max="2.14748E9" units="cm"/>
+          <inkml:channel name="Y" type="integer" min="-2.14748E9" max="2.14748E9" units="cm"/>
+          <inkml:channel name="F" type="integer" max="32767" units="dev"/>
+        </inkml:traceFormat>
+        <inkml:channelProperties>
+          <inkml:channelProperty channel="X" name="resolution" value="1000" units="1/cm"/>
+          <inkml:channelProperty channel="Y" name="resolution" value="1000" units="1/cm"/>
+          <inkml:channelProperty channel="F" name="resolution" value="0" units="1/dev"/>
+        </inkml:channelProperties>
+      </inkml:inkSource>
+      <inkml:timestamp xml:id="ts0" timeString="2022-09-22T23:16:15.169"/>
+    </inkml:context>
+    <inkml:brush xml:id="br0">
+      <inkml:brushProperty name="width" value="0.1" units="cm"/>
+      <inkml:brushProperty name="height" value="0.1" units="cm"/>
+      <inkml:brushProperty name="color" value="#FFC114"/>
+    </inkml:brush>
+  </inkml:definitions>
+  <inkml:trace contextRef="#ctx0" brushRef="#br0">1 0 24575,'21'0'0,"-2"0"0,3 0 0,-2 0 0,4 0 0,0 0 0,0 0 0,-5 0 0,4 0 0,-11 0 0,10 0 0,-10 0 0,3 0 0,-6 0 0,1 0 0,-2 0 0,2 0 0,0 0 0,-3 0 0,3 0 0,-3 0 0,0 0 0,-1 0 0,-2 0 0,-1 0 0</inkml:trace>
+</inkml:ink>
+</file>
+
+<file path=ppt/ink/ink98.xml><?xml version="1.0" encoding="utf-8"?>
+<inkml:ink xmlns:inkml="http://www.w3.org/2003/InkML">
+  <inkml:definitions>
+    <inkml:context xml:id="ctx0">
+      <inkml:inkSource xml:id="inkSrc0">
+        <inkml:traceFormat>
+          <inkml:channel name="X" type="integer" min="-2.14748E9" max="2.14748E9" units="cm"/>
+          <inkml:channel name="Y" type="integer" min="-2.14748E9" max="2.14748E9" units="cm"/>
+          <inkml:channel name="F" type="integer" max="32767" units="dev"/>
+        </inkml:traceFormat>
+        <inkml:channelProperties>
+          <inkml:channelProperty channel="X" name="resolution" value="1000" units="1/cm"/>
+          <inkml:channelProperty channel="Y" name="resolution" value="1000" units="1/cm"/>
+          <inkml:channelProperty channel="F" name="resolution" value="0" units="1/dev"/>
+        </inkml:channelProperties>
+      </inkml:inkSource>
+      <inkml:timestamp xml:id="ts0" timeString="2022-09-22T23:16:16.600"/>
+    </inkml:context>
+    <inkml:brush xml:id="br0">
+      <inkml:brushProperty name="width" value="0.1" units="cm"/>
+      <inkml:brushProperty name="height" value="0.1" units="cm"/>
+      <inkml:brushProperty name="color" value="#FFC114"/>
+    </inkml:brush>
+  </inkml:definitions>
+  <inkml:trace contextRef="#ctx0" brushRef="#br0">1 1 24575,'23'0'0,"6"0"0,1 0 0,5 0 0,-1 0 0,-4 0 0,-1 0 0,-10 0 0,4 0 0,-11 0 0,3 0 0,-9 0 0,1 0 0,-1 0 0,-2 0 0,-1 0 0</inkml:trace>
+</inkml:ink>
+</file>
+
+<file path=ppt/ink/ink99.xml><?xml version="1.0" encoding="utf-8"?>
+<inkml:ink xmlns:inkml="http://www.w3.org/2003/InkML">
+  <inkml:definitions>
+    <inkml:context xml:id="ctx0">
+      <inkml:inkSource xml:id="inkSrc0">
+        <inkml:traceFormat>
+          <inkml:channel name="X" type="integer" min="-2.14748E9" max="2.14748E9" units="cm"/>
+          <inkml:channel name="Y" type="integer" min="-2.14748E9" max="2.14748E9" units="cm"/>
+          <inkml:channel name="F" type="integer" max="32767" units="dev"/>
+        </inkml:traceFormat>
+        <inkml:channelProperties>
+          <inkml:channelProperty channel="X" name="resolution" value="1000" units="1/cm"/>
+          <inkml:channelProperty channel="Y" name="resolution" value="1000" units="1/cm"/>
+          <inkml:channelProperty channel="F" name="resolution" value="0" units="1/dev"/>
+        </inkml:channelProperties>
+      </inkml:inkSource>
+      <inkml:timestamp xml:id="ts0" timeString="2022-09-22T23:16:19.647"/>
+    </inkml:context>
+    <inkml:brush xml:id="br0">
+      <inkml:brushProperty name="width" value="0.1" units="cm"/>
+      <inkml:brushProperty name="height" value="0.1" units="cm"/>
+      <inkml:brushProperty name="color" value="#FFC114"/>
+    </inkml:brush>
+  </inkml:definitions>
+  <inkml:trace contextRef="#ctx0" brushRef="#br0">0 1 24575,'13'0'0,"10"0"0,-3 0 0,5 0 0,-2 0 0,-8 0 0,8 0 0,-7 0 0,3 0 0,-1 0 0,-6 0 0,10 0 0,-6 0 0,1 0 0,5 0 0,-10 0 0,6 0 0,-7 0 0,3 0 0,-7 0 0,3 0 0,-3 0 0,-1 0 0,-2 0 0,-2 0 0</inkml:trace>
 </inkml:ink>
 </file>
 
@@ -10007,12 +10867,1180 @@
           </p:pic>
         </mc:Fallback>
       </mc:AlternateContent>
+      <p:sp>
+        <p:nvSpPr>
+          <p:cNvPr id="41" name="TextBox 40">
+            <a:extLst>
+              <a:ext uri="{FF2B5EF4-FFF2-40B4-BE49-F238E27FC236}">
+                <a16:creationId xmlns:a16="http://schemas.microsoft.com/office/drawing/2014/main" id="{433C08B3-B999-8E75-ECC1-A6B4C417DF76}"/>
+              </a:ext>
+            </a:extLst>
+          </p:cNvPr>
+          <p:cNvSpPr txBox="1"/>
+          <p:nvPr/>
+        </p:nvSpPr>
+        <p:spPr>
+          <a:xfrm>
+            <a:off x="7970208" y="2968358"/>
+            <a:ext cx="1371600" cy="369332"/>
+          </a:xfrm>
+          <a:prstGeom prst="rect">
+            <a:avLst/>
+          </a:prstGeom>
+          <a:noFill/>
+        </p:spPr>
+        <p:txBody>
+          <a:bodyPr wrap="square" anchor="b" anchorCtr="0">
+            <a:spAutoFit/>
+          </a:bodyPr>
+          <a:lstStyle/>
+          <a:p>
+            <a:pPr algn="ctr"/>
+            <a:r>
+              <a:rPr lang="en-US" dirty="0"/>
+              <a:t>Always</a:t>
+            </a:r>
+          </a:p>
+        </p:txBody>
+      </p:sp>
+      <p:sp>
+        <p:nvSpPr>
+          <p:cNvPr id="42" name="TextBox 41">
+            <a:extLst>
+              <a:ext uri="{FF2B5EF4-FFF2-40B4-BE49-F238E27FC236}">
+                <a16:creationId xmlns:a16="http://schemas.microsoft.com/office/drawing/2014/main" id="{812ECE7D-5010-2180-6B4B-52A93F755CE3}"/>
+              </a:ext>
+            </a:extLst>
+          </p:cNvPr>
+          <p:cNvSpPr txBox="1"/>
+          <p:nvPr/>
+        </p:nvSpPr>
+        <p:spPr>
+          <a:xfrm>
+            <a:off x="6592188" y="2691359"/>
+            <a:ext cx="1371600" cy="646331"/>
+          </a:xfrm>
+          <a:prstGeom prst="rect">
+            <a:avLst/>
+          </a:prstGeom>
+          <a:noFill/>
+        </p:spPr>
+        <p:txBody>
+          <a:bodyPr wrap="square" anchor="b" anchorCtr="0">
+            <a:spAutoFit/>
+          </a:bodyPr>
+          <a:lstStyle/>
+          <a:p>
+            <a:pPr algn="ctr"/>
+            <a:r>
+              <a:rPr lang="en-US" dirty="0"/>
+              <a:t>Most of the time</a:t>
+            </a:r>
+          </a:p>
+        </p:txBody>
+      </p:sp>
+      <p:sp>
+        <p:nvSpPr>
+          <p:cNvPr id="43" name="TextBox 42">
+            <a:extLst>
+              <a:ext uri="{FF2B5EF4-FFF2-40B4-BE49-F238E27FC236}">
+                <a16:creationId xmlns:a16="http://schemas.microsoft.com/office/drawing/2014/main" id="{8140C93A-DAD8-2C2A-6D2D-F03792594F35}"/>
+              </a:ext>
+            </a:extLst>
+          </p:cNvPr>
+          <p:cNvSpPr txBox="1"/>
+          <p:nvPr/>
+        </p:nvSpPr>
+        <p:spPr>
+          <a:xfrm>
+            <a:off x="5214168" y="2691359"/>
+            <a:ext cx="1371600" cy="646331"/>
+          </a:xfrm>
+          <a:prstGeom prst="rect">
+            <a:avLst/>
+          </a:prstGeom>
+          <a:noFill/>
+        </p:spPr>
+        <p:txBody>
+          <a:bodyPr wrap="square" anchor="b" anchorCtr="0">
+            <a:spAutoFit/>
+          </a:bodyPr>
+          <a:lstStyle/>
+          <a:p>
+            <a:pPr algn="ctr"/>
+            <a:r>
+              <a:rPr lang="en-US" dirty="0"/>
+              <a:t>About half the time</a:t>
+            </a:r>
+          </a:p>
+        </p:txBody>
+      </p:sp>
+      <p:sp>
+        <p:nvSpPr>
+          <p:cNvPr id="44" name="TextBox 43">
+            <a:extLst>
+              <a:ext uri="{FF2B5EF4-FFF2-40B4-BE49-F238E27FC236}">
+                <a16:creationId xmlns:a16="http://schemas.microsoft.com/office/drawing/2014/main" id="{2AE89AA4-5E22-E361-7F67-CDA45759A016}"/>
+              </a:ext>
+            </a:extLst>
+          </p:cNvPr>
+          <p:cNvSpPr txBox="1"/>
+          <p:nvPr/>
+        </p:nvSpPr>
+        <p:spPr>
+          <a:xfrm>
+            <a:off x="3836148" y="2968358"/>
+            <a:ext cx="1371600" cy="369332"/>
+          </a:xfrm>
+          <a:prstGeom prst="rect">
+            <a:avLst/>
+          </a:prstGeom>
+          <a:noFill/>
+        </p:spPr>
+        <p:txBody>
+          <a:bodyPr wrap="square" anchor="b" anchorCtr="0">
+            <a:spAutoFit/>
+          </a:bodyPr>
+          <a:lstStyle/>
+          <a:p>
+            <a:pPr algn="ctr"/>
+            <a:r>
+              <a:rPr lang="en-US" dirty="0"/>
+              <a:t>Sometimes</a:t>
+            </a:r>
+          </a:p>
+        </p:txBody>
+      </p:sp>
+      <p:sp>
+        <p:nvSpPr>
+          <p:cNvPr id="45" name="TextBox 44">
+            <a:extLst>
+              <a:ext uri="{FF2B5EF4-FFF2-40B4-BE49-F238E27FC236}">
+                <a16:creationId xmlns:a16="http://schemas.microsoft.com/office/drawing/2014/main" id="{0D83DD20-C0BE-F6BC-1BA9-8F4D598AB123}"/>
+              </a:ext>
+            </a:extLst>
+          </p:cNvPr>
+          <p:cNvSpPr txBox="1"/>
+          <p:nvPr/>
+        </p:nvSpPr>
+        <p:spPr>
+          <a:xfrm>
+            <a:off x="2458128" y="2968358"/>
+            <a:ext cx="1371600" cy="369332"/>
+          </a:xfrm>
+          <a:prstGeom prst="rect">
+            <a:avLst/>
+          </a:prstGeom>
+          <a:noFill/>
+        </p:spPr>
+        <p:txBody>
+          <a:bodyPr wrap="square" anchor="b" anchorCtr="0">
+            <a:spAutoFit/>
+          </a:bodyPr>
+          <a:lstStyle/>
+          <a:p>
+            <a:pPr algn="ctr"/>
+            <a:r>
+              <a:rPr lang="en-US" dirty="0"/>
+              <a:t>Never</a:t>
+            </a:r>
+          </a:p>
+        </p:txBody>
+      </p:sp>
+      <mc:AlternateContent xmlns:mc="http://schemas.openxmlformats.org/markup-compatibility/2006">
+        <mc:Choice xmlns:p14="http://schemas.microsoft.com/office/powerpoint/2010/main" Requires="p14">
+          <p:contentPart p14:bwMode="auto" r:id="rId18">
+            <p14:nvContentPartPr>
+              <p14:cNvPr id="48" name="Ink 47">
+                <a:extLst>
+                  <a:ext uri="{FF2B5EF4-FFF2-40B4-BE49-F238E27FC236}">
+                    <a16:creationId xmlns:a16="http://schemas.microsoft.com/office/drawing/2014/main" id="{96D1AF11-A9D1-EB14-0B89-74F76EB4932E}"/>
+                  </a:ext>
+                </a:extLst>
+              </p14:cNvPr>
+              <p14:cNvContentPartPr/>
+              <p14:nvPr/>
+            </p14:nvContentPartPr>
+            <p14:xfrm>
+              <a:off x="3170040" y="3574728"/>
+              <a:ext cx="5486400" cy="79920"/>
+            </p14:xfrm>
+          </p:contentPart>
+        </mc:Choice>
+        <mc:Fallback>
+          <p:pic>
+            <p:nvPicPr>
+              <p:cNvPr id="48" name="Ink 47">
+                <a:extLst>
+                  <a:ext uri="{FF2B5EF4-FFF2-40B4-BE49-F238E27FC236}">
+                    <a16:creationId xmlns:a16="http://schemas.microsoft.com/office/drawing/2014/main" id="{96D1AF11-A9D1-EB14-0B89-74F76EB4932E}"/>
+                  </a:ext>
+                </a:extLst>
+              </p:cNvPr>
+              <p:cNvPicPr/>
+              <p:nvPr/>
+            </p:nvPicPr>
+            <p:blipFill>
+              <a:blip r:embed="rId19"/>
+              <a:stretch>
+                <a:fillRect/>
+              </a:stretch>
+            </p:blipFill>
+            <p:spPr>
+              <a:xfrm>
+                <a:off x="3152040" y="3556728"/>
+                <a:ext cx="5522040" cy="115560"/>
+              </a:xfrm>
+              <a:prstGeom prst="rect">
+                <a:avLst/>
+              </a:prstGeom>
+            </p:spPr>
+          </p:pic>
+        </mc:Fallback>
+      </mc:AlternateContent>
+      <mc:AlternateContent xmlns:mc="http://schemas.openxmlformats.org/markup-compatibility/2006">
+        <mc:Choice xmlns:p14="http://schemas.microsoft.com/office/powerpoint/2010/main" Requires="p14">
+          <p:contentPart p14:bwMode="auto" r:id="rId20">
+            <p14:nvContentPartPr>
+              <p14:cNvPr id="49" name="Ink 48">
+                <a:extLst>
+                  <a:ext uri="{FF2B5EF4-FFF2-40B4-BE49-F238E27FC236}">
+                    <a16:creationId xmlns:a16="http://schemas.microsoft.com/office/drawing/2014/main" id="{109053B4-9D8A-F257-10CF-F9FFD953F670}"/>
+                  </a:ext>
+                </a:extLst>
+              </p14:cNvPr>
+              <p14:cNvContentPartPr/>
+              <p14:nvPr/>
+            </p14:nvContentPartPr>
+            <p14:xfrm>
+              <a:off x="8693592" y="3481992"/>
+              <a:ext cx="11160" cy="270000"/>
+            </p14:xfrm>
+          </p:contentPart>
+        </mc:Choice>
+        <mc:Fallback>
+          <p:pic>
+            <p:nvPicPr>
+              <p:cNvPr id="49" name="Ink 48">
+                <a:extLst>
+                  <a:ext uri="{FF2B5EF4-FFF2-40B4-BE49-F238E27FC236}">
+                    <a16:creationId xmlns:a16="http://schemas.microsoft.com/office/drawing/2014/main" id="{109053B4-9D8A-F257-10CF-F9FFD953F670}"/>
+                  </a:ext>
+                </a:extLst>
+              </p:cNvPr>
+              <p:cNvPicPr/>
+              <p:nvPr/>
+            </p:nvPicPr>
+            <p:blipFill>
+              <a:blip r:embed="rId21"/>
+              <a:stretch>
+                <a:fillRect/>
+              </a:stretch>
+            </p:blipFill>
+            <p:spPr>
+              <a:xfrm>
+                <a:off x="8675592" y="3464352"/>
+                <a:ext cx="46800" cy="305640"/>
+              </a:xfrm>
+              <a:prstGeom prst="rect">
+                <a:avLst/>
+              </a:prstGeom>
+            </p:spPr>
+          </p:pic>
+        </mc:Fallback>
+      </mc:AlternateContent>
+      <mc:AlternateContent xmlns:mc="http://schemas.openxmlformats.org/markup-compatibility/2006">
+        <mc:Choice xmlns:p14="http://schemas.microsoft.com/office/powerpoint/2010/main" Requires="p14">
+          <p:contentPart p14:bwMode="auto" r:id="rId22">
+            <p14:nvContentPartPr>
+              <p14:cNvPr id="51" name="Ink 50">
+                <a:extLst>
+                  <a:ext uri="{FF2B5EF4-FFF2-40B4-BE49-F238E27FC236}">
+                    <a16:creationId xmlns:a16="http://schemas.microsoft.com/office/drawing/2014/main" id="{BA849DE7-4F39-B7F1-671A-CF1D9EB4CDC3}"/>
+                  </a:ext>
+                </a:extLst>
+              </p14:cNvPr>
+              <p14:cNvContentPartPr/>
+              <p14:nvPr/>
+            </p14:nvContentPartPr>
+            <p14:xfrm>
+              <a:off x="7301760" y="3501648"/>
+              <a:ext cx="360" cy="231120"/>
+            </p14:xfrm>
+          </p:contentPart>
+        </mc:Choice>
+        <mc:Fallback>
+          <p:pic>
+            <p:nvPicPr>
+              <p:cNvPr id="51" name="Ink 50">
+                <a:extLst>
+                  <a:ext uri="{FF2B5EF4-FFF2-40B4-BE49-F238E27FC236}">
+                    <a16:creationId xmlns:a16="http://schemas.microsoft.com/office/drawing/2014/main" id="{BA849DE7-4F39-B7F1-671A-CF1D9EB4CDC3}"/>
+                  </a:ext>
+                </a:extLst>
+              </p:cNvPr>
+              <p:cNvPicPr/>
+              <p:nvPr/>
+            </p:nvPicPr>
+            <p:blipFill>
+              <a:blip r:embed="rId23"/>
+              <a:stretch>
+                <a:fillRect/>
+              </a:stretch>
+            </p:blipFill>
+            <p:spPr>
+              <a:xfrm>
+                <a:off x="7283760" y="3484008"/>
+                <a:ext cx="36000" cy="266760"/>
+              </a:xfrm>
+              <a:prstGeom prst="rect">
+                <a:avLst/>
+              </a:prstGeom>
+            </p:spPr>
+          </p:pic>
+        </mc:Fallback>
+      </mc:AlternateContent>
+      <mc:AlternateContent xmlns:mc="http://schemas.openxmlformats.org/markup-compatibility/2006">
+        <mc:Choice xmlns:p14="http://schemas.microsoft.com/office/powerpoint/2010/main" Requires="p14">
+          <p:contentPart p14:bwMode="auto" r:id="rId24">
+            <p14:nvContentPartPr>
+              <p14:cNvPr id="52" name="Ink 51">
+                <a:extLst>
+                  <a:ext uri="{FF2B5EF4-FFF2-40B4-BE49-F238E27FC236}">
+                    <a16:creationId xmlns:a16="http://schemas.microsoft.com/office/drawing/2014/main" id="{9C8434AB-E6C8-A37B-84FA-7DD18BFC45F5}"/>
+                  </a:ext>
+                </a:extLst>
+              </p14:cNvPr>
+              <p14:cNvContentPartPr/>
+              <p14:nvPr/>
+            </p14:nvContentPartPr>
+            <p14:xfrm>
+              <a:off x="5944560" y="3509208"/>
+              <a:ext cx="360" cy="246960"/>
+            </p14:xfrm>
+          </p:contentPart>
+        </mc:Choice>
+        <mc:Fallback>
+          <p:pic>
+            <p:nvPicPr>
+              <p:cNvPr id="52" name="Ink 51">
+                <a:extLst>
+                  <a:ext uri="{FF2B5EF4-FFF2-40B4-BE49-F238E27FC236}">
+                    <a16:creationId xmlns:a16="http://schemas.microsoft.com/office/drawing/2014/main" id="{9C8434AB-E6C8-A37B-84FA-7DD18BFC45F5}"/>
+                  </a:ext>
+                </a:extLst>
+              </p:cNvPr>
+              <p:cNvPicPr/>
+              <p:nvPr/>
+            </p:nvPicPr>
+            <p:blipFill>
+              <a:blip r:embed="rId25"/>
+              <a:stretch>
+                <a:fillRect/>
+              </a:stretch>
+            </p:blipFill>
+            <p:spPr>
+              <a:xfrm>
+                <a:off x="5926560" y="3491568"/>
+                <a:ext cx="36000" cy="282600"/>
+              </a:xfrm>
+              <a:prstGeom prst="rect">
+                <a:avLst/>
+              </a:prstGeom>
+            </p:spPr>
+          </p:pic>
+        </mc:Fallback>
+      </mc:AlternateContent>
+      <mc:AlternateContent xmlns:mc="http://schemas.openxmlformats.org/markup-compatibility/2006">
+        <mc:Choice xmlns:p14="http://schemas.microsoft.com/office/powerpoint/2010/main" Requires="p14">
+          <p:contentPart p14:bwMode="auto" r:id="rId26">
+            <p14:nvContentPartPr>
+              <p14:cNvPr id="53" name="Ink 52">
+                <a:extLst>
+                  <a:ext uri="{FF2B5EF4-FFF2-40B4-BE49-F238E27FC236}">
+                    <a16:creationId xmlns:a16="http://schemas.microsoft.com/office/drawing/2014/main" id="{622E47E9-6D4F-5D86-5CFA-EDB4297C4A2A}"/>
+                  </a:ext>
+                </a:extLst>
+              </p14:cNvPr>
+              <p14:cNvContentPartPr/>
+              <p14:nvPr/>
+            </p14:nvContentPartPr>
+            <p14:xfrm>
+              <a:off x="4611480" y="3556368"/>
+              <a:ext cx="11520" cy="231480"/>
+            </p14:xfrm>
+          </p:contentPart>
+        </mc:Choice>
+        <mc:Fallback>
+          <p:pic>
+            <p:nvPicPr>
+              <p:cNvPr id="53" name="Ink 52">
+                <a:extLst>
+                  <a:ext uri="{FF2B5EF4-FFF2-40B4-BE49-F238E27FC236}">
+                    <a16:creationId xmlns:a16="http://schemas.microsoft.com/office/drawing/2014/main" id="{622E47E9-6D4F-5D86-5CFA-EDB4297C4A2A}"/>
+                  </a:ext>
+                </a:extLst>
+              </p:cNvPr>
+              <p:cNvPicPr/>
+              <p:nvPr/>
+            </p:nvPicPr>
+            <p:blipFill>
+              <a:blip r:embed="rId27"/>
+              <a:stretch>
+                <a:fillRect/>
+              </a:stretch>
+            </p:blipFill>
+            <p:spPr>
+              <a:xfrm>
+                <a:off x="4593840" y="3538728"/>
+                <a:ext cx="47160" cy="267120"/>
+              </a:xfrm>
+              <a:prstGeom prst="rect">
+                <a:avLst/>
+              </a:prstGeom>
+            </p:spPr>
+          </p:pic>
+        </mc:Fallback>
+      </mc:AlternateContent>
+      <mc:AlternateContent xmlns:mc="http://schemas.openxmlformats.org/markup-compatibility/2006">
+        <mc:Choice xmlns:p14="http://schemas.microsoft.com/office/powerpoint/2010/main" Requires="p14">
+          <p:contentPart p14:bwMode="auto" r:id="rId28">
+            <p14:nvContentPartPr>
+              <p14:cNvPr id="55" name="Ink 54">
+                <a:extLst>
+                  <a:ext uri="{FF2B5EF4-FFF2-40B4-BE49-F238E27FC236}">
+                    <a16:creationId xmlns:a16="http://schemas.microsoft.com/office/drawing/2014/main" id="{E2604EA8-8FCA-509E-1F44-02DEF6EC4149}"/>
+                  </a:ext>
+                </a:extLst>
+              </p14:cNvPr>
+              <p14:cNvContentPartPr/>
+              <p14:nvPr/>
+            </p14:nvContentPartPr>
+            <p14:xfrm>
+              <a:off x="3156000" y="3450168"/>
+              <a:ext cx="5760" cy="261000"/>
+            </p14:xfrm>
+          </p:contentPart>
+        </mc:Choice>
+        <mc:Fallback>
+          <p:pic>
+            <p:nvPicPr>
+              <p:cNvPr id="55" name="Ink 54">
+                <a:extLst>
+                  <a:ext uri="{FF2B5EF4-FFF2-40B4-BE49-F238E27FC236}">
+                    <a16:creationId xmlns:a16="http://schemas.microsoft.com/office/drawing/2014/main" id="{E2604EA8-8FCA-509E-1F44-02DEF6EC4149}"/>
+                  </a:ext>
+                </a:extLst>
+              </p:cNvPr>
+              <p:cNvPicPr/>
+              <p:nvPr/>
+            </p:nvPicPr>
+            <p:blipFill>
+              <a:blip r:embed="rId29"/>
+              <a:stretch>
+                <a:fillRect/>
+              </a:stretch>
+            </p:blipFill>
+            <p:spPr>
+              <a:xfrm>
+                <a:off x="3138360" y="3432528"/>
+                <a:ext cx="41400" cy="296640"/>
+              </a:xfrm>
+              <a:prstGeom prst="rect">
+                <a:avLst/>
+              </a:prstGeom>
+            </p:spPr>
+          </p:pic>
+        </mc:Fallback>
+      </mc:AlternateContent>
+    </p:spTree>
+    <p:extLst>
+      <p:ext uri="{BB962C8B-B14F-4D97-AF65-F5344CB8AC3E}">
+        <p14:creationId xmlns:p14="http://schemas.microsoft.com/office/powerpoint/2010/main" val="2991124529"/>
+      </p:ext>
+    </p:extLst>
+  </p:cSld>
+  <p:clrMapOvr>
+    <a:masterClrMapping/>
+  </p:clrMapOvr>
+</p:sld>
+</file>
+
+<file path=ppt/slides/slide4.xml><?xml version="1.0" encoding="utf-8"?>
+<p:sld xmlns:a="http://schemas.openxmlformats.org/drawingml/2006/main" xmlns:r="http://schemas.openxmlformats.org/officeDocument/2006/relationships" xmlns:p="http://schemas.openxmlformats.org/presentationml/2006/main">
+  <p:cSld>
+    <p:spTree>
+      <p:nvGrpSpPr>
+        <p:cNvPr id="1" name=""/>
+        <p:cNvGrpSpPr/>
+        <p:nvPr/>
+      </p:nvGrpSpPr>
+      <p:grpSpPr>
+        <a:xfrm>
+          <a:off x="0" y="0"/>
+          <a:ext cx="0" cy="0"/>
+          <a:chOff x="0" y="0"/>
+          <a:chExt cx="0" cy="0"/>
+        </a:xfrm>
+      </p:grpSpPr>
+      <mc:AlternateContent xmlns:mc="http://schemas.openxmlformats.org/markup-compatibility/2006">
+        <mc:Choice xmlns:p14="http://schemas.microsoft.com/office/powerpoint/2010/main" Requires="p14">
+          <p:contentPart p14:bwMode="auto" r:id="rId2">
+            <p14:nvContentPartPr>
+              <p14:cNvPr id="17" name="Ink 16">
+                <a:extLst>
+                  <a:ext uri="{FF2B5EF4-FFF2-40B4-BE49-F238E27FC236}">
+                    <a16:creationId xmlns:a16="http://schemas.microsoft.com/office/drawing/2014/main" id="{81407352-A701-3419-5CEA-4B9D12538FFD}"/>
+                  </a:ext>
+                </a:extLst>
+              </p14:cNvPr>
+              <p14:cNvContentPartPr/>
+              <p14:nvPr/>
+            </p14:nvContentPartPr>
+            <p14:xfrm>
+              <a:off x="2739744" y="1967616"/>
+              <a:ext cx="35280" cy="4023000"/>
+            </p14:xfrm>
+          </p:contentPart>
+        </mc:Choice>
+        <mc:Fallback>
+          <p:pic>
+            <p:nvPicPr>
+              <p:cNvPr id="17" name="Ink 16">
+                <a:extLst>
+                  <a:ext uri="{FF2B5EF4-FFF2-40B4-BE49-F238E27FC236}">
+                    <a16:creationId xmlns:a16="http://schemas.microsoft.com/office/drawing/2014/main" id="{81407352-A701-3419-5CEA-4B9D12538FFD}"/>
+                  </a:ext>
+                </a:extLst>
+              </p:cNvPr>
+              <p:cNvPicPr/>
+              <p:nvPr/>
+            </p:nvPicPr>
+            <p:blipFill>
+              <a:blip r:embed="rId3"/>
+              <a:stretch>
+                <a:fillRect/>
+              </a:stretch>
+            </p:blipFill>
+            <p:spPr>
+              <a:xfrm>
+                <a:off x="2722104" y="1949616"/>
+                <a:ext cx="70920" cy="4058640"/>
+              </a:xfrm>
+              <a:prstGeom prst="rect">
+                <a:avLst/>
+              </a:prstGeom>
+            </p:spPr>
+          </p:pic>
+        </mc:Fallback>
+      </mc:AlternateContent>
+      <mc:AlternateContent xmlns:mc="http://schemas.openxmlformats.org/markup-compatibility/2006">
+        <mc:Choice xmlns:p14="http://schemas.microsoft.com/office/powerpoint/2010/main" Requires="p14">
+          <p:contentPart p14:bwMode="auto" r:id="rId4">
+            <p14:nvContentPartPr>
+              <p14:cNvPr id="19" name="Ink 18">
+                <a:extLst>
+                  <a:ext uri="{FF2B5EF4-FFF2-40B4-BE49-F238E27FC236}">
+                    <a16:creationId xmlns:a16="http://schemas.microsoft.com/office/drawing/2014/main" id="{F534D959-B272-1DB6-CF3C-CEDAF5C8731C}"/>
+                  </a:ext>
+                </a:extLst>
+              </p14:cNvPr>
+              <p14:cNvContentPartPr/>
+              <p14:nvPr/>
+            </p14:nvContentPartPr>
+            <p14:xfrm>
+              <a:off x="2232504" y="6017976"/>
+              <a:ext cx="1051560" cy="23040"/>
+            </p14:xfrm>
+          </p:contentPart>
+        </mc:Choice>
+        <mc:Fallback>
+          <p:pic>
+            <p:nvPicPr>
+              <p:cNvPr id="19" name="Ink 18">
+                <a:extLst>
+                  <a:ext uri="{FF2B5EF4-FFF2-40B4-BE49-F238E27FC236}">
+                    <a16:creationId xmlns:a16="http://schemas.microsoft.com/office/drawing/2014/main" id="{F534D959-B272-1DB6-CF3C-CEDAF5C8731C}"/>
+                  </a:ext>
+                </a:extLst>
+              </p:cNvPr>
+              <p:cNvPicPr/>
+              <p:nvPr/>
+            </p:nvPicPr>
+            <p:blipFill>
+              <a:blip r:embed="rId5"/>
+              <a:stretch>
+                <a:fillRect/>
+              </a:stretch>
+            </p:blipFill>
+            <p:spPr>
+              <a:xfrm>
+                <a:off x="2214864" y="5999976"/>
+                <a:ext cx="1087200" cy="58680"/>
+              </a:xfrm>
+              <a:prstGeom prst="rect">
+                <a:avLst/>
+              </a:prstGeom>
+            </p:spPr>
+          </p:pic>
+        </mc:Fallback>
+      </mc:AlternateContent>
+      <mc:AlternateContent xmlns:mc="http://schemas.openxmlformats.org/markup-compatibility/2006">
+        <mc:Choice xmlns:p14="http://schemas.microsoft.com/office/powerpoint/2010/main" Requires="p14">
+          <p:contentPart p14:bwMode="auto" r:id="rId6">
+            <p14:nvContentPartPr>
+              <p14:cNvPr id="26" name="Ink 25">
+                <a:extLst>
+                  <a:ext uri="{FF2B5EF4-FFF2-40B4-BE49-F238E27FC236}">
+                    <a16:creationId xmlns:a16="http://schemas.microsoft.com/office/drawing/2014/main" id="{D4F05021-20F2-102E-4225-F875688F2D53}"/>
+                  </a:ext>
+                </a:extLst>
+              </p14:cNvPr>
+              <p14:cNvContentPartPr/>
+              <p14:nvPr/>
+            </p14:nvContentPartPr>
+            <p14:xfrm>
+              <a:off x="3014567" y="1964916"/>
+              <a:ext cx="282240" cy="783720"/>
+            </p14:xfrm>
+          </p:contentPart>
+        </mc:Choice>
+        <mc:Fallback>
+          <p:pic>
+            <p:nvPicPr>
+              <p:cNvPr id="26" name="Ink 25">
+                <a:extLst>
+                  <a:ext uri="{FF2B5EF4-FFF2-40B4-BE49-F238E27FC236}">
+                    <a16:creationId xmlns:a16="http://schemas.microsoft.com/office/drawing/2014/main" id="{D4F05021-20F2-102E-4225-F875688F2D53}"/>
+                  </a:ext>
+                </a:extLst>
+              </p:cNvPr>
+              <p:cNvPicPr/>
+              <p:nvPr/>
+            </p:nvPicPr>
+            <p:blipFill>
+              <a:blip r:embed="rId7"/>
+              <a:stretch>
+                <a:fillRect/>
+              </a:stretch>
+            </p:blipFill>
+            <p:spPr>
+              <a:xfrm>
+                <a:off x="2996567" y="1947276"/>
+                <a:ext cx="317880" cy="819360"/>
+              </a:xfrm>
+              <a:prstGeom prst="rect">
+                <a:avLst/>
+              </a:prstGeom>
+            </p:spPr>
+          </p:pic>
+        </mc:Fallback>
+      </mc:AlternateContent>
+      <mc:AlternateContent xmlns:mc="http://schemas.openxmlformats.org/markup-compatibility/2006">
+        <mc:Choice xmlns:p14="http://schemas.microsoft.com/office/powerpoint/2010/main" Requires="p14">
+          <p:contentPart p14:bwMode="auto" r:id="rId8">
+            <p14:nvContentPartPr>
+              <p14:cNvPr id="20" name="Ink 19">
+                <a:extLst>
+                  <a:ext uri="{FF2B5EF4-FFF2-40B4-BE49-F238E27FC236}">
+                    <a16:creationId xmlns:a16="http://schemas.microsoft.com/office/drawing/2014/main" id="{476105CE-680E-B6E6-E6F5-9C4AA97F4520}"/>
+                  </a:ext>
+                </a:extLst>
+              </p14:cNvPr>
+              <p14:cNvContentPartPr/>
+              <p14:nvPr/>
+            </p14:nvContentPartPr>
+            <p14:xfrm>
+              <a:off x="2664864" y="2059776"/>
+              <a:ext cx="162360" cy="360"/>
+            </p14:xfrm>
+          </p:contentPart>
+        </mc:Choice>
+        <mc:Fallback>
+          <p:pic>
+            <p:nvPicPr>
+              <p:cNvPr id="20" name="Ink 19">
+                <a:extLst>
+                  <a:ext uri="{FF2B5EF4-FFF2-40B4-BE49-F238E27FC236}">
+                    <a16:creationId xmlns:a16="http://schemas.microsoft.com/office/drawing/2014/main" id="{476105CE-680E-B6E6-E6F5-9C4AA97F4520}"/>
+                  </a:ext>
+                </a:extLst>
+              </p:cNvPr>
+              <p:cNvPicPr/>
+              <p:nvPr/>
+            </p:nvPicPr>
+            <p:blipFill>
+              <a:blip r:embed="rId9"/>
+              <a:stretch>
+                <a:fillRect/>
+              </a:stretch>
+            </p:blipFill>
+            <p:spPr>
+              <a:xfrm>
+                <a:off x="2647224" y="2042136"/>
+                <a:ext cx="198000" cy="36000"/>
+              </a:xfrm>
+              <a:prstGeom prst="rect">
+                <a:avLst/>
+              </a:prstGeom>
+            </p:spPr>
+          </p:pic>
+        </mc:Fallback>
+      </mc:AlternateContent>
+      <mc:AlternateContent xmlns:mc="http://schemas.openxmlformats.org/markup-compatibility/2006">
+        <mc:Choice xmlns:p14="http://schemas.microsoft.com/office/powerpoint/2010/main" Requires="p14">
+          <p:contentPart p14:bwMode="auto" r:id="rId10">
+            <p14:nvContentPartPr>
+              <p14:cNvPr id="21" name="Ink 20">
+                <a:extLst>
+                  <a:ext uri="{FF2B5EF4-FFF2-40B4-BE49-F238E27FC236}">
+                    <a16:creationId xmlns:a16="http://schemas.microsoft.com/office/drawing/2014/main" id="{541035B8-EC9C-42AF-08CF-4BC737B28D75}"/>
+                  </a:ext>
+                </a:extLst>
+              </p14:cNvPr>
+              <p14:cNvContentPartPr/>
+              <p14:nvPr/>
+            </p14:nvContentPartPr>
+            <p14:xfrm>
+              <a:off x="2664144" y="2695896"/>
+              <a:ext cx="131040" cy="360"/>
+            </p14:xfrm>
+          </p:contentPart>
+        </mc:Choice>
+        <mc:Fallback>
+          <p:pic>
+            <p:nvPicPr>
+              <p:cNvPr id="21" name="Ink 20">
+                <a:extLst>
+                  <a:ext uri="{FF2B5EF4-FFF2-40B4-BE49-F238E27FC236}">
+                    <a16:creationId xmlns:a16="http://schemas.microsoft.com/office/drawing/2014/main" id="{541035B8-EC9C-42AF-08CF-4BC737B28D75}"/>
+                  </a:ext>
+                </a:extLst>
+              </p:cNvPr>
+              <p:cNvPicPr/>
+              <p:nvPr/>
+            </p:nvPicPr>
+            <p:blipFill>
+              <a:blip r:embed="rId11"/>
+              <a:stretch>
+                <a:fillRect/>
+              </a:stretch>
+            </p:blipFill>
+            <p:spPr>
+              <a:xfrm>
+                <a:off x="2646504" y="2677896"/>
+                <a:ext cx="166680" cy="36000"/>
+              </a:xfrm>
+              <a:prstGeom prst="rect">
+                <a:avLst/>
+              </a:prstGeom>
+            </p:spPr>
+          </p:pic>
+        </mc:Fallback>
+      </mc:AlternateContent>
+      <mc:AlternateContent xmlns:mc="http://schemas.openxmlformats.org/markup-compatibility/2006">
+        <mc:Choice xmlns:p14="http://schemas.microsoft.com/office/powerpoint/2010/main" Requires="p14">
+          <p:contentPart p14:bwMode="auto" r:id="rId12">
+            <p14:nvContentPartPr>
+              <p14:cNvPr id="22" name="Ink 21">
+                <a:extLst>
+                  <a:ext uri="{FF2B5EF4-FFF2-40B4-BE49-F238E27FC236}">
+                    <a16:creationId xmlns:a16="http://schemas.microsoft.com/office/drawing/2014/main" id="{4D86B281-25F0-31C8-8B71-19BDCDA4F265}"/>
+                  </a:ext>
+                </a:extLst>
+              </p14:cNvPr>
+              <p14:cNvContentPartPr/>
+              <p14:nvPr/>
+            </p14:nvContentPartPr>
+            <p14:xfrm>
+              <a:off x="2673504" y="2264256"/>
+              <a:ext cx="178560" cy="360"/>
+            </p14:xfrm>
+          </p:contentPart>
+        </mc:Choice>
+        <mc:Fallback>
+          <p:pic>
+            <p:nvPicPr>
+              <p:cNvPr id="22" name="Ink 21">
+                <a:extLst>
+                  <a:ext uri="{FF2B5EF4-FFF2-40B4-BE49-F238E27FC236}">
+                    <a16:creationId xmlns:a16="http://schemas.microsoft.com/office/drawing/2014/main" id="{4D86B281-25F0-31C8-8B71-19BDCDA4F265}"/>
+                  </a:ext>
+                </a:extLst>
+              </p:cNvPr>
+              <p:cNvPicPr/>
+              <p:nvPr/>
+            </p:nvPicPr>
+            <p:blipFill>
+              <a:blip r:embed="rId13"/>
+              <a:stretch>
+                <a:fillRect/>
+              </a:stretch>
+            </p:blipFill>
+            <p:spPr>
+              <a:xfrm>
+                <a:off x="2655504" y="2246256"/>
+                <a:ext cx="214200" cy="36000"/>
+              </a:xfrm>
+              <a:prstGeom prst="rect">
+                <a:avLst/>
+              </a:prstGeom>
+            </p:spPr>
+          </p:pic>
+        </mc:Fallback>
+      </mc:AlternateContent>
+      <mc:AlternateContent xmlns:mc="http://schemas.openxmlformats.org/markup-compatibility/2006">
+        <mc:Choice xmlns:p14="http://schemas.microsoft.com/office/powerpoint/2010/main" Requires="p14">
+          <p:contentPart p14:bwMode="auto" r:id="rId14">
+            <p14:nvContentPartPr>
+              <p14:cNvPr id="23" name="Ink 22">
+                <a:extLst>
+                  <a:ext uri="{FF2B5EF4-FFF2-40B4-BE49-F238E27FC236}">
+                    <a16:creationId xmlns:a16="http://schemas.microsoft.com/office/drawing/2014/main" id="{A3CBF709-A8DA-A402-EB4E-01C3F206FB6D}"/>
+                  </a:ext>
+                </a:extLst>
+              </p14:cNvPr>
+              <p14:cNvContentPartPr/>
+              <p14:nvPr/>
+            </p14:nvContentPartPr>
+            <p14:xfrm>
+              <a:off x="2675304" y="2201256"/>
+              <a:ext cx="189720" cy="360"/>
+            </p14:xfrm>
+          </p:contentPart>
+        </mc:Choice>
+        <mc:Fallback>
+          <p:pic>
+            <p:nvPicPr>
+              <p:cNvPr id="23" name="Ink 22">
+                <a:extLst>
+                  <a:ext uri="{FF2B5EF4-FFF2-40B4-BE49-F238E27FC236}">
+                    <a16:creationId xmlns:a16="http://schemas.microsoft.com/office/drawing/2014/main" id="{A3CBF709-A8DA-A402-EB4E-01C3F206FB6D}"/>
+                  </a:ext>
+                </a:extLst>
+              </p:cNvPr>
+              <p:cNvPicPr/>
+              <p:nvPr/>
+            </p:nvPicPr>
+            <p:blipFill>
+              <a:blip r:embed="rId15"/>
+              <a:stretch>
+                <a:fillRect/>
+              </a:stretch>
+            </p:blipFill>
+            <p:spPr>
+              <a:xfrm>
+                <a:off x="2657304" y="2183256"/>
+                <a:ext cx="225360" cy="36000"/>
+              </a:xfrm>
+              <a:prstGeom prst="rect">
+                <a:avLst/>
+              </a:prstGeom>
+            </p:spPr>
+          </p:pic>
+        </mc:Fallback>
+      </mc:AlternateContent>
+      <mc:AlternateContent xmlns:mc="http://schemas.openxmlformats.org/markup-compatibility/2006">
+        <mc:Choice xmlns:p14="http://schemas.microsoft.com/office/powerpoint/2010/main" Requires="p14">
+          <p:contentPart p14:bwMode="auto" r:id="rId16">
+            <p14:nvContentPartPr>
+              <p14:cNvPr id="24" name="Ink 23">
+                <a:extLst>
+                  <a:ext uri="{FF2B5EF4-FFF2-40B4-BE49-F238E27FC236}">
+                    <a16:creationId xmlns:a16="http://schemas.microsoft.com/office/drawing/2014/main" id="{9174ADCF-A7B1-7C62-711C-FC103C4C8280}"/>
+                  </a:ext>
+                </a:extLst>
+              </p14:cNvPr>
+              <p14:cNvContentPartPr/>
+              <p14:nvPr/>
+            </p14:nvContentPartPr>
+            <p14:xfrm>
+              <a:off x="2704464" y="2480256"/>
+              <a:ext cx="125280" cy="360"/>
+            </p14:xfrm>
+          </p:contentPart>
+        </mc:Choice>
+        <mc:Fallback>
+          <p:pic>
+            <p:nvPicPr>
+              <p:cNvPr id="24" name="Ink 23">
+                <a:extLst>
+                  <a:ext uri="{FF2B5EF4-FFF2-40B4-BE49-F238E27FC236}">
+                    <a16:creationId xmlns:a16="http://schemas.microsoft.com/office/drawing/2014/main" id="{9174ADCF-A7B1-7C62-711C-FC103C4C8280}"/>
+                  </a:ext>
+                </a:extLst>
+              </p:cNvPr>
+              <p:cNvPicPr/>
+              <p:nvPr/>
+            </p:nvPicPr>
+            <p:blipFill>
+              <a:blip r:embed="rId17"/>
+              <a:stretch>
+                <a:fillRect/>
+              </a:stretch>
+            </p:blipFill>
+            <p:spPr>
+              <a:xfrm>
+                <a:off x="2686824" y="2462256"/>
+                <a:ext cx="160920" cy="36000"/>
+              </a:xfrm>
+              <a:prstGeom prst="rect">
+                <a:avLst/>
+              </a:prstGeom>
+            </p:spPr>
+          </p:pic>
+        </mc:Fallback>
+      </mc:AlternateContent>
+      <mc:AlternateContent xmlns:mc="http://schemas.openxmlformats.org/markup-compatibility/2006">
+        <mc:Choice xmlns:p14="http://schemas.microsoft.com/office/powerpoint/2010/main" Requires="p14">
+          <p:contentPart p14:bwMode="auto" r:id="rId18">
+            <p14:nvContentPartPr>
+              <p14:cNvPr id="28" name="Ink 27">
+                <a:extLst>
+                  <a:ext uri="{FF2B5EF4-FFF2-40B4-BE49-F238E27FC236}">
+                    <a16:creationId xmlns:a16="http://schemas.microsoft.com/office/drawing/2014/main" id="{9DCAA72C-5B0C-09DF-92BF-C9E8003A2E3C}"/>
+                  </a:ext>
+                </a:extLst>
+              </p14:cNvPr>
+              <p14:cNvContentPartPr/>
+              <p14:nvPr/>
+            </p14:nvContentPartPr>
+            <p14:xfrm>
+              <a:off x="2318760" y="2356776"/>
+              <a:ext cx="435240" cy="7920"/>
+            </p14:xfrm>
+          </p:contentPart>
+        </mc:Choice>
+        <mc:Fallback>
+          <p:pic>
+            <p:nvPicPr>
+              <p:cNvPr id="28" name="Ink 27">
+                <a:extLst>
+                  <a:ext uri="{FF2B5EF4-FFF2-40B4-BE49-F238E27FC236}">
+                    <a16:creationId xmlns:a16="http://schemas.microsoft.com/office/drawing/2014/main" id="{9DCAA72C-5B0C-09DF-92BF-C9E8003A2E3C}"/>
+                  </a:ext>
+                </a:extLst>
+              </p:cNvPr>
+              <p:cNvPicPr/>
+              <p:nvPr/>
+            </p:nvPicPr>
+            <p:blipFill>
+              <a:blip r:embed="rId19"/>
+              <a:stretch>
+                <a:fillRect/>
+              </a:stretch>
+            </p:blipFill>
+            <p:spPr>
+              <a:xfrm>
+                <a:off x="2300760" y="2338776"/>
+                <a:ext cx="470880" cy="43560"/>
+              </a:xfrm>
+              <a:prstGeom prst="rect">
+                <a:avLst/>
+              </a:prstGeom>
+            </p:spPr>
+          </p:pic>
+        </mc:Fallback>
+      </mc:AlternateContent>
+      <p:sp>
+        <p:nvSpPr>
+          <p:cNvPr id="30" name="TextBox 29">
+            <a:extLst>
+              <a:ext uri="{FF2B5EF4-FFF2-40B4-BE49-F238E27FC236}">
+                <a16:creationId xmlns:a16="http://schemas.microsoft.com/office/drawing/2014/main" id="{7FE87F63-0570-30B4-081E-60582A4F3EEF}"/>
+              </a:ext>
+            </a:extLst>
+          </p:cNvPr>
+          <p:cNvSpPr txBox="1"/>
+          <p:nvPr/>
+        </p:nvSpPr>
+        <p:spPr>
+          <a:xfrm>
+            <a:off x="531251" y="3695248"/>
+            <a:ext cx="1122337" cy="646331"/>
+          </a:xfrm>
+          <a:prstGeom prst="rect">
+            <a:avLst/>
+          </a:prstGeom>
+          <a:noFill/>
+        </p:spPr>
+        <p:txBody>
+          <a:bodyPr wrap="square" rtlCol="0">
+            <a:spAutoFit/>
+          </a:bodyPr>
+          <a:lstStyle/>
+          <a:p>
+            <a:pPr algn="r"/>
+            <a:r>
+              <a:rPr lang="en-US" dirty="0"/>
+              <a:t>True height</a:t>
+            </a:r>
+          </a:p>
+        </p:txBody>
+      </p:sp>
+      <p:sp>
+        <p:nvSpPr>
+          <p:cNvPr id="31" name="TextBox 30">
+            <a:extLst>
+              <a:ext uri="{FF2B5EF4-FFF2-40B4-BE49-F238E27FC236}">
+                <a16:creationId xmlns:a16="http://schemas.microsoft.com/office/drawing/2014/main" id="{133156DB-5EB7-0AC5-6928-348B4FDB9D7F}"/>
+              </a:ext>
+            </a:extLst>
+          </p:cNvPr>
+          <p:cNvSpPr txBox="1"/>
+          <p:nvPr/>
+        </p:nvSpPr>
+        <p:spPr>
+          <a:xfrm>
+            <a:off x="3296807" y="1644277"/>
+            <a:ext cx="1668385" cy="1477328"/>
+          </a:xfrm>
+          <a:prstGeom prst="rect">
+            <a:avLst/>
+          </a:prstGeom>
+          <a:noFill/>
+        </p:spPr>
+        <p:txBody>
+          <a:bodyPr wrap="square" rtlCol="0">
+            <a:spAutoFit/>
+          </a:bodyPr>
+          <a:lstStyle/>
+          <a:p>
+            <a:r>
+              <a:rPr lang="en-US" dirty="0"/>
+              <a:t>Individual measures (including measurement error)</a:t>
+            </a:r>
+          </a:p>
+        </p:txBody>
+      </p:sp>
+      <p:sp>
+        <p:nvSpPr>
+          <p:cNvPr id="32" name="TextBox 31">
+            <a:extLst>
+              <a:ext uri="{FF2B5EF4-FFF2-40B4-BE49-F238E27FC236}">
+                <a16:creationId xmlns:a16="http://schemas.microsoft.com/office/drawing/2014/main" id="{5665E975-A5E5-B63A-D13A-7B08D36DE63F}"/>
+              </a:ext>
+            </a:extLst>
+          </p:cNvPr>
+          <p:cNvSpPr txBox="1"/>
+          <p:nvPr/>
+        </p:nvSpPr>
+        <p:spPr>
+          <a:xfrm>
+            <a:off x="615600" y="5694810"/>
+            <a:ext cx="1122337" cy="646331"/>
+          </a:xfrm>
+          <a:prstGeom prst="rect">
+            <a:avLst/>
+          </a:prstGeom>
+          <a:noFill/>
+        </p:spPr>
+        <p:txBody>
+          <a:bodyPr wrap="square" rtlCol="0">
+            <a:spAutoFit/>
+          </a:bodyPr>
+          <a:lstStyle/>
+          <a:p>
+            <a:pPr algn="r"/>
+            <a:r>
+              <a:rPr lang="en-US" dirty="0"/>
+              <a:t>Zero point</a:t>
+            </a:r>
+          </a:p>
+        </p:txBody>
+      </p:sp>
+      <mc:AlternateContent xmlns:mc="http://schemas.openxmlformats.org/markup-compatibility/2006">
+        <mc:Choice xmlns:p14="http://schemas.microsoft.com/office/powerpoint/2010/main" Requires="p14">
+          <p:contentPart p14:bwMode="auto" r:id="rId20">
+            <p14:nvContentPartPr>
+              <p14:cNvPr id="33" name="Ink 32">
+                <a:extLst>
+                  <a:ext uri="{FF2B5EF4-FFF2-40B4-BE49-F238E27FC236}">
+                    <a16:creationId xmlns:a16="http://schemas.microsoft.com/office/drawing/2014/main" id="{1C6EB94B-D3C0-CD28-9A12-C291AFF01222}"/>
+                  </a:ext>
+                </a:extLst>
+              </p14:cNvPr>
+              <p14:cNvContentPartPr/>
+              <p14:nvPr/>
+            </p14:nvContentPartPr>
+            <p14:xfrm>
+              <a:off x="1698552" y="2342016"/>
+              <a:ext cx="451440" cy="3643200"/>
+            </p14:xfrm>
+          </p:contentPart>
+        </mc:Choice>
+        <mc:Fallback>
+          <p:pic>
+            <p:nvPicPr>
+              <p:cNvPr id="33" name="Ink 32">
+                <a:extLst>
+                  <a:ext uri="{FF2B5EF4-FFF2-40B4-BE49-F238E27FC236}">
+                    <a16:creationId xmlns:a16="http://schemas.microsoft.com/office/drawing/2014/main" id="{1C6EB94B-D3C0-CD28-9A12-C291AFF01222}"/>
+                  </a:ext>
+                </a:extLst>
+              </p:cNvPr>
+              <p:cNvPicPr/>
+              <p:nvPr/>
+            </p:nvPicPr>
+            <p:blipFill>
+              <a:blip r:embed="rId21"/>
+              <a:stretch>
+                <a:fillRect/>
+              </a:stretch>
+            </p:blipFill>
+            <p:spPr>
+              <a:xfrm>
+                <a:off x="1680552" y="2324376"/>
+                <a:ext cx="487080" cy="3678840"/>
+              </a:xfrm>
+              <a:prstGeom prst="rect">
+                <a:avLst/>
+              </a:prstGeom>
+            </p:spPr>
+          </p:pic>
+        </mc:Fallback>
+      </mc:AlternateContent>
+      <p:sp>
+        <p:nvSpPr>
+          <p:cNvPr id="34" name="TextBox 33">
+            <a:extLst>
+              <a:ext uri="{FF2B5EF4-FFF2-40B4-BE49-F238E27FC236}">
+                <a16:creationId xmlns:a16="http://schemas.microsoft.com/office/drawing/2014/main" id="{F8561685-B6DE-FE40-5CA6-8C3A24DB69E4}"/>
+              </a:ext>
+            </a:extLst>
+          </p:cNvPr>
+          <p:cNvSpPr txBox="1"/>
+          <p:nvPr/>
+        </p:nvSpPr>
+        <p:spPr>
+          <a:xfrm>
+            <a:off x="1092419" y="1133825"/>
+            <a:ext cx="3717621" cy="369332"/>
+          </a:xfrm>
+          <a:prstGeom prst="rect">
+            <a:avLst/>
+          </a:prstGeom>
+          <a:noFill/>
+        </p:spPr>
+        <p:txBody>
+          <a:bodyPr wrap="none" rtlCol="0">
+            <a:spAutoFit/>
+          </a:bodyPr>
+          <a:lstStyle/>
+          <a:p>
+            <a:r>
+              <a:rPr lang="en-US" b="1" dirty="0"/>
+              <a:t>Measuring reliability with a true zero</a:t>
+            </a:r>
+          </a:p>
+        </p:txBody>
+      </p:sp>
       <p:grpSp>
         <p:nvGrpSpPr>
-          <p:cNvPr id="56" name="Group 55">
+          <p:cNvPr id="42" name="Group 41">
             <a:extLst>
               <a:ext uri="{FF2B5EF4-FFF2-40B4-BE49-F238E27FC236}">
-                <a16:creationId xmlns:a16="http://schemas.microsoft.com/office/drawing/2014/main" id="{A4CDAD91-EA09-B1E6-A44F-664929A8DBC2}"/>
+                <a16:creationId xmlns:a16="http://schemas.microsoft.com/office/drawing/2014/main" id="{F50EFCD7-63A6-5C60-CB77-E887AB761391}"/>
               </a:ext>
             </a:extLst>
           </p:cNvPr>
@@ -10021,323 +12049,20 @@
         </p:nvGrpSpPr>
         <p:grpSpPr>
           <a:xfrm>
-            <a:off x="2458128" y="2691359"/>
-            <a:ext cx="6883680" cy="1096489"/>
-            <a:chOff x="2481576" y="3066263"/>
-            <a:chExt cx="6883680" cy="1096489"/>
+            <a:off x="7983216" y="2543761"/>
+            <a:ext cx="209880" cy="2131200"/>
+            <a:chOff x="7279128" y="2720592"/>
+            <a:chExt cx="209880" cy="2131200"/>
           </a:xfrm>
         </p:grpSpPr>
-        <p:sp>
-          <p:nvSpPr>
-            <p:cNvPr id="41" name="TextBox 40">
-              <a:extLst>
-                <a:ext uri="{FF2B5EF4-FFF2-40B4-BE49-F238E27FC236}">
-                  <a16:creationId xmlns:a16="http://schemas.microsoft.com/office/drawing/2014/main" id="{433C08B3-B999-8E75-ECC1-A6B4C417DF76}"/>
-                </a:ext>
-              </a:extLst>
-            </p:cNvPr>
-            <p:cNvSpPr txBox="1"/>
-            <p:nvPr/>
-          </p:nvSpPr>
-          <p:spPr>
-            <a:xfrm>
-              <a:off x="7993656" y="3343262"/>
-              <a:ext cx="1371600" cy="369332"/>
-            </a:xfrm>
-            <a:prstGeom prst="rect">
-              <a:avLst/>
-            </a:prstGeom>
-            <a:noFill/>
-          </p:spPr>
-          <p:txBody>
-            <a:bodyPr wrap="square" anchor="b" anchorCtr="0">
-              <a:spAutoFit/>
-            </a:bodyPr>
-            <a:lstStyle/>
-            <a:p>
-              <a:pPr algn="ctr"/>
-              <a:r>
-                <a:rPr lang="en-US" dirty="0"/>
-                <a:t>Always</a:t>
-              </a:r>
-            </a:p>
-          </p:txBody>
-        </p:sp>
-        <p:sp>
-          <p:nvSpPr>
-            <p:cNvPr id="42" name="TextBox 41">
-              <a:extLst>
-                <a:ext uri="{FF2B5EF4-FFF2-40B4-BE49-F238E27FC236}">
-                  <a16:creationId xmlns:a16="http://schemas.microsoft.com/office/drawing/2014/main" id="{812ECE7D-5010-2180-6B4B-52A93F755CE3}"/>
-                </a:ext>
-              </a:extLst>
-            </p:cNvPr>
-            <p:cNvSpPr txBox="1"/>
-            <p:nvPr/>
-          </p:nvSpPr>
-          <p:spPr>
-            <a:xfrm>
-              <a:off x="6615636" y="3066263"/>
-              <a:ext cx="1371600" cy="646331"/>
-            </a:xfrm>
-            <a:prstGeom prst="rect">
-              <a:avLst/>
-            </a:prstGeom>
-            <a:noFill/>
-          </p:spPr>
-          <p:txBody>
-            <a:bodyPr wrap="square" anchor="b" anchorCtr="0">
-              <a:spAutoFit/>
-            </a:bodyPr>
-            <a:lstStyle/>
-            <a:p>
-              <a:pPr algn="ctr"/>
-              <a:r>
-                <a:rPr lang="en-US" dirty="0"/>
-                <a:t>Most of the time</a:t>
-              </a:r>
-            </a:p>
-          </p:txBody>
-        </p:sp>
-        <p:sp>
-          <p:nvSpPr>
-            <p:cNvPr id="43" name="TextBox 42">
-              <a:extLst>
-                <a:ext uri="{FF2B5EF4-FFF2-40B4-BE49-F238E27FC236}">
-                  <a16:creationId xmlns:a16="http://schemas.microsoft.com/office/drawing/2014/main" id="{8140C93A-DAD8-2C2A-6D2D-F03792594F35}"/>
-                </a:ext>
-              </a:extLst>
-            </p:cNvPr>
-            <p:cNvSpPr txBox="1"/>
-            <p:nvPr/>
-          </p:nvSpPr>
-          <p:spPr>
-            <a:xfrm>
-              <a:off x="5237616" y="3066263"/>
-              <a:ext cx="1371600" cy="646331"/>
-            </a:xfrm>
-            <a:prstGeom prst="rect">
-              <a:avLst/>
-            </a:prstGeom>
-            <a:noFill/>
-          </p:spPr>
-          <p:txBody>
-            <a:bodyPr wrap="square" anchor="b" anchorCtr="0">
-              <a:spAutoFit/>
-            </a:bodyPr>
-            <a:lstStyle/>
-            <a:p>
-              <a:pPr algn="ctr"/>
-              <a:r>
-                <a:rPr lang="en-US" dirty="0"/>
-                <a:t>About half the time</a:t>
-              </a:r>
-            </a:p>
-          </p:txBody>
-        </p:sp>
-        <p:sp>
-          <p:nvSpPr>
-            <p:cNvPr id="44" name="TextBox 43">
-              <a:extLst>
-                <a:ext uri="{FF2B5EF4-FFF2-40B4-BE49-F238E27FC236}">
-                  <a16:creationId xmlns:a16="http://schemas.microsoft.com/office/drawing/2014/main" id="{2AE89AA4-5E22-E361-7F67-CDA45759A016}"/>
-                </a:ext>
-              </a:extLst>
-            </p:cNvPr>
-            <p:cNvSpPr txBox="1"/>
-            <p:nvPr/>
-          </p:nvSpPr>
-          <p:spPr>
-            <a:xfrm>
-              <a:off x="3859596" y="3343262"/>
-              <a:ext cx="1371600" cy="369332"/>
-            </a:xfrm>
-            <a:prstGeom prst="rect">
-              <a:avLst/>
-            </a:prstGeom>
-            <a:noFill/>
-          </p:spPr>
-          <p:txBody>
-            <a:bodyPr wrap="square" anchor="b" anchorCtr="0">
-              <a:spAutoFit/>
-            </a:bodyPr>
-            <a:lstStyle/>
-            <a:p>
-              <a:pPr algn="ctr"/>
-              <a:r>
-                <a:rPr lang="en-US" dirty="0"/>
-                <a:t>Sometimes</a:t>
-              </a:r>
-            </a:p>
-          </p:txBody>
-        </p:sp>
-        <p:sp>
-          <p:nvSpPr>
-            <p:cNvPr id="45" name="TextBox 44">
-              <a:extLst>
-                <a:ext uri="{FF2B5EF4-FFF2-40B4-BE49-F238E27FC236}">
-                  <a16:creationId xmlns:a16="http://schemas.microsoft.com/office/drawing/2014/main" id="{0D83DD20-C0BE-F6BC-1BA9-8F4D598AB123}"/>
-                </a:ext>
-              </a:extLst>
-            </p:cNvPr>
-            <p:cNvSpPr txBox="1"/>
-            <p:nvPr/>
-          </p:nvSpPr>
-          <p:spPr>
-            <a:xfrm>
-              <a:off x="2481576" y="3343262"/>
-              <a:ext cx="1371600" cy="369332"/>
-            </a:xfrm>
-            <a:prstGeom prst="rect">
-              <a:avLst/>
-            </a:prstGeom>
-            <a:noFill/>
-          </p:spPr>
-          <p:txBody>
-            <a:bodyPr wrap="square" anchor="b" anchorCtr="0">
-              <a:spAutoFit/>
-            </a:bodyPr>
-            <a:lstStyle/>
-            <a:p>
-              <a:pPr algn="ctr"/>
-              <a:r>
-                <a:rPr lang="en-US" dirty="0"/>
-                <a:t>Never</a:t>
-              </a:r>
-            </a:p>
-          </p:txBody>
-        </p:sp>
-        <p:grpSp>
-          <p:nvGrpSpPr>
-            <p:cNvPr id="50" name="Group 49">
-              <a:extLst>
-                <a:ext uri="{FF2B5EF4-FFF2-40B4-BE49-F238E27FC236}">
-                  <a16:creationId xmlns:a16="http://schemas.microsoft.com/office/drawing/2014/main" id="{A2EB0964-0086-84D0-49CE-0E313293E779}"/>
-                </a:ext>
-              </a:extLst>
-            </p:cNvPr>
-            <p:cNvGrpSpPr/>
-            <p:nvPr/>
-          </p:nvGrpSpPr>
-          <p:grpSpPr>
-            <a:xfrm>
-              <a:off x="3193488" y="3847752"/>
-              <a:ext cx="5644440" cy="270000"/>
-              <a:chOff x="3193488" y="3847752"/>
-              <a:chExt cx="5644440" cy="270000"/>
-            </a:xfrm>
-          </p:grpSpPr>
-          <mc:AlternateContent xmlns:mc="http://schemas.openxmlformats.org/markup-compatibility/2006">
-            <mc:Choice xmlns:p14="http://schemas.microsoft.com/office/powerpoint/2010/main" Requires="p14">
-              <p:contentPart p14:bwMode="auto" r:id="rId18">
-                <p14:nvContentPartPr>
-                  <p14:cNvPr id="48" name="Ink 47">
-                    <a:extLst>
-                      <a:ext uri="{FF2B5EF4-FFF2-40B4-BE49-F238E27FC236}">
-                        <a16:creationId xmlns:a16="http://schemas.microsoft.com/office/drawing/2014/main" id="{96D1AF11-A9D1-EB14-0B89-74F76EB4932E}"/>
-                      </a:ext>
-                    </a:extLst>
-                  </p14:cNvPr>
-                  <p14:cNvContentPartPr/>
-                  <p14:nvPr/>
-                </p14:nvContentPartPr>
-                <p14:xfrm>
-                  <a:off x="3193488" y="3949632"/>
-                  <a:ext cx="5630760" cy="79920"/>
-                </p14:xfrm>
-              </p:contentPart>
-            </mc:Choice>
-            <mc:Fallback>
-              <p:pic>
-                <p:nvPicPr>
-                  <p:cNvPr id="48" name="Ink 47">
-                    <a:extLst>
-                      <a:ext uri="{FF2B5EF4-FFF2-40B4-BE49-F238E27FC236}">
-                        <a16:creationId xmlns:a16="http://schemas.microsoft.com/office/drawing/2014/main" id="{96D1AF11-A9D1-EB14-0B89-74F76EB4932E}"/>
-                      </a:ext>
-                    </a:extLst>
-                  </p:cNvPr>
-                  <p:cNvPicPr/>
-                  <p:nvPr/>
-                </p:nvPicPr>
-                <p:blipFill>
-                  <a:blip r:embed="rId19"/>
-                  <a:stretch>
-                    <a:fillRect/>
-                  </a:stretch>
-                </p:blipFill>
-                <p:spPr>
-                  <a:xfrm>
-                    <a:off x="3175848" y="3931992"/>
-                    <a:ext cx="5666400" cy="115560"/>
-                  </a:xfrm>
-                  <a:prstGeom prst="rect">
-                    <a:avLst/>
-                  </a:prstGeom>
-                </p:spPr>
-              </p:pic>
-            </mc:Fallback>
-          </mc:AlternateContent>
-          <mc:AlternateContent xmlns:mc="http://schemas.openxmlformats.org/markup-compatibility/2006">
-            <mc:Choice xmlns:p14="http://schemas.microsoft.com/office/powerpoint/2010/main" Requires="p14">
-              <p:contentPart p14:bwMode="auto" r:id="rId20">
-                <p14:nvContentPartPr>
-                  <p14:cNvPr id="49" name="Ink 48">
-                    <a:extLst>
-                      <a:ext uri="{FF2B5EF4-FFF2-40B4-BE49-F238E27FC236}">
-                        <a16:creationId xmlns:a16="http://schemas.microsoft.com/office/drawing/2014/main" id="{109053B4-9D8A-F257-10CF-F9FFD953F670}"/>
-                      </a:ext>
-                    </a:extLst>
-                  </p14:cNvPr>
-                  <p14:cNvContentPartPr/>
-                  <p14:nvPr/>
-                </p14:nvContentPartPr>
-                <p14:xfrm>
-                  <a:off x="8826768" y="3847752"/>
-                  <a:ext cx="11160" cy="270000"/>
-                </p14:xfrm>
-              </p:contentPart>
-            </mc:Choice>
-            <mc:Fallback>
-              <p:pic>
-                <p:nvPicPr>
-                  <p:cNvPr id="49" name="Ink 48">
-                    <a:extLst>
-                      <a:ext uri="{FF2B5EF4-FFF2-40B4-BE49-F238E27FC236}">
-                        <a16:creationId xmlns:a16="http://schemas.microsoft.com/office/drawing/2014/main" id="{109053B4-9D8A-F257-10CF-F9FFD953F670}"/>
-                      </a:ext>
-                    </a:extLst>
-                  </p:cNvPr>
-                  <p:cNvPicPr/>
-                  <p:nvPr/>
-                </p:nvPicPr>
-                <p:blipFill>
-                  <a:blip r:embed="rId21"/>
-                  <a:stretch>
-                    <a:fillRect/>
-                  </a:stretch>
-                </p:blipFill>
-                <p:spPr>
-                  <a:xfrm>
-                    <a:off x="8808768" y="3830112"/>
-                    <a:ext cx="46800" cy="305640"/>
-                  </a:xfrm>
-                  <a:prstGeom prst="rect">
-                    <a:avLst/>
-                  </a:prstGeom>
-                </p:spPr>
-              </p:pic>
-            </mc:Fallback>
-          </mc:AlternateContent>
-        </p:grpSp>
         <mc:AlternateContent xmlns:mc="http://schemas.openxmlformats.org/markup-compatibility/2006">
           <mc:Choice xmlns:p14="http://schemas.microsoft.com/office/powerpoint/2010/main" Requires="p14">
             <p:contentPart p14:bwMode="auto" r:id="rId22">
               <p14:nvContentPartPr>
-                <p14:cNvPr id="51" name="Ink 50">
+                <p14:cNvPr id="40" name="Ink 39">
                   <a:extLst>
                     <a:ext uri="{FF2B5EF4-FFF2-40B4-BE49-F238E27FC236}">
-                      <a16:creationId xmlns:a16="http://schemas.microsoft.com/office/drawing/2014/main" id="{BA849DE7-4F39-B7F1-671A-CF1D9EB4CDC3}"/>
+                      <a16:creationId xmlns:a16="http://schemas.microsoft.com/office/drawing/2014/main" id="{043128C2-C34C-9202-7554-2D4791B2B63A}"/>
                     </a:ext>
                   </a:extLst>
                 </p14:cNvPr>
@@ -10345,18 +12070,18 @@
                 <p14:nvPr/>
               </p14:nvContentPartPr>
               <p14:xfrm>
-                <a:off x="7325208" y="3876552"/>
-                <a:ext cx="360" cy="231120"/>
+                <a:off x="7372728" y="2771712"/>
+                <a:ext cx="16200" cy="2080080"/>
               </p14:xfrm>
             </p:contentPart>
           </mc:Choice>
           <mc:Fallback>
             <p:pic>
               <p:nvPicPr>
-                <p:cNvPr id="51" name="Ink 50">
+                <p:cNvPr id="40" name="Ink 39">
                   <a:extLst>
                     <a:ext uri="{FF2B5EF4-FFF2-40B4-BE49-F238E27FC236}">
-                      <a16:creationId xmlns:a16="http://schemas.microsoft.com/office/drawing/2014/main" id="{BA849DE7-4F39-B7F1-671A-CF1D9EB4CDC3}"/>
+                      <a16:creationId xmlns:a16="http://schemas.microsoft.com/office/drawing/2014/main" id="{043128C2-C34C-9202-7554-2D4791B2B63A}"/>
                     </a:ext>
                   </a:extLst>
                 </p:cNvPr>
@@ -10371,8 +12096,8 @@
               </p:blipFill>
               <p:spPr>
                 <a:xfrm>
-                  <a:off x="7307208" y="3858912"/>
-                  <a:ext cx="36000" cy="266760"/>
+                  <a:off x="7354728" y="2753712"/>
+                  <a:ext cx="51840" cy="2115720"/>
                 </a:xfrm>
                 <a:prstGeom prst="rect">
                   <a:avLst/>
@@ -10385,10 +12110,10 @@
           <mc:Choice xmlns:p14="http://schemas.microsoft.com/office/powerpoint/2010/main" Requires="p14">
             <p:contentPart p14:bwMode="auto" r:id="rId24">
               <p14:nvContentPartPr>
-                <p14:cNvPr id="52" name="Ink 51">
+                <p14:cNvPr id="41" name="Ink 40">
                   <a:extLst>
                     <a:ext uri="{FF2B5EF4-FFF2-40B4-BE49-F238E27FC236}">
-                      <a16:creationId xmlns:a16="http://schemas.microsoft.com/office/drawing/2014/main" id="{9C8434AB-E6C8-A37B-84FA-7DD18BFC45F5}"/>
+                      <a16:creationId xmlns:a16="http://schemas.microsoft.com/office/drawing/2014/main" id="{BB00BAFA-42D7-D863-6736-14499E013DB4}"/>
                     </a:ext>
                   </a:extLst>
                 </p14:cNvPr>
@@ -10396,18 +12121,18 @@
                 <p14:nvPr/>
               </p14:nvContentPartPr>
               <p14:xfrm>
-                <a:off x="5968008" y="3884112"/>
-                <a:ext cx="360" cy="246960"/>
+                <a:off x="7279128" y="2720592"/>
+                <a:ext cx="209880" cy="123480"/>
               </p14:xfrm>
             </p:contentPart>
           </mc:Choice>
           <mc:Fallback>
             <p:pic>
               <p:nvPicPr>
-                <p:cNvPr id="52" name="Ink 51">
+                <p:cNvPr id="41" name="Ink 40">
                   <a:extLst>
                     <a:ext uri="{FF2B5EF4-FFF2-40B4-BE49-F238E27FC236}">
-                      <a16:creationId xmlns:a16="http://schemas.microsoft.com/office/drawing/2014/main" id="{9C8434AB-E6C8-A37B-84FA-7DD18BFC45F5}"/>
+                      <a16:creationId xmlns:a16="http://schemas.microsoft.com/office/drawing/2014/main" id="{BB00BAFA-42D7-D863-6736-14499E013DB4}"/>
                     </a:ext>
                   </a:extLst>
                 </p:cNvPr>
@@ -10422,8 +12147,131 @@
               </p:blipFill>
               <p:spPr>
                 <a:xfrm>
-                  <a:off x="5950008" y="3866472"/>
-                  <a:ext cx="36000" cy="282600"/>
+                  <a:off x="7261488" y="2702952"/>
+                  <a:ext cx="245520" cy="159120"/>
+                </a:xfrm>
+                <a:prstGeom prst="rect">
+                  <a:avLst/>
+                </a:prstGeom>
+              </p:spPr>
+            </p:pic>
+          </mc:Fallback>
+        </mc:AlternateContent>
+      </p:grpSp>
+      <mc:AlternateContent xmlns:mc="http://schemas.openxmlformats.org/markup-compatibility/2006">
+        <mc:Choice xmlns:p14="http://schemas.microsoft.com/office/powerpoint/2010/main" Requires="p14">
+          <p:contentPart p14:bwMode="auto" r:id="rId26">
+            <p14:nvContentPartPr>
+              <p14:cNvPr id="43" name="Ink 42">
+                <a:extLst>
+                  <a:ext uri="{FF2B5EF4-FFF2-40B4-BE49-F238E27FC236}">
+                    <a16:creationId xmlns:a16="http://schemas.microsoft.com/office/drawing/2014/main" id="{2B64E276-D780-47FD-7786-61F631A99DCB}"/>
+                  </a:ext>
+                </a:extLst>
+              </p14:cNvPr>
+              <p14:cNvContentPartPr/>
+              <p14:nvPr/>
+            </p14:nvContentPartPr>
+            <p14:xfrm>
+              <a:off x="8009856" y="4593241"/>
+              <a:ext cx="179640" cy="127440"/>
+            </p14:xfrm>
+          </p:contentPart>
+        </mc:Choice>
+        <mc:Fallback>
+          <p:pic>
+            <p:nvPicPr>
+              <p:cNvPr id="43" name="Ink 42">
+                <a:extLst>
+                  <a:ext uri="{FF2B5EF4-FFF2-40B4-BE49-F238E27FC236}">
+                    <a16:creationId xmlns:a16="http://schemas.microsoft.com/office/drawing/2014/main" id="{2B64E276-D780-47FD-7786-61F631A99DCB}"/>
+                  </a:ext>
+                </a:extLst>
+              </p:cNvPr>
+              <p:cNvPicPr/>
+              <p:nvPr/>
+            </p:nvPicPr>
+            <p:blipFill>
+              <a:blip r:embed="rId27"/>
+              <a:stretch>
+                <a:fillRect/>
+              </a:stretch>
+            </p:blipFill>
+            <p:spPr>
+              <a:xfrm>
+                <a:off x="7991856" y="4575601"/>
+                <a:ext cx="215280" cy="163080"/>
+              </a:xfrm>
+              <a:prstGeom prst="rect">
+                <a:avLst/>
+              </a:prstGeom>
+            </p:spPr>
+          </p:pic>
+        </mc:Fallback>
+      </mc:AlternateContent>
+      <p:grpSp>
+        <p:nvGrpSpPr>
+          <p:cNvPr id="45" name="Group 44">
+            <a:extLst>
+              <a:ext uri="{FF2B5EF4-FFF2-40B4-BE49-F238E27FC236}">
+                <a16:creationId xmlns:a16="http://schemas.microsoft.com/office/drawing/2014/main" id="{62D646D4-AAC3-8451-57FC-5D837AF206D3}"/>
+              </a:ext>
+            </a:extLst>
+          </p:cNvPr>
+          <p:cNvGrpSpPr/>
+          <p:nvPr/>
+        </p:nvGrpSpPr>
+        <p:grpSpPr>
+          <a:xfrm>
+            <a:off x="10051404" y="2543761"/>
+            <a:ext cx="209880" cy="2131200"/>
+            <a:chOff x="7279128" y="2720592"/>
+            <a:chExt cx="209880" cy="2131200"/>
+          </a:xfrm>
+        </p:grpSpPr>
+        <mc:AlternateContent xmlns:mc="http://schemas.openxmlformats.org/markup-compatibility/2006">
+          <mc:Choice xmlns:p14="http://schemas.microsoft.com/office/powerpoint/2010/main" Requires="p14">
+            <p:contentPart p14:bwMode="auto" r:id="rId28">
+              <p14:nvContentPartPr>
+                <p14:cNvPr id="46" name="Ink 45">
+                  <a:extLst>
+                    <a:ext uri="{FF2B5EF4-FFF2-40B4-BE49-F238E27FC236}">
+                      <a16:creationId xmlns:a16="http://schemas.microsoft.com/office/drawing/2014/main" id="{8B225709-B50C-B481-341B-4ACA668CEFD6}"/>
+                    </a:ext>
+                  </a:extLst>
+                </p14:cNvPr>
+                <p14:cNvContentPartPr/>
+                <p14:nvPr/>
+              </p14:nvContentPartPr>
+              <p14:xfrm>
+                <a:off x="7372728" y="2771712"/>
+                <a:ext cx="16200" cy="2080080"/>
+              </p14:xfrm>
+            </p:contentPart>
+          </mc:Choice>
+          <mc:Fallback>
+            <p:pic>
+              <p:nvPicPr>
+                <p:cNvPr id="46" name="Ink 45">
+                  <a:extLst>
+                    <a:ext uri="{FF2B5EF4-FFF2-40B4-BE49-F238E27FC236}">
+                      <a16:creationId xmlns:a16="http://schemas.microsoft.com/office/drawing/2014/main" id="{8B225709-B50C-B481-341B-4ACA668CEFD6}"/>
+                    </a:ext>
+                  </a:extLst>
+                </p:cNvPr>
+                <p:cNvPicPr/>
+                <p:nvPr/>
+              </p:nvPicPr>
+              <p:blipFill>
+                <a:blip r:embed="rId23"/>
+                <a:stretch>
+                  <a:fillRect/>
+                </a:stretch>
+              </p:blipFill>
+              <p:spPr>
+                <a:xfrm>
+                  <a:off x="7354728" y="2753712"/>
+                  <a:ext cx="51840" cy="2115720"/>
                 </a:xfrm>
                 <a:prstGeom prst="rect">
                   <a:avLst/>
@@ -10434,12 +12282,12 @@
         </mc:AlternateContent>
         <mc:AlternateContent xmlns:mc="http://schemas.openxmlformats.org/markup-compatibility/2006">
           <mc:Choice xmlns:p14="http://schemas.microsoft.com/office/powerpoint/2010/main" Requires="p14">
-            <p:contentPart p14:bwMode="auto" r:id="rId26">
+            <p:contentPart p14:bwMode="auto" r:id="rId29">
               <p14:nvContentPartPr>
-                <p14:cNvPr id="53" name="Ink 52">
+                <p14:cNvPr id="47" name="Ink 46">
                   <a:extLst>
                     <a:ext uri="{FF2B5EF4-FFF2-40B4-BE49-F238E27FC236}">
-                      <a16:creationId xmlns:a16="http://schemas.microsoft.com/office/drawing/2014/main" id="{622E47E9-6D4F-5D86-5CFA-EDB4297C4A2A}"/>
+                      <a16:creationId xmlns:a16="http://schemas.microsoft.com/office/drawing/2014/main" id="{3B229E75-5F4A-65D5-E205-D2E24D4E56DD}"/>
                     </a:ext>
                   </a:extLst>
                 </p14:cNvPr>
@@ -10447,18 +12295,18 @@
                 <p14:nvPr/>
               </p14:nvContentPartPr>
               <p14:xfrm>
-                <a:off x="4634928" y="3931272"/>
-                <a:ext cx="11520" cy="231480"/>
+                <a:off x="7279128" y="2720592"/>
+                <a:ext cx="209880" cy="123480"/>
               </p14:xfrm>
             </p:contentPart>
           </mc:Choice>
           <mc:Fallback>
             <p:pic>
               <p:nvPicPr>
-                <p:cNvPr id="53" name="Ink 52">
+                <p:cNvPr id="47" name="Ink 46">
                   <a:extLst>
                     <a:ext uri="{FF2B5EF4-FFF2-40B4-BE49-F238E27FC236}">
-                      <a16:creationId xmlns:a16="http://schemas.microsoft.com/office/drawing/2014/main" id="{622E47E9-6D4F-5D86-5CFA-EDB4297C4A2A}"/>
+                      <a16:creationId xmlns:a16="http://schemas.microsoft.com/office/drawing/2014/main" id="{3B229E75-5F4A-65D5-E205-D2E24D4E56DD}"/>
                     </a:ext>
                   </a:extLst>
                 </p:cNvPr>
@@ -10466,15 +12314,853 @@
                 <p:nvPr/>
               </p:nvPicPr>
               <p:blipFill>
-                <a:blip r:embed="rId27"/>
+                <a:blip r:embed="rId25"/>
                 <a:stretch>
                   <a:fillRect/>
                 </a:stretch>
               </p:blipFill>
               <p:spPr>
                 <a:xfrm>
-                  <a:off x="4617288" y="3913632"/>
-                  <a:ext cx="47160" cy="267120"/>
+                  <a:off x="7261488" y="2702952"/>
+                  <a:ext cx="245520" cy="159120"/>
+                </a:xfrm>
+                <a:prstGeom prst="rect">
+                  <a:avLst/>
+                </a:prstGeom>
+              </p:spPr>
+            </p:pic>
+          </mc:Fallback>
+        </mc:AlternateContent>
+      </p:grpSp>
+      <mc:AlternateContent xmlns:mc="http://schemas.openxmlformats.org/markup-compatibility/2006">
+        <mc:Choice xmlns:p14="http://schemas.microsoft.com/office/powerpoint/2010/main" Requires="p14">
+          <p:contentPart p14:bwMode="auto" r:id="rId30">
+            <p14:nvContentPartPr>
+              <p14:cNvPr id="48" name="Ink 47">
+                <a:extLst>
+                  <a:ext uri="{FF2B5EF4-FFF2-40B4-BE49-F238E27FC236}">
+                    <a16:creationId xmlns:a16="http://schemas.microsoft.com/office/drawing/2014/main" id="{86ADD7E6-B705-B0C3-4C66-437F52118DC5}"/>
+                  </a:ext>
+                </a:extLst>
+              </p14:cNvPr>
+              <p14:cNvContentPartPr/>
+              <p14:nvPr/>
+            </p14:nvContentPartPr>
+            <p14:xfrm>
+              <a:off x="10078044" y="4593241"/>
+              <a:ext cx="179640" cy="127440"/>
+            </p14:xfrm>
+          </p:contentPart>
+        </mc:Choice>
+        <mc:Fallback>
+          <p:pic>
+            <p:nvPicPr>
+              <p:cNvPr id="48" name="Ink 47">
+                <a:extLst>
+                  <a:ext uri="{FF2B5EF4-FFF2-40B4-BE49-F238E27FC236}">
+                    <a16:creationId xmlns:a16="http://schemas.microsoft.com/office/drawing/2014/main" id="{86ADD7E6-B705-B0C3-4C66-437F52118DC5}"/>
+                  </a:ext>
+                </a:extLst>
+              </p:cNvPr>
+              <p:cNvPicPr/>
+              <p:nvPr/>
+            </p:nvPicPr>
+            <p:blipFill>
+              <a:blip r:embed="rId27"/>
+              <a:stretch>
+                <a:fillRect/>
+              </a:stretch>
+            </p:blipFill>
+            <p:spPr>
+              <a:xfrm>
+                <a:off x="10060044" y="4575601"/>
+                <a:ext cx="215280" cy="163080"/>
+              </a:xfrm>
+              <a:prstGeom prst="rect">
+                <a:avLst/>
+              </a:prstGeom>
+            </p:spPr>
+          </p:pic>
+        </mc:Fallback>
+      </mc:AlternateContent>
+      <mc:AlternateContent xmlns:mc="http://schemas.openxmlformats.org/markup-compatibility/2006">
+        <mc:Choice xmlns:p14="http://schemas.microsoft.com/office/powerpoint/2010/main" Requires="p14">
+          <p:contentPart p14:bwMode="auto" r:id="rId31">
+            <p14:nvContentPartPr>
+              <p14:cNvPr id="49" name="Ink 48">
+                <a:extLst>
+                  <a:ext uri="{FF2B5EF4-FFF2-40B4-BE49-F238E27FC236}">
+                    <a16:creationId xmlns:a16="http://schemas.microsoft.com/office/drawing/2014/main" id="{42AE9896-D6C3-4816-524A-9E70AF72FC57}"/>
+                  </a:ext>
+                </a:extLst>
+              </p14:cNvPr>
+              <p14:cNvContentPartPr/>
+              <p14:nvPr/>
+            </p14:nvContentPartPr>
+            <p14:xfrm>
+              <a:off x="8008056" y="3189601"/>
+              <a:ext cx="152640" cy="2520"/>
+            </p14:xfrm>
+          </p:contentPart>
+        </mc:Choice>
+        <mc:Fallback>
+          <p:pic>
+            <p:nvPicPr>
+              <p:cNvPr id="49" name="Ink 48">
+                <a:extLst>
+                  <a:ext uri="{FF2B5EF4-FFF2-40B4-BE49-F238E27FC236}">
+                    <a16:creationId xmlns:a16="http://schemas.microsoft.com/office/drawing/2014/main" id="{42AE9896-D6C3-4816-524A-9E70AF72FC57}"/>
+                  </a:ext>
+                </a:extLst>
+              </p:cNvPr>
+              <p:cNvPicPr/>
+              <p:nvPr/>
+            </p:nvPicPr>
+            <p:blipFill>
+              <a:blip r:embed="rId32"/>
+              <a:stretch>
+                <a:fillRect/>
+              </a:stretch>
+            </p:blipFill>
+            <p:spPr>
+              <a:xfrm>
+                <a:off x="7990056" y="3171961"/>
+                <a:ext cx="188280" cy="38160"/>
+              </a:xfrm>
+              <a:prstGeom prst="rect">
+                <a:avLst/>
+              </a:prstGeom>
+            </p:spPr>
+          </p:pic>
+        </mc:Fallback>
+      </mc:AlternateContent>
+      <mc:AlternateContent xmlns:mc="http://schemas.openxmlformats.org/markup-compatibility/2006">
+        <mc:Choice xmlns:p14="http://schemas.microsoft.com/office/powerpoint/2010/main" Requires="p14">
+          <p:contentPart p14:bwMode="auto" r:id="rId33">
+            <p14:nvContentPartPr>
+              <p14:cNvPr id="50" name="Ink 49">
+                <a:extLst>
+                  <a:ext uri="{FF2B5EF4-FFF2-40B4-BE49-F238E27FC236}">
+                    <a16:creationId xmlns:a16="http://schemas.microsoft.com/office/drawing/2014/main" id="{D088661B-0419-3802-7A87-1A27D397E663}"/>
+                  </a:ext>
+                </a:extLst>
+              </p14:cNvPr>
+              <p14:cNvContentPartPr/>
+              <p14:nvPr/>
+            </p14:nvContentPartPr>
+            <p14:xfrm>
+              <a:off x="8002296" y="4218481"/>
+              <a:ext cx="181440" cy="360"/>
+            </p14:xfrm>
+          </p:contentPart>
+        </mc:Choice>
+        <mc:Fallback>
+          <p:pic>
+            <p:nvPicPr>
+              <p:cNvPr id="50" name="Ink 49">
+                <a:extLst>
+                  <a:ext uri="{FF2B5EF4-FFF2-40B4-BE49-F238E27FC236}">
+                    <a16:creationId xmlns:a16="http://schemas.microsoft.com/office/drawing/2014/main" id="{D088661B-0419-3802-7A87-1A27D397E663}"/>
+                  </a:ext>
+                </a:extLst>
+              </p:cNvPr>
+              <p:cNvPicPr/>
+              <p:nvPr/>
+            </p:nvPicPr>
+            <p:blipFill>
+              <a:blip r:embed="rId34"/>
+              <a:stretch>
+                <a:fillRect/>
+              </a:stretch>
+            </p:blipFill>
+            <p:spPr>
+              <a:xfrm>
+                <a:off x="7984296" y="4200841"/>
+                <a:ext cx="217080" cy="36000"/>
+              </a:xfrm>
+              <a:prstGeom prst="rect">
+                <a:avLst/>
+              </a:prstGeom>
+            </p:spPr>
+          </p:pic>
+        </mc:Fallback>
+      </mc:AlternateContent>
+      <mc:AlternateContent xmlns:mc="http://schemas.openxmlformats.org/markup-compatibility/2006">
+        <mc:Choice xmlns:p14="http://schemas.microsoft.com/office/powerpoint/2010/main" Requires="p14">
+          <p:contentPart p14:bwMode="auto" r:id="rId35">
+            <p14:nvContentPartPr>
+              <p14:cNvPr id="51" name="Ink 50">
+                <a:extLst>
+                  <a:ext uri="{FF2B5EF4-FFF2-40B4-BE49-F238E27FC236}">
+                    <a16:creationId xmlns:a16="http://schemas.microsoft.com/office/drawing/2014/main" id="{26350BCF-C707-B781-3905-3F39724DB812}"/>
+                  </a:ext>
+                </a:extLst>
+              </p14:cNvPr>
+              <p14:cNvContentPartPr/>
+              <p14:nvPr/>
+            </p14:nvContentPartPr>
+            <p14:xfrm>
+              <a:off x="8001576" y="3958921"/>
+              <a:ext cx="125640" cy="360"/>
+            </p14:xfrm>
+          </p:contentPart>
+        </mc:Choice>
+        <mc:Fallback>
+          <p:pic>
+            <p:nvPicPr>
+              <p:cNvPr id="51" name="Ink 50">
+                <a:extLst>
+                  <a:ext uri="{FF2B5EF4-FFF2-40B4-BE49-F238E27FC236}">
+                    <a16:creationId xmlns:a16="http://schemas.microsoft.com/office/drawing/2014/main" id="{26350BCF-C707-B781-3905-3F39724DB812}"/>
+                  </a:ext>
+                </a:extLst>
+              </p:cNvPr>
+              <p:cNvPicPr/>
+              <p:nvPr/>
+            </p:nvPicPr>
+            <p:blipFill>
+              <a:blip r:embed="rId36"/>
+              <a:stretch>
+                <a:fillRect/>
+              </a:stretch>
+            </p:blipFill>
+            <p:spPr>
+              <a:xfrm>
+                <a:off x="7983936" y="3940921"/>
+                <a:ext cx="161280" cy="36000"/>
+              </a:xfrm>
+              <a:prstGeom prst="rect">
+                <a:avLst/>
+              </a:prstGeom>
+            </p:spPr>
+          </p:pic>
+        </mc:Fallback>
+      </mc:AlternateContent>
+      <mc:AlternateContent xmlns:mc="http://schemas.openxmlformats.org/markup-compatibility/2006">
+        <mc:Choice xmlns:p14="http://schemas.microsoft.com/office/powerpoint/2010/main" Requires="p14">
+          <p:contentPart p14:bwMode="auto" r:id="rId37">
+            <p14:nvContentPartPr>
+              <p14:cNvPr id="52" name="Ink 51">
+                <a:extLst>
+                  <a:ext uri="{FF2B5EF4-FFF2-40B4-BE49-F238E27FC236}">
+                    <a16:creationId xmlns:a16="http://schemas.microsoft.com/office/drawing/2014/main" id="{631F67A5-911F-9DDA-58F4-53261DC62049}"/>
+                  </a:ext>
+                </a:extLst>
+              </p14:cNvPr>
+              <p14:cNvContentPartPr/>
+              <p14:nvPr/>
+            </p14:nvContentPartPr>
+            <p14:xfrm>
+              <a:off x="8015616" y="3544921"/>
+              <a:ext cx="110160" cy="360"/>
+            </p14:xfrm>
+          </p:contentPart>
+        </mc:Choice>
+        <mc:Fallback>
+          <p:pic>
+            <p:nvPicPr>
+              <p:cNvPr id="52" name="Ink 51">
+                <a:extLst>
+                  <a:ext uri="{FF2B5EF4-FFF2-40B4-BE49-F238E27FC236}">
+                    <a16:creationId xmlns:a16="http://schemas.microsoft.com/office/drawing/2014/main" id="{631F67A5-911F-9DDA-58F4-53261DC62049}"/>
+                  </a:ext>
+                </a:extLst>
+              </p:cNvPr>
+              <p:cNvPicPr/>
+              <p:nvPr/>
+            </p:nvPicPr>
+            <p:blipFill>
+              <a:blip r:embed="rId38"/>
+              <a:stretch>
+                <a:fillRect/>
+              </a:stretch>
+            </p:blipFill>
+            <p:spPr>
+              <a:xfrm>
+                <a:off x="7997976" y="3527281"/>
+                <a:ext cx="145800" cy="36000"/>
+              </a:xfrm>
+              <a:prstGeom prst="rect">
+                <a:avLst/>
+              </a:prstGeom>
+            </p:spPr>
+          </p:pic>
+        </mc:Fallback>
+      </mc:AlternateContent>
+      <mc:AlternateContent xmlns:mc="http://schemas.openxmlformats.org/markup-compatibility/2006">
+        <mc:Choice xmlns:p14="http://schemas.microsoft.com/office/powerpoint/2010/main" Requires="p14">
+          <p:contentPart p14:bwMode="auto" r:id="rId39">
+            <p14:nvContentPartPr>
+              <p14:cNvPr id="53" name="Ink 52">
+                <a:extLst>
+                  <a:ext uri="{FF2B5EF4-FFF2-40B4-BE49-F238E27FC236}">
+                    <a16:creationId xmlns:a16="http://schemas.microsoft.com/office/drawing/2014/main" id="{59FFBB9E-A25D-8D0F-CA4C-A856229D1C3A}"/>
+                  </a:ext>
+                </a:extLst>
+              </p14:cNvPr>
+              <p14:cNvContentPartPr/>
+              <p14:nvPr/>
+            </p14:nvContentPartPr>
+            <p14:xfrm>
+              <a:off x="7993296" y="3867481"/>
+              <a:ext cx="135360" cy="360"/>
+            </p14:xfrm>
+          </p:contentPart>
+        </mc:Choice>
+        <mc:Fallback>
+          <p:pic>
+            <p:nvPicPr>
+              <p:cNvPr id="53" name="Ink 52">
+                <a:extLst>
+                  <a:ext uri="{FF2B5EF4-FFF2-40B4-BE49-F238E27FC236}">
+                    <a16:creationId xmlns:a16="http://schemas.microsoft.com/office/drawing/2014/main" id="{59FFBB9E-A25D-8D0F-CA4C-A856229D1C3A}"/>
+                  </a:ext>
+                </a:extLst>
+              </p:cNvPr>
+              <p:cNvPicPr/>
+              <p:nvPr/>
+            </p:nvPicPr>
+            <p:blipFill>
+              <a:blip r:embed="rId40"/>
+              <a:stretch>
+                <a:fillRect/>
+              </a:stretch>
+            </p:blipFill>
+            <p:spPr>
+              <a:xfrm>
+                <a:off x="7975296" y="3849841"/>
+                <a:ext cx="171000" cy="36000"/>
+              </a:xfrm>
+              <a:prstGeom prst="rect">
+                <a:avLst/>
+              </a:prstGeom>
+            </p:spPr>
+          </p:pic>
+        </mc:Fallback>
+      </mc:AlternateContent>
+      <mc:AlternateContent xmlns:mc="http://schemas.openxmlformats.org/markup-compatibility/2006">
+        <mc:Choice xmlns:p14="http://schemas.microsoft.com/office/powerpoint/2010/main" Requires="p14">
+          <p:contentPart p14:bwMode="auto" r:id="rId41">
+            <p14:nvContentPartPr>
+              <p14:cNvPr id="54" name="Ink 53">
+                <a:extLst>
+                  <a:ext uri="{FF2B5EF4-FFF2-40B4-BE49-F238E27FC236}">
+                    <a16:creationId xmlns:a16="http://schemas.microsoft.com/office/drawing/2014/main" id="{03A954C7-9B5A-7318-E3BC-3622C7D6A858}"/>
+                  </a:ext>
+                </a:extLst>
+              </p14:cNvPr>
+              <p14:cNvContentPartPr/>
+              <p14:nvPr/>
+            </p14:nvContentPartPr>
+            <p14:xfrm>
+              <a:off x="10079856" y="3020041"/>
+              <a:ext cx="160560" cy="5760"/>
+            </p14:xfrm>
+          </p:contentPart>
+        </mc:Choice>
+        <mc:Fallback>
+          <p:pic>
+            <p:nvPicPr>
+              <p:cNvPr id="54" name="Ink 53">
+                <a:extLst>
+                  <a:ext uri="{FF2B5EF4-FFF2-40B4-BE49-F238E27FC236}">
+                    <a16:creationId xmlns:a16="http://schemas.microsoft.com/office/drawing/2014/main" id="{03A954C7-9B5A-7318-E3BC-3622C7D6A858}"/>
+                  </a:ext>
+                </a:extLst>
+              </p:cNvPr>
+              <p:cNvPicPr/>
+              <p:nvPr/>
+            </p:nvPicPr>
+            <p:blipFill>
+              <a:blip r:embed="rId42"/>
+              <a:stretch>
+                <a:fillRect/>
+              </a:stretch>
+            </p:blipFill>
+            <p:spPr>
+              <a:xfrm>
+                <a:off x="10061856" y="3002041"/>
+                <a:ext cx="196200" cy="41400"/>
+              </a:xfrm>
+              <a:prstGeom prst="rect">
+                <a:avLst/>
+              </a:prstGeom>
+            </p:spPr>
+          </p:pic>
+        </mc:Fallback>
+      </mc:AlternateContent>
+      <mc:AlternateContent xmlns:mc="http://schemas.openxmlformats.org/markup-compatibility/2006">
+        <mc:Choice xmlns:p14="http://schemas.microsoft.com/office/powerpoint/2010/main" Requires="p14">
+          <p:contentPart p14:bwMode="auto" r:id="rId43">
+            <p14:nvContentPartPr>
+              <p14:cNvPr id="55" name="Ink 54">
+                <a:extLst>
+                  <a:ext uri="{FF2B5EF4-FFF2-40B4-BE49-F238E27FC236}">
+                    <a16:creationId xmlns:a16="http://schemas.microsoft.com/office/drawing/2014/main" id="{99634921-E423-4D96-CEF4-7913F97026D2}"/>
+                  </a:ext>
+                </a:extLst>
+              </p14:cNvPr>
+              <p14:cNvContentPartPr/>
+              <p14:nvPr/>
+            </p14:nvContentPartPr>
+            <p14:xfrm>
+              <a:off x="10103976" y="3383281"/>
+              <a:ext cx="100440" cy="360"/>
+            </p14:xfrm>
+          </p:contentPart>
+        </mc:Choice>
+        <mc:Fallback>
+          <p:pic>
+            <p:nvPicPr>
+              <p:cNvPr id="55" name="Ink 54">
+                <a:extLst>
+                  <a:ext uri="{FF2B5EF4-FFF2-40B4-BE49-F238E27FC236}">
+                    <a16:creationId xmlns:a16="http://schemas.microsoft.com/office/drawing/2014/main" id="{99634921-E423-4D96-CEF4-7913F97026D2}"/>
+                  </a:ext>
+                </a:extLst>
+              </p:cNvPr>
+              <p:cNvPicPr/>
+              <p:nvPr/>
+            </p:nvPicPr>
+            <p:blipFill>
+              <a:blip r:embed="rId44"/>
+              <a:stretch>
+                <a:fillRect/>
+              </a:stretch>
+            </p:blipFill>
+            <p:spPr>
+              <a:xfrm>
+                <a:off x="10086336" y="3365281"/>
+                <a:ext cx="136080" cy="36000"/>
+              </a:xfrm>
+              <a:prstGeom prst="rect">
+                <a:avLst/>
+              </a:prstGeom>
+            </p:spPr>
+          </p:pic>
+        </mc:Fallback>
+      </mc:AlternateContent>
+      <mc:AlternateContent xmlns:mc="http://schemas.openxmlformats.org/markup-compatibility/2006">
+        <mc:Choice xmlns:p14="http://schemas.microsoft.com/office/powerpoint/2010/main" Requires="p14">
+          <p:contentPart p14:bwMode="auto" r:id="rId45">
+            <p14:nvContentPartPr>
+              <p14:cNvPr id="56" name="Ink 55">
+                <a:extLst>
+                  <a:ext uri="{FF2B5EF4-FFF2-40B4-BE49-F238E27FC236}">
+                    <a16:creationId xmlns:a16="http://schemas.microsoft.com/office/drawing/2014/main" id="{EDECACC6-9619-C42D-F577-8061BD8F99D9}"/>
+                  </a:ext>
+                </a:extLst>
+              </p14:cNvPr>
+              <p14:cNvContentPartPr/>
+              <p14:nvPr/>
+            </p14:nvContentPartPr>
+            <p14:xfrm>
+              <a:off x="10089576" y="4226761"/>
+              <a:ext cx="173520" cy="2880"/>
+            </p14:xfrm>
+          </p:contentPart>
+        </mc:Choice>
+        <mc:Fallback>
+          <p:pic>
+            <p:nvPicPr>
+              <p:cNvPr id="56" name="Ink 55">
+                <a:extLst>
+                  <a:ext uri="{FF2B5EF4-FFF2-40B4-BE49-F238E27FC236}">
+                    <a16:creationId xmlns:a16="http://schemas.microsoft.com/office/drawing/2014/main" id="{EDECACC6-9619-C42D-F577-8061BD8F99D9}"/>
+                  </a:ext>
+                </a:extLst>
+              </p:cNvPr>
+              <p:cNvPicPr/>
+              <p:nvPr/>
+            </p:nvPicPr>
+            <p:blipFill>
+              <a:blip r:embed="rId46"/>
+              <a:stretch>
+                <a:fillRect/>
+              </a:stretch>
+            </p:blipFill>
+            <p:spPr>
+              <a:xfrm>
+                <a:off x="10071936" y="4209121"/>
+                <a:ext cx="209160" cy="38520"/>
+              </a:xfrm>
+              <a:prstGeom prst="rect">
+                <a:avLst/>
+              </a:prstGeom>
+            </p:spPr>
+          </p:pic>
+        </mc:Fallback>
+      </mc:AlternateContent>
+      <mc:AlternateContent xmlns:mc="http://schemas.openxmlformats.org/markup-compatibility/2006">
+        <mc:Choice xmlns:p14="http://schemas.microsoft.com/office/powerpoint/2010/main" Requires="p14">
+          <p:contentPart p14:bwMode="auto" r:id="rId47">
+            <p14:nvContentPartPr>
+              <p14:cNvPr id="57" name="Ink 56">
+                <a:extLst>
+                  <a:ext uri="{FF2B5EF4-FFF2-40B4-BE49-F238E27FC236}">
+                    <a16:creationId xmlns:a16="http://schemas.microsoft.com/office/drawing/2014/main" id="{F8C8F54B-A0F2-FFD6-7726-2722BC2961DD}"/>
+                  </a:ext>
+                </a:extLst>
+              </p14:cNvPr>
+              <p14:cNvContentPartPr/>
+              <p14:nvPr/>
+            </p14:nvContentPartPr>
+            <p14:xfrm>
+              <a:off x="10091376" y="4089961"/>
+              <a:ext cx="108720" cy="360"/>
+            </p14:xfrm>
+          </p:contentPart>
+        </mc:Choice>
+        <mc:Fallback>
+          <p:pic>
+            <p:nvPicPr>
+              <p:cNvPr id="57" name="Ink 56">
+                <a:extLst>
+                  <a:ext uri="{FF2B5EF4-FFF2-40B4-BE49-F238E27FC236}">
+                    <a16:creationId xmlns:a16="http://schemas.microsoft.com/office/drawing/2014/main" id="{F8C8F54B-A0F2-FFD6-7726-2722BC2961DD}"/>
+                  </a:ext>
+                </a:extLst>
+              </p:cNvPr>
+              <p:cNvPicPr/>
+              <p:nvPr/>
+            </p:nvPicPr>
+            <p:blipFill>
+              <a:blip r:embed="rId48"/>
+              <a:stretch>
+                <a:fillRect/>
+              </a:stretch>
+            </p:blipFill>
+            <p:spPr>
+              <a:xfrm>
+                <a:off x="10073736" y="4071961"/>
+                <a:ext cx="144360" cy="36000"/>
+              </a:xfrm>
+              <a:prstGeom prst="rect">
+                <a:avLst/>
+              </a:prstGeom>
+            </p:spPr>
+          </p:pic>
+        </mc:Fallback>
+      </mc:AlternateContent>
+      <mc:AlternateContent xmlns:mc="http://schemas.openxmlformats.org/markup-compatibility/2006">
+        <mc:Choice xmlns:p14="http://schemas.microsoft.com/office/powerpoint/2010/main" Requires="p14">
+          <p:contentPart p14:bwMode="auto" r:id="rId49">
+            <p14:nvContentPartPr>
+              <p14:cNvPr id="58" name="Ink 57">
+                <a:extLst>
+                  <a:ext uri="{FF2B5EF4-FFF2-40B4-BE49-F238E27FC236}">
+                    <a16:creationId xmlns:a16="http://schemas.microsoft.com/office/drawing/2014/main" id="{4B289977-0238-3275-070C-E6CF0AAE75C5}"/>
+                  </a:ext>
+                </a:extLst>
+              </p14:cNvPr>
+              <p14:cNvContentPartPr/>
+              <p14:nvPr/>
+            </p14:nvContentPartPr>
+            <p14:xfrm>
+              <a:off x="10076616" y="3798001"/>
+              <a:ext cx="156600" cy="360"/>
+            </p14:xfrm>
+          </p:contentPart>
+        </mc:Choice>
+        <mc:Fallback>
+          <p:pic>
+            <p:nvPicPr>
+              <p:cNvPr id="58" name="Ink 57">
+                <a:extLst>
+                  <a:ext uri="{FF2B5EF4-FFF2-40B4-BE49-F238E27FC236}">
+                    <a16:creationId xmlns:a16="http://schemas.microsoft.com/office/drawing/2014/main" id="{4B289977-0238-3275-070C-E6CF0AAE75C5}"/>
+                  </a:ext>
+                </a:extLst>
+              </p:cNvPr>
+              <p:cNvPicPr/>
+              <p:nvPr/>
+            </p:nvPicPr>
+            <p:blipFill>
+              <a:blip r:embed="rId50"/>
+              <a:stretch>
+                <a:fillRect/>
+              </a:stretch>
+            </p:blipFill>
+            <p:spPr>
+              <a:xfrm>
+                <a:off x="10058976" y="3780361"/>
+                <a:ext cx="192240" cy="36000"/>
+              </a:xfrm>
+              <a:prstGeom prst="rect">
+                <a:avLst/>
+              </a:prstGeom>
+            </p:spPr>
+          </p:pic>
+        </mc:Fallback>
+      </mc:AlternateContent>
+      <p:sp>
+        <p:nvSpPr>
+          <p:cNvPr id="59" name="TextBox 58">
+            <a:extLst>
+              <a:ext uri="{FF2B5EF4-FFF2-40B4-BE49-F238E27FC236}">
+                <a16:creationId xmlns:a16="http://schemas.microsoft.com/office/drawing/2014/main" id="{75722E24-7447-663B-2979-712B163CA191}"/>
+              </a:ext>
+            </a:extLst>
+          </p:cNvPr>
+          <p:cNvSpPr txBox="1"/>
+          <p:nvPr/>
+        </p:nvSpPr>
+        <p:spPr>
+          <a:xfrm>
+            <a:off x="7045115" y="1632357"/>
+            <a:ext cx="4044633" cy="369332"/>
+          </a:xfrm>
+          <a:prstGeom prst="rect">
+            <a:avLst/>
+          </a:prstGeom>
+          <a:noFill/>
+        </p:spPr>
+        <p:txBody>
+          <a:bodyPr wrap="none" rtlCol="0">
+            <a:spAutoFit/>
+          </a:bodyPr>
+          <a:lstStyle/>
+          <a:p>
+            <a:r>
+              <a:rPr lang="en-US" b="1" dirty="0"/>
+              <a:t>Measuring reliability without a true zero</a:t>
+            </a:r>
+          </a:p>
+        </p:txBody>
+      </p:sp>
+      <mc:AlternateContent xmlns:mc="http://schemas.openxmlformats.org/markup-compatibility/2006">
+        <mc:Choice xmlns:a14="http://schemas.microsoft.com/office/drawing/2010/main" Requires="a14">
+          <p:sp>
+            <p:nvSpPr>
+              <p:cNvPr id="60" name="TextBox 59">
+                <a:extLst>
+                  <a:ext uri="{FF2B5EF4-FFF2-40B4-BE49-F238E27FC236}">
+                    <a16:creationId xmlns:a16="http://schemas.microsoft.com/office/drawing/2014/main" id="{BFEE943D-F3D7-CE62-6B72-3571857DC434}"/>
+                  </a:ext>
+                </a:extLst>
+              </p:cNvPr>
+              <p:cNvSpPr txBox="1"/>
+              <p:nvPr/>
+            </p:nvSpPr>
+            <p:spPr>
+              <a:xfrm>
+                <a:off x="3550025" y="4135392"/>
+                <a:ext cx="1180507" cy="608180"/>
+              </a:xfrm>
+              <a:prstGeom prst="rect">
+                <a:avLst/>
+              </a:prstGeom>
+              <a:noFill/>
+            </p:spPr>
+            <p:txBody>
+              <a:bodyPr wrap="square" rtlCol="0">
+                <a:spAutoFit/>
+              </a:bodyPr>
+              <a:lstStyle/>
+              <a:p>
+                <a14:m>
+                  <m:oMathPara xmlns:m="http://schemas.openxmlformats.org/officeDocument/2006/math">
+                    <m:oMathParaPr>
+                      <m:jc m:val="centerGroup"/>
+                    </m:oMathParaPr>
+                    <m:oMath xmlns:m="http://schemas.openxmlformats.org/officeDocument/2006/math">
+                      <m:r>
+                        <a:rPr lang="en-US" b="0" i="1" smtClean="0">
+                          <a:latin typeface="Cambria Math" panose="02040503050406030204" pitchFamily="18" charset="0"/>
+                        </a:rPr>
+                        <m:t>𝐶𝑉</m:t>
+                      </m:r>
+                      <m:r>
+                        <a:rPr lang="en-US" b="0" i="1" smtClean="0">
+                          <a:latin typeface="Cambria Math" panose="02040503050406030204" pitchFamily="18" charset="0"/>
+                        </a:rPr>
+                        <m:t>= </m:t>
+                      </m:r>
+                      <m:f>
+                        <m:fPr>
+                          <m:ctrlPr>
+                            <a:rPr lang="en-US" b="0" i="1" smtClean="0">
+                              <a:latin typeface="Cambria Math" panose="02040503050406030204" pitchFamily="18" charset="0"/>
+                            </a:rPr>
+                          </m:ctrlPr>
+                        </m:fPr>
+                        <m:num>
+                          <m:r>
+                            <a:rPr lang="en-US" b="0" i="1" smtClean="0">
+                              <a:solidFill>
+                                <a:srgbClr val="FF0000"/>
+                              </a:solidFill>
+                              <a:latin typeface="Cambria Math" panose="02040503050406030204" pitchFamily="18" charset="0"/>
+                              <a:ea typeface="Cambria Math" panose="02040503050406030204" pitchFamily="18" charset="0"/>
+                            </a:rPr>
+                            <m:t>𝜎</m:t>
+                          </m:r>
+                        </m:num>
+                        <m:den>
+                          <m:r>
+                            <a:rPr lang="en-US" b="0" i="1" smtClean="0">
+                              <a:solidFill>
+                                <a:srgbClr val="0070C0"/>
+                              </a:solidFill>
+                              <a:latin typeface="Cambria Math" panose="02040503050406030204" pitchFamily="18" charset="0"/>
+                              <a:ea typeface="Cambria Math" panose="02040503050406030204" pitchFamily="18" charset="0"/>
+                            </a:rPr>
+                            <m:t>𝜇</m:t>
+                          </m:r>
+                        </m:den>
+                      </m:f>
+                    </m:oMath>
+                  </m:oMathPara>
+                </a14:m>
+                <a:endParaRPr lang="en-US" dirty="0"/>
+              </a:p>
+            </p:txBody>
+          </p:sp>
+        </mc:Choice>
+        <mc:Fallback>
+          <p:sp>
+            <p:nvSpPr>
+              <p:cNvPr id="60" name="TextBox 59">
+                <a:extLst>
+                  <a:ext uri="{FF2B5EF4-FFF2-40B4-BE49-F238E27FC236}">
+                    <a16:creationId xmlns:a16="http://schemas.microsoft.com/office/drawing/2014/main" id="{BFEE943D-F3D7-CE62-6B72-3571857DC434}"/>
+                  </a:ext>
+                </a:extLst>
+              </p:cNvPr>
+              <p:cNvSpPr txBox="1">
+                <a:spLocks noRot="1" noChangeAspect="1" noMove="1" noResize="1" noEditPoints="1" noAdjustHandles="1" noChangeArrowheads="1" noChangeShapeType="1" noTextEdit="1"/>
+              </p:cNvSpPr>
+              <p:nvPr/>
+            </p:nvSpPr>
+            <p:spPr>
+              <a:xfrm>
+                <a:off x="3550025" y="4135392"/>
+                <a:ext cx="1180507" cy="608180"/>
+              </a:xfrm>
+              <a:prstGeom prst="rect">
+                <a:avLst/>
+              </a:prstGeom>
+              <a:blipFill>
+                <a:blip r:embed="rId51"/>
+                <a:stretch>
+                  <a:fillRect b="-2041"/>
+                </a:stretch>
+              </a:blipFill>
+            </p:spPr>
+            <p:txBody>
+              <a:bodyPr/>
+              <a:lstStyle/>
+              <a:p>
+                <a:r>
+                  <a:rPr lang="en-US">
+                    <a:noFill/>
+                  </a:rPr>
+                  <a:t> </a:t>
+                </a:r>
+              </a:p>
+            </p:txBody>
+          </p:sp>
+        </mc:Fallback>
+      </mc:AlternateContent>
+      <p:sp>
+        <p:nvSpPr>
+          <p:cNvPr id="62" name="TextBox 61">
+            <a:extLst>
+              <a:ext uri="{FF2B5EF4-FFF2-40B4-BE49-F238E27FC236}">
+                <a16:creationId xmlns:a16="http://schemas.microsoft.com/office/drawing/2014/main" id="{6EECE928-1DE3-C4C3-CFC2-002B12899934}"/>
+              </a:ext>
+            </a:extLst>
+          </p:cNvPr>
+          <p:cNvSpPr txBox="1"/>
+          <p:nvPr/>
+        </p:nvSpPr>
+        <p:spPr>
+          <a:xfrm>
+            <a:off x="7873593" y="2057378"/>
+            <a:ext cx="2435406" cy="369332"/>
+          </a:xfrm>
+          <a:prstGeom prst="rect">
+            <a:avLst/>
+          </a:prstGeom>
+          <a:noFill/>
+        </p:spPr>
+        <p:txBody>
+          <a:bodyPr wrap="square" rtlCol="0">
+            <a:spAutoFit/>
+          </a:bodyPr>
+          <a:lstStyle/>
+          <a:p>
+            <a:pPr algn="ctr"/>
+            <a:r>
+              <a:rPr lang="en-US" dirty="0"/>
+              <a:t>Parallel tests</a:t>
+            </a:r>
+          </a:p>
+        </p:txBody>
+      </p:sp>
+      <p:grpSp>
+        <p:nvGrpSpPr>
+          <p:cNvPr id="65" name="Group 64">
+            <a:extLst>
+              <a:ext uri="{FF2B5EF4-FFF2-40B4-BE49-F238E27FC236}">
+                <a16:creationId xmlns:a16="http://schemas.microsoft.com/office/drawing/2014/main" id="{B4A38350-0160-EA79-FF72-275CC2B06F88}"/>
+              </a:ext>
+            </a:extLst>
+          </p:cNvPr>
+          <p:cNvGrpSpPr/>
+          <p:nvPr/>
+        </p:nvGrpSpPr>
+        <p:grpSpPr>
+          <a:xfrm>
+            <a:off x="8256096" y="3074761"/>
+            <a:ext cx="1601640" cy="469800"/>
+            <a:chOff x="7552008" y="3251592"/>
+            <a:chExt cx="1601640" cy="469800"/>
+          </a:xfrm>
+        </p:grpSpPr>
+        <mc:AlternateContent xmlns:mc="http://schemas.openxmlformats.org/markup-compatibility/2006">
+          <mc:Choice xmlns:p14="http://schemas.microsoft.com/office/powerpoint/2010/main" Requires="p14">
+            <p:contentPart p14:bwMode="auto" r:id="rId52">
+              <p14:nvContentPartPr>
+                <p14:cNvPr id="63" name="Ink 62">
+                  <a:extLst>
+                    <a:ext uri="{FF2B5EF4-FFF2-40B4-BE49-F238E27FC236}">
+                      <a16:creationId xmlns:a16="http://schemas.microsoft.com/office/drawing/2014/main" id="{3AD556D2-E46A-4D6A-49FE-D88205C579B3}"/>
+                    </a:ext>
+                  </a:extLst>
+                </p14:cNvPr>
+                <p14:cNvContentPartPr/>
+                <p14:nvPr/>
+              </p14:nvContentPartPr>
+              <p14:xfrm>
+                <a:off x="7575408" y="3387312"/>
+                <a:ext cx="1576440" cy="181800"/>
+              </p14:xfrm>
+            </p:contentPart>
+          </mc:Choice>
+          <mc:Fallback>
+            <p:pic>
+              <p:nvPicPr>
+                <p:cNvPr id="63" name="Ink 62">
+                  <a:extLst>
+                    <a:ext uri="{FF2B5EF4-FFF2-40B4-BE49-F238E27FC236}">
+                      <a16:creationId xmlns:a16="http://schemas.microsoft.com/office/drawing/2014/main" id="{3AD556D2-E46A-4D6A-49FE-D88205C579B3}"/>
+                    </a:ext>
+                  </a:extLst>
+                </p:cNvPr>
+                <p:cNvPicPr/>
+                <p:nvPr/>
+              </p:nvPicPr>
+              <p:blipFill>
+                <a:blip r:embed="rId53"/>
+                <a:stretch>
+                  <a:fillRect/>
+                </a:stretch>
+              </p:blipFill>
+              <p:spPr>
+                <a:xfrm>
+                  <a:off x="7557768" y="3369672"/>
+                  <a:ext cx="1612080" cy="217440"/>
                 </a:xfrm>
                 <a:prstGeom prst="rect">
                   <a:avLst/>
@@ -10485,12 +13171,12 @@
         </mc:AlternateContent>
         <mc:AlternateContent xmlns:mc="http://schemas.openxmlformats.org/markup-compatibility/2006">
           <mc:Choice xmlns:p14="http://schemas.microsoft.com/office/powerpoint/2010/main" Requires="p14">
-            <p:contentPart p14:bwMode="auto" r:id="rId28">
+            <p:contentPart p14:bwMode="auto" r:id="rId54">
               <p14:nvContentPartPr>
-                <p14:cNvPr id="55" name="Ink 54">
+                <p14:cNvPr id="64" name="Ink 63">
                   <a:extLst>
                     <a:ext uri="{FF2B5EF4-FFF2-40B4-BE49-F238E27FC236}">
-                      <a16:creationId xmlns:a16="http://schemas.microsoft.com/office/drawing/2014/main" id="{E2604EA8-8FCA-509E-1F44-02DEF6EC4149}"/>
+                      <a16:creationId xmlns:a16="http://schemas.microsoft.com/office/drawing/2014/main" id="{C218F9F8-8ED8-6D0C-E500-5553EDD06F6E}"/>
                     </a:ext>
                   </a:extLst>
                 </p14:cNvPr>
@@ -10498,18 +13184,18 @@
                 <p14:nvPr/>
               </p14:nvContentPartPr>
               <p14:xfrm>
-                <a:off x="3179448" y="3825072"/>
-                <a:ext cx="5760" cy="261000"/>
+                <a:off x="7552008" y="3251592"/>
+                <a:ext cx="1601640" cy="469800"/>
               </p14:xfrm>
             </p:contentPart>
           </mc:Choice>
           <mc:Fallback>
             <p:pic>
               <p:nvPicPr>
-                <p:cNvPr id="55" name="Ink 54">
+                <p:cNvPr id="64" name="Ink 63">
                   <a:extLst>
                     <a:ext uri="{FF2B5EF4-FFF2-40B4-BE49-F238E27FC236}">
-                      <a16:creationId xmlns:a16="http://schemas.microsoft.com/office/drawing/2014/main" id="{E2604EA8-8FCA-509E-1F44-02DEF6EC4149}"/>
+                      <a16:creationId xmlns:a16="http://schemas.microsoft.com/office/drawing/2014/main" id="{C218F9F8-8ED8-6D0C-E500-5553EDD06F6E}"/>
                     </a:ext>
                   </a:extLst>
                 </p:cNvPr>
@@ -10517,15 +13203,15 @@
                 <p:nvPr/>
               </p:nvPicPr>
               <p:blipFill>
-                <a:blip r:embed="rId29"/>
+                <a:blip r:embed="rId55"/>
                 <a:stretch>
                   <a:fillRect/>
                 </a:stretch>
               </p:blipFill>
               <p:spPr>
                 <a:xfrm>
-                  <a:off x="3161808" y="3807432"/>
-                  <a:ext cx="41400" cy="296640"/>
+                  <a:off x="7534008" y="3233592"/>
+                  <a:ext cx="1637280" cy="505440"/>
                 </a:xfrm>
                 <a:prstGeom prst="rect">
                   <a:avLst/>
@@ -10535,10 +13221,449 @@
           </mc:Fallback>
         </mc:AlternateContent>
       </p:grpSp>
+      <mc:AlternateContent xmlns:mc="http://schemas.openxmlformats.org/markup-compatibility/2006">
+        <mc:Choice xmlns:p14="http://schemas.microsoft.com/office/powerpoint/2010/main" Requires="p14">
+          <p:contentPart p14:bwMode="auto" r:id="rId56">
+            <p14:nvContentPartPr>
+              <p14:cNvPr id="66" name="Ink 65">
+                <a:extLst>
+                  <a:ext uri="{FF2B5EF4-FFF2-40B4-BE49-F238E27FC236}">
+                    <a16:creationId xmlns:a16="http://schemas.microsoft.com/office/drawing/2014/main" id="{C0BC1589-F145-5FDD-3830-8EB15A29F9F9}"/>
+                  </a:ext>
+                </a:extLst>
+              </p14:cNvPr>
+              <p14:cNvContentPartPr/>
+              <p14:nvPr/>
+            </p14:nvContentPartPr>
+            <p14:xfrm>
+              <a:off x="8220096" y="3840121"/>
+              <a:ext cx="1742400" cy="31680"/>
+            </p14:xfrm>
+          </p:contentPart>
+        </mc:Choice>
+        <mc:Fallback>
+          <p:pic>
+            <p:nvPicPr>
+              <p:cNvPr id="66" name="Ink 65">
+                <a:extLst>
+                  <a:ext uri="{FF2B5EF4-FFF2-40B4-BE49-F238E27FC236}">
+                    <a16:creationId xmlns:a16="http://schemas.microsoft.com/office/drawing/2014/main" id="{C0BC1589-F145-5FDD-3830-8EB15A29F9F9}"/>
+                  </a:ext>
+                </a:extLst>
+              </p:cNvPr>
+              <p:cNvPicPr/>
+              <p:nvPr/>
+            </p:nvPicPr>
+            <p:blipFill>
+              <a:blip r:embed="rId57"/>
+              <a:stretch>
+                <a:fillRect/>
+              </a:stretch>
+            </p:blipFill>
+            <p:spPr>
+              <a:xfrm>
+                <a:off x="8202456" y="3822121"/>
+                <a:ext cx="1778040" cy="67320"/>
+              </a:xfrm>
+              <a:prstGeom prst="rect">
+                <a:avLst/>
+              </a:prstGeom>
+            </p:spPr>
+          </p:pic>
+        </mc:Fallback>
+      </mc:AlternateContent>
+      <mc:AlternateContent xmlns:mc="http://schemas.openxmlformats.org/markup-compatibility/2006">
+        <mc:Choice xmlns:p14="http://schemas.microsoft.com/office/powerpoint/2010/main" Requires="p14">
+          <p:contentPart p14:bwMode="auto" r:id="rId58">
+            <p14:nvContentPartPr>
+              <p14:cNvPr id="67" name="Ink 66">
+                <a:extLst>
+                  <a:ext uri="{FF2B5EF4-FFF2-40B4-BE49-F238E27FC236}">
+                    <a16:creationId xmlns:a16="http://schemas.microsoft.com/office/drawing/2014/main" id="{E5CCD0BD-252C-1251-2872-4EE6F6CEA5D0}"/>
+                  </a:ext>
+                </a:extLst>
+              </p14:cNvPr>
+              <p14:cNvContentPartPr/>
+              <p14:nvPr/>
+            </p14:nvContentPartPr>
+            <p14:xfrm>
+              <a:off x="8269776" y="3998881"/>
+              <a:ext cx="1649520" cy="90360"/>
+            </p14:xfrm>
+          </p:contentPart>
+        </mc:Choice>
+        <mc:Fallback>
+          <p:pic>
+            <p:nvPicPr>
+              <p:cNvPr id="67" name="Ink 66">
+                <a:extLst>
+                  <a:ext uri="{FF2B5EF4-FFF2-40B4-BE49-F238E27FC236}">
+                    <a16:creationId xmlns:a16="http://schemas.microsoft.com/office/drawing/2014/main" id="{E5CCD0BD-252C-1251-2872-4EE6F6CEA5D0}"/>
+                  </a:ext>
+                </a:extLst>
+              </p:cNvPr>
+              <p:cNvPicPr/>
+              <p:nvPr/>
+            </p:nvPicPr>
+            <p:blipFill>
+              <a:blip r:embed="rId59"/>
+              <a:stretch>
+                <a:fillRect/>
+              </a:stretch>
+            </p:blipFill>
+            <p:spPr>
+              <a:xfrm>
+                <a:off x="8252136" y="3980881"/>
+                <a:ext cx="1685160" cy="126000"/>
+              </a:xfrm>
+              <a:prstGeom prst="rect">
+                <a:avLst/>
+              </a:prstGeom>
+            </p:spPr>
+          </p:pic>
+        </mc:Fallback>
+      </mc:AlternateContent>
+      <mc:AlternateContent xmlns:mc="http://schemas.openxmlformats.org/markup-compatibility/2006">
+        <mc:Choice xmlns:p14="http://schemas.microsoft.com/office/powerpoint/2010/main" Requires="p14">
+          <p:contentPart p14:bwMode="auto" r:id="rId60">
+            <p14:nvContentPartPr>
+              <p14:cNvPr id="68" name="Ink 67">
+                <a:extLst>
+                  <a:ext uri="{FF2B5EF4-FFF2-40B4-BE49-F238E27FC236}">
+                    <a16:creationId xmlns:a16="http://schemas.microsoft.com/office/drawing/2014/main" id="{14E846E6-B17E-8C32-DB6F-9D62F15B0B87}"/>
+                  </a:ext>
+                </a:extLst>
+              </p14:cNvPr>
+              <p14:cNvContentPartPr/>
+              <p14:nvPr/>
+            </p14:nvContentPartPr>
+            <p14:xfrm>
+              <a:off x="8276256" y="4218841"/>
+              <a:ext cx="1727640" cy="42120"/>
+            </p14:xfrm>
+          </p:contentPart>
+        </mc:Choice>
+        <mc:Fallback>
+          <p:pic>
+            <p:nvPicPr>
+              <p:cNvPr id="68" name="Ink 67">
+                <a:extLst>
+                  <a:ext uri="{FF2B5EF4-FFF2-40B4-BE49-F238E27FC236}">
+                    <a16:creationId xmlns:a16="http://schemas.microsoft.com/office/drawing/2014/main" id="{14E846E6-B17E-8C32-DB6F-9D62F15B0B87}"/>
+                  </a:ext>
+                </a:extLst>
+              </p:cNvPr>
+              <p:cNvPicPr/>
+              <p:nvPr/>
+            </p:nvPicPr>
+            <p:blipFill>
+              <a:blip r:embed="rId61"/>
+              <a:stretch>
+                <a:fillRect/>
+              </a:stretch>
+            </p:blipFill>
+            <p:spPr>
+              <a:xfrm>
+                <a:off x="8258256" y="4200841"/>
+                <a:ext cx="1763280" cy="77760"/>
+              </a:xfrm>
+              <a:prstGeom prst="rect">
+                <a:avLst/>
+              </a:prstGeom>
+            </p:spPr>
+          </p:pic>
+        </mc:Fallback>
+      </mc:AlternateContent>
+      <p:sp>
+        <p:nvSpPr>
+          <p:cNvPr id="70" name="TextBox 69">
+            <a:extLst>
+              <a:ext uri="{FF2B5EF4-FFF2-40B4-BE49-F238E27FC236}">
+                <a16:creationId xmlns:a16="http://schemas.microsoft.com/office/drawing/2014/main" id="{AC0C0DAC-8A6D-7B3C-AFB2-6D1542A91CD4}"/>
+              </a:ext>
+            </a:extLst>
+          </p:cNvPr>
+          <p:cNvSpPr txBox="1"/>
+          <p:nvPr/>
+        </p:nvSpPr>
+        <p:spPr>
+          <a:xfrm>
+            <a:off x="6210923" y="2943911"/>
+            <a:ext cx="1668385" cy="1477328"/>
+          </a:xfrm>
+          <a:prstGeom prst="rect">
+            <a:avLst/>
+          </a:prstGeom>
+          <a:noFill/>
+        </p:spPr>
+        <p:txBody>
+          <a:bodyPr wrap="square" rtlCol="0">
+            <a:spAutoFit/>
+          </a:bodyPr>
+          <a:lstStyle/>
+          <a:p>
+            <a:pPr algn="r"/>
+            <a:r>
+              <a:rPr lang="en-US" dirty="0"/>
+              <a:t>Individual measures (including measurement error)</a:t>
+            </a:r>
+          </a:p>
+        </p:txBody>
+      </p:sp>
+      <mc:AlternateContent xmlns:mc="http://schemas.openxmlformats.org/markup-compatibility/2006">
+        <mc:Choice xmlns:a14="http://schemas.microsoft.com/office/drawing/2010/main" Requires="a14">
+          <p:sp>
+            <p:nvSpPr>
+              <p:cNvPr id="71" name="TextBox 70">
+                <a:extLst>
+                  <a:ext uri="{FF2B5EF4-FFF2-40B4-BE49-F238E27FC236}">
+                    <a16:creationId xmlns:a16="http://schemas.microsoft.com/office/drawing/2014/main" id="{32C8705E-4671-7153-35E3-70AC00562E2E}"/>
+                  </a:ext>
+                </a:extLst>
+              </p:cNvPr>
+              <p:cNvSpPr txBox="1"/>
+              <p:nvPr/>
+            </p:nvSpPr>
+            <p:spPr>
+              <a:xfrm>
+                <a:off x="7770748" y="4975774"/>
+                <a:ext cx="2785443" cy="404213"/>
+              </a:xfrm>
+              <a:prstGeom prst="rect">
+                <a:avLst/>
+              </a:prstGeom>
+              <a:noFill/>
+            </p:spPr>
+            <p:txBody>
+              <a:bodyPr wrap="none" rtlCol="0">
+                <a:spAutoFit/>
+              </a:bodyPr>
+              <a:lstStyle/>
+              <a:p>
+                <a:r>
+                  <a:rPr lang="en-US" dirty="0"/>
+                  <a:t>Test-retest reliability: </a:t>
+                </a:r>
+                <a14:m>
+                  <m:oMath xmlns:m="http://schemas.openxmlformats.org/officeDocument/2006/math">
+                    <m:sSub>
+                      <m:sSubPr>
+                        <m:ctrlPr>
+                          <a:rPr lang="en-US" i="1" smtClean="0">
+                            <a:latin typeface="Cambria Math" panose="02040503050406030204" pitchFamily="18" charset="0"/>
+                            <a:ea typeface="Cambria Math" panose="02040503050406030204" pitchFamily="18" charset="0"/>
+                          </a:rPr>
+                        </m:ctrlPr>
+                      </m:sSubPr>
+                      <m:e>
+                        <m:r>
+                          <a:rPr lang="en-US" i="1" smtClean="0">
+                            <a:latin typeface="Cambria Math" panose="02040503050406030204" pitchFamily="18" charset="0"/>
+                            <a:ea typeface="Cambria Math" panose="02040503050406030204" pitchFamily="18" charset="0"/>
+                          </a:rPr>
+                          <m:t>𝜌</m:t>
+                        </m:r>
+                      </m:e>
+                      <m:sub>
+                        <m:sSub>
+                          <m:sSubPr>
+                            <m:ctrlPr>
+                              <a:rPr lang="en-US" b="0" i="1" smtClean="0">
+                                <a:latin typeface="Cambria Math" panose="02040503050406030204" pitchFamily="18" charset="0"/>
+                                <a:ea typeface="Cambria Math" panose="02040503050406030204" pitchFamily="18" charset="0"/>
+                              </a:rPr>
+                            </m:ctrlPr>
+                          </m:sSubPr>
+                          <m:e>
+                            <m:r>
+                              <a:rPr lang="en-US" b="0" i="1" smtClean="0">
+                                <a:latin typeface="Cambria Math" panose="02040503050406030204" pitchFamily="18" charset="0"/>
+                                <a:ea typeface="Cambria Math" panose="02040503050406030204" pitchFamily="18" charset="0"/>
+                              </a:rPr>
+                              <m:t>𝑜</m:t>
+                            </m:r>
+                          </m:e>
+                          <m:sub>
+                            <m:r>
+                              <a:rPr lang="en-US" b="0" i="1" smtClean="0">
+                                <a:latin typeface="Cambria Math" panose="02040503050406030204" pitchFamily="18" charset="0"/>
+                                <a:ea typeface="Cambria Math" panose="02040503050406030204" pitchFamily="18" charset="0"/>
+                              </a:rPr>
+                              <m:t>1</m:t>
+                            </m:r>
+                          </m:sub>
+                        </m:sSub>
+                        <m:r>
+                          <a:rPr lang="en-US" b="0" i="1" smtClean="0">
+                            <a:latin typeface="Cambria Math" panose="02040503050406030204" pitchFamily="18" charset="0"/>
+                            <a:ea typeface="Cambria Math" panose="02040503050406030204" pitchFamily="18" charset="0"/>
+                          </a:rPr>
+                          <m:t>,</m:t>
+                        </m:r>
+                        <m:sSub>
+                          <m:sSubPr>
+                            <m:ctrlPr>
+                              <a:rPr lang="en-US" b="0" i="1" smtClean="0">
+                                <a:latin typeface="Cambria Math" panose="02040503050406030204" pitchFamily="18" charset="0"/>
+                                <a:ea typeface="Cambria Math" panose="02040503050406030204" pitchFamily="18" charset="0"/>
+                              </a:rPr>
+                            </m:ctrlPr>
+                          </m:sSubPr>
+                          <m:e>
+                            <m:r>
+                              <a:rPr lang="en-US" b="0" i="1" smtClean="0">
+                                <a:latin typeface="Cambria Math" panose="02040503050406030204" pitchFamily="18" charset="0"/>
+                                <a:ea typeface="Cambria Math" panose="02040503050406030204" pitchFamily="18" charset="0"/>
+                              </a:rPr>
+                              <m:t>𝑜</m:t>
+                            </m:r>
+                          </m:e>
+                          <m:sub>
+                            <m:r>
+                              <a:rPr lang="en-US" b="0" i="1" smtClean="0">
+                                <a:latin typeface="Cambria Math" panose="02040503050406030204" pitchFamily="18" charset="0"/>
+                                <a:ea typeface="Cambria Math" panose="02040503050406030204" pitchFamily="18" charset="0"/>
+                              </a:rPr>
+                              <m:t>2</m:t>
+                            </m:r>
+                          </m:sub>
+                        </m:sSub>
+                      </m:sub>
+                    </m:sSub>
+                  </m:oMath>
+                </a14:m>
+                <a:endParaRPr lang="en-US" dirty="0"/>
+              </a:p>
+            </p:txBody>
+          </p:sp>
+        </mc:Choice>
+        <mc:Fallback>
+          <p:sp>
+            <p:nvSpPr>
+              <p:cNvPr id="71" name="TextBox 70">
+                <a:extLst>
+                  <a:ext uri="{FF2B5EF4-FFF2-40B4-BE49-F238E27FC236}">
+                    <a16:creationId xmlns:a16="http://schemas.microsoft.com/office/drawing/2014/main" id="{32C8705E-4671-7153-35E3-70AC00562E2E}"/>
+                  </a:ext>
+                </a:extLst>
+              </p:cNvPr>
+              <p:cNvSpPr txBox="1">
+                <a:spLocks noRot="1" noChangeAspect="1" noMove="1" noResize="1" noEditPoints="1" noAdjustHandles="1" noChangeArrowheads="1" noChangeShapeType="1" noTextEdit="1"/>
+              </p:cNvSpPr>
+              <p:nvPr/>
+            </p:nvSpPr>
+            <p:spPr>
+              <a:xfrm>
+                <a:off x="7770748" y="4975774"/>
+                <a:ext cx="2785443" cy="404213"/>
+              </a:xfrm>
+              <a:prstGeom prst="rect">
+                <a:avLst/>
+              </a:prstGeom>
+              <a:blipFill>
+                <a:blip r:embed="rId62"/>
+                <a:stretch>
+                  <a:fillRect l="-2273" t="-6061" b="-15152"/>
+                </a:stretch>
+              </a:blipFill>
+            </p:spPr>
+            <p:txBody>
+              <a:bodyPr/>
+              <a:lstStyle/>
+              <a:p>
+                <a:r>
+                  <a:rPr lang="en-US">
+                    <a:noFill/>
+                  </a:rPr>
+                  <a:t> </a:t>
+                </a:r>
+              </a:p>
+            </p:txBody>
+          </p:sp>
+        </mc:Fallback>
+      </mc:AlternateContent>
+      <p:sp>
+        <p:nvSpPr>
+          <p:cNvPr id="72" name="TextBox 71">
+            <a:extLst>
+              <a:ext uri="{FF2B5EF4-FFF2-40B4-BE49-F238E27FC236}">
+                <a16:creationId xmlns:a16="http://schemas.microsoft.com/office/drawing/2014/main" id="{7AA726CD-87F4-792C-F7E7-0F84C91BB1E9}"/>
+              </a:ext>
+            </a:extLst>
+          </p:cNvPr>
+          <p:cNvSpPr txBox="1"/>
+          <p:nvPr/>
+        </p:nvSpPr>
+        <p:spPr>
+          <a:xfrm>
+            <a:off x="7839931" y="2056834"/>
+            <a:ext cx="385042" cy="369332"/>
+          </a:xfrm>
+          <a:prstGeom prst="rect">
+            <a:avLst/>
+          </a:prstGeom>
+          <a:noFill/>
+        </p:spPr>
+        <p:txBody>
+          <a:bodyPr wrap="none" rtlCol="0">
+            <a:spAutoFit/>
+          </a:bodyPr>
+          <a:lstStyle/>
+          <a:p>
+            <a:r>
+              <a:rPr lang="en-US" dirty="0"/>
+              <a:t>o</a:t>
+            </a:r>
+            <a:r>
+              <a:rPr lang="en-US" baseline="-25000" dirty="0"/>
+              <a:t>1</a:t>
+            </a:r>
+          </a:p>
+        </p:txBody>
+      </p:sp>
+      <p:sp>
+        <p:nvSpPr>
+          <p:cNvPr id="73" name="TextBox 72">
+            <a:extLst>
+              <a:ext uri="{FF2B5EF4-FFF2-40B4-BE49-F238E27FC236}">
+                <a16:creationId xmlns:a16="http://schemas.microsoft.com/office/drawing/2014/main" id="{FECC8CF8-D52F-4AB2-0C90-1920CF18E31D}"/>
+              </a:ext>
+            </a:extLst>
+          </p:cNvPr>
+          <p:cNvSpPr txBox="1"/>
+          <p:nvPr/>
+        </p:nvSpPr>
+        <p:spPr>
+          <a:xfrm>
+            <a:off x="9952483" y="2053832"/>
+            <a:ext cx="385042" cy="369332"/>
+          </a:xfrm>
+          <a:prstGeom prst="rect">
+            <a:avLst/>
+          </a:prstGeom>
+          <a:noFill/>
+        </p:spPr>
+        <p:txBody>
+          <a:bodyPr wrap="none" rtlCol="0">
+            <a:spAutoFit/>
+          </a:bodyPr>
+          <a:lstStyle/>
+          <a:p>
+            <a:r>
+              <a:rPr lang="en-US" dirty="0"/>
+              <a:t>o</a:t>
+            </a:r>
+            <a:r>
+              <a:rPr lang="en-US" baseline="-25000" dirty="0"/>
+              <a:t>2</a:t>
+            </a:r>
+          </a:p>
+        </p:txBody>
+      </p:sp>
     </p:spTree>
     <p:extLst>
       <p:ext uri="{BB962C8B-B14F-4D97-AF65-F5344CB8AC3E}">
-        <p14:creationId xmlns:p14="http://schemas.microsoft.com/office/powerpoint/2010/main" val="2991124529"/>
+        <p14:creationId xmlns:p14="http://schemas.microsoft.com/office/powerpoint/2010/main" val="1142061699"/>
       </p:ext>
     </p:extLst>
   </p:cSld>

--- a/images/measurement/measurement_figs.pptx
+++ b/images/measurement/measurement_figs.pptx
@@ -107,6 +107,11 @@
       </a:defRPr>
     </a:lvl9pPr>
   </p:defaultTextStyle>
+  <p:extLst>
+    <p:ext uri="{EFAFB233-063F-42B5-8137-9DF3F51BA10A}">
+      <p15:sldGuideLst xmlns:p15="http://schemas.microsoft.com/office/powerpoint/2012/main"/>
+    </p:ext>
+  </p:extLst>
 </p:presentation>
 </file>
 
@@ -180,34 +185,6 @@
           <inkml:channelProperty channel="F" name="resolution" value="0" units="1/dev"/>
         </inkml:channelProperties>
       </inkml:inkSource>
-      <inkml:timestamp xml:id="ts0" timeString="2022-09-22T23:16:24.861"/>
-    </inkml:context>
-    <inkml:brush xml:id="br0">
-      <inkml:brushProperty name="width" value="0.1" units="cm"/>
-      <inkml:brushProperty name="height" value="0.1" units="cm"/>
-      <inkml:brushProperty name="color" value="#FFC114"/>
-    </inkml:brush>
-  </inkml:definitions>
-  <inkml:trace contextRef="#ctx0" brushRef="#br0">0 15 24575,'10'0'0,"2"0"0,-1 0 0,4 0 0,-4 0 0,2 0 0,-5 0 0,5 0 0,-2 0 0,4 0 0,-1 0 0,1 0 0,-1 0 0,1 0 0,-4 0 0,7 0 0,-10 0 0,10-7 0,-7 6 0,0-6 0,-1 7 0,-3 0 0,-1 0 0,1 0 0,-1 0 0,1 0 0,-1 0 0,0 0 0,0 0 0,0 0 0,1 0 0,-1 0 0,4 0 0,-2 0 0,5 0 0,-2 0 0,4 0 0,-4 0 0,-1 0 0,-4 0 0,1 0 0,0 0 0,-1 0 0,-2 0 0,-1 0 0</inkml:trace>
-</inkml:ink>
-</file>
-
-<file path=ppt/ink/ink101.xml><?xml version="1.0" encoding="utf-8"?>
-<inkml:ink xmlns:inkml="http://www.w3.org/2003/InkML">
-  <inkml:definitions>
-    <inkml:context xml:id="ctx0">
-      <inkml:inkSource xml:id="inkSrc0">
-        <inkml:traceFormat>
-          <inkml:channel name="X" type="integer" min="-2.14748E9" max="2.14748E9" units="cm"/>
-          <inkml:channel name="Y" type="integer" min="-2.14748E9" max="2.14748E9" units="cm"/>
-          <inkml:channel name="F" type="integer" max="32767" units="dev"/>
-        </inkml:traceFormat>
-        <inkml:channelProperties>
-          <inkml:channelProperty channel="X" name="resolution" value="1000" units="1/cm"/>
-          <inkml:channelProperty channel="Y" name="resolution" value="1000" units="1/cm"/>
-          <inkml:channelProperty channel="F" name="resolution" value="0" units="1/dev"/>
-        </inkml:channelProperties>
-      </inkml:inkSource>
       <inkml:timestamp xml:id="ts0" timeString="2022-09-22T23:16:26.333"/>
     </inkml:context>
     <inkml:brush xml:id="br0">
@@ -220,7 +197,7 @@
 </inkml:ink>
 </file>
 
-<file path=ppt/ink/ink102.xml><?xml version="1.0" encoding="utf-8"?>
+<file path=ppt/ink/ink101.xml><?xml version="1.0" encoding="utf-8"?>
 <inkml:ink xmlns:inkml="http://www.w3.org/2003/InkML">
   <inkml:definitions>
     <inkml:context xml:id="ctx0">
@@ -248,7 +225,7 @@
 </inkml:ink>
 </file>
 
-<file path=ppt/ink/ink103.xml><?xml version="1.0" encoding="utf-8"?>
+<file path=ppt/ink/ink102.xml><?xml version="1.0" encoding="utf-8"?>
 <inkml:ink xmlns:inkml="http://www.w3.org/2003/InkML">
   <inkml:definitions>
     <inkml:context xml:id="ctx0">
@@ -276,7 +253,7 @@
 </inkml:ink>
 </file>
 
-<file path=ppt/ink/ink104.xml><?xml version="1.0" encoding="utf-8"?>
+<file path=ppt/ink/ink103.xml><?xml version="1.0" encoding="utf-8"?>
 <inkml:ink xmlns:inkml="http://www.w3.org/2003/InkML">
   <inkml:definitions>
     <inkml:context xml:id="ctx0">
@@ -304,7 +281,7 @@
 </inkml:ink>
 </file>
 
-<file path=ppt/ink/ink105.xml><?xml version="1.0" encoding="utf-8"?>
+<file path=ppt/ink/ink104.xml><?xml version="1.0" encoding="utf-8"?>
 <inkml:ink xmlns:inkml="http://www.w3.org/2003/InkML">
   <inkml:definitions>
     <inkml:context xml:id="ctx0">
@@ -332,7 +309,7 @@
 </inkml:ink>
 </file>
 
-<file path=ppt/ink/ink106.xml><?xml version="1.0" encoding="utf-8"?>
+<file path=ppt/ink/ink105.xml><?xml version="1.0" encoding="utf-8"?>
 <inkml:ink xmlns:inkml="http://www.w3.org/2003/InkML">
   <inkml:definitions>
     <inkml:context xml:id="ctx0">
@@ -360,7 +337,7 @@
 </inkml:ink>
 </file>
 
-<file path=ppt/ink/ink107.xml><?xml version="1.0" encoding="utf-8"?>
+<file path=ppt/ink/ink106.xml><?xml version="1.0" encoding="utf-8"?>
 <inkml:ink xmlns:inkml="http://www.w3.org/2003/InkML">
   <inkml:definitions>
     <inkml:context xml:id="ctx0">
@@ -388,7 +365,7 @@
 </inkml:ink>
 </file>
 
-<file path=ppt/ink/ink108.xml><?xml version="1.0" encoding="utf-8"?>
+<file path=ppt/ink/ink107.xml><?xml version="1.0" encoding="utf-8"?>
 <inkml:ink xmlns:inkml="http://www.w3.org/2003/InkML">
   <inkml:definitions>
     <inkml:context xml:id="ctx0">
@@ -416,7 +393,7 @@
 </inkml:ink>
 </file>
 
-<file path=ppt/ink/ink109.xml><?xml version="1.0" encoding="utf-8"?>
+<file path=ppt/ink/ink108.xml><?xml version="1.0" encoding="utf-8"?>
 <inkml:ink xmlns:inkml="http://www.w3.org/2003/InkML">
   <inkml:definitions>
     <inkml:context xml:id="ctx0">
@@ -441,6 +418,34 @@
     </inkml:brush>
   </inkml:definitions>
   <inkml:trace contextRef="#ctx0" brushRef="#br0">0 109 24575,'10'0'0,"3"0"0,-2 0 0,3 0 0,1 0 0,-1 0 0,5 0 0,-3 0 0,7 0 0,1 0 0,17 0 0,-3 0 0,8 0 0,-11 0 0,5 0 0,-4 0 0,10 0 0,-10 0 0,9 0 0,-14 0 0,8 0 0,-3 0 0,5 0 0,6 0 0,0 0 0,6 0 0,8 0 0,-11 0 0,15 0 0,-16 0 0,18 0 0,-11 0 0,9 0 0,-16 0 0,-2 0 0,-7 0 0,-5 0 0,-5 0 0,-2 0 0,1 0 0,-4 0 0,9 0 0,-4 0 0,4 0 0,1 0 0,5 0 0,-4 0 0,4 0 0,0-4 0,-4 3 0,9-7 0,-8 7 0,8-8 0,-9 8 0,10-7 0,-10 7 0,9-7 0,-9 3 0,10-4 0,-10 4 0,25-3 0,-22 3 0,22 0 0,-25-3 0,10 7 0,-5-3 0,1 4 0,3-4 0,-9 3 0,5-3 0,-7 0 0,6 3 0,-4-3 0,4 4 0,-5 0 0,0 0 0,-5 0 0,-2 0 0,1 0 0,-8 0 0,7 0 0,-9 0 0,5 0 0,-4 0 0,8 0 0,-7 0 0,12 0 0,-8 0 0,9 0 0,-4 0 0,4 0 0,6 0 0,-4 0 0,4 0 0,-5 0 0,-5 0 0,3 0 0,-8 0 0,4 0 0,6 0 0,-13 0 0,12 0 0,-19 0 0,8 0 0,-8 0 0,8 4 0,-3-3 0,4 6 0,0-6 0,0 6 0,0-6 0,0 2 0,-1 1 0,1 0 0,0 1 0,5 2 0,-4-6 0,8 7 0,-7-4 0,2 5 0,-4-1 0,0-4 0,0 3 0,0-6 0,-4 6 0,-2-6 0,-3 2 0,-1-3 0,-3 3 0,2-3 0,-5 3 0,5-3 0,-2 0 0,0 0 0,2 0 0,-5 0 0,2 0 0,-4 0 0,1 0 0,-1 0 0,1 0 0,-1 0 0,1 0 0,-1 0 0,9 0 0,-3 0 0,10 0 0,-2 0 0,4 0 0,-4 0 0,3 0 0,-11 0 0,5 0 0,-9 0 0,2 0 0,-4 0 0,1 0 0,0 0 0,3 0 0,1 0 0,3 0 0,1 0 0,-1 0 0,-3 0 0,3 0 0,-7 0 0,3 0 0,-3 0 0,-1 0 0,1 0 0,-1 0 0,1 0 0,-1 0 0,0 0 0,1 3 0,-1-2 0,4 5 0,-5-5 0,1 2 0</inkml:trace>
+</inkml:ink>
+</file>
+
+<file path=ppt/ink/ink109.xml><?xml version="1.0" encoding="utf-8"?>
+<inkml:ink xmlns:inkml="http://www.w3.org/2003/InkML">
+  <inkml:definitions>
+    <inkml:context xml:id="ctx0">
+      <inkml:inkSource xml:id="inkSrc0">
+        <inkml:traceFormat>
+          <inkml:channel name="X" type="integer" min="-2.14748E9" max="2.14748E9" units="cm"/>
+          <inkml:channel name="Y" type="integer" min="-2.14748E9" max="2.14748E9" units="cm"/>
+          <inkml:channel name="F" type="integer" max="32767" units="dev"/>
+        </inkml:traceFormat>
+        <inkml:channelProperties>
+          <inkml:channelProperty channel="X" name="resolution" value="1000" units="1/cm"/>
+          <inkml:channelProperty channel="Y" name="resolution" value="1000" units="1/cm"/>
+          <inkml:channelProperty channel="F" name="resolution" value="0" units="1/dev"/>
+        </inkml:channelProperties>
+      </inkml:inkSource>
+      <inkml:timestamp xml:id="ts0" timeString="2022-12-08T20:42:06.122"/>
+    </inkml:context>
+    <inkml:brush xml:id="br0">
+      <inkml:brushProperty name="width" value="0.1" units="cm"/>
+      <inkml:brushProperty name="height" value="0.1" units="cm"/>
+      <inkml:brushProperty name="color" value="#E71224"/>
+    </inkml:brush>
+  </inkml:definitions>
+  <inkml:trace contextRef="#ctx0" brushRef="#br0">0 7 24575,'24'-1'0,"2"0"0,0 0 0,-2 0 0,-6 0 0,-8 1 0,-1-1 0,1 1 0,0 0 0,9 0 0,0 1 0,0-1 0,-4 1 0,-8-1 0,-2 0 0,2 1 0,7 0 0,3 1 0,-1 0 0,-4-1 0,-6 0 0,0-1 0,3 0 0,-1 0 0,-1 0 0,-3 0 0,-2 0 0,1 0 0,0 0 0,0 0 0,1 0 0,3 0 0,-3 0 0,3 0 0,-2 0 0,2 0 0,-2 0 0,0-1 0,-3-1 0,-2-1 0</inkml:trace>
 </inkml:ink>
 </file>
 
@@ -471,6 +476,118 @@
     </inkml:brush>
   </inkml:definitions>
   <inkml:trace contextRef="#ctx0" brushRef="#br0">42 125 16383,'36'0'0,"-6"0"0,-18 0 0,-4 0 0,7 0 0,-6 0 0,1-3 0,1-4 0,-7-1 0,6-3 0,-5 0 0,2 6 0,0-8 0,1 8 0,-4-5 0,2-1 0,-5 3 0,6-3 0,-7 0 0,-17 7 0,9-3 0,-21 7 0,20 0 0,-7 4 0,8-3 0,-4 3 0,2-4 0,2 0 0,-6 0 0,6 0 0,-3 0 0,0 0 0,3 3 0,-3 4 0,4 1 0,3 2 0,-3-2 0,3-1 0,-3 4 0,-1-2 0,4 1 0,-3-2 0,3-1 0</inkml:trace>
+</inkml:ink>
+</file>
+
+<file path=ppt/ink/ink110.xml><?xml version="1.0" encoding="utf-8"?>
+<inkml:ink xmlns:inkml="http://www.w3.org/2003/InkML">
+  <inkml:definitions>
+    <inkml:context xml:id="ctx0">
+      <inkml:inkSource xml:id="inkSrc0">
+        <inkml:traceFormat>
+          <inkml:channel name="X" type="integer" min="-2.14748E9" max="2.14748E9" units="cm"/>
+          <inkml:channel name="Y" type="integer" min="-2.14748E9" max="2.14748E9" units="cm"/>
+          <inkml:channel name="F" type="integer" max="32767" units="dev"/>
+        </inkml:traceFormat>
+        <inkml:channelProperties>
+          <inkml:channelProperty channel="X" name="resolution" value="1000" units="1/cm"/>
+          <inkml:channelProperty channel="Y" name="resolution" value="1000" units="1/cm"/>
+          <inkml:channelProperty channel="F" name="resolution" value="0" units="1/dev"/>
+        </inkml:channelProperties>
+      </inkml:inkSource>
+      <inkml:timestamp xml:id="ts0" timeString="2022-12-08T20:42:37.607"/>
+    </inkml:context>
+    <inkml:brush xml:id="br0">
+      <inkml:brushProperty name="width" value="0.1" units="cm"/>
+      <inkml:brushProperty name="height" value="0.1" units="cm"/>
+      <inkml:brushProperty name="color" value="#E71224"/>
+    </inkml:brush>
+  </inkml:definitions>
+  <inkml:trace contextRef="#ctx0" brushRef="#br0">0 0 24575,'0'8'0,"0"-1"0,0-3 0,0 0 0,0 0 0,0 1 0,0 5 0,0-3 0,0 5 0,0-1 0,0 5 0,0 0 0,0 0 0,0-1 0,0-5 0,0-2 0,0-3 0,0 3 0,0-2 0,0 6 0,0-1 0,0 6 0,0-7 0,0 1 0,0-8 0,0 3 0,0 0 0,0 3 0,0 2 0,0-3 0,0 4 0,2-5 0,1 4 0,1 0 0,2 0 0,0-1 0,0-2 0,2 2 0,2 3 0,1 0 0,0 2 0,1-3 0,-1-1 0,-1 0 0,-1 2 0,-1-1 0,0-1 0,-1-2 0,0-2 0,3-1 0,-1 1 0,3 3 0,1 1 0,1 2 0,2 1 0,0 0 0,-1-1 0,-4-2 0,-4-3 0,-3-3 0,-1-1 0,0 1 0,2 1 0,1 2 0,0 1 0,1-1 0,0 2 0,-2 0 0,1 0 0,0 2 0,1 0 0,1 1 0,1 1 0,-1-1 0,1 2 0,-4-5 0,2 3 0,-3-2 0,1 4 0,0 2 0,1-1 0,0 0 0,-1 1 0,-1-1 0,-1 0 0,0 0 0,1 1 0,0-1 0,-1 1 0,1 2 0,-2 2 0,1 0 0,-1 1 0,0-1 0,0-2 0,-1-1 0,-1-1 0,0-1 0,0 2 0,0 2 0,0 1 0,0 1 0,0 0 0,0 0 0,0 1 0,0-1 0,0 1 0,-2 0 0,-2-1 0,-3 2 0,-1-3 0,-1 0 0,-1 4 0,-1 0 0,-2 1 0,2-4 0,2-2 0,3-3 0,-1-1 0,1 1 0,-2-3 0,0 0 0,0 0 0,-1 1 0,-1 2 0,-3 2 0,-1 2 0,-1 2 0,0 1 0,0 2 0,-2 0 0,0-2 0,2-1 0,1-2 0,2-2 0,2-1 0,-1-2 0,2 1 0,0-1 0,1-1 0,-1-1 0,3 0 0,-2 0 0,5-4 0,-1 0 0,2-8 0,0 3 0,0 2 0,0 4 0,0 3 0,-1 2 0,2 0 0,-2 2 0,1 3 0,0 0 0,-2 3 0,2 0 0,0 0 0,0-1 0,2-2 0,0-4 0,0-3 0,0 0 0,0 0 0,0 1 0,-1 1 0,-2 4 0,1-8 0,0 2 0,2-8 0,0 1 0,0 0 0,0-1 0,0-3 0,0-1 0</inkml:trace>
+</inkml:ink>
+</file>
+
+<file path=ppt/ink/ink111.xml><?xml version="1.0" encoding="utf-8"?>
+<inkml:ink xmlns:inkml="http://www.w3.org/2003/InkML">
+  <inkml:definitions>
+    <inkml:context xml:id="ctx0">
+      <inkml:inkSource xml:id="inkSrc0">
+        <inkml:traceFormat>
+          <inkml:channel name="X" type="integer" min="-2.14748E9" max="2.14748E9" units="cm"/>
+          <inkml:channel name="Y" type="integer" min="-2.14748E9" max="2.14748E9" units="cm"/>
+          <inkml:channel name="F" type="integer" max="32767" units="dev"/>
+        </inkml:traceFormat>
+        <inkml:channelProperties>
+          <inkml:channelProperty channel="X" name="resolution" value="1000" units="1/cm"/>
+          <inkml:channelProperty channel="Y" name="resolution" value="1000" units="1/cm"/>
+          <inkml:channelProperty channel="F" name="resolution" value="0" units="1/dev"/>
+        </inkml:channelProperties>
+      </inkml:inkSource>
+      <inkml:timestamp xml:id="ts0" timeString="2022-12-08T20:43:08.825"/>
+    </inkml:context>
+    <inkml:brush xml:id="br0">
+      <inkml:brushProperty name="width" value="0.1" units="cm"/>
+      <inkml:brushProperty name="height" value="0.1" units="cm"/>
+      <inkml:brushProperty name="color" value="#E71224"/>
+    </inkml:brush>
+  </inkml:definitions>
+  <inkml:trace contextRef="#ctx0" brushRef="#br0">1 0 24575,'0'0'0</inkml:trace>
+</inkml:ink>
+</file>
+
+<file path=ppt/ink/ink112.xml><?xml version="1.0" encoding="utf-8"?>
+<inkml:ink xmlns:inkml="http://www.w3.org/2003/InkML">
+  <inkml:definitions>
+    <inkml:context xml:id="ctx0">
+      <inkml:inkSource xml:id="inkSrc0">
+        <inkml:traceFormat>
+          <inkml:channel name="X" type="integer" min="-2.14748E9" max="2.14748E9" units="cm"/>
+          <inkml:channel name="Y" type="integer" min="-2.14748E9" max="2.14748E9" units="cm"/>
+          <inkml:channel name="F" type="integer" max="32767" units="dev"/>
+        </inkml:traceFormat>
+        <inkml:channelProperties>
+          <inkml:channelProperty channel="X" name="resolution" value="1000" units="1/cm"/>
+          <inkml:channelProperty channel="Y" name="resolution" value="1000" units="1/cm"/>
+          <inkml:channelProperty channel="F" name="resolution" value="0" units="1/dev"/>
+        </inkml:channelProperties>
+      </inkml:inkSource>
+      <inkml:timestamp xml:id="ts0" timeString="2022-12-08T20:43:25.477"/>
+    </inkml:context>
+    <inkml:brush xml:id="br0">
+      <inkml:brushProperty name="width" value="0.1" units="cm"/>
+      <inkml:brushProperty name="height" value="0.1" units="cm"/>
+      <inkml:brushProperty name="color" value="#E71224"/>
+    </inkml:brush>
+  </inkml:definitions>
+  <inkml:trace contextRef="#ctx0" brushRef="#br0">1 1 24575,'0'0'0</inkml:trace>
+</inkml:ink>
+</file>
+
+<file path=ppt/ink/ink113.xml><?xml version="1.0" encoding="utf-8"?>
+<inkml:ink xmlns:inkml="http://www.w3.org/2003/InkML">
+  <inkml:definitions>
+    <inkml:context xml:id="ctx0">
+      <inkml:inkSource xml:id="inkSrc0">
+        <inkml:traceFormat>
+          <inkml:channel name="X" type="integer" min="-2.14748E9" max="2.14748E9" units="cm"/>
+          <inkml:channel name="Y" type="integer" min="-2.14748E9" max="2.14748E9" units="cm"/>
+          <inkml:channel name="F" type="integer" max="32767" units="dev"/>
+        </inkml:traceFormat>
+        <inkml:channelProperties>
+          <inkml:channelProperty channel="X" name="resolution" value="1000" units="1/cm"/>
+          <inkml:channelProperty channel="Y" name="resolution" value="1000" units="1/cm"/>
+          <inkml:channelProperty channel="F" name="resolution" value="0" units="1/dev"/>
+        </inkml:channelProperties>
+      </inkml:inkSource>
+      <inkml:timestamp xml:id="ts0" timeString="2022-12-08T20:43:29.408"/>
+    </inkml:context>
+    <inkml:brush xml:id="br0">
+      <inkml:brushProperty name="width" value="0.1" units="cm"/>
+      <inkml:brushProperty name="height" value="0.1" units="cm"/>
+      <inkml:brushProperty name="color" value="#E71224"/>
+    </inkml:brush>
+  </inkml:definitions>
+  <inkml:trace contextRef="#ctx0" brushRef="#br0">1 0 24575,'0'0'0</inkml:trace>
 </inkml:ink>
 </file>
 
@@ -2603,34 +2720,6 @@
           <inkml:channelProperty channel="F" name="resolution" value="0" units="1/dev"/>
         </inkml:channelProperties>
       </inkml:inkSource>
-      <inkml:timestamp xml:id="ts0" timeString="2022-09-22T23:11:26.172"/>
-    </inkml:context>
-    <inkml:brush xml:id="br0">
-      <inkml:brushProperty name="width" value="0.1" units="cm"/>
-      <inkml:brushProperty name="height" value="0.1" units="cm"/>
-      <inkml:brushProperty name="color" value="#FF0000"/>
-    </inkml:brush>
-  </inkml:definitions>
-  <inkml:trace contextRef="#ctx0" brushRef="#br0">0 31 24575,'18'0'0,"-1"-3"0,-2 2 0,3-5 0,-2 5 0,3-6 0,-5 6 0,5-6 0,-4 7 0,4-4 0,-8 4 0,3 0 0,-7 0 0,3 0 0,0 0 0,-2 0 0,2 0 0,-4 0 0,1 0 0,3 0 0,-3 0 0,7 3 0,-7 1 0,4 3 0,-1 0 0,-3-1 0,7 1 0,-7 0 0,3 0 0,-3 0 0,-1-1 0,1 1 0,0-1 0,-1 4 0,5-2 0,-3 6 0,2-6 0,-3 5 0,3-2 0,-2 4 0,2-4 0,-2 2 0,-1-2 0,0 4 0,0-1 0,1 5 0,-1-3 0,1 2 0,-4 1 0,2 1 0,-2-1 0,1 4 0,2-3 0,-7 4 0,7-4 0,-6 2 0,2-6 0,-3 3 0,3-5 0,-2 0 0,2 1 0,1 3 0,-3-2 0,2 7 0,-3-4 0,0 5 0,0 0 0,0 5 0,0-4 0,0 4 0,0-1 0,0-3 0,0 4 0,0 0 0,0-8 0,0 6 0,0-11 0,0-1 0,0-1 0,0-7 0,0 3 0,0-3 0,0-1 0,0 0 0,0 1 0,0-1 0,0 0 0,0 1 0,0-1 0,0 1 0,0 0 0,0-1 0,0 0 0,0 0 0,0 0 0,0 0 0,-2-2 0,1 1 0,1-4 0,3 2 0,3-3 0,4 0 0,-2 0 0,6 0 0,-7 0 0,7 0 0,-7 0 0,7 0 0,-3 0 0,3 0 0,-3 0 0,3 0 0,-7 0 0,7 0 0,-7 0 0,3 0 0,-3 0 0,-1 0 0,1 0 0,-1 0 0,0 0 0,0 0 0,1 0 0,-1 0 0,1 0 0,-1 0 0,-5 2 0,-2 2 0,-9 2 0,-1 1 0,-3 1 0,-5 3 0,3 0 0,-6 5 0,6-1 0,-7-3 0,11-2 0,-2-3 0,4 0 0,5 0 0,-4 0 0,5-4 0,-2 0 0,3 0 0,-3-2 0,3 2 0,-4-3 0,1 2 0,3 2 0,-3-1 0,5 3 0,-5-3 0,3 4 0,-1-1 0,2 1 0,-1-1 0,2 1 0,-2-1 0,3 4 0,-3 1 0,2 4 0,-2-1 0,3 5 0,0-3 0,0 6 0,0-6 0,0 3 0,0-1 0,0-2 0,0 2 0,0-3 0,0-1 0,0 1 0,0-4 0,0 3 0,0-3 0,0 0 0,0 2 0,0-5 0,0 5 0,0-2 0,0 4 0,0-4 0,0 2 0,0-2 0,0 4 0,0 4 0,0-4 0,0 8 0,0-8 0,0 8 0,0 8 0,0-5 0,0 8 0,0-10 0,0-4 0,0-1 0,0-1 0,0-6 0,0 6 0,0-7 0,0 0 0,-3-1 0,-1-3 0,-3 3 0,1-3 0,-1 3 0,0-3 0,1 0 0,2-1 0,-2 1 0,6-1 0,-6-2 0,5 2 0,-5-6 0,6 6 0,-6-2 0,2 2 0,-3 4 0,1-2 0,-1 2 0,0-4 0,1 1 0,2-1 0,-2 1 0,5 0 0,-4-1 0,1-2 0,-2 1 0,-4-4 0,2 5 0,-5-5 0,2 5 0,0-6 0,-3 7 0,3-6 0,0 2 0,-2 0 0,5-2 0,-2 2 0,4-3 0,-1 0 0,1 0 0,0 0 0,-4 0 0,0 0 0,-5 0 0,-4 0 0,0 0 0,-1-6 0,-3 1 0,11-6 0,-6 4 0,11 0 0,-3 0 0,3 4 0,4 0 0,0 3 0</inkml:trace>
-</inkml:ink>
-</file>
-
-<file path=ppt/ink/ink82.xml><?xml version="1.0" encoding="utf-8"?>
-<inkml:ink xmlns:inkml="http://www.w3.org/2003/InkML">
-  <inkml:definitions>
-    <inkml:context xml:id="ctx0">
-      <inkml:inkSource xml:id="inkSrc0">
-        <inkml:traceFormat>
-          <inkml:channel name="X" type="integer" min="-2.14748E9" max="2.14748E9" units="cm"/>
-          <inkml:channel name="Y" type="integer" min="-2.14748E9" max="2.14748E9" units="cm"/>
-          <inkml:channel name="F" type="integer" max="32767" units="dev"/>
-        </inkml:traceFormat>
-        <inkml:channelProperties>
-          <inkml:channelProperty channel="X" name="resolution" value="1000" units="1/cm"/>
-          <inkml:channelProperty channel="Y" name="resolution" value="1000" units="1/cm"/>
-          <inkml:channelProperty channel="F" name="resolution" value="0" units="1/dev"/>
-        </inkml:channelProperties>
-      </inkml:inkSource>
       <inkml:timestamp xml:id="ts0" timeString="2022-09-22T23:11:08.807"/>
     </inkml:context>
     <inkml:brush xml:id="br0">
@@ -2643,7 +2732,7 @@
 </inkml:ink>
 </file>
 
-<file path=ppt/ink/ink83.xml><?xml version="1.0" encoding="utf-8"?>
+<file path=ppt/ink/ink82.xml><?xml version="1.0" encoding="utf-8"?>
 <inkml:ink xmlns:inkml="http://www.w3.org/2003/InkML">
   <inkml:definitions>
     <inkml:context xml:id="ctx0">
@@ -2671,7 +2760,7 @@
 </inkml:ink>
 </file>
 
-<file path=ppt/ink/ink84.xml><?xml version="1.0" encoding="utf-8"?>
+<file path=ppt/ink/ink83.xml><?xml version="1.0" encoding="utf-8"?>
 <inkml:ink xmlns:inkml="http://www.w3.org/2003/InkML">
   <inkml:definitions>
     <inkml:context xml:id="ctx0">
@@ -2699,7 +2788,7 @@
 </inkml:ink>
 </file>
 
-<file path=ppt/ink/ink85.xml><?xml version="1.0" encoding="utf-8"?>
+<file path=ppt/ink/ink84.xml><?xml version="1.0" encoding="utf-8"?>
 <inkml:ink xmlns:inkml="http://www.w3.org/2003/InkML">
   <inkml:definitions>
     <inkml:context xml:id="ctx0">
@@ -2727,7 +2816,7 @@
 </inkml:ink>
 </file>
 
-<file path=ppt/ink/ink86.xml><?xml version="1.0" encoding="utf-8"?>
+<file path=ppt/ink/ink85.xml><?xml version="1.0" encoding="utf-8"?>
 <inkml:ink xmlns:inkml="http://www.w3.org/2003/InkML">
   <inkml:definitions>
     <inkml:context xml:id="ctx0">
@@ -2755,7 +2844,7 @@
 </inkml:ink>
 </file>
 
-<file path=ppt/ink/ink87.xml><?xml version="1.0" encoding="utf-8"?>
+<file path=ppt/ink/ink86.xml><?xml version="1.0" encoding="utf-8"?>
 <inkml:ink xmlns:inkml="http://www.w3.org/2003/InkML">
   <inkml:definitions>
     <inkml:context xml:id="ctx0">
@@ -2782,7 +2871,7 @@
 </inkml:ink>
 </file>
 
-<file path=ppt/ink/ink88.xml><?xml version="1.0" encoding="utf-8"?>
+<file path=ppt/ink/ink87.xml><?xml version="1.0" encoding="utf-8"?>
 <inkml:ink xmlns:inkml="http://www.w3.org/2003/InkML">
   <inkml:definitions>
     <inkml:context xml:id="ctx0">
@@ -2810,7 +2899,7 @@
 </inkml:ink>
 </file>
 
-<file path=ppt/ink/ink89.xml><?xml version="1.0" encoding="utf-8"?>
+<file path=ppt/ink/ink88.xml><?xml version="1.0" encoding="utf-8"?>
 <inkml:ink xmlns:inkml="http://www.w3.org/2003/InkML">
   <inkml:definitions>
     <inkml:context xml:id="ctx0">
@@ -2834,6 +2923,33 @@
     </inkml:brush>
   </inkml:definitions>
   <inkml:trace contextRef="#ctx0" brushRef="#br0">0 0 24575,'0'18'0,"0"10"0,0 9 0,0 10 0,0 13 0,0 2 0,0 7 0,0 5 0,0-5 0,0 14 0,0 2-724,0 7 724,0 7 0,0-48 0,0 0 0,0 8 0,0 1 0,0-5 0,0 2 0,0 10 0,0 2-810,0-3 1,0 0 809,0 8 0,0 2 0,0-1 0,0 0 0,0 0 0,0 0 0,0-5 0,0 0 0,0 0 0,0-1-478,0-4 1,0-1 477,0-4 0,0 1 0,0 3 0,0-1 0,0-11 0,0 0 0,0 6 0,0 0 0,0-7 0,0 0 0,0 4 0,0 0 0,0 0 0,0 0-175,0-4 1,0 0 174,0 49 0,0-8 0,0 7-167,0-5 167,0-39 0,0-2 0,0 21 0,0-14 0,0 0 0,0 19 1389,0 13-1389,0-14 0,5-20 0,1 17 0,0 1 0,4 7 0,-9-6 0,9 6 0,-9-8 0,4 0 0,-5 1 1003,0-19-1003,0 14 0,0-20 0,0 16 394,0-7-394,0 1 916,0-1-916,0-5 112,0-8-112,0-2 0,0-9 0,0 0 0,0-3 0,0-3 0,0 5 0,0-5 0,0 3 0,0-8 0,0 9 0,0-9 0,0-1 0,0-5 0,0-2 0,0-5 0,0 1 0,0-6 0,0-4 0,0 0 0</inkml:trace>
+</inkml:ink>
+</file>
+
+<file path=ppt/ink/ink89.xml><?xml version="1.0" encoding="utf-8"?>
+<inkml:ink xmlns:inkml="http://www.w3.org/2003/InkML">
+  <inkml:definitions>
+    <inkml:context xml:id="ctx0">
+      <inkml:inkSource xml:id="inkSrc0">
+        <inkml:traceFormat>
+          <inkml:channel name="X" type="integer" min="-2.14748E9" max="2.14748E9" units="cm"/>
+          <inkml:channel name="Y" type="integer" min="-2.14748E9" max="2.14748E9" units="cm"/>
+          <inkml:channel name="F" type="integer" max="32767" units="dev"/>
+        </inkml:traceFormat>
+        <inkml:channelProperties>
+          <inkml:channelProperty channel="X" name="resolution" value="1000" units="1/cm"/>
+          <inkml:channelProperty channel="Y" name="resolution" value="1000" units="1/cm"/>
+          <inkml:channelProperty channel="F" name="resolution" value="0" units="1/dev"/>
+        </inkml:channelProperties>
+      </inkml:inkSource>
+      <inkml:timestamp xml:id="ts0" timeString="2022-09-22T23:15:41.575"/>
+    </inkml:context>
+    <inkml:brush xml:id="br0">
+      <inkml:brushProperty name="width" value="0.1" units="cm"/>
+      <inkml:brushProperty name="height" value="0.1" units="cm"/>
+    </inkml:brush>
+  </inkml:definitions>
+  <inkml:trace contextRef="#ctx0" brushRef="#br0">1 343 24575,'0'-9'0,"0"-4"0,7-2 0,2-5 0,7-3 0,-1 3 0,1-3 0,-5 8 0,4-8 0,-7 7 0,3 1 0,-4 5 0,0 3 0,-1 1 0,-2-1 0,1 1 0,-1 0 0,-1-1 0,3 4 0,-5-3 0,5-1 0,-5 0 0,5-3 0,-2 0 0,-1 2 0,4-2 0,-7 0 0,6 5 0,-5-4 0,2 5 0,-1-2 0,2 2 0,2 2 0,4 2 0,5 3 0,5 5 0,3 5 0,1 3 0,0-1 0,0 1 0,0 0 0,0 0 0,-5-1 0,4 1 0,-7-1 0,3 0 0,-8-4 0,2 3 0,-2-3 0,0 0 0,3 2 0,-6-2 0,2 0 0,-3-1 0,-1-3 0,1-1 0,-1 1 0,-2-1 0,-1 1 0,0-4 0,-3 0 0,3-3 0</inkml:trace>
 </inkml:ink>
 </file>
 
@@ -2880,33 +2996,6 @@
           <inkml:channelProperty channel="F" name="resolution" value="0" units="1/dev"/>
         </inkml:channelProperties>
       </inkml:inkSource>
-      <inkml:timestamp xml:id="ts0" timeString="2022-09-22T23:15:41.575"/>
-    </inkml:context>
-    <inkml:brush xml:id="br0">
-      <inkml:brushProperty name="width" value="0.1" units="cm"/>
-      <inkml:brushProperty name="height" value="0.1" units="cm"/>
-    </inkml:brush>
-  </inkml:definitions>
-  <inkml:trace contextRef="#ctx0" brushRef="#br0">1 343 24575,'0'-9'0,"0"-4"0,7-2 0,2-5 0,7-3 0,-1 3 0,1-3 0,-5 8 0,4-8 0,-7 7 0,3 1 0,-4 5 0,0 3 0,-1 1 0,-2-1 0,1 1 0,-1 0 0,-1-1 0,3 4 0,-5-3 0,5-1 0,-5 0 0,5-3 0,-2 0 0,-1 2 0,4-2 0,-7 0 0,6 5 0,-5-4 0,2 5 0,-1-2 0,2 2 0,2 2 0,4 2 0,5 3 0,5 5 0,3 5 0,1 3 0,0-1 0,0 1 0,0 0 0,0 0 0,-5-1 0,4 1 0,-7-1 0,3 0 0,-8-4 0,2 3 0,-2-3 0,0 0 0,3 2 0,-6-2 0,2 0 0,-3-1 0,-1-3 0,1-1 0,-1 1 0,-2-1 0,-1 1 0,0-4 0,-3 0 0,3-3 0</inkml:trace>
-</inkml:ink>
-</file>
-
-<file path=ppt/ink/ink91.xml><?xml version="1.0" encoding="utf-8"?>
-<inkml:ink xmlns:inkml="http://www.w3.org/2003/InkML">
-  <inkml:definitions>
-    <inkml:context xml:id="ctx0">
-      <inkml:inkSource xml:id="inkSrc0">
-        <inkml:traceFormat>
-          <inkml:channel name="X" type="integer" min="-2.14748E9" max="2.14748E9" units="cm"/>
-          <inkml:channel name="Y" type="integer" min="-2.14748E9" max="2.14748E9" units="cm"/>
-          <inkml:channel name="F" type="integer" max="32767" units="dev"/>
-        </inkml:traceFormat>
-        <inkml:channelProperties>
-          <inkml:channelProperty channel="X" name="resolution" value="1000" units="1/cm"/>
-          <inkml:channelProperty channel="Y" name="resolution" value="1000" units="1/cm"/>
-          <inkml:channelProperty channel="F" name="resolution" value="0" units="1/dev"/>
-        </inkml:channelProperties>
-      </inkml:inkSource>
       <inkml:timestamp xml:id="ts0" timeString="2022-09-22T23:15:44.175"/>
     </inkml:context>
     <inkml:brush xml:id="br0">
@@ -2918,7 +3007,7 @@
 </inkml:ink>
 </file>
 
-<file path=ppt/ink/ink92.xml><?xml version="1.0" encoding="utf-8"?>
+<file path=ppt/ink/ink91.xml><?xml version="1.0" encoding="utf-8"?>
 <inkml:ink xmlns:inkml="http://www.w3.org/2003/InkML">
   <inkml:definitions>
     <inkml:context xml:id="ctx0">
@@ -2945,7 +3034,7 @@
 </inkml:ink>
 </file>
 
-<file path=ppt/ink/ink93.xml><?xml version="1.0" encoding="utf-8"?>
+<file path=ppt/ink/ink92.xml><?xml version="1.0" encoding="utf-8"?>
 <inkml:ink xmlns:inkml="http://www.w3.org/2003/InkML">
   <inkml:definitions>
     <inkml:context xml:id="ctx0">
@@ -2972,7 +3061,7 @@
 </inkml:ink>
 </file>
 
-<file path=ppt/ink/ink94.xml><?xml version="1.0" encoding="utf-8"?>
+<file path=ppt/ink/ink93.xml><?xml version="1.0" encoding="utf-8"?>
 <inkml:ink xmlns:inkml="http://www.w3.org/2003/InkML">
   <inkml:definitions>
     <inkml:context xml:id="ctx0">
@@ -2999,7 +3088,7 @@
 </inkml:ink>
 </file>
 
-<file path=ppt/ink/ink95.xml><?xml version="1.0" encoding="utf-8"?>
+<file path=ppt/ink/ink94.xml><?xml version="1.0" encoding="utf-8"?>
 <inkml:ink xmlns:inkml="http://www.w3.org/2003/InkML">
   <inkml:definitions>
     <inkml:context xml:id="ctx0">
@@ -3027,7 +3116,7 @@
 </inkml:ink>
 </file>
 
-<file path=ppt/ink/ink96.xml><?xml version="1.0" encoding="utf-8"?>
+<file path=ppt/ink/ink95.xml><?xml version="1.0" encoding="utf-8"?>
 <inkml:ink xmlns:inkml="http://www.w3.org/2003/InkML">
   <inkml:definitions>
     <inkml:context xml:id="ctx0">
@@ -3055,7 +3144,7 @@
 </inkml:ink>
 </file>
 
-<file path=ppt/ink/ink97.xml><?xml version="1.0" encoding="utf-8"?>
+<file path=ppt/ink/ink96.xml><?xml version="1.0" encoding="utf-8"?>
 <inkml:ink xmlns:inkml="http://www.w3.org/2003/InkML">
   <inkml:definitions>
     <inkml:context xml:id="ctx0">
@@ -3083,7 +3172,7 @@
 </inkml:ink>
 </file>
 
-<file path=ppt/ink/ink98.xml><?xml version="1.0" encoding="utf-8"?>
+<file path=ppt/ink/ink97.xml><?xml version="1.0" encoding="utf-8"?>
 <inkml:ink xmlns:inkml="http://www.w3.org/2003/InkML">
   <inkml:definitions>
     <inkml:context xml:id="ctx0">
@@ -3111,7 +3200,7 @@
 </inkml:ink>
 </file>
 
-<file path=ppt/ink/ink99.xml><?xml version="1.0" encoding="utf-8"?>
+<file path=ppt/ink/ink98.xml><?xml version="1.0" encoding="utf-8"?>
 <inkml:ink xmlns:inkml="http://www.w3.org/2003/InkML">
   <inkml:definitions>
     <inkml:context xml:id="ctx0">
@@ -3136,6 +3225,34 @@
     </inkml:brush>
   </inkml:definitions>
   <inkml:trace contextRef="#ctx0" brushRef="#br0">0 1 24575,'13'0'0,"10"0"0,-3 0 0,5 0 0,-2 0 0,-8 0 0,8 0 0,-7 0 0,3 0 0,-1 0 0,-6 0 0,10 0 0,-6 0 0,1 0 0,5 0 0,-10 0 0,6 0 0,-7 0 0,3 0 0,-7 0 0,3 0 0,-3 0 0,-1 0 0,-2 0 0,-2 0 0</inkml:trace>
+</inkml:ink>
+</file>
+
+<file path=ppt/ink/ink99.xml><?xml version="1.0" encoding="utf-8"?>
+<inkml:ink xmlns:inkml="http://www.w3.org/2003/InkML">
+  <inkml:definitions>
+    <inkml:context xml:id="ctx0">
+      <inkml:inkSource xml:id="inkSrc0">
+        <inkml:traceFormat>
+          <inkml:channel name="X" type="integer" min="-2.14748E9" max="2.14748E9" units="cm"/>
+          <inkml:channel name="Y" type="integer" min="-2.14748E9" max="2.14748E9" units="cm"/>
+          <inkml:channel name="F" type="integer" max="32767" units="dev"/>
+        </inkml:traceFormat>
+        <inkml:channelProperties>
+          <inkml:channelProperty channel="X" name="resolution" value="1000" units="1/cm"/>
+          <inkml:channelProperty channel="Y" name="resolution" value="1000" units="1/cm"/>
+          <inkml:channelProperty channel="F" name="resolution" value="0" units="1/dev"/>
+        </inkml:channelProperties>
+      </inkml:inkSource>
+      <inkml:timestamp xml:id="ts0" timeString="2022-09-22T23:16:24.861"/>
+    </inkml:context>
+    <inkml:brush xml:id="br0">
+      <inkml:brushProperty name="width" value="0.1" units="cm"/>
+      <inkml:brushProperty name="height" value="0.1" units="cm"/>
+      <inkml:brushProperty name="color" value="#FFC114"/>
+    </inkml:brush>
+  </inkml:definitions>
+  <inkml:trace contextRef="#ctx0" brushRef="#br0">0 15 24575,'10'0'0,"2"0"0,-1 0 0,4 0 0,-4 0 0,2 0 0,-5 0 0,5 0 0,-2 0 0,4 0 0,-1 0 0,1 0 0,-1 0 0,1 0 0,-4 0 0,7 0 0,-10 0 0,10-7 0,-7 6 0,0-6 0,-1 7 0,-3 0 0,-1 0 0,1 0 0,-1 0 0,1 0 0,-1 0 0,0 0 0,0 0 0,0 0 0,1 0 0,-1 0 0,4 0 0,-2 0 0,5 0 0,-2 0 0,4 0 0,-4 0 0,-1 0 0,-4 0 0,1 0 0,0 0 0,-1 0 0,-2 0 0,-1 0 0</inkml:trace>
 </inkml:ink>
 </file>
 
@@ -3286,7 +3403,7 @@
           <a:p>
             <a:fld id="{4BE83899-E222-4147-BECF-BE0E769C33DC}" type="datetimeFigureOut">
               <a:rPr lang="en-US" smtClean="0"/>
-              <a:t>9/20/22</a:t>
+              <a:t>12/8/22</a:t>
             </a:fld>
             <a:endParaRPr lang="en-US"/>
           </a:p>
@@ -3484,7 +3601,7 @@
           <a:p>
             <a:fld id="{4BE83899-E222-4147-BECF-BE0E769C33DC}" type="datetimeFigureOut">
               <a:rPr lang="en-US" smtClean="0"/>
-              <a:t>9/20/22</a:t>
+              <a:t>12/8/22</a:t>
             </a:fld>
             <a:endParaRPr lang="en-US"/>
           </a:p>
@@ -3692,7 +3809,7 @@
           <a:p>
             <a:fld id="{4BE83899-E222-4147-BECF-BE0E769C33DC}" type="datetimeFigureOut">
               <a:rPr lang="en-US" smtClean="0"/>
-              <a:t>9/20/22</a:t>
+              <a:t>12/8/22</a:t>
             </a:fld>
             <a:endParaRPr lang="en-US"/>
           </a:p>
@@ -3890,7 +4007,7 @@
           <a:p>
             <a:fld id="{4BE83899-E222-4147-BECF-BE0E769C33DC}" type="datetimeFigureOut">
               <a:rPr lang="en-US" smtClean="0"/>
-              <a:t>9/20/22</a:t>
+              <a:t>12/8/22</a:t>
             </a:fld>
             <a:endParaRPr lang="en-US"/>
           </a:p>
@@ -4165,7 +4282,7 @@
           <a:p>
             <a:fld id="{4BE83899-E222-4147-BECF-BE0E769C33DC}" type="datetimeFigureOut">
               <a:rPr lang="en-US" smtClean="0"/>
-              <a:t>9/20/22</a:t>
+              <a:t>12/8/22</a:t>
             </a:fld>
             <a:endParaRPr lang="en-US"/>
           </a:p>
@@ -4430,7 +4547,7 @@
           <a:p>
             <a:fld id="{4BE83899-E222-4147-BECF-BE0E769C33DC}" type="datetimeFigureOut">
               <a:rPr lang="en-US" smtClean="0"/>
-              <a:t>9/20/22</a:t>
+              <a:t>12/8/22</a:t>
             </a:fld>
             <a:endParaRPr lang="en-US"/>
           </a:p>
@@ -4842,7 +4959,7 @@
           <a:p>
             <a:fld id="{4BE83899-E222-4147-BECF-BE0E769C33DC}" type="datetimeFigureOut">
               <a:rPr lang="en-US" smtClean="0"/>
-              <a:t>9/20/22</a:t>
+              <a:t>12/8/22</a:t>
             </a:fld>
             <a:endParaRPr lang="en-US"/>
           </a:p>
@@ -4983,7 +5100,7 @@
           <a:p>
             <a:fld id="{4BE83899-E222-4147-BECF-BE0E769C33DC}" type="datetimeFigureOut">
               <a:rPr lang="en-US" smtClean="0"/>
-              <a:t>9/20/22</a:t>
+              <a:t>12/8/22</a:t>
             </a:fld>
             <a:endParaRPr lang="en-US"/>
           </a:p>
@@ -5096,7 +5213,7 @@
           <a:p>
             <a:fld id="{4BE83899-E222-4147-BECF-BE0E769C33DC}" type="datetimeFigureOut">
               <a:rPr lang="en-US" smtClean="0"/>
-              <a:t>9/20/22</a:t>
+              <a:t>12/8/22</a:t>
             </a:fld>
             <a:endParaRPr lang="en-US"/>
           </a:p>
@@ -5407,7 +5524,7 @@
           <a:p>
             <a:fld id="{4BE83899-E222-4147-BECF-BE0E769C33DC}" type="datetimeFigureOut">
               <a:rPr lang="en-US" smtClean="0"/>
-              <a:t>9/20/22</a:t>
+              <a:t>12/8/22</a:t>
             </a:fld>
             <a:endParaRPr lang="en-US"/>
           </a:p>
@@ -5695,7 +5812,7 @@
           <a:p>
             <a:fld id="{4BE83899-E222-4147-BECF-BE0E769C33DC}" type="datetimeFigureOut">
               <a:rPr lang="en-US" smtClean="0"/>
-              <a:t>9/20/22</a:t>
+              <a:t>12/8/22</a:t>
             </a:fld>
             <a:endParaRPr lang="en-US"/>
           </a:p>
@@ -5936,7 +6053,7 @@
           <a:p>
             <a:fld id="{4BE83899-E222-4147-BECF-BE0E769C33DC}" type="datetimeFigureOut">
               <a:rPr lang="en-US" smtClean="0"/>
-              <a:t>9/20/22</a:t>
+              <a:t>12/8/22</a:t>
             </a:fld>
             <a:endParaRPr lang="en-US"/>
           </a:p>
@@ -6680,8 +6797,8 @@
               <a:chExt cx="1779120" cy="1755360"/>
             </a:xfrm>
           </p:grpSpPr>
-          <mc:AlternateContent xmlns:mc="http://schemas.openxmlformats.org/markup-compatibility/2006">
-            <mc:Choice xmlns:p14="http://schemas.microsoft.com/office/powerpoint/2010/main" Requires="p14">
+          <mc:AlternateContent xmlns:mc="http://schemas.openxmlformats.org/markup-compatibility/2006" xmlns:p14="http://schemas.microsoft.com/office/powerpoint/2010/main">
+            <mc:Choice Requires="p14">
               <p:contentPart p14:bwMode="auto" r:id="rId3">
                 <p14:nvContentPartPr>
                   <p14:cNvPr id="12" name="Ink 11">
@@ -6700,7 +6817,7 @@
                 </p14:xfrm>
               </p:contentPart>
             </mc:Choice>
-            <mc:Fallback>
+            <mc:Fallback xmlns="">
               <p:pic>
                 <p:nvPicPr>
                   <p:cNvPr id="12" name="Ink 11">
@@ -6731,8 +6848,8 @@
               </p:pic>
             </mc:Fallback>
           </mc:AlternateContent>
-          <mc:AlternateContent xmlns:mc="http://schemas.openxmlformats.org/markup-compatibility/2006">
-            <mc:Choice xmlns:p14="http://schemas.microsoft.com/office/powerpoint/2010/main" Requires="p14">
+          <mc:AlternateContent xmlns:mc="http://schemas.openxmlformats.org/markup-compatibility/2006" xmlns:p14="http://schemas.microsoft.com/office/powerpoint/2010/main">
+            <mc:Choice Requires="p14">
               <p:contentPart p14:bwMode="auto" r:id="rId5">
                 <p14:nvContentPartPr>
                   <p14:cNvPr id="15" name="Ink 14">
@@ -6751,7 +6868,7 @@
                 </p14:xfrm>
               </p:contentPart>
             </mc:Choice>
-            <mc:Fallback>
+            <mc:Fallback xmlns="">
               <p:pic>
                 <p:nvPicPr>
                   <p:cNvPr id="15" name="Ink 14">
@@ -6782,8 +6899,8 @@
               </p:pic>
             </mc:Fallback>
           </mc:AlternateContent>
-          <mc:AlternateContent xmlns:mc="http://schemas.openxmlformats.org/markup-compatibility/2006">
-            <mc:Choice xmlns:p14="http://schemas.microsoft.com/office/powerpoint/2010/main" Requires="p14">
+          <mc:AlternateContent xmlns:mc="http://schemas.openxmlformats.org/markup-compatibility/2006" xmlns:p14="http://schemas.microsoft.com/office/powerpoint/2010/main">
+            <mc:Choice Requires="p14">
               <p:contentPart p14:bwMode="auto" r:id="rId7">
                 <p14:nvContentPartPr>
                   <p14:cNvPr id="19" name="Ink 18">
@@ -6802,7 +6919,7 @@
                 </p14:xfrm>
               </p:contentPart>
             </mc:Choice>
-            <mc:Fallback>
+            <mc:Fallback xmlns="">
               <p:pic>
                 <p:nvPicPr>
                   <p:cNvPr id="19" name="Ink 18">
@@ -6833,8 +6950,8 @@
               </p:pic>
             </mc:Fallback>
           </mc:AlternateContent>
-          <mc:AlternateContent xmlns:mc="http://schemas.openxmlformats.org/markup-compatibility/2006">
-            <mc:Choice xmlns:p14="http://schemas.microsoft.com/office/powerpoint/2010/main" Requires="p14">
+          <mc:AlternateContent xmlns:mc="http://schemas.openxmlformats.org/markup-compatibility/2006" xmlns:p14="http://schemas.microsoft.com/office/powerpoint/2010/main">
+            <mc:Choice Requires="p14">
               <p:contentPart p14:bwMode="auto" r:id="rId9">
                 <p14:nvContentPartPr>
                   <p14:cNvPr id="25" name="Ink 24">
@@ -6853,7 +6970,7 @@
                 </p14:xfrm>
               </p:contentPart>
             </mc:Choice>
-            <mc:Fallback>
+            <mc:Fallback xmlns="">
               <p:pic>
                 <p:nvPicPr>
                   <p:cNvPr id="25" name="Ink 24">
@@ -6885,8 +7002,8 @@
             </mc:Fallback>
           </mc:AlternateContent>
         </p:grpSp>
-        <mc:AlternateContent xmlns:mc="http://schemas.openxmlformats.org/markup-compatibility/2006">
-          <mc:Choice xmlns:p14="http://schemas.microsoft.com/office/powerpoint/2010/main" Requires="p14">
+        <mc:AlternateContent xmlns:mc="http://schemas.openxmlformats.org/markup-compatibility/2006" xmlns:p14="http://schemas.microsoft.com/office/powerpoint/2010/main">
+          <mc:Choice Requires="p14">
             <p:contentPart p14:bwMode="auto" r:id="rId11">
               <p14:nvContentPartPr>
                 <p14:cNvPr id="27" name="Ink 26">
@@ -6905,7 +7022,7 @@
               </p14:xfrm>
             </p:contentPart>
           </mc:Choice>
-          <mc:Fallback>
+          <mc:Fallback xmlns="">
             <p:pic>
               <p:nvPicPr>
                 <p:cNvPr id="27" name="Ink 26">
@@ -6936,8 +7053,8 @@
             </p:pic>
           </mc:Fallback>
         </mc:AlternateContent>
-        <mc:AlternateContent xmlns:mc="http://schemas.openxmlformats.org/markup-compatibility/2006">
-          <mc:Choice xmlns:p14="http://schemas.microsoft.com/office/powerpoint/2010/main" Requires="p14">
+        <mc:AlternateContent xmlns:mc="http://schemas.openxmlformats.org/markup-compatibility/2006" xmlns:p14="http://schemas.microsoft.com/office/powerpoint/2010/main">
+          <mc:Choice Requires="p14">
             <p:contentPart p14:bwMode="auto" r:id="rId13">
               <p14:nvContentPartPr>
                 <p14:cNvPr id="29" name="Ink 28">
@@ -6956,7 +7073,7 @@
               </p14:xfrm>
             </p:contentPart>
           </mc:Choice>
-          <mc:Fallback>
+          <mc:Fallback xmlns="">
             <p:pic>
               <p:nvPicPr>
                 <p:cNvPr id="29" name="Ink 28">
@@ -7028,8 +7145,8 @@
               <a:chExt cx="1779120" cy="1755360"/>
             </a:xfrm>
           </p:grpSpPr>
-          <mc:AlternateContent xmlns:mc="http://schemas.openxmlformats.org/markup-compatibility/2006">
-            <mc:Choice xmlns:p14="http://schemas.microsoft.com/office/powerpoint/2010/main" Requires="p14">
+          <mc:AlternateContent xmlns:mc="http://schemas.openxmlformats.org/markup-compatibility/2006" xmlns:p14="http://schemas.microsoft.com/office/powerpoint/2010/main">
+            <mc:Choice Requires="p14">
               <p:contentPart p14:bwMode="auto" r:id="rId15">
                 <p14:nvContentPartPr>
                   <p14:cNvPr id="35" name="Ink 34">
@@ -7048,7 +7165,7 @@
                 </p14:xfrm>
               </p:contentPart>
             </mc:Choice>
-            <mc:Fallback>
+            <mc:Fallback xmlns="">
               <p:pic>
                 <p:nvPicPr>
                   <p:cNvPr id="35" name="Ink 34">
@@ -7079,8 +7196,8 @@
               </p:pic>
             </mc:Fallback>
           </mc:AlternateContent>
-          <mc:AlternateContent xmlns:mc="http://schemas.openxmlformats.org/markup-compatibility/2006">
-            <mc:Choice xmlns:p14="http://schemas.microsoft.com/office/powerpoint/2010/main" Requires="p14">
+          <mc:AlternateContent xmlns:mc="http://schemas.openxmlformats.org/markup-compatibility/2006" xmlns:p14="http://schemas.microsoft.com/office/powerpoint/2010/main">
+            <mc:Choice Requires="p14">
               <p:contentPart p14:bwMode="auto" r:id="rId16">
                 <p14:nvContentPartPr>
                   <p14:cNvPr id="36" name="Ink 35">
@@ -7099,7 +7216,7 @@
                 </p14:xfrm>
               </p:contentPart>
             </mc:Choice>
-            <mc:Fallback>
+            <mc:Fallback xmlns="">
               <p:pic>
                 <p:nvPicPr>
                   <p:cNvPr id="36" name="Ink 35">
@@ -7130,8 +7247,8 @@
               </p:pic>
             </mc:Fallback>
           </mc:AlternateContent>
-          <mc:AlternateContent xmlns:mc="http://schemas.openxmlformats.org/markup-compatibility/2006">
-            <mc:Choice xmlns:p14="http://schemas.microsoft.com/office/powerpoint/2010/main" Requires="p14">
+          <mc:AlternateContent xmlns:mc="http://schemas.openxmlformats.org/markup-compatibility/2006" xmlns:p14="http://schemas.microsoft.com/office/powerpoint/2010/main">
+            <mc:Choice Requires="p14">
               <p:contentPart p14:bwMode="auto" r:id="rId17">
                 <p14:nvContentPartPr>
                   <p14:cNvPr id="37" name="Ink 36">
@@ -7150,7 +7267,7 @@
                 </p14:xfrm>
               </p:contentPart>
             </mc:Choice>
-            <mc:Fallback>
+            <mc:Fallback xmlns="">
               <p:pic>
                 <p:nvPicPr>
                   <p:cNvPr id="37" name="Ink 36">
@@ -7181,8 +7298,8 @@
               </p:pic>
             </mc:Fallback>
           </mc:AlternateContent>
-          <mc:AlternateContent xmlns:mc="http://schemas.openxmlformats.org/markup-compatibility/2006">
-            <mc:Choice xmlns:p14="http://schemas.microsoft.com/office/powerpoint/2010/main" Requires="p14">
+          <mc:AlternateContent xmlns:mc="http://schemas.openxmlformats.org/markup-compatibility/2006" xmlns:p14="http://schemas.microsoft.com/office/powerpoint/2010/main">
+            <mc:Choice Requires="p14">
               <p:contentPart p14:bwMode="auto" r:id="rId18">
                 <p14:nvContentPartPr>
                   <p14:cNvPr id="38" name="Ink 37">
@@ -7201,7 +7318,7 @@
                 </p14:xfrm>
               </p:contentPart>
             </mc:Choice>
-            <mc:Fallback>
+            <mc:Fallback xmlns="">
               <p:pic>
                 <p:nvPicPr>
                   <p:cNvPr id="38" name="Ink 37">
@@ -7233,8 +7350,8 @@
             </mc:Fallback>
           </mc:AlternateContent>
         </p:grpSp>
-        <mc:AlternateContent xmlns:mc="http://schemas.openxmlformats.org/markup-compatibility/2006">
-          <mc:Choice xmlns:p14="http://schemas.microsoft.com/office/powerpoint/2010/main" Requires="p14">
+        <mc:AlternateContent xmlns:mc="http://schemas.openxmlformats.org/markup-compatibility/2006" xmlns:p14="http://schemas.microsoft.com/office/powerpoint/2010/main">
+          <mc:Choice Requires="p14">
             <p:contentPart p14:bwMode="auto" r:id="rId19">
               <p14:nvContentPartPr>
                 <p14:cNvPr id="33" name="Ink 32">
@@ -7253,7 +7370,7 @@
               </p14:xfrm>
             </p:contentPart>
           </mc:Choice>
-          <mc:Fallback>
+          <mc:Fallback xmlns="">
             <p:pic>
               <p:nvPicPr>
                 <p:cNvPr id="33" name="Ink 32">
@@ -7284,8 +7401,8 @@
             </p:pic>
           </mc:Fallback>
         </mc:AlternateContent>
-        <mc:AlternateContent xmlns:mc="http://schemas.openxmlformats.org/markup-compatibility/2006">
-          <mc:Choice xmlns:p14="http://schemas.microsoft.com/office/powerpoint/2010/main" Requires="p14">
+        <mc:AlternateContent xmlns:mc="http://schemas.openxmlformats.org/markup-compatibility/2006" xmlns:p14="http://schemas.microsoft.com/office/powerpoint/2010/main">
+          <mc:Choice Requires="p14">
             <p:contentPart p14:bwMode="auto" r:id="rId20">
               <p14:nvContentPartPr>
                 <p14:cNvPr id="34" name="Ink 33">
@@ -7304,7 +7421,7 @@
               </p14:xfrm>
             </p:contentPart>
           </mc:Choice>
-          <mc:Fallback>
+          <mc:Fallback xmlns="">
             <p:pic>
               <p:nvPicPr>
                 <p:cNvPr id="34" name="Ink 33">
@@ -7376,8 +7493,8 @@
               <a:chExt cx="1779120" cy="1755360"/>
             </a:xfrm>
           </p:grpSpPr>
-          <mc:AlternateContent xmlns:mc="http://schemas.openxmlformats.org/markup-compatibility/2006">
-            <mc:Choice xmlns:p14="http://schemas.microsoft.com/office/powerpoint/2010/main" Requires="p14">
+          <mc:AlternateContent xmlns:mc="http://schemas.openxmlformats.org/markup-compatibility/2006" xmlns:p14="http://schemas.microsoft.com/office/powerpoint/2010/main">
+            <mc:Choice Requires="p14">
               <p:contentPart p14:bwMode="auto" r:id="rId21">
                 <p14:nvContentPartPr>
                   <p14:cNvPr id="43" name="Ink 42">
@@ -7396,7 +7513,7 @@
                 </p14:xfrm>
               </p:contentPart>
             </mc:Choice>
-            <mc:Fallback>
+            <mc:Fallback xmlns="">
               <p:pic>
                 <p:nvPicPr>
                   <p:cNvPr id="43" name="Ink 42">
@@ -7427,8 +7544,8 @@
               </p:pic>
             </mc:Fallback>
           </mc:AlternateContent>
-          <mc:AlternateContent xmlns:mc="http://schemas.openxmlformats.org/markup-compatibility/2006">
-            <mc:Choice xmlns:p14="http://schemas.microsoft.com/office/powerpoint/2010/main" Requires="p14">
+          <mc:AlternateContent xmlns:mc="http://schemas.openxmlformats.org/markup-compatibility/2006" xmlns:p14="http://schemas.microsoft.com/office/powerpoint/2010/main">
+            <mc:Choice Requires="p14">
               <p:contentPart p14:bwMode="auto" r:id="rId22">
                 <p14:nvContentPartPr>
                   <p14:cNvPr id="44" name="Ink 43">
@@ -7447,7 +7564,7 @@
                 </p14:xfrm>
               </p:contentPart>
             </mc:Choice>
-            <mc:Fallback>
+            <mc:Fallback xmlns="">
               <p:pic>
                 <p:nvPicPr>
                   <p:cNvPr id="44" name="Ink 43">
@@ -7478,8 +7595,8 @@
               </p:pic>
             </mc:Fallback>
           </mc:AlternateContent>
-          <mc:AlternateContent xmlns:mc="http://schemas.openxmlformats.org/markup-compatibility/2006">
-            <mc:Choice xmlns:p14="http://schemas.microsoft.com/office/powerpoint/2010/main" Requires="p14">
+          <mc:AlternateContent xmlns:mc="http://schemas.openxmlformats.org/markup-compatibility/2006" xmlns:p14="http://schemas.microsoft.com/office/powerpoint/2010/main">
+            <mc:Choice Requires="p14">
               <p:contentPart p14:bwMode="auto" r:id="rId23">
                 <p14:nvContentPartPr>
                   <p14:cNvPr id="45" name="Ink 44">
@@ -7498,7 +7615,7 @@
                 </p14:xfrm>
               </p:contentPart>
             </mc:Choice>
-            <mc:Fallback>
+            <mc:Fallback xmlns="">
               <p:pic>
                 <p:nvPicPr>
                   <p:cNvPr id="45" name="Ink 44">
@@ -7529,8 +7646,8 @@
               </p:pic>
             </mc:Fallback>
           </mc:AlternateContent>
-          <mc:AlternateContent xmlns:mc="http://schemas.openxmlformats.org/markup-compatibility/2006">
-            <mc:Choice xmlns:p14="http://schemas.microsoft.com/office/powerpoint/2010/main" Requires="p14">
+          <mc:AlternateContent xmlns:mc="http://schemas.openxmlformats.org/markup-compatibility/2006" xmlns:p14="http://schemas.microsoft.com/office/powerpoint/2010/main">
+            <mc:Choice Requires="p14">
               <p:contentPart p14:bwMode="auto" r:id="rId24">
                 <p14:nvContentPartPr>
                   <p14:cNvPr id="46" name="Ink 45">
@@ -7549,7 +7666,7 @@
                 </p14:xfrm>
               </p:contentPart>
             </mc:Choice>
-            <mc:Fallback>
+            <mc:Fallback xmlns="">
               <p:pic>
                 <p:nvPicPr>
                   <p:cNvPr id="46" name="Ink 45">
@@ -7581,8 +7698,8 @@
             </mc:Fallback>
           </mc:AlternateContent>
         </p:grpSp>
-        <mc:AlternateContent xmlns:mc="http://schemas.openxmlformats.org/markup-compatibility/2006">
-          <mc:Choice xmlns:p14="http://schemas.microsoft.com/office/powerpoint/2010/main" Requires="p14">
+        <mc:AlternateContent xmlns:mc="http://schemas.openxmlformats.org/markup-compatibility/2006" xmlns:p14="http://schemas.microsoft.com/office/powerpoint/2010/main">
+          <mc:Choice Requires="p14">
             <p:contentPart p14:bwMode="auto" r:id="rId25">
               <p14:nvContentPartPr>
                 <p14:cNvPr id="41" name="Ink 40">
@@ -7601,7 +7718,7 @@
               </p14:xfrm>
             </p:contentPart>
           </mc:Choice>
-          <mc:Fallback>
+          <mc:Fallback xmlns="">
             <p:pic>
               <p:nvPicPr>
                 <p:cNvPr id="41" name="Ink 40">
@@ -7632,8 +7749,8 @@
             </p:pic>
           </mc:Fallback>
         </mc:AlternateContent>
-        <mc:AlternateContent xmlns:mc="http://schemas.openxmlformats.org/markup-compatibility/2006">
-          <mc:Choice xmlns:p14="http://schemas.microsoft.com/office/powerpoint/2010/main" Requires="p14">
+        <mc:AlternateContent xmlns:mc="http://schemas.openxmlformats.org/markup-compatibility/2006" xmlns:p14="http://schemas.microsoft.com/office/powerpoint/2010/main">
+          <mc:Choice Requires="p14">
             <p:contentPart p14:bwMode="auto" r:id="rId26">
               <p14:nvContentPartPr>
                 <p14:cNvPr id="42" name="Ink 41">
@@ -7652,7 +7769,7 @@
               </p14:xfrm>
             </p:contentPart>
           </mc:Choice>
-          <mc:Fallback>
+          <mc:Fallback xmlns="">
             <p:pic>
               <p:nvPicPr>
                 <p:cNvPr id="42" name="Ink 41">
@@ -7724,8 +7841,8 @@
               <a:chExt cx="1779120" cy="1755360"/>
             </a:xfrm>
           </p:grpSpPr>
-          <mc:AlternateContent xmlns:mc="http://schemas.openxmlformats.org/markup-compatibility/2006">
-            <mc:Choice xmlns:p14="http://schemas.microsoft.com/office/powerpoint/2010/main" Requires="p14">
+          <mc:AlternateContent xmlns:mc="http://schemas.openxmlformats.org/markup-compatibility/2006" xmlns:p14="http://schemas.microsoft.com/office/powerpoint/2010/main">
+            <mc:Choice Requires="p14">
               <p:contentPart p14:bwMode="auto" r:id="rId27">
                 <p14:nvContentPartPr>
                   <p14:cNvPr id="51" name="Ink 50">
@@ -7744,7 +7861,7 @@
                 </p14:xfrm>
               </p:contentPart>
             </mc:Choice>
-            <mc:Fallback>
+            <mc:Fallback xmlns="">
               <p:pic>
                 <p:nvPicPr>
                   <p:cNvPr id="51" name="Ink 50">
@@ -7775,8 +7892,8 @@
               </p:pic>
             </mc:Fallback>
           </mc:AlternateContent>
-          <mc:AlternateContent xmlns:mc="http://schemas.openxmlformats.org/markup-compatibility/2006">
-            <mc:Choice xmlns:p14="http://schemas.microsoft.com/office/powerpoint/2010/main" Requires="p14">
+          <mc:AlternateContent xmlns:mc="http://schemas.openxmlformats.org/markup-compatibility/2006" xmlns:p14="http://schemas.microsoft.com/office/powerpoint/2010/main">
+            <mc:Choice Requires="p14">
               <p:contentPart p14:bwMode="auto" r:id="rId28">
                 <p14:nvContentPartPr>
                   <p14:cNvPr id="52" name="Ink 51">
@@ -7795,7 +7912,7 @@
                 </p14:xfrm>
               </p:contentPart>
             </mc:Choice>
-            <mc:Fallback>
+            <mc:Fallback xmlns="">
               <p:pic>
                 <p:nvPicPr>
                   <p:cNvPr id="52" name="Ink 51">
@@ -7826,8 +7943,8 @@
               </p:pic>
             </mc:Fallback>
           </mc:AlternateContent>
-          <mc:AlternateContent xmlns:mc="http://schemas.openxmlformats.org/markup-compatibility/2006">
-            <mc:Choice xmlns:p14="http://schemas.microsoft.com/office/powerpoint/2010/main" Requires="p14">
+          <mc:AlternateContent xmlns:mc="http://schemas.openxmlformats.org/markup-compatibility/2006" xmlns:p14="http://schemas.microsoft.com/office/powerpoint/2010/main">
+            <mc:Choice Requires="p14">
               <p:contentPart p14:bwMode="auto" r:id="rId29">
                 <p14:nvContentPartPr>
                   <p14:cNvPr id="53" name="Ink 52">
@@ -7846,7 +7963,7 @@
                 </p14:xfrm>
               </p:contentPart>
             </mc:Choice>
-            <mc:Fallback>
+            <mc:Fallback xmlns="">
               <p:pic>
                 <p:nvPicPr>
                   <p:cNvPr id="53" name="Ink 52">
@@ -7877,8 +7994,8 @@
               </p:pic>
             </mc:Fallback>
           </mc:AlternateContent>
-          <mc:AlternateContent xmlns:mc="http://schemas.openxmlformats.org/markup-compatibility/2006">
-            <mc:Choice xmlns:p14="http://schemas.microsoft.com/office/powerpoint/2010/main" Requires="p14">
+          <mc:AlternateContent xmlns:mc="http://schemas.openxmlformats.org/markup-compatibility/2006" xmlns:p14="http://schemas.microsoft.com/office/powerpoint/2010/main">
+            <mc:Choice Requires="p14">
               <p:contentPart p14:bwMode="auto" r:id="rId30">
                 <p14:nvContentPartPr>
                   <p14:cNvPr id="54" name="Ink 53">
@@ -7897,7 +8014,7 @@
                 </p14:xfrm>
               </p:contentPart>
             </mc:Choice>
-            <mc:Fallback>
+            <mc:Fallback xmlns="">
               <p:pic>
                 <p:nvPicPr>
                   <p:cNvPr id="54" name="Ink 53">
@@ -7929,8 +8046,8 @@
             </mc:Fallback>
           </mc:AlternateContent>
         </p:grpSp>
-        <mc:AlternateContent xmlns:mc="http://schemas.openxmlformats.org/markup-compatibility/2006">
-          <mc:Choice xmlns:p14="http://schemas.microsoft.com/office/powerpoint/2010/main" Requires="p14">
+        <mc:AlternateContent xmlns:mc="http://schemas.openxmlformats.org/markup-compatibility/2006" xmlns:p14="http://schemas.microsoft.com/office/powerpoint/2010/main">
+          <mc:Choice Requires="p14">
             <p:contentPart p14:bwMode="auto" r:id="rId31">
               <p14:nvContentPartPr>
                 <p14:cNvPr id="49" name="Ink 48">
@@ -7949,7 +8066,7 @@
               </p14:xfrm>
             </p:contentPart>
           </mc:Choice>
-          <mc:Fallback>
+          <mc:Fallback xmlns="">
             <p:pic>
               <p:nvPicPr>
                 <p:cNvPr id="49" name="Ink 48">
@@ -7980,8 +8097,8 @@
             </p:pic>
           </mc:Fallback>
         </mc:AlternateContent>
-        <mc:AlternateContent xmlns:mc="http://schemas.openxmlformats.org/markup-compatibility/2006">
-          <mc:Choice xmlns:p14="http://schemas.microsoft.com/office/powerpoint/2010/main" Requires="p14">
+        <mc:AlternateContent xmlns:mc="http://schemas.openxmlformats.org/markup-compatibility/2006" xmlns:p14="http://schemas.microsoft.com/office/powerpoint/2010/main">
+          <mc:Choice Requires="p14">
             <p:contentPart p14:bwMode="auto" r:id="rId32">
               <p14:nvContentPartPr>
                 <p14:cNvPr id="50" name="Ink 49">
@@ -8000,7 +8117,7 @@
               </p14:xfrm>
             </p:contentPart>
           </mc:Choice>
-          <mc:Fallback>
+          <mc:Fallback xmlns="">
             <p:pic>
               <p:nvPicPr>
                 <p:cNvPr id="50" name="Ink 49">
@@ -8052,8 +8169,8 @@
             <a:chExt cx="216000" cy="264600"/>
           </a:xfrm>
         </p:grpSpPr>
-        <mc:AlternateContent xmlns:mc="http://schemas.openxmlformats.org/markup-compatibility/2006">
-          <mc:Choice xmlns:p14="http://schemas.microsoft.com/office/powerpoint/2010/main" Requires="p14">
+        <mc:AlternateContent xmlns:mc="http://schemas.openxmlformats.org/markup-compatibility/2006" xmlns:p14="http://schemas.microsoft.com/office/powerpoint/2010/main">
+          <mc:Choice Requires="p14">
             <p:contentPart p14:bwMode="auto" r:id="rId33">
               <p14:nvContentPartPr>
                 <p14:cNvPr id="70" name="Ink 69">
@@ -8072,7 +8189,7 @@
               </p14:xfrm>
             </p:contentPart>
           </mc:Choice>
-          <mc:Fallback>
+          <mc:Fallback xmlns="">
             <p:pic>
               <p:nvPicPr>
                 <p:cNvPr id="70" name="Ink 69">
@@ -8103,8 +8220,8 @@
             </p:pic>
           </mc:Fallback>
         </mc:AlternateContent>
-        <mc:AlternateContent xmlns:mc="http://schemas.openxmlformats.org/markup-compatibility/2006">
-          <mc:Choice xmlns:p14="http://schemas.microsoft.com/office/powerpoint/2010/main" Requires="p14">
+        <mc:AlternateContent xmlns:mc="http://schemas.openxmlformats.org/markup-compatibility/2006" xmlns:p14="http://schemas.microsoft.com/office/powerpoint/2010/main">
+          <mc:Choice Requires="p14">
             <p:contentPart p14:bwMode="auto" r:id="rId35">
               <p14:nvContentPartPr>
                 <p14:cNvPr id="71" name="Ink 70">
@@ -8123,7 +8240,7 @@
               </p14:xfrm>
             </p:contentPart>
           </mc:Choice>
-          <mc:Fallback>
+          <mc:Fallback xmlns="">
             <p:pic>
               <p:nvPicPr>
                 <p:cNvPr id="71" name="Ink 70">
@@ -8154,8 +8271,8 @@
             </p:pic>
           </mc:Fallback>
         </mc:AlternateContent>
-        <mc:AlternateContent xmlns:mc="http://schemas.openxmlformats.org/markup-compatibility/2006">
-          <mc:Choice xmlns:p14="http://schemas.microsoft.com/office/powerpoint/2010/main" Requires="p14">
+        <mc:AlternateContent xmlns:mc="http://schemas.openxmlformats.org/markup-compatibility/2006" xmlns:p14="http://schemas.microsoft.com/office/powerpoint/2010/main">
+          <mc:Choice Requires="p14">
             <p:contentPart p14:bwMode="auto" r:id="rId36">
               <p14:nvContentPartPr>
                 <p14:cNvPr id="72" name="Ink 71">
@@ -8174,7 +8291,7 @@
               </p14:xfrm>
             </p:contentPart>
           </mc:Choice>
-          <mc:Fallback>
+          <mc:Fallback xmlns="">
             <p:pic>
               <p:nvPicPr>
                 <p:cNvPr id="72" name="Ink 71">
@@ -8205,8 +8322,8 @@
             </p:pic>
           </mc:Fallback>
         </mc:AlternateContent>
-        <mc:AlternateContent xmlns:mc="http://schemas.openxmlformats.org/markup-compatibility/2006">
-          <mc:Choice xmlns:p14="http://schemas.microsoft.com/office/powerpoint/2010/main" Requires="p14">
+        <mc:AlternateContent xmlns:mc="http://schemas.openxmlformats.org/markup-compatibility/2006" xmlns:p14="http://schemas.microsoft.com/office/powerpoint/2010/main">
+          <mc:Choice Requires="p14">
             <p:contentPart p14:bwMode="auto" r:id="rId37">
               <p14:nvContentPartPr>
                 <p14:cNvPr id="73" name="Ink 72">
@@ -8225,7 +8342,7 @@
               </p14:xfrm>
             </p:contentPart>
           </mc:Choice>
-          <mc:Fallback>
+          <mc:Fallback xmlns="">
             <p:pic>
               <p:nvPicPr>
                 <p:cNvPr id="73" name="Ink 72">
@@ -8256,8 +8373,8 @@
             </p:pic>
           </mc:Fallback>
         </mc:AlternateContent>
-        <mc:AlternateContent xmlns:mc="http://schemas.openxmlformats.org/markup-compatibility/2006">
-          <mc:Choice xmlns:p14="http://schemas.microsoft.com/office/powerpoint/2010/main" Requires="p14">
+        <mc:AlternateContent xmlns:mc="http://schemas.openxmlformats.org/markup-compatibility/2006" xmlns:p14="http://schemas.microsoft.com/office/powerpoint/2010/main">
+          <mc:Choice Requires="p14">
             <p:contentPart p14:bwMode="auto" r:id="rId38">
               <p14:nvContentPartPr>
                 <p14:cNvPr id="74" name="Ink 73">
@@ -8276,7 +8393,7 @@
               </p14:xfrm>
             </p:contentPart>
           </mc:Choice>
-          <mc:Fallback>
+          <mc:Fallback xmlns="">
             <p:pic>
               <p:nvPicPr>
                 <p:cNvPr id="74" name="Ink 73">
@@ -8307,8 +8424,8 @@
             </p:pic>
           </mc:Fallback>
         </mc:AlternateContent>
-        <mc:AlternateContent xmlns:mc="http://schemas.openxmlformats.org/markup-compatibility/2006">
-          <mc:Choice xmlns:p14="http://schemas.microsoft.com/office/powerpoint/2010/main" Requires="p14">
+        <mc:AlternateContent xmlns:mc="http://schemas.openxmlformats.org/markup-compatibility/2006" xmlns:p14="http://schemas.microsoft.com/office/powerpoint/2010/main">
+          <mc:Choice Requires="p14">
             <p:contentPart p14:bwMode="auto" r:id="rId39">
               <p14:nvContentPartPr>
                 <p14:cNvPr id="75" name="Ink 74">
@@ -8327,7 +8444,7 @@
               </p14:xfrm>
             </p:contentPart>
           </mc:Choice>
-          <mc:Fallback>
+          <mc:Fallback xmlns="">
             <p:pic>
               <p:nvPicPr>
                 <p:cNvPr id="75" name="Ink 74">
@@ -8358,8 +8475,8 @@
             </p:pic>
           </mc:Fallback>
         </mc:AlternateContent>
-        <mc:AlternateContent xmlns:mc="http://schemas.openxmlformats.org/markup-compatibility/2006">
-          <mc:Choice xmlns:p14="http://schemas.microsoft.com/office/powerpoint/2010/main" Requires="p14">
+        <mc:AlternateContent xmlns:mc="http://schemas.openxmlformats.org/markup-compatibility/2006" xmlns:p14="http://schemas.microsoft.com/office/powerpoint/2010/main">
+          <mc:Choice Requires="p14">
             <p:contentPart p14:bwMode="auto" r:id="rId40">
               <p14:nvContentPartPr>
                 <p14:cNvPr id="76" name="Ink 75">
@@ -8378,7 +8495,7 @@
               </p14:xfrm>
             </p:contentPart>
           </mc:Choice>
-          <mc:Fallback>
+          <mc:Fallback xmlns="">
             <p:pic>
               <p:nvPicPr>
                 <p:cNvPr id="76" name="Ink 75">
@@ -8409,8 +8526,8 @@
             </p:pic>
           </mc:Fallback>
         </mc:AlternateContent>
-        <mc:AlternateContent xmlns:mc="http://schemas.openxmlformats.org/markup-compatibility/2006">
-          <mc:Choice xmlns:p14="http://schemas.microsoft.com/office/powerpoint/2010/main" Requires="p14">
+        <mc:AlternateContent xmlns:mc="http://schemas.openxmlformats.org/markup-compatibility/2006" xmlns:p14="http://schemas.microsoft.com/office/powerpoint/2010/main">
+          <mc:Choice Requires="p14">
             <p:contentPart p14:bwMode="auto" r:id="rId41">
               <p14:nvContentPartPr>
                 <p14:cNvPr id="77" name="Ink 76">
@@ -8429,7 +8546,7 @@
               </p14:xfrm>
             </p:contentPart>
           </mc:Choice>
-          <mc:Fallback>
+          <mc:Fallback xmlns="">
             <p:pic>
               <p:nvPicPr>
                 <p:cNvPr id="77" name="Ink 76">
@@ -8460,8 +8577,8 @@
             </p:pic>
           </mc:Fallback>
         </mc:AlternateContent>
-        <mc:AlternateContent xmlns:mc="http://schemas.openxmlformats.org/markup-compatibility/2006">
-          <mc:Choice xmlns:p14="http://schemas.microsoft.com/office/powerpoint/2010/main" Requires="p14">
+        <mc:AlternateContent xmlns:mc="http://schemas.openxmlformats.org/markup-compatibility/2006" xmlns:p14="http://schemas.microsoft.com/office/powerpoint/2010/main">
+          <mc:Choice Requires="p14">
             <p:contentPart p14:bwMode="auto" r:id="rId42">
               <p14:nvContentPartPr>
                 <p14:cNvPr id="78" name="Ink 77">
@@ -8480,7 +8597,7 @@
               </p14:xfrm>
             </p:contentPart>
           </mc:Choice>
-          <mc:Fallback>
+          <mc:Fallback xmlns="">
             <p:pic>
               <p:nvPicPr>
                 <p:cNvPr id="78" name="Ink 77">
@@ -8511,8 +8628,8 @@
             </p:pic>
           </mc:Fallback>
         </mc:AlternateContent>
-        <mc:AlternateContent xmlns:mc="http://schemas.openxmlformats.org/markup-compatibility/2006">
-          <mc:Choice xmlns:p14="http://schemas.microsoft.com/office/powerpoint/2010/main" Requires="p14">
+        <mc:AlternateContent xmlns:mc="http://schemas.openxmlformats.org/markup-compatibility/2006" xmlns:p14="http://schemas.microsoft.com/office/powerpoint/2010/main">
+          <mc:Choice Requires="p14">
             <p:contentPart p14:bwMode="auto" r:id="rId43">
               <p14:nvContentPartPr>
                 <p14:cNvPr id="82" name="Ink 81">
@@ -8531,7 +8648,7 @@
               </p14:xfrm>
             </p:contentPart>
           </mc:Choice>
-          <mc:Fallback>
+          <mc:Fallback xmlns="">
             <p:pic>
               <p:nvPicPr>
                 <p:cNvPr id="82" name="Ink 81">
@@ -8583,8 +8700,8 @@
             <a:chExt cx="1056960" cy="853920"/>
           </a:xfrm>
         </p:grpSpPr>
-        <mc:AlternateContent xmlns:mc="http://schemas.openxmlformats.org/markup-compatibility/2006">
-          <mc:Choice xmlns:p14="http://schemas.microsoft.com/office/powerpoint/2010/main" Requires="p14">
+        <mc:AlternateContent xmlns:mc="http://schemas.openxmlformats.org/markup-compatibility/2006" xmlns:p14="http://schemas.microsoft.com/office/powerpoint/2010/main">
+          <mc:Choice Requires="p14">
             <p:contentPart p14:bwMode="auto" r:id="rId44">
               <p14:nvContentPartPr>
                 <p14:cNvPr id="83" name="Ink 82">
@@ -8603,7 +8720,7 @@
               </p14:xfrm>
             </p:contentPart>
           </mc:Choice>
-          <mc:Fallback>
+          <mc:Fallback xmlns="">
             <p:pic>
               <p:nvPicPr>
                 <p:cNvPr id="83" name="Ink 82">
@@ -8634,8 +8751,8 @@
             </p:pic>
           </mc:Fallback>
         </mc:AlternateContent>
-        <mc:AlternateContent xmlns:mc="http://schemas.openxmlformats.org/markup-compatibility/2006">
-          <mc:Choice xmlns:p14="http://schemas.microsoft.com/office/powerpoint/2010/main" Requires="p14">
+        <mc:AlternateContent xmlns:mc="http://schemas.openxmlformats.org/markup-compatibility/2006" xmlns:p14="http://schemas.microsoft.com/office/powerpoint/2010/main">
+          <mc:Choice Requires="p14">
             <p:contentPart p14:bwMode="auto" r:id="rId45">
               <p14:nvContentPartPr>
                 <p14:cNvPr id="84" name="Ink 83">
@@ -8654,7 +8771,7 @@
               </p14:xfrm>
             </p:contentPart>
           </mc:Choice>
-          <mc:Fallback>
+          <mc:Fallback xmlns="">
             <p:pic>
               <p:nvPicPr>
                 <p:cNvPr id="84" name="Ink 83">
@@ -8685,8 +8802,8 @@
             </p:pic>
           </mc:Fallback>
         </mc:AlternateContent>
-        <mc:AlternateContent xmlns:mc="http://schemas.openxmlformats.org/markup-compatibility/2006">
-          <mc:Choice xmlns:p14="http://schemas.microsoft.com/office/powerpoint/2010/main" Requires="p14">
+        <mc:AlternateContent xmlns:mc="http://schemas.openxmlformats.org/markup-compatibility/2006" xmlns:p14="http://schemas.microsoft.com/office/powerpoint/2010/main">
+          <mc:Choice Requires="p14">
             <p:contentPart p14:bwMode="auto" r:id="rId46">
               <p14:nvContentPartPr>
                 <p14:cNvPr id="85" name="Ink 84">
@@ -8705,7 +8822,7 @@
               </p14:xfrm>
             </p:contentPart>
           </mc:Choice>
-          <mc:Fallback>
+          <mc:Fallback xmlns="">
             <p:pic>
               <p:nvPicPr>
                 <p:cNvPr id="85" name="Ink 84">
@@ -8736,8 +8853,8 @@
             </p:pic>
           </mc:Fallback>
         </mc:AlternateContent>
-        <mc:AlternateContent xmlns:mc="http://schemas.openxmlformats.org/markup-compatibility/2006">
-          <mc:Choice xmlns:p14="http://schemas.microsoft.com/office/powerpoint/2010/main" Requires="p14">
+        <mc:AlternateContent xmlns:mc="http://schemas.openxmlformats.org/markup-compatibility/2006" xmlns:p14="http://schemas.microsoft.com/office/powerpoint/2010/main">
+          <mc:Choice Requires="p14">
             <p:contentPart p14:bwMode="auto" r:id="rId47">
               <p14:nvContentPartPr>
                 <p14:cNvPr id="86" name="Ink 85">
@@ -8756,7 +8873,7 @@
               </p14:xfrm>
             </p:contentPart>
           </mc:Choice>
-          <mc:Fallback>
+          <mc:Fallback xmlns="">
             <p:pic>
               <p:nvPicPr>
                 <p:cNvPr id="86" name="Ink 85">
@@ -8787,8 +8904,8 @@
             </p:pic>
           </mc:Fallback>
         </mc:AlternateContent>
-        <mc:AlternateContent xmlns:mc="http://schemas.openxmlformats.org/markup-compatibility/2006">
-          <mc:Choice xmlns:p14="http://schemas.microsoft.com/office/powerpoint/2010/main" Requires="p14">
+        <mc:AlternateContent xmlns:mc="http://schemas.openxmlformats.org/markup-compatibility/2006" xmlns:p14="http://schemas.microsoft.com/office/powerpoint/2010/main">
+          <mc:Choice Requires="p14">
             <p:contentPart p14:bwMode="auto" r:id="rId48">
               <p14:nvContentPartPr>
                 <p14:cNvPr id="87" name="Ink 86">
@@ -8807,7 +8924,7 @@
               </p14:xfrm>
             </p:contentPart>
           </mc:Choice>
-          <mc:Fallback>
+          <mc:Fallback xmlns="">
             <p:pic>
               <p:nvPicPr>
                 <p:cNvPr id="87" name="Ink 86">
@@ -8838,8 +8955,8 @@
             </p:pic>
           </mc:Fallback>
         </mc:AlternateContent>
-        <mc:AlternateContent xmlns:mc="http://schemas.openxmlformats.org/markup-compatibility/2006">
-          <mc:Choice xmlns:p14="http://schemas.microsoft.com/office/powerpoint/2010/main" Requires="p14">
+        <mc:AlternateContent xmlns:mc="http://schemas.openxmlformats.org/markup-compatibility/2006" xmlns:p14="http://schemas.microsoft.com/office/powerpoint/2010/main">
+          <mc:Choice Requires="p14">
             <p:contentPart p14:bwMode="auto" r:id="rId49">
               <p14:nvContentPartPr>
                 <p14:cNvPr id="88" name="Ink 87">
@@ -8858,7 +8975,7 @@
               </p14:xfrm>
             </p:contentPart>
           </mc:Choice>
-          <mc:Fallback>
+          <mc:Fallback xmlns="">
             <p:pic>
               <p:nvPicPr>
                 <p:cNvPr id="88" name="Ink 87">
@@ -8889,8 +9006,8 @@
             </p:pic>
           </mc:Fallback>
         </mc:AlternateContent>
-        <mc:AlternateContent xmlns:mc="http://schemas.openxmlformats.org/markup-compatibility/2006">
-          <mc:Choice xmlns:p14="http://schemas.microsoft.com/office/powerpoint/2010/main" Requires="p14">
+        <mc:AlternateContent xmlns:mc="http://schemas.openxmlformats.org/markup-compatibility/2006" xmlns:p14="http://schemas.microsoft.com/office/powerpoint/2010/main">
+          <mc:Choice Requires="p14">
             <p:contentPart p14:bwMode="auto" r:id="rId50">
               <p14:nvContentPartPr>
                 <p14:cNvPr id="89" name="Ink 88">
@@ -8909,7 +9026,7 @@
               </p14:xfrm>
             </p:contentPart>
           </mc:Choice>
-          <mc:Fallback>
+          <mc:Fallback xmlns="">
             <p:pic>
               <p:nvPicPr>
                 <p:cNvPr id="89" name="Ink 88">
@@ -8940,8 +9057,8 @@
             </p:pic>
           </mc:Fallback>
         </mc:AlternateContent>
-        <mc:AlternateContent xmlns:mc="http://schemas.openxmlformats.org/markup-compatibility/2006">
-          <mc:Choice xmlns:p14="http://schemas.microsoft.com/office/powerpoint/2010/main" Requires="p14">
+        <mc:AlternateContent xmlns:mc="http://schemas.openxmlformats.org/markup-compatibility/2006" xmlns:p14="http://schemas.microsoft.com/office/powerpoint/2010/main">
+          <mc:Choice Requires="p14">
             <p:contentPart p14:bwMode="auto" r:id="rId51">
               <p14:nvContentPartPr>
                 <p14:cNvPr id="90" name="Ink 89">
@@ -8960,7 +9077,7 @@
               </p14:xfrm>
             </p:contentPart>
           </mc:Choice>
-          <mc:Fallback>
+          <mc:Fallback xmlns="">
             <p:pic>
               <p:nvPicPr>
                 <p:cNvPr id="90" name="Ink 89">
@@ -8991,8 +9108,8 @@
             </p:pic>
           </mc:Fallback>
         </mc:AlternateContent>
-        <mc:AlternateContent xmlns:mc="http://schemas.openxmlformats.org/markup-compatibility/2006">
-          <mc:Choice xmlns:p14="http://schemas.microsoft.com/office/powerpoint/2010/main" Requires="p14">
+        <mc:AlternateContent xmlns:mc="http://schemas.openxmlformats.org/markup-compatibility/2006" xmlns:p14="http://schemas.microsoft.com/office/powerpoint/2010/main">
+          <mc:Choice Requires="p14">
             <p:contentPart p14:bwMode="auto" r:id="rId52">
               <p14:nvContentPartPr>
                 <p14:cNvPr id="91" name="Ink 90">
@@ -9011,7 +9128,7 @@
               </p14:xfrm>
             </p:contentPart>
           </mc:Choice>
-          <mc:Fallback>
+          <mc:Fallback xmlns="">
             <p:pic>
               <p:nvPicPr>
                 <p:cNvPr id="91" name="Ink 90">
@@ -9042,8 +9159,8 @@
             </p:pic>
           </mc:Fallback>
         </mc:AlternateContent>
-        <mc:AlternateContent xmlns:mc="http://schemas.openxmlformats.org/markup-compatibility/2006">
-          <mc:Choice xmlns:p14="http://schemas.microsoft.com/office/powerpoint/2010/main" Requires="p14">
+        <mc:AlternateContent xmlns:mc="http://schemas.openxmlformats.org/markup-compatibility/2006" xmlns:p14="http://schemas.microsoft.com/office/powerpoint/2010/main">
+          <mc:Choice Requires="p14">
             <p:contentPart p14:bwMode="auto" r:id="rId53">
               <p14:nvContentPartPr>
                 <p14:cNvPr id="94" name="Ink 93">
@@ -9062,7 +9179,7 @@
               </p14:xfrm>
             </p:contentPart>
           </mc:Choice>
-          <mc:Fallback>
+          <mc:Fallback xmlns="">
             <p:pic>
               <p:nvPicPr>
                 <p:cNvPr id="94" name="Ink 93">
@@ -9114,8 +9231,8 @@
             <a:chExt cx="1350500" cy="718920"/>
           </a:xfrm>
         </p:grpSpPr>
-        <mc:AlternateContent xmlns:mc="http://schemas.openxmlformats.org/markup-compatibility/2006">
-          <mc:Choice xmlns:p14="http://schemas.microsoft.com/office/powerpoint/2010/main" Requires="p14">
+        <mc:AlternateContent xmlns:mc="http://schemas.openxmlformats.org/markup-compatibility/2006" xmlns:p14="http://schemas.microsoft.com/office/powerpoint/2010/main">
+          <mc:Choice Requires="p14">
             <p:contentPart p14:bwMode="auto" r:id="rId54">
               <p14:nvContentPartPr>
                 <p14:cNvPr id="97" name="Ink 96">
@@ -9134,7 +9251,7 @@
               </p14:xfrm>
             </p:contentPart>
           </mc:Choice>
-          <mc:Fallback>
+          <mc:Fallback xmlns="">
             <p:pic>
               <p:nvPicPr>
                 <p:cNvPr id="97" name="Ink 96">
@@ -9165,8 +9282,8 @@
             </p:pic>
           </mc:Fallback>
         </mc:AlternateContent>
-        <mc:AlternateContent xmlns:mc="http://schemas.openxmlformats.org/markup-compatibility/2006">
-          <mc:Choice xmlns:p14="http://schemas.microsoft.com/office/powerpoint/2010/main" Requires="p14">
+        <mc:AlternateContent xmlns:mc="http://schemas.openxmlformats.org/markup-compatibility/2006" xmlns:p14="http://schemas.microsoft.com/office/powerpoint/2010/main">
+          <mc:Choice Requires="p14">
             <p:contentPart p14:bwMode="auto" r:id="rId55">
               <p14:nvContentPartPr>
                 <p14:cNvPr id="98" name="Ink 97">
@@ -9185,7 +9302,7 @@
               </p14:xfrm>
             </p:contentPart>
           </mc:Choice>
-          <mc:Fallback>
+          <mc:Fallback xmlns="">
             <p:pic>
               <p:nvPicPr>
                 <p:cNvPr id="98" name="Ink 97">
@@ -9216,8 +9333,8 @@
             </p:pic>
           </mc:Fallback>
         </mc:AlternateContent>
-        <mc:AlternateContent xmlns:mc="http://schemas.openxmlformats.org/markup-compatibility/2006">
-          <mc:Choice xmlns:p14="http://schemas.microsoft.com/office/powerpoint/2010/main" Requires="p14">
+        <mc:AlternateContent xmlns:mc="http://schemas.openxmlformats.org/markup-compatibility/2006" xmlns:p14="http://schemas.microsoft.com/office/powerpoint/2010/main">
+          <mc:Choice Requires="p14">
             <p:contentPart p14:bwMode="auto" r:id="rId56">
               <p14:nvContentPartPr>
                 <p14:cNvPr id="99" name="Ink 98">
@@ -9236,7 +9353,7 @@
               </p14:xfrm>
             </p:contentPart>
           </mc:Choice>
-          <mc:Fallback>
+          <mc:Fallback xmlns="">
             <p:pic>
               <p:nvPicPr>
                 <p:cNvPr id="99" name="Ink 98">
@@ -9267,8 +9384,8 @@
             </p:pic>
           </mc:Fallback>
         </mc:AlternateContent>
-        <mc:AlternateContent xmlns:mc="http://schemas.openxmlformats.org/markup-compatibility/2006">
-          <mc:Choice xmlns:p14="http://schemas.microsoft.com/office/powerpoint/2010/main" Requires="p14">
+        <mc:AlternateContent xmlns:mc="http://schemas.openxmlformats.org/markup-compatibility/2006" xmlns:p14="http://schemas.microsoft.com/office/powerpoint/2010/main">
+          <mc:Choice Requires="p14">
             <p:contentPart p14:bwMode="auto" r:id="rId57">
               <p14:nvContentPartPr>
                 <p14:cNvPr id="100" name="Ink 99">
@@ -9287,7 +9404,7 @@
               </p14:xfrm>
             </p:contentPart>
           </mc:Choice>
-          <mc:Fallback>
+          <mc:Fallback xmlns="">
             <p:pic>
               <p:nvPicPr>
                 <p:cNvPr id="100" name="Ink 99">
@@ -9318,8 +9435,8 @@
             </p:pic>
           </mc:Fallback>
         </mc:AlternateContent>
-        <mc:AlternateContent xmlns:mc="http://schemas.openxmlformats.org/markup-compatibility/2006">
-          <mc:Choice xmlns:p14="http://schemas.microsoft.com/office/powerpoint/2010/main" Requires="p14">
+        <mc:AlternateContent xmlns:mc="http://schemas.openxmlformats.org/markup-compatibility/2006" xmlns:p14="http://schemas.microsoft.com/office/powerpoint/2010/main">
+          <mc:Choice Requires="p14">
             <p:contentPart p14:bwMode="auto" r:id="rId58">
               <p14:nvContentPartPr>
                 <p14:cNvPr id="101" name="Ink 100">
@@ -9338,7 +9455,7 @@
               </p14:xfrm>
             </p:contentPart>
           </mc:Choice>
-          <mc:Fallback>
+          <mc:Fallback xmlns="">
             <p:pic>
               <p:nvPicPr>
                 <p:cNvPr id="101" name="Ink 100">
@@ -9369,8 +9486,8 @@
             </p:pic>
           </mc:Fallback>
         </mc:AlternateContent>
-        <mc:AlternateContent xmlns:mc="http://schemas.openxmlformats.org/markup-compatibility/2006">
-          <mc:Choice xmlns:p14="http://schemas.microsoft.com/office/powerpoint/2010/main" Requires="p14">
+        <mc:AlternateContent xmlns:mc="http://schemas.openxmlformats.org/markup-compatibility/2006" xmlns:p14="http://schemas.microsoft.com/office/powerpoint/2010/main">
+          <mc:Choice Requires="p14">
             <p:contentPart p14:bwMode="auto" r:id="rId59">
               <p14:nvContentPartPr>
                 <p14:cNvPr id="102" name="Ink 101">
@@ -9389,7 +9506,7 @@
               </p14:xfrm>
             </p:contentPart>
           </mc:Choice>
-          <mc:Fallback>
+          <mc:Fallback xmlns="">
             <p:pic>
               <p:nvPicPr>
                 <p:cNvPr id="102" name="Ink 101">
@@ -9420,8 +9537,8 @@
             </p:pic>
           </mc:Fallback>
         </mc:AlternateContent>
-        <mc:AlternateContent xmlns:mc="http://schemas.openxmlformats.org/markup-compatibility/2006">
-          <mc:Choice xmlns:p14="http://schemas.microsoft.com/office/powerpoint/2010/main" Requires="p14">
+        <mc:AlternateContent xmlns:mc="http://schemas.openxmlformats.org/markup-compatibility/2006" xmlns:p14="http://schemas.microsoft.com/office/powerpoint/2010/main">
+          <mc:Choice Requires="p14">
             <p:contentPart p14:bwMode="auto" r:id="rId60">
               <p14:nvContentPartPr>
                 <p14:cNvPr id="103" name="Ink 102">
@@ -9440,7 +9557,7 @@
               </p14:xfrm>
             </p:contentPart>
           </mc:Choice>
-          <mc:Fallback>
+          <mc:Fallback xmlns="">
             <p:pic>
               <p:nvPicPr>
                 <p:cNvPr id="103" name="Ink 102">
@@ -9471,8 +9588,8 @@
             </p:pic>
           </mc:Fallback>
         </mc:AlternateContent>
-        <mc:AlternateContent xmlns:mc="http://schemas.openxmlformats.org/markup-compatibility/2006">
-          <mc:Choice xmlns:p14="http://schemas.microsoft.com/office/powerpoint/2010/main" Requires="p14">
+        <mc:AlternateContent xmlns:mc="http://schemas.openxmlformats.org/markup-compatibility/2006" xmlns:p14="http://schemas.microsoft.com/office/powerpoint/2010/main">
+          <mc:Choice Requires="p14">
             <p:contentPart p14:bwMode="auto" r:id="rId61">
               <p14:nvContentPartPr>
                 <p14:cNvPr id="104" name="Ink 103">
@@ -9491,7 +9608,7 @@
               </p14:xfrm>
             </p:contentPart>
           </mc:Choice>
-          <mc:Fallback>
+          <mc:Fallback xmlns="">
             <p:pic>
               <p:nvPicPr>
                 <p:cNvPr id="104" name="Ink 103">
@@ -9522,8 +9639,8 @@
             </p:pic>
           </mc:Fallback>
         </mc:AlternateContent>
-        <mc:AlternateContent xmlns:mc="http://schemas.openxmlformats.org/markup-compatibility/2006">
-          <mc:Choice xmlns:p14="http://schemas.microsoft.com/office/powerpoint/2010/main" Requires="p14">
+        <mc:AlternateContent xmlns:mc="http://schemas.openxmlformats.org/markup-compatibility/2006" xmlns:p14="http://schemas.microsoft.com/office/powerpoint/2010/main">
+          <mc:Choice Requires="p14">
             <p:contentPart p14:bwMode="auto" r:id="rId62">
               <p14:nvContentPartPr>
                 <p14:cNvPr id="105" name="Ink 104">
@@ -9542,7 +9659,7 @@
               </p14:xfrm>
             </p:contentPart>
           </mc:Choice>
-          <mc:Fallback>
+          <mc:Fallback xmlns="">
             <p:pic>
               <p:nvPicPr>
                 <p:cNvPr id="105" name="Ink 104">
@@ -9573,8 +9690,8 @@
             </p:pic>
           </mc:Fallback>
         </mc:AlternateContent>
-        <mc:AlternateContent xmlns:mc="http://schemas.openxmlformats.org/markup-compatibility/2006">
-          <mc:Choice xmlns:p14="http://schemas.microsoft.com/office/powerpoint/2010/main" Requires="p14">
+        <mc:AlternateContent xmlns:mc="http://schemas.openxmlformats.org/markup-compatibility/2006" xmlns:p14="http://schemas.microsoft.com/office/powerpoint/2010/main">
+          <mc:Choice Requires="p14">
             <p:contentPart p14:bwMode="auto" r:id="rId63">
               <p14:nvContentPartPr>
                 <p14:cNvPr id="106" name="Ink 105">
@@ -9593,7 +9710,7 @@
               </p14:xfrm>
             </p:contentPart>
           </mc:Choice>
-          <mc:Fallback>
+          <mc:Fallback xmlns="">
             <p:pic>
               <p:nvPicPr>
                 <p:cNvPr id="106" name="Ink 105">
@@ -9645,8 +9762,8 @@
             <a:chExt cx="216000" cy="264600"/>
           </a:xfrm>
         </p:grpSpPr>
-        <mc:AlternateContent xmlns:mc="http://schemas.openxmlformats.org/markup-compatibility/2006">
-          <mc:Choice xmlns:p14="http://schemas.microsoft.com/office/powerpoint/2010/main" Requires="p14">
+        <mc:AlternateContent xmlns:mc="http://schemas.openxmlformats.org/markup-compatibility/2006" xmlns:p14="http://schemas.microsoft.com/office/powerpoint/2010/main">
+          <mc:Choice Requires="p14">
             <p:contentPart p14:bwMode="auto" r:id="rId64">
               <p14:nvContentPartPr>
                 <p14:cNvPr id="110" name="Ink 109">
@@ -9665,7 +9782,7 @@
               </p14:xfrm>
             </p:contentPart>
           </mc:Choice>
-          <mc:Fallback>
+          <mc:Fallback xmlns="">
             <p:pic>
               <p:nvPicPr>
                 <p:cNvPr id="110" name="Ink 109">
@@ -9696,8 +9813,8 @@
             </p:pic>
           </mc:Fallback>
         </mc:AlternateContent>
-        <mc:AlternateContent xmlns:mc="http://schemas.openxmlformats.org/markup-compatibility/2006">
-          <mc:Choice xmlns:p14="http://schemas.microsoft.com/office/powerpoint/2010/main" Requires="p14">
+        <mc:AlternateContent xmlns:mc="http://schemas.openxmlformats.org/markup-compatibility/2006" xmlns:p14="http://schemas.microsoft.com/office/powerpoint/2010/main">
+          <mc:Choice Requires="p14">
             <p:contentPart p14:bwMode="auto" r:id="rId65">
               <p14:nvContentPartPr>
                 <p14:cNvPr id="111" name="Ink 110">
@@ -9716,7 +9833,7 @@
               </p14:xfrm>
             </p:contentPart>
           </mc:Choice>
-          <mc:Fallback>
+          <mc:Fallback xmlns="">
             <p:pic>
               <p:nvPicPr>
                 <p:cNvPr id="111" name="Ink 110">
@@ -9747,8 +9864,8 @@
             </p:pic>
           </mc:Fallback>
         </mc:AlternateContent>
-        <mc:AlternateContent xmlns:mc="http://schemas.openxmlformats.org/markup-compatibility/2006">
-          <mc:Choice xmlns:p14="http://schemas.microsoft.com/office/powerpoint/2010/main" Requires="p14">
+        <mc:AlternateContent xmlns:mc="http://schemas.openxmlformats.org/markup-compatibility/2006" xmlns:p14="http://schemas.microsoft.com/office/powerpoint/2010/main">
+          <mc:Choice Requires="p14">
             <p:contentPart p14:bwMode="auto" r:id="rId66">
               <p14:nvContentPartPr>
                 <p14:cNvPr id="112" name="Ink 111">
@@ -9767,7 +9884,7 @@
               </p14:xfrm>
             </p:contentPart>
           </mc:Choice>
-          <mc:Fallback>
+          <mc:Fallback xmlns="">
             <p:pic>
               <p:nvPicPr>
                 <p:cNvPr id="112" name="Ink 111">
@@ -9798,8 +9915,8 @@
             </p:pic>
           </mc:Fallback>
         </mc:AlternateContent>
-        <mc:AlternateContent xmlns:mc="http://schemas.openxmlformats.org/markup-compatibility/2006">
-          <mc:Choice xmlns:p14="http://schemas.microsoft.com/office/powerpoint/2010/main" Requires="p14">
+        <mc:AlternateContent xmlns:mc="http://schemas.openxmlformats.org/markup-compatibility/2006" xmlns:p14="http://schemas.microsoft.com/office/powerpoint/2010/main">
+          <mc:Choice Requires="p14">
             <p:contentPart p14:bwMode="auto" r:id="rId67">
               <p14:nvContentPartPr>
                 <p14:cNvPr id="113" name="Ink 112">
@@ -9818,7 +9935,7 @@
               </p14:xfrm>
             </p:contentPart>
           </mc:Choice>
-          <mc:Fallback>
+          <mc:Fallback xmlns="">
             <p:pic>
               <p:nvPicPr>
                 <p:cNvPr id="113" name="Ink 112">
@@ -9849,8 +9966,8 @@
             </p:pic>
           </mc:Fallback>
         </mc:AlternateContent>
-        <mc:AlternateContent xmlns:mc="http://schemas.openxmlformats.org/markup-compatibility/2006">
-          <mc:Choice xmlns:p14="http://schemas.microsoft.com/office/powerpoint/2010/main" Requires="p14">
+        <mc:AlternateContent xmlns:mc="http://schemas.openxmlformats.org/markup-compatibility/2006" xmlns:p14="http://schemas.microsoft.com/office/powerpoint/2010/main">
+          <mc:Choice Requires="p14">
             <p:contentPart p14:bwMode="auto" r:id="rId68">
               <p14:nvContentPartPr>
                 <p14:cNvPr id="114" name="Ink 113">
@@ -9869,7 +9986,7 @@
               </p14:xfrm>
             </p:contentPart>
           </mc:Choice>
-          <mc:Fallback>
+          <mc:Fallback xmlns="">
             <p:pic>
               <p:nvPicPr>
                 <p:cNvPr id="114" name="Ink 113">
@@ -9900,8 +10017,8 @@
             </p:pic>
           </mc:Fallback>
         </mc:AlternateContent>
-        <mc:AlternateContent xmlns:mc="http://schemas.openxmlformats.org/markup-compatibility/2006">
-          <mc:Choice xmlns:p14="http://schemas.microsoft.com/office/powerpoint/2010/main" Requires="p14">
+        <mc:AlternateContent xmlns:mc="http://schemas.openxmlformats.org/markup-compatibility/2006" xmlns:p14="http://schemas.microsoft.com/office/powerpoint/2010/main">
+          <mc:Choice Requires="p14">
             <p:contentPart p14:bwMode="auto" r:id="rId69">
               <p14:nvContentPartPr>
                 <p14:cNvPr id="115" name="Ink 114">
@@ -9920,7 +10037,7 @@
               </p14:xfrm>
             </p:contentPart>
           </mc:Choice>
-          <mc:Fallback>
+          <mc:Fallback xmlns="">
             <p:pic>
               <p:nvPicPr>
                 <p:cNvPr id="115" name="Ink 114">
@@ -9951,8 +10068,8 @@
             </p:pic>
           </mc:Fallback>
         </mc:AlternateContent>
-        <mc:AlternateContent xmlns:mc="http://schemas.openxmlformats.org/markup-compatibility/2006">
-          <mc:Choice xmlns:p14="http://schemas.microsoft.com/office/powerpoint/2010/main" Requires="p14">
+        <mc:AlternateContent xmlns:mc="http://schemas.openxmlformats.org/markup-compatibility/2006" xmlns:p14="http://schemas.microsoft.com/office/powerpoint/2010/main">
+          <mc:Choice Requires="p14">
             <p:contentPart p14:bwMode="auto" r:id="rId70">
               <p14:nvContentPartPr>
                 <p14:cNvPr id="116" name="Ink 115">
@@ -9971,7 +10088,7 @@
               </p14:xfrm>
             </p:contentPart>
           </mc:Choice>
-          <mc:Fallback>
+          <mc:Fallback xmlns="">
             <p:pic>
               <p:nvPicPr>
                 <p:cNvPr id="116" name="Ink 115">
@@ -10002,8 +10119,8 @@
             </p:pic>
           </mc:Fallback>
         </mc:AlternateContent>
-        <mc:AlternateContent xmlns:mc="http://schemas.openxmlformats.org/markup-compatibility/2006">
-          <mc:Choice xmlns:p14="http://schemas.microsoft.com/office/powerpoint/2010/main" Requires="p14">
+        <mc:AlternateContent xmlns:mc="http://schemas.openxmlformats.org/markup-compatibility/2006" xmlns:p14="http://schemas.microsoft.com/office/powerpoint/2010/main">
+          <mc:Choice Requires="p14">
             <p:contentPart p14:bwMode="auto" r:id="rId71">
               <p14:nvContentPartPr>
                 <p14:cNvPr id="117" name="Ink 116">
@@ -10022,7 +10139,7 @@
               </p14:xfrm>
             </p:contentPart>
           </mc:Choice>
-          <mc:Fallback>
+          <mc:Fallback xmlns="">
             <p:pic>
               <p:nvPicPr>
                 <p:cNvPr id="117" name="Ink 116">
@@ -10053,8 +10170,8 @@
             </p:pic>
           </mc:Fallback>
         </mc:AlternateContent>
-        <mc:AlternateContent xmlns:mc="http://schemas.openxmlformats.org/markup-compatibility/2006">
-          <mc:Choice xmlns:p14="http://schemas.microsoft.com/office/powerpoint/2010/main" Requires="p14">
+        <mc:AlternateContent xmlns:mc="http://schemas.openxmlformats.org/markup-compatibility/2006" xmlns:p14="http://schemas.microsoft.com/office/powerpoint/2010/main">
+          <mc:Choice Requires="p14">
             <p:contentPart p14:bwMode="auto" r:id="rId72">
               <p14:nvContentPartPr>
                 <p14:cNvPr id="118" name="Ink 117">
@@ -10073,7 +10190,7 @@
               </p14:xfrm>
             </p:contentPart>
           </mc:Choice>
-          <mc:Fallback>
+          <mc:Fallback xmlns="">
             <p:pic>
               <p:nvPicPr>
                 <p:cNvPr id="118" name="Ink 117">
@@ -10104,8 +10221,8 @@
             </p:pic>
           </mc:Fallback>
         </mc:AlternateContent>
-        <mc:AlternateContent xmlns:mc="http://schemas.openxmlformats.org/markup-compatibility/2006">
-          <mc:Choice xmlns:p14="http://schemas.microsoft.com/office/powerpoint/2010/main" Requires="p14">
+        <mc:AlternateContent xmlns:mc="http://schemas.openxmlformats.org/markup-compatibility/2006" xmlns:p14="http://schemas.microsoft.com/office/powerpoint/2010/main">
+          <mc:Choice Requires="p14">
             <p:contentPart p14:bwMode="auto" r:id="rId73">
               <p14:nvContentPartPr>
                 <p14:cNvPr id="119" name="Ink 118">
@@ -10124,7 +10241,7 @@
               </p14:xfrm>
             </p:contentPart>
           </mc:Choice>
-          <mc:Fallback>
+          <mc:Fallback xmlns="">
             <p:pic>
               <p:nvPicPr>
                 <p:cNvPr id="119" name="Ink 118">
@@ -10458,8 +10575,8 @@
             <a:chExt cx="8344800" cy="176040"/>
           </a:xfrm>
         </p:grpSpPr>
-        <mc:AlternateContent xmlns:mc="http://schemas.openxmlformats.org/markup-compatibility/2006">
-          <mc:Choice xmlns:p14="http://schemas.microsoft.com/office/powerpoint/2010/main" Requires="p14">
+        <mc:AlternateContent xmlns:mc="http://schemas.openxmlformats.org/markup-compatibility/2006" xmlns:p14="http://schemas.microsoft.com/office/powerpoint/2010/main">
+          <mc:Choice Requires="p14">
             <p:contentPart p14:bwMode="auto" r:id="rId2">
               <p14:nvContentPartPr>
                 <p14:cNvPr id="28" name="Ink 27">
@@ -10478,7 +10595,7 @@
               </p14:xfrm>
             </p:contentPart>
           </mc:Choice>
-          <mc:Fallback>
+          <mc:Fallback xmlns="">
             <p:pic>
               <p:nvPicPr>
                 <p:cNvPr id="28" name="Ink 27">
@@ -10509,8 +10626,8 @@
             </p:pic>
           </mc:Fallback>
         </mc:AlternateContent>
-        <mc:AlternateContent xmlns:mc="http://schemas.openxmlformats.org/markup-compatibility/2006">
-          <mc:Choice xmlns:p14="http://schemas.microsoft.com/office/powerpoint/2010/main" Requires="p14">
+        <mc:AlternateContent xmlns:mc="http://schemas.openxmlformats.org/markup-compatibility/2006" xmlns:p14="http://schemas.microsoft.com/office/powerpoint/2010/main">
+          <mc:Choice Requires="p14">
             <p:contentPart p14:bwMode="auto" r:id="rId4">
               <p14:nvContentPartPr>
                 <p14:cNvPr id="29" name="Ink 28">
@@ -10529,7 +10646,7 @@
               </p14:xfrm>
             </p:contentPart>
           </mc:Choice>
-          <mc:Fallback>
+          <mc:Fallback xmlns="">
             <p:pic>
               <p:nvPicPr>
                 <p:cNvPr id="29" name="Ink 28">
@@ -10561,8 +10678,8 @@
           </mc:Fallback>
         </mc:AlternateContent>
       </p:grpSp>
-      <mc:AlternateContent xmlns:mc="http://schemas.openxmlformats.org/markup-compatibility/2006">
-        <mc:Choice xmlns:p14="http://schemas.microsoft.com/office/powerpoint/2010/main" Requires="p14">
+      <mc:AlternateContent xmlns:mc="http://schemas.openxmlformats.org/markup-compatibility/2006" xmlns:p14="http://schemas.microsoft.com/office/powerpoint/2010/main">
+        <mc:Choice Requires="p14">
           <p:contentPart p14:bwMode="auto" r:id="rId6">
             <p14:nvContentPartPr>
               <p14:cNvPr id="31" name="Ink 30">
@@ -10581,7 +10698,7 @@
             </p14:xfrm>
           </p:contentPart>
         </mc:Choice>
-        <mc:Fallback>
+        <mc:Fallback xmlns="">
           <p:pic>
             <p:nvPicPr>
               <p:cNvPr id="31" name="Ink 30">
@@ -10612,8 +10729,8 @@
           </p:pic>
         </mc:Fallback>
       </mc:AlternateContent>
-      <mc:AlternateContent xmlns:mc="http://schemas.openxmlformats.org/markup-compatibility/2006">
-        <mc:Choice xmlns:p14="http://schemas.microsoft.com/office/powerpoint/2010/main" Requires="p14">
+      <mc:AlternateContent xmlns:mc="http://schemas.openxmlformats.org/markup-compatibility/2006" xmlns:p14="http://schemas.microsoft.com/office/powerpoint/2010/main">
+        <mc:Choice Requires="p14">
           <p:contentPart p14:bwMode="auto" r:id="rId8">
             <p14:nvContentPartPr>
               <p14:cNvPr id="32" name="Ink 31">
@@ -10632,7 +10749,7 @@
             </p14:xfrm>
           </p:contentPart>
         </mc:Choice>
-        <mc:Fallback>
+        <mc:Fallback xmlns="">
           <p:pic>
             <p:nvPicPr>
               <p:cNvPr id="32" name="Ink 31">
@@ -10663,8 +10780,8 @@
           </p:pic>
         </mc:Fallback>
       </mc:AlternateContent>
-      <mc:AlternateContent xmlns:mc="http://schemas.openxmlformats.org/markup-compatibility/2006">
-        <mc:Choice xmlns:p14="http://schemas.microsoft.com/office/powerpoint/2010/main" Requires="p14">
+      <mc:AlternateContent xmlns:mc="http://schemas.openxmlformats.org/markup-compatibility/2006" xmlns:p14="http://schemas.microsoft.com/office/powerpoint/2010/main">
+        <mc:Choice Requires="p14">
           <p:contentPart p14:bwMode="auto" r:id="rId10">
             <p14:nvContentPartPr>
               <p14:cNvPr id="33" name="Ink 32">
@@ -10683,7 +10800,7 @@
             </p14:xfrm>
           </p:contentPart>
         </mc:Choice>
-        <mc:Fallback>
+        <mc:Fallback xmlns="">
           <p:pic>
             <p:nvPicPr>
               <p:cNvPr id="33" name="Ink 32">
@@ -10714,8 +10831,8 @@
           </p:pic>
         </mc:Fallback>
       </mc:AlternateContent>
-      <mc:AlternateContent xmlns:mc="http://schemas.openxmlformats.org/markup-compatibility/2006">
-        <mc:Choice xmlns:p14="http://schemas.microsoft.com/office/powerpoint/2010/main" Requires="p14">
+      <mc:AlternateContent xmlns:mc="http://schemas.openxmlformats.org/markup-compatibility/2006" xmlns:p14="http://schemas.microsoft.com/office/powerpoint/2010/main">
+        <mc:Choice Requires="p14">
           <p:contentPart p14:bwMode="auto" r:id="rId12">
             <p14:nvContentPartPr>
               <p14:cNvPr id="34" name="Ink 33">
@@ -10734,7 +10851,7 @@
             </p14:xfrm>
           </p:contentPart>
         </mc:Choice>
-        <mc:Fallback>
+        <mc:Fallback xmlns="">
           <p:pic>
             <p:nvPicPr>
               <p:cNvPr id="34" name="Ink 33">
@@ -10765,8 +10882,8 @@
           </p:pic>
         </mc:Fallback>
       </mc:AlternateContent>
-      <mc:AlternateContent xmlns:mc="http://schemas.openxmlformats.org/markup-compatibility/2006">
-        <mc:Choice xmlns:p14="http://schemas.microsoft.com/office/powerpoint/2010/main" Requires="p14">
+      <mc:AlternateContent xmlns:mc="http://schemas.openxmlformats.org/markup-compatibility/2006" xmlns:p14="http://schemas.microsoft.com/office/powerpoint/2010/main">
+        <mc:Choice Requires="p14">
           <p:contentPart p14:bwMode="auto" r:id="rId14">
             <p14:nvContentPartPr>
               <p14:cNvPr id="35" name="Ink 34">
@@ -10785,7 +10902,7 @@
             </p14:xfrm>
           </p:contentPart>
         </mc:Choice>
-        <mc:Fallback>
+        <mc:Fallback xmlns="">
           <p:pic>
             <p:nvPicPr>
               <p:cNvPr id="35" name="Ink 34">
@@ -10816,8 +10933,8 @@
           </p:pic>
         </mc:Fallback>
       </mc:AlternateContent>
-      <mc:AlternateContent xmlns:mc="http://schemas.openxmlformats.org/markup-compatibility/2006">
-        <mc:Choice xmlns:p14="http://schemas.microsoft.com/office/powerpoint/2010/main" Requires="p14">
+      <mc:AlternateContent xmlns:mc="http://schemas.openxmlformats.org/markup-compatibility/2006" xmlns:p14="http://schemas.microsoft.com/office/powerpoint/2010/main">
+        <mc:Choice Requires="p14">
           <p:contentPart p14:bwMode="auto" r:id="rId16">
             <p14:nvContentPartPr>
               <p14:cNvPr id="36" name="Ink 35">
@@ -10836,7 +10953,7 @@
             </p14:xfrm>
           </p:contentPart>
         </mc:Choice>
-        <mc:Fallback>
+        <mc:Fallback xmlns="">
           <p:pic>
             <p:nvPicPr>
               <p:cNvPr id="36" name="Ink 35">
@@ -11047,8 +11164,8 @@
           </a:p>
         </p:txBody>
       </p:sp>
-      <mc:AlternateContent xmlns:mc="http://schemas.openxmlformats.org/markup-compatibility/2006">
-        <mc:Choice xmlns:p14="http://schemas.microsoft.com/office/powerpoint/2010/main" Requires="p14">
+      <mc:AlternateContent xmlns:mc="http://schemas.openxmlformats.org/markup-compatibility/2006" xmlns:p14="http://schemas.microsoft.com/office/powerpoint/2010/main">
+        <mc:Choice Requires="p14">
           <p:contentPart p14:bwMode="auto" r:id="rId18">
             <p14:nvContentPartPr>
               <p14:cNvPr id="48" name="Ink 47">
@@ -11067,7 +11184,7 @@
             </p14:xfrm>
           </p:contentPart>
         </mc:Choice>
-        <mc:Fallback>
+        <mc:Fallback xmlns="">
           <p:pic>
             <p:nvPicPr>
               <p:cNvPr id="48" name="Ink 47">
@@ -11098,8 +11215,8 @@
           </p:pic>
         </mc:Fallback>
       </mc:AlternateContent>
-      <mc:AlternateContent xmlns:mc="http://schemas.openxmlformats.org/markup-compatibility/2006">
-        <mc:Choice xmlns:p14="http://schemas.microsoft.com/office/powerpoint/2010/main" Requires="p14">
+      <mc:AlternateContent xmlns:mc="http://schemas.openxmlformats.org/markup-compatibility/2006" xmlns:p14="http://schemas.microsoft.com/office/powerpoint/2010/main">
+        <mc:Choice Requires="p14">
           <p:contentPart p14:bwMode="auto" r:id="rId20">
             <p14:nvContentPartPr>
               <p14:cNvPr id="49" name="Ink 48">
@@ -11118,7 +11235,7 @@
             </p14:xfrm>
           </p:contentPart>
         </mc:Choice>
-        <mc:Fallback>
+        <mc:Fallback xmlns="">
           <p:pic>
             <p:nvPicPr>
               <p:cNvPr id="49" name="Ink 48">
@@ -11149,8 +11266,8 @@
           </p:pic>
         </mc:Fallback>
       </mc:AlternateContent>
-      <mc:AlternateContent xmlns:mc="http://schemas.openxmlformats.org/markup-compatibility/2006">
-        <mc:Choice xmlns:p14="http://schemas.microsoft.com/office/powerpoint/2010/main" Requires="p14">
+      <mc:AlternateContent xmlns:mc="http://schemas.openxmlformats.org/markup-compatibility/2006" xmlns:p14="http://schemas.microsoft.com/office/powerpoint/2010/main">
+        <mc:Choice Requires="p14">
           <p:contentPart p14:bwMode="auto" r:id="rId22">
             <p14:nvContentPartPr>
               <p14:cNvPr id="51" name="Ink 50">
@@ -11169,7 +11286,7 @@
             </p14:xfrm>
           </p:contentPart>
         </mc:Choice>
-        <mc:Fallback>
+        <mc:Fallback xmlns="">
           <p:pic>
             <p:nvPicPr>
               <p:cNvPr id="51" name="Ink 50">
@@ -11200,8 +11317,8 @@
           </p:pic>
         </mc:Fallback>
       </mc:AlternateContent>
-      <mc:AlternateContent xmlns:mc="http://schemas.openxmlformats.org/markup-compatibility/2006">
-        <mc:Choice xmlns:p14="http://schemas.microsoft.com/office/powerpoint/2010/main" Requires="p14">
+      <mc:AlternateContent xmlns:mc="http://schemas.openxmlformats.org/markup-compatibility/2006" xmlns:p14="http://schemas.microsoft.com/office/powerpoint/2010/main">
+        <mc:Choice Requires="p14">
           <p:contentPart p14:bwMode="auto" r:id="rId24">
             <p14:nvContentPartPr>
               <p14:cNvPr id="52" name="Ink 51">
@@ -11220,7 +11337,7 @@
             </p14:xfrm>
           </p:contentPart>
         </mc:Choice>
-        <mc:Fallback>
+        <mc:Fallback xmlns="">
           <p:pic>
             <p:nvPicPr>
               <p:cNvPr id="52" name="Ink 51">
@@ -11251,8 +11368,8 @@
           </p:pic>
         </mc:Fallback>
       </mc:AlternateContent>
-      <mc:AlternateContent xmlns:mc="http://schemas.openxmlformats.org/markup-compatibility/2006">
-        <mc:Choice xmlns:p14="http://schemas.microsoft.com/office/powerpoint/2010/main" Requires="p14">
+      <mc:AlternateContent xmlns:mc="http://schemas.openxmlformats.org/markup-compatibility/2006" xmlns:p14="http://schemas.microsoft.com/office/powerpoint/2010/main">
+        <mc:Choice Requires="p14">
           <p:contentPart p14:bwMode="auto" r:id="rId26">
             <p14:nvContentPartPr>
               <p14:cNvPr id="53" name="Ink 52">
@@ -11271,7 +11388,7 @@
             </p14:xfrm>
           </p:contentPart>
         </mc:Choice>
-        <mc:Fallback>
+        <mc:Fallback xmlns="">
           <p:pic>
             <p:nvPicPr>
               <p:cNvPr id="53" name="Ink 52">
@@ -11302,8 +11419,8 @@
           </p:pic>
         </mc:Fallback>
       </mc:AlternateContent>
-      <mc:AlternateContent xmlns:mc="http://schemas.openxmlformats.org/markup-compatibility/2006">
-        <mc:Choice xmlns:p14="http://schemas.microsoft.com/office/powerpoint/2010/main" Requires="p14">
+      <mc:AlternateContent xmlns:mc="http://schemas.openxmlformats.org/markup-compatibility/2006" xmlns:p14="http://schemas.microsoft.com/office/powerpoint/2010/main">
+        <mc:Choice Requires="p14">
           <p:contentPart p14:bwMode="auto" r:id="rId28">
             <p14:nvContentPartPr>
               <p14:cNvPr id="55" name="Ink 54">
@@ -11322,7 +11439,7 @@
             </p14:xfrm>
           </p:contentPart>
         </mc:Choice>
-        <mc:Fallback>
+        <mc:Fallback xmlns="">
           <p:pic>
             <p:nvPicPr>
               <p:cNvPr id="55" name="Ink 54">
@@ -11383,8 +11500,8 @@
           <a:chExt cx="0" cy="0"/>
         </a:xfrm>
       </p:grpSpPr>
-      <mc:AlternateContent xmlns:mc="http://schemas.openxmlformats.org/markup-compatibility/2006">
-        <mc:Choice xmlns:p14="http://schemas.microsoft.com/office/powerpoint/2010/main" Requires="p14">
+      <mc:AlternateContent xmlns:mc="http://schemas.openxmlformats.org/markup-compatibility/2006" xmlns:p14="http://schemas.microsoft.com/office/powerpoint/2010/main">
+        <mc:Choice Requires="p14">
           <p:contentPart p14:bwMode="auto" r:id="rId2">
             <p14:nvContentPartPr>
               <p14:cNvPr id="17" name="Ink 16">
@@ -11403,7 +11520,7 @@
             </p14:xfrm>
           </p:contentPart>
         </mc:Choice>
-        <mc:Fallback>
+        <mc:Fallback xmlns="">
           <p:pic>
             <p:nvPicPr>
               <p:cNvPr id="17" name="Ink 16">
@@ -11434,8 +11551,8 @@
           </p:pic>
         </mc:Fallback>
       </mc:AlternateContent>
-      <mc:AlternateContent xmlns:mc="http://schemas.openxmlformats.org/markup-compatibility/2006">
-        <mc:Choice xmlns:p14="http://schemas.microsoft.com/office/powerpoint/2010/main" Requires="p14">
+      <mc:AlternateContent xmlns:mc="http://schemas.openxmlformats.org/markup-compatibility/2006" xmlns:p14="http://schemas.microsoft.com/office/powerpoint/2010/main">
+        <mc:Choice Requires="p14">
           <p:contentPart p14:bwMode="auto" r:id="rId4">
             <p14:nvContentPartPr>
               <p14:cNvPr id="19" name="Ink 18">
@@ -11454,7 +11571,7 @@
             </p14:xfrm>
           </p:contentPart>
         </mc:Choice>
-        <mc:Fallback>
+        <mc:Fallback xmlns="">
           <p:pic>
             <p:nvPicPr>
               <p:cNvPr id="19" name="Ink 18">
@@ -11485,60 +11602,9 @@
           </p:pic>
         </mc:Fallback>
       </mc:AlternateContent>
-      <mc:AlternateContent xmlns:mc="http://schemas.openxmlformats.org/markup-compatibility/2006">
-        <mc:Choice xmlns:p14="http://schemas.microsoft.com/office/powerpoint/2010/main" Requires="p14">
+      <mc:AlternateContent xmlns:mc="http://schemas.openxmlformats.org/markup-compatibility/2006" xmlns:p14="http://schemas.microsoft.com/office/powerpoint/2010/main">
+        <mc:Choice Requires="p14">
           <p:contentPart p14:bwMode="auto" r:id="rId6">
-            <p14:nvContentPartPr>
-              <p14:cNvPr id="26" name="Ink 25">
-                <a:extLst>
-                  <a:ext uri="{FF2B5EF4-FFF2-40B4-BE49-F238E27FC236}">
-                    <a16:creationId xmlns:a16="http://schemas.microsoft.com/office/drawing/2014/main" id="{D4F05021-20F2-102E-4225-F875688F2D53}"/>
-                  </a:ext>
-                </a:extLst>
-              </p14:cNvPr>
-              <p14:cNvContentPartPr/>
-              <p14:nvPr/>
-            </p14:nvContentPartPr>
-            <p14:xfrm>
-              <a:off x="3014567" y="1964916"/>
-              <a:ext cx="282240" cy="783720"/>
-            </p14:xfrm>
-          </p:contentPart>
-        </mc:Choice>
-        <mc:Fallback>
-          <p:pic>
-            <p:nvPicPr>
-              <p:cNvPr id="26" name="Ink 25">
-                <a:extLst>
-                  <a:ext uri="{FF2B5EF4-FFF2-40B4-BE49-F238E27FC236}">
-                    <a16:creationId xmlns:a16="http://schemas.microsoft.com/office/drawing/2014/main" id="{D4F05021-20F2-102E-4225-F875688F2D53}"/>
-                  </a:ext>
-                </a:extLst>
-              </p:cNvPr>
-              <p:cNvPicPr/>
-              <p:nvPr/>
-            </p:nvPicPr>
-            <p:blipFill>
-              <a:blip r:embed="rId7"/>
-              <a:stretch>
-                <a:fillRect/>
-              </a:stretch>
-            </p:blipFill>
-            <p:spPr>
-              <a:xfrm>
-                <a:off x="2996567" y="1947276"/>
-                <a:ext cx="317880" cy="819360"/>
-              </a:xfrm>
-              <a:prstGeom prst="rect">
-                <a:avLst/>
-              </a:prstGeom>
-            </p:spPr>
-          </p:pic>
-        </mc:Fallback>
-      </mc:AlternateContent>
-      <mc:AlternateContent xmlns:mc="http://schemas.openxmlformats.org/markup-compatibility/2006">
-        <mc:Choice xmlns:p14="http://schemas.microsoft.com/office/powerpoint/2010/main" Requires="p14">
-          <p:contentPart p14:bwMode="auto" r:id="rId8">
             <p14:nvContentPartPr>
               <p14:cNvPr id="20" name="Ink 19">
                 <a:extLst>
@@ -11556,7 +11622,7 @@
             </p14:xfrm>
           </p:contentPart>
         </mc:Choice>
-        <mc:Fallback>
+        <mc:Fallback xmlns="">
           <p:pic>
             <p:nvPicPr>
               <p:cNvPr id="20" name="Ink 19">
@@ -11587,8 +11653,8 @@
           </p:pic>
         </mc:Fallback>
       </mc:AlternateContent>
-      <mc:AlternateContent xmlns:mc="http://schemas.openxmlformats.org/markup-compatibility/2006">
-        <mc:Choice xmlns:p14="http://schemas.microsoft.com/office/powerpoint/2010/main" Requires="p14">
+      <mc:AlternateContent xmlns:mc="http://schemas.openxmlformats.org/markup-compatibility/2006" xmlns:p14="http://schemas.microsoft.com/office/powerpoint/2010/main">
+        <mc:Choice Requires="p14">
           <p:contentPart p14:bwMode="auto" r:id="rId10">
             <p14:nvContentPartPr>
               <p14:cNvPr id="21" name="Ink 20">
@@ -11607,7 +11673,7 @@
             </p14:xfrm>
           </p:contentPart>
         </mc:Choice>
-        <mc:Fallback>
+        <mc:Fallback xmlns="">
           <p:pic>
             <p:nvPicPr>
               <p:cNvPr id="21" name="Ink 20">
@@ -11638,8 +11704,8 @@
           </p:pic>
         </mc:Fallback>
       </mc:AlternateContent>
-      <mc:AlternateContent xmlns:mc="http://schemas.openxmlformats.org/markup-compatibility/2006">
-        <mc:Choice xmlns:p14="http://schemas.microsoft.com/office/powerpoint/2010/main" Requires="p14">
+      <mc:AlternateContent xmlns:mc="http://schemas.openxmlformats.org/markup-compatibility/2006" xmlns:p14="http://schemas.microsoft.com/office/powerpoint/2010/main">
+        <mc:Choice Requires="p14">
           <p:contentPart p14:bwMode="auto" r:id="rId12">
             <p14:nvContentPartPr>
               <p14:cNvPr id="22" name="Ink 21">
@@ -11658,7 +11724,7 @@
             </p14:xfrm>
           </p:contentPart>
         </mc:Choice>
-        <mc:Fallback>
+        <mc:Fallback xmlns="">
           <p:pic>
             <p:nvPicPr>
               <p:cNvPr id="22" name="Ink 21">
@@ -11689,8 +11755,8 @@
           </p:pic>
         </mc:Fallback>
       </mc:AlternateContent>
-      <mc:AlternateContent xmlns:mc="http://schemas.openxmlformats.org/markup-compatibility/2006">
-        <mc:Choice xmlns:p14="http://schemas.microsoft.com/office/powerpoint/2010/main" Requires="p14">
+      <mc:AlternateContent xmlns:mc="http://schemas.openxmlformats.org/markup-compatibility/2006" xmlns:p14="http://schemas.microsoft.com/office/powerpoint/2010/main">
+        <mc:Choice Requires="p14">
           <p:contentPart p14:bwMode="auto" r:id="rId14">
             <p14:nvContentPartPr>
               <p14:cNvPr id="23" name="Ink 22">
@@ -11709,7 +11775,7 @@
             </p14:xfrm>
           </p:contentPart>
         </mc:Choice>
-        <mc:Fallback>
+        <mc:Fallback xmlns="">
           <p:pic>
             <p:nvPicPr>
               <p:cNvPr id="23" name="Ink 22">
@@ -11740,8 +11806,8 @@
           </p:pic>
         </mc:Fallback>
       </mc:AlternateContent>
-      <mc:AlternateContent xmlns:mc="http://schemas.openxmlformats.org/markup-compatibility/2006">
-        <mc:Choice xmlns:p14="http://schemas.microsoft.com/office/powerpoint/2010/main" Requires="p14">
+      <mc:AlternateContent xmlns:mc="http://schemas.openxmlformats.org/markup-compatibility/2006" xmlns:p14="http://schemas.microsoft.com/office/powerpoint/2010/main">
+        <mc:Choice Requires="p14">
           <p:contentPart p14:bwMode="auto" r:id="rId16">
             <p14:nvContentPartPr>
               <p14:cNvPr id="24" name="Ink 23">
@@ -11760,7 +11826,7 @@
             </p14:xfrm>
           </p:contentPart>
         </mc:Choice>
-        <mc:Fallback>
+        <mc:Fallback xmlns="">
           <p:pic>
             <p:nvPicPr>
               <p:cNvPr id="24" name="Ink 23">
@@ -11791,8 +11857,8 @@
           </p:pic>
         </mc:Fallback>
       </mc:AlternateContent>
-      <mc:AlternateContent xmlns:mc="http://schemas.openxmlformats.org/markup-compatibility/2006">
-        <mc:Choice xmlns:p14="http://schemas.microsoft.com/office/powerpoint/2010/main" Requires="p14">
+      <mc:AlternateContent xmlns:mc="http://schemas.openxmlformats.org/markup-compatibility/2006" xmlns:p14="http://schemas.microsoft.com/office/powerpoint/2010/main">
+        <mc:Choice Requires="p14">
           <p:contentPart p14:bwMode="auto" r:id="rId18">
             <p14:nvContentPartPr>
               <p14:cNvPr id="28" name="Ink 27">
@@ -11811,7 +11877,7 @@
             </p14:xfrm>
           </p:contentPart>
         </mc:Choice>
-        <mc:Fallback>
+        <mc:Fallback xmlns="">
           <p:pic>
             <p:nvPicPr>
               <p:cNvPr id="28" name="Ink 27">
@@ -11893,7 +11959,7 @@
         <p:spPr>
           <a:xfrm>
             <a:off x="3296807" y="1644277"/>
-            <a:ext cx="1668385" cy="1477328"/>
+            <a:ext cx="1668385" cy="2031325"/>
           </a:xfrm>
           <a:prstGeom prst="rect">
             <a:avLst/>
@@ -11908,7 +11974,7 @@
           <a:p>
             <a:r>
               <a:rPr lang="en-US" dirty="0"/>
-              <a:t>Individual measures (including measurement error)</a:t>
+              <a:t>Standard deviation of individual measures (including measurement error)</a:t>
             </a:r>
           </a:p>
         </p:txBody>
@@ -11949,8 +12015,8 @@
           </a:p>
         </p:txBody>
       </p:sp>
-      <mc:AlternateContent xmlns:mc="http://schemas.openxmlformats.org/markup-compatibility/2006">
-        <mc:Choice xmlns:p14="http://schemas.microsoft.com/office/powerpoint/2010/main" Requires="p14">
+      <mc:AlternateContent xmlns:mc="http://schemas.openxmlformats.org/markup-compatibility/2006" xmlns:p14="http://schemas.microsoft.com/office/powerpoint/2010/main">
+        <mc:Choice Requires="p14">
           <p:contentPart p14:bwMode="auto" r:id="rId20">
             <p14:nvContentPartPr>
               <p14:cNvPr id="33" name="Ink 32">
@@ -11969,7 +12035,7 @@
             </p14:xfrm>
           </p:contentPart>
         </mc:Choice>
-        <mc:Fallback>
+        <mc:Fallback xmlns="">
           <p:pic>
             <p:nvPicPr>
               <p:cNvPr id="33" name="Ink 32">
@@ -12055,8 +12121,8 @@
             <a:chExt cx="209880" cy="2131200"/>
           </a:xfrm>
         </p:grpSpPr>
-        <mc:AlternateContent xmlns:mc="http://schemas.openxmlformats.org/markup-compatibility/2006">
-          <mc:Choice xmlns:p14="http://schemas.microsoft.com/office/powerpoint/2010/main" Requires="p14">
+        <mc:AlternateContent xmlns:mc="http://schemas.openxmlformats.org/markup-compatibility/2006" xmlns:p14="http://schemas.microsoft.com/office/powerpoint/2010/main">
+          <mc:Choice Requires="p14">
             <p:contentPart p14:bwMode="auto" r:id="rId22">
               <p14:nvContentPartPr>
                 <p14:cNvPr id="40" name="Ink 39">
@@ -12075,7 +12141,7 @@
               </p14:xfrm>
             </p:contentPart>
           </mc:Choice>
-          <mc:Fallback>
+          <mc:Fallback xmlns="">
             <p:pic>
               <p:nvPicPr>
                 <p:cNvPr id="40" name="Ink 39">
@@ -12106,8 +12172,8 @@
             </p:pic>
           </mc:Fallback>
         </mc:AlternateContent>
-        <mc:AlternateContent xmlns:mc="http://schemas.openxmlformats.org/markup-compatibility/2006">
-          <mc:Choice xmlns:p14="http://schemas.microsoft.com/office/powerpoint/2010/main" Requires="p14">
+        <mc:AlternateContent xmlns:mc="http://schemas.openxmlformats.org/markup-compatibility/2006" xmlns:p14="http://schemas.microsoft.com/office/powerpoint/2010/main">
+          <mc:Choice Requires="p14">
             <p:contentPart p14:bwMode="auto" r:id="rId24">
               <p14:nvContentPartPr>
                 <p14:cNvPr id="41" name="Ink 40">
@@ -12126,7 +12192,7 @@
               </p14:xfrm>
             </p:contentPart>
           </mc:Choice>
-          <mc:Fallback>
+          <mc:Fallback xmlns="">
             <p:pic>
               <p:nvPicPr>
                 <p:cNvPr id="41" name="Ink 40">
@@ -12158,8 +12224,8 @@
           </mc:Fallback>
         </mc:AlternateContent>
       </p:grpSp>
-      <mc:AlternateContent xmlns:mc="http://schemas.openxmlformats.org/markup-compatibility/2006">
-        <mc:Choice xmlns:p14="http://schemas.microsoft.com/office/powerpoint/2010/main" Requires="p14">
+      <mc:AlternateContent xmlns:mc="http://schemas.openxmlformats.org/markup-compatibility/2006" xmlns:p14="http://schemas.microsoft.com/office/powerpoint/2010/main">
+        <mc:Choice Requires="p14">
           <p:contentPart p14:bwMode="auto" r:id="rId26">
             <p14:nvContentPartPr>
               <p14:cNvPr id="43" name="Ink 42">
@@ -12178,7 +12244,7 @@
             </p14:xfrm>
           </p:contentPart>
         </mc:Choice>
-        <mc:Fallback>
+        <mc:Fallback xmlns="">
           <p:pic>
             <p:nvPicPr>
               <p:cNvPr id="43" name="Ink 42">
@@ -12229,8 +12295,8 @@
             <a:chExt cx="209880" cy="2131200"/>
           </a:xfrm>
         </p:grpSpPr>
-        <mc:AlternateContent xmlns:mc="http://schemas.openxmlformats.org/markup-compatibility/2006">
-          <mc:Choice xmlns:p14="http://schemas.microsoft.com/office/powerpoint/2010/main" Requires="p14">
+        <mc:AlternateContent xmlns:mc="http://schemas.openxmlformats.org/markup-compatibility/2006" xmlns:p14="http://schemas.microsoft.com/office/powerpoint/2010/main">
+          <mc:Choice Requires="p14">
             <p:contentPart p14:bwMode="auto" r:id="rId28">
               <p14:nvContentPartPr>
                 <p14:cNvPr id="46" name="Ink 45">
@@ -12249,7 +12315,7 @@
               </p14:xfrm>
             </p:contentPart>
           </mc:Choice>
-          <mc:Fallback>
+          <mc:Fallback xmlns="">
             <p:pic>
               <p:nvPicPr>
                 <p:cNvPr id="46" name="Ink 45">
@@ -12280,8 +12346,8 @@
             </p:pic>
           </mc:Fallback>
         </mc:AlternateContent>
-        <mc:AlternateContent xmlns:mc="http://schemas.openxmlformats.org/markup-compatibility/2006">
-          <mc:Choice xmlns:p14="http://schemas.microsoft.com/office/powerpoint/2010/main" Requires="p14">
+        <mc:AlternateContent xmlns:mc="http://schemas.openxmlformats.org/markup-compatibility/2006" xmlns:p14="http://schemas.microsoft.com/office/powerpoint/2010/main">
+          <mc:Choice Requires="p14">
             <p:contentPart p14:bwMode="auto" r:id="rId29">
               <p14:nvContentPartPr>
                 <p14:cNvPr id="47" name="Ink 46">
@@ -12300,7 +12366,7 @@
               </p14:xfrm>
             </p:contentPart>
           </mc:Choice>
-          <mc:Fallback>
+          <mc:Fallback xmlns="">
             <p:pic>
               <p:nvPicPr>
                 <p:cNvPr id="47" name="Ink 46">
@@ -12332,8 +12398,8 @@
           </mc:Fallback>
         </mc:AlternateContent>
       </p:grpSp>
-      <mc:AlternateContent xmlns:mc="http://schemas.openxmlformats.org/markup-compatibility/2006">
-        <mc:Choice xmlns:p14="http://schemas.microsoft.com/office/powerpoint/2010/main" Requires="p14">
+      <mc:AlternateContent xmlns:mc="http://schemas.openxmlformats.org/markup-compatibility/2006" xmlns:p14="http://schemas.microsoft.com/office/powerpoint/2010/main">
+        <mc:Choice Requires="p14">
           <p:contentPart p14:bwMode="auto" r:id="rId30">
             <p14:nvContentPartPr>
               <p14:cNvPr id="48" name="Ink 47">
@@ -12352,7 +12418,7 @@
             </p14:xfrm>
           </p:contentPart>
         </mc:Choice>
-        <mc:Fallback>
+        <mc:Fallback xmlns="">
           <p:pic>
             <p:nvPicPr>
               <p:cNvPr id="48" name="Ink 47">
@@ -12383,8 +12449,8 @@
           </p:pic>
         </mc:Fallback>
       </mc:AlternateContent>
-      <mc:AlternateContent xmlns:mc="http://schemas.openxmlformats.org/markup-compatibility/2006">
-        <mc:Choice xmlns:p14="http://schemas.microsoft.com/office/powerpoint/2010/main" Requires="p14">
+      <mc:AlternateContent xmlns:mc="http://schemas.openxmlformats.org/markup-compatibility/2006" xmlns:p14="http://schemas.microsoft.com/office/powerpoint/2010/main">
+        <mc:Choice Requires="p14">
           <p:contentPart p14:bwMode="auto" r:id="rId31">
             <p14:nvContentPartPr>
               <p14:cNvPr id="49" name="Ink 48">
@@ -12403,7 +12469,7 @@
             </p14:xfrm>
           </p:contentPart>
         </mc:Choice>
-        <mc:Fallback>
+        <mc:Fallback xmlns="">
           <p:pic>
             <p:nvPicPr>
               <p:cNvPr id="49" name="Ink 48">
@@ -12434,8 +12500,8 @@
           </p:pic>
         </mc:Fallback>
       </mc:AlternateContent>
-      <mc:AlternateContent xmlns:mc="http://schemas.openxmlformats.org/markup-compatibility/2006">
-        <mc:Choice xmlns:p14="http://schemas.microsoft.com/office/powerpoint/2010/main" Requires="p14">
+      <mc:AlternateContent xmlns:mc="http://schemas.openxmlformats.org/markup-compatibility/2006" xmlns:p14="http://schemas.microsoft.com/office/powerpoint/2010/main">
+        <mc:Choice Requires="p14">
           <p:contentPart p14:bwMode="auto" r:id="rId33">
             <p14:nvContentPartPr>
               <p14:cNvPr id="50" name="Ink 49">
@@ -12454,7 +12520,7 @@
             </p14:xfrm>
           </p:contentPart>
         </mc:Choice>
-        <mc:Fallback>
+        <mc:Fallback xmlns="">
           <p:pic>
             <p:nvPicPr>
               <p:cNvPr id="50" name="Ink 49">
@@ -12485,8 +12551,8 @@
           </p:pic>
         </mc:Fallback>
       </mc:AlternateContent>
-      <mc:AlternateContent xmlns:mc="http://schemas.openxmlformats.org/markup-compatibility/2006">
-        <mc:Choice xmlns:p14="http://schemas.microsoft.com/office/powerpoint/2010/main" Requires="p14">
+      <mc:AlternateContent xmlns:mc="http://schemas.openxmlformats.org/markup-compatibility/2006" xmlns:p14="http://schemas.microsoft.com/office/powerpoint/2010/main">
+        <mc:Choice Requires="p14">
           <p:contentPart p14:bwMode="auto" r:id="rId35">
             <p14:nvContentPartPr>
               <p14:cNvPr id="51" name="Ink 50">
@@ -12505,7 +12571,7 @@
             </p14:xfrm>
           </p:contentPart>
         </mc:Choice>
-        <mc:Fallback>
+        <mc:Fallback xmlns="">
           <p:pic>
             <p:nvPicPr>
               <p:cNvPr id="51" name="Ink 50">
@@ -12536,8 +12602,8 @@
           </p:pic>
         </mc:Fallback>
       </mc:AlternateContent>
-      <mc:AlternateContent xmlns:mc="http://schemas.openxmlformats.org/markup-compatibility/2006">
-        <mc:Choice xmlns:p14="http://schemas.microsoft.com/office/powerpoint/2010/main" Requires="p14">
+      <mc:AlternateContent xmlns:mc="http://schemas.openxmlformats.org/markup-compatibility/2006" xmlns:p14="http://schemas.microsoft.com/office/powerpoint/2010/main">
+        <mc:Choice Requires="p14">
           <p:contentPart p14:bwMode="auto" r:id="rId37">
             <p14:nvContentPartPr>
               <p14:cNvPr id="52" name="Ink 51">
@@ -12556,7 +12622,7 @@
             </p14:xfrm>
           </p:contentPart>
         </mc:Choice>
-        <mc:Fallback>
+        <mc:Fallback xmlns="">
           <p:pic>
             <p:nvPicPr>
               <p:cNvPr id="52" name="Ink 51">
@@ -12587,8 +12653,8 @@
           </p:pic>
         </mc:Fallback>
       </mc:AlternateContent>
-      <mc:AlternateContent xmlns:mc="http://schemas.openxmlformats.org/markup-compatibility/2006">
-        <mc:Choice xmlns:p14="http://schemas.microsoft.com/office/powerpoint/2010/main" Requires="p14">
+      <mc:AlternateContent xmlns:mc="http://schemas.openxmlformats.org/markup-compatibility/2006" xmlns:p14="http://schemas.microsoft.com/office/powerpoint/2010/main">
+        <mc:Choice Requires="p14">
           <p:contentPart p14:bwMode="auto" r:id="rId39">
             <p14:nvContentPartPr>
               <p14:cNvPr id="53" name="Ink 52">
@@ -12607,7 +12673,7 @@
             </p14:xfrm>
           </p:contentPart>
         </mc:Choice>
-        <mc:Fallback>
+        <mc:Fallback xmlns="">
           <p:pic>
             <p:nvPicPr>
               <p:cNvPr id="53" name="Ink 52">
@@ -12638,8 +12704,8 @@
           </p:pic>
         </mc:Fallback>
       </mc:AlternateContent>
-      <mc:AlternateContent xmlns:mc="http://schemas.openxmlformats.org/markup-compatibility/2006">
-        <mc:Choice xmlns:p14="http://schemas.microsoft.com/office/powerpoint/2010/main" Requires="p14">
+      <mc:AlternateContent xmlns:mc="http://schemas.openxmlformats.org/markup-compatibility/2006" xmlns:p14="http://schemas.microsoft.com/office/powerpoint/2010/main">
+        <mc:Choice Requires="p14">
           <p:contentPart p14:bwMode="auto" r:id="rId41">
             <p14:nvContentPartPr>
               <p14:cNvPr id="54" name="Ink 53">
@@ -12658,7 +12724,7 @@
             </p14:xfrm>
           </p:contentPart>
         </mc:Choice>
-        <mc:Fallback>
+        <mc:Fallback xmlns="">
           <p:pic>
             <p:nvPicPr>
               <p:cNvPr id="54" name="Ink 53">
@@ -12689,8 +12755,8 @@
           </p:pic>
         </mc:Fallback>
       </mc:AlternateContent>
-      <mc:AlternateContent xmlns:mc="http://schemas.openxmlformats.org/markup-compatibility/2006">
-        <mc:Choice xmlns:p14="http://schemas.microsoft.com/office/powerpoint/2010/main" Requires="p14">
+      <mc:AlternateContent xmlns:mc="http://schemas.openxmlformats.org/markup-compatibility/2006" xmlns:p14="http://schemas.microsoft.com/office/powerpoint/2010/main">
+        <mc:Choice Requires="p14">
           <p:contentPart p14:bwMode="auto" r:id="rId43">
             <p14:nvContentPartPr>
               <p14:cNvPr id="55" name="Ink 54">
@@ -12709,7 +12775,7 @@
             </p14:xfrm>
           </p:contentPart>
         </mc:Choice>
-        <mc:Fallback>
+        <mc:Fallback xmlns="">
           <p:pic>
             <p:nvPicPr>
               <p:cNvPr id="55" name="Ink 54">
@@ -12740,8 +12806,8 @@
           </p:pic>
         </mc:Fallback>
       </mc:AlternateContent>
-      <mc:AlternateContent xmlns:mc="http://schemas.openxmlformats.org/markup-compatibility/2006">
-        <mc:Choice xmlns:p14="http://schemas.microsoft.com/office/powerpoint/2010/main" Requires="p14">
+      <mc:AlternateContent xmlns:mc="http://schemas.openxmlformats.org/markup-compatibility/2006" xmlns:p14="http://schemas.microsoft.com/office/powerpoint/2010/main">
+        <mc:Choice Requires="p14">
           <p:contentPart p14:bwMode="auto" r:id="rId45">
             <p14:nvContentPartPr>
               <p14:cNvPr id="56" name="Ink 55">
@@ -12760,7 +12826,7 @@
             </p14:xfrm>
           </p:contentPart>
         </mc:Choice>
-        <mc:Fallback>
+        <mc:Fallback xmlns="">
           <p:pic>
             <p:nvPicPr>
               <p:cNvPr id="56" name="Ink 55">
@@ -12791,8 +12857,8 @@
           </p:pic>
         </mc:Fallback>
       </mc:AlternateContent>
-      <mc:AlternateContent xmlns:mc="http://schemas.openxmlformats.org/markup-compatibility/2006">
-        <mc:Choice xmlns:p14="http://schemas.microsoft.com/office/powerpoint/2010/main" Requires="p14">
+      <mc:AlternateContent xmlns:mc="http://schemas.openxmlformats.org/markup-compatibility/2006" xmlns:p14="http://schemas.microsoft.com/office/powerpoint/2010/main">
+        <mc:Choice Requires="p14">
           <p:contentPart p14:bwMode="auto" r:id="rId47">
             <p14:nvContentPartPr>
               <p14:cNvPr id="57" name="Ink 56">
@@ -12811,7 +12877,7 @@
             </p14:xfrm>
           </p:contentPart>
         </mc:Choice>
-        <mc:Fallback>
+        <mc:Fallback xmlns="">
           <p:pic>
             <p:nvPicPr>
               <p:cNvPr id="57" name="Ink 56">
@@ -12842,8 +12908,8 @@
           </p:pic>
         </mc:Fallback>
       </mc:AlternateContent>
-      <mc:AlternateContent xmlns:mc="http://schemas.openxmlformats.org/markup-compatibility/2006">
-        <mc:Choice xmlns:p14="http://schemas.microsoft.com/office/powerpoint/2010/main" Requires="p14">
+      <mc:AlternateContent xmlns:mc="http://schemas.openxmlformats.org/markup-compatibility/2006" xmlns:p14="http://schemas.microsoft.com/office/powerpoint/2010/main">
+        <mc:Choice Requires="p14">
           <p:contentPart p14:bwMode="auto" r:id="rId49">
             <p14:nvContentPartPr>
               <p14:cNvPr id="58" name="Ink 57">
@@ -12862,7 +12928,7 @@
             </p14:xfrm>
           </p:contentPart>
         </mc:Choice>
-        <mc:Fallback>
+        <mc:Fallback xmlns="">
           <p:pic>
             <p:nvPicPr>
               <p:cNvPr id="58" name="Ink 57">
@@ -12928,8 +12994,8 @@
           </a:p>
         </p:txBody>
       </p:sp>
-      <mc:AlternateContent xmlns:mc="http://schemas.openxmlformats.org/markup-compatibility/2006">
-        <mc:Choice xmlns:a14="http://schemas.microsoft.com/office/drawing/2010/main" Requires="a14">
+      <mc:AlternateContent xmlns:mc="http://schemas.openxmlformats.org/markup-compatibility/2006" xmlns:a14="http://schemas.microsoft.com/office/drawing/2010/main">
+        <mc:Choice Requires="a14">
           <p:sp>
             <p:nvSpPr>
               <p:cNvPr id="60" name="TextBox 59">
@@ -12958,6 +13024,7 @@
               </a:bodyPr>
               <a:lstStyle/>
               <a:p>
+                <a:pPr/>
                 <a14:m>
                   <m:oMathPara xmlns:m="http://schemas.openxmlformats.org/officeDocument/2006/math">
                     <m:oMathParaPr>
@@ -13017,7 +13084,7 @@
             </p:txBody>
           </p:sp>
         </mc:Choice>
-        <mc:Fallback>
+        <mc:Fallback xmlns="">
           <p:sp>
             <p:nvSpPr>
               <p:cNvPr id="60" name="TextBox 59">
@@ -13118,8 +13185,8 @@
             <a:chExt cx="1601640" cy="469800"/>
           </a:xfrm>
         </p:grpSpPr>
-        <mc:AlternateContent xmlns:mc="http://schemas.openxmlformats.org/markup-compatibility/2006">
-          <mc:Choice xmlns:p14="http://schemas.microsoft.com/office/powerpoint/2010/main" Requires="p14">
+        <mc:AlternateContent xmlns:mc="http://schemas.openxmlformats.org/markup-compatibility/2006" xmlns:p14="http://schemas.microsoft.com/office/powerpoint/2010/main">
+          <mc:Choice Requires="p14">
             <p:contentPart p14:bwMode="auto" r:id="rId52">
               <p14:nvContentPartPr>
                 <p14:cNvPr id="63" name="Ink 62">
@@ -13138,7 +13205,7 @@
               </p14:xfrm>
             </p:contentPart>
           </mc:Choice>
-          <mc:Fallback>
+          <mc:Fallback xmlns="">
             <p:pic>
               <p:nvPicPr>
                 <p:cNvPr id="63" name="Ink 62">
@@ -13169,8 +13236,8 @@
             </p:pic>
           </mc:Fallback>
         </mc:AlternateContent>
-        <mc:AlternateContent xmlns:mc="http://schemas.openxmlformats.org/markup-compatibility/2006">
-          <mc:Choice xmlns:p14="http://schemas.microsoft.com/office/powerpoint/2010/main" Requires="p14">
+        <mc:AlternateContent xmlns:mc="http://schemas.openxmlformats.org/markup-compatibility/2006" xmlns:p14="http://schemas.microsoft.com/office/powerpoint/2010/main">
+          <mc:Choice Requires="p14">
             <p:contentPart p14:bwMode="auto" r:id="rId54">
               <p14:nvContentPartPr>
                 <p14:cNvPr id="64" name="Ink 63">
@@ -13189,7 +13256,7 @@
               </p14:xfrm>
             </p:contentPart>
           </mc:Choice>
-          <mc:Fallback>
+          <mc:Fallback xmlns="">
             <p:pic>
               <p:nvPicPr>
                 <p:cNvPr id="64" name="Ink 63">
@@ -13221,8 +13288,8 @@
           </mc:Fallback>
         </mc:AlternateContent>
       </p:grpSp>
-      <mc:AlternateContent xmlns:mc="http://schemas.openxmlformats.org/markup-compatibility/2006">
-        <mc:Choice xmlns:p14="http://schemas.microsoft.com/office/powerpoint/2010/main" Requires="p14">
+      <mc:AlternateContent xmlns:mc="http://schemas.openxmlformats.org/markup-compatibility/2006" xmlns:p14="http://schemas.microsoft.com/office/powerpoint/2010/main">
+        <mc:Choice Requires="p14">
           <p:contentPart p14:bwMode="auto" r:id="rId56">
             <p14:nvContentPartPr>
               <p14:cNvPr id="66" name="Ink 65">
@@ -13241,7 +13308,7 @@
             </p14:xfrm>
           </p:contentPart>
         </mc:Choice>
-        <mc:Fallback>
+        <mc:Fallback xmlns="">
           <p:pic>
             <p:nvPicPr>
               <p:cNvPr id="66" name="Ink 65">
@@ -13272,8 +13339,8 @@
           </p:pic>
         </mc:Fallback>
       </mc:AlternateContent>
-      <mc:AlternateContent xmlns:mc="http://schemas.openxmlformats.org/markup-compatibility/2006">
-        <mc:Choice xmlns:p14="http://schemas.microsoft.com/office/powerpoint/2010/main" Requires="p14">
+      <mc:AlternateContent xmlns:mc="http://schemas.openxmlformats.org/markup-compatibility/2006" xmlns:p14="http://schemas.microsoft.com/office/powerpoint/2010/main">
+        <mc:Choice Requires="p14">
           <p:contentPart p14:bwMode="auto" r:id="rId58">
             <p14:nvContentPartPr>
               <p14:cNvPr id="67" name="Ink 66">
@@ -13292,7 +13359,7 @@
             </p14:xfrm>
           </p:contentPart>
         </mc:Choice>
-        <mc:Fallback>
+        <mc:Fallback xmlns="">
           <p:pic>
             <p:nvPicPr>
               <p:cNvPr id="67" name="Ink 66">
@@ -13323,8 +13390,8 @@
           </p:pic>
         </mc:Fallback>
       </mc:AlternateContent>
-      <mc:AlternateContent xmlns:mc="http://schemas.openxmlformats.org/markup-compatibility/2006">
-        <mc:Choice xmlns:p14="http://schemas.microsoft.com/office/powerpoint/2010/main" Requires="p14">
+      <mc:AlternateContent xmlns:mc="http://schemas.openxmlformats.org/markup-compatibility/2006" xmlns:p14="http://schemas.microsoft.com/office/powerpoint/2010/main">
+        <mc:Choice Requires="p14">
           <p:contentPart p14:bwMode="auto" r:id="rId60">
             <p14:nvContentPartPr>
               <p14:cNvPr id="68" name="Ink 67">
@@ -13343,7 +13410,7 @@
             </p14:xfrm>
           </p:contentPart>
         </mc:Choice>
-        <mc:Fallback>
+        <mc:Fallback xmlns="">
           <p:pic>
             <p:nvPicPr>
               <p:cNvPr id="68" name="Ink 67">
@@ -13410,8 +13477,8 @@
           </a:p>
         </p:txBody>
       </p:sp>
-      <mc:AlternateContent xmlns:mc="http://schemas.openxmlformats.org/markup-compatibility/2006">
-        <mc:Choice xmlns:a14="http://schemas.microsoft.com/office/drawing/2010/main" Requires="a14">
+      <mc:AlternateContent xmlns:mc="http://schemas.openxmlformats.org/markup-compatibility/2006" xmlns:a14="http://schemas.microsoft.com/office/drawing/2010/main">
+        <mc:Choice Requires="a14">
           <p:sp>
             <p:nvSpPr>
               <p:cNvPr id="71" name="TextBox 70">
@@ -13537,7 +13604,7 @@
             </p:txBody>
           </p:sp>
         </mc:Choice>
-        <mc:Fallback>
+        <mc:Fallback xmlns="">
           <p:sp>
             <p:nvSpPr>
               <p:cNvPr id="71" name="TextBox 70">
@@ -13660,6 +13727,261 @@
           </a:p>
         </p:txBody>
       </p:sp>
+      <mc:AlternateContent xmlns:mc="http://schemas.openxmlformats.org/markup-compatibility/2006">
+        <mc:Choice xmlns:p14="http://schemas.microsoft.com/office/powerpoint/2010/main" Requires="p14">
+          <p:contentPart p14:bwMode="auto" r:id="rId63">
+            <p14:nvContentPartPr>
+              <p14:cNvPr id="10" name="Ink 9">
+                <a:extLst>
+                  <a:ext uri="{FF2B5EF4-FFF2-40B4-BE49-F238E27FC236}">
+                    <a16:creationId xmlns:a16="http://schemas.microsoft.com/office/drawing/2014/main" id="{4DFB8FD5-3A43-A83F-223C-5D4C78FAE009}"/>
+                  </a:ext>
+                </a:extLst>
+              </p14:cNvPr>
+              <p14:cNvContentPartPr/>
+              <p14:nvPr/>
+            </p14:nvContentPartPr>
+            <p14:xfrm>
+              <a:off x="2992474" y="2277360"/>
+              <a:ext cx="145800" cy="3960"/>
+            </p14:xfrm>
+          </p:contentPart>
+        </mc:Choice>
+        <mc:Fallback>
+          <p:pic>
+            <p:nvPicPr>
+              <p:cNvPr id="10" name="Ink 9">
+                <a:extLst>
+                  <a:ext uri="{FF2B5EF4-FFF2-40B4-BE49-F238E27FC236}">
+                    <a16:creationId xmlns:a16="http://schemas.microsoft.com/office/drawing/2014/main" id="{4DFB8FD5-3A43-A83F-223C-5D4C78FAE009}"/>
+                  </a:ext>
+                </a:extLst>
+              </p:cNvPr>
+              <p:cNvPicPr/>
+              <p:nvPr/>
+            </p:nvPicPr>
+            <p:blipFill>
+              <a:blip r:embed="rId64"/>
+              <a:stretch>
+                <a:fillRect/>
+              </a:stretch>
+            </p:blipFill>
+            <p:spPr>
+              <a:xfrm>
+                <a:off x="2974474" y="2259720"/>
+                <a:ext cx="181440" cy="39600"/>
+              </a:xfrm>
+              <a:prstGeom prst="rect">
+                <a:avLst/>
+              </a:prstGeom>
+            </p:spPr>
+          </p:pic>
+        </mc:Fallback>
+      </mc:AlternateContent>
+      <mc:AlternateContent xmlns:mc="http://schemas.openxmlformats.org/markup-compatibility/2006">
+        <mc:Choice xmlns:p14="http://schemas.microsoft.com/office/powerpoint/2010/main" Requires="p14">
+          <p:contentPart p14:bwMode="auto" r:id="rId65">
+            <p14:nvContentPartPr>
+              <p14:cNvPr id="14" name="Ink 13">
+                <a:extLst>
+                  <a:ext uri="{FF2B5EF4-FFF2-40B4-BE49-F238E27FC236}">
+                    <a16:creationId xmlns:a16="http://schemas.microsoft.com/office/drawing/2014/main" id="{513006C1-165A-50DA-A9B4-D1820C14C5AF}"/>
+                  </a:ext>
+                </a:extLst>
+              </p14:cNvPr>
+              <p14:cNvContentPartPr/>
+              <p14:nvPr/>
+            </p14:nvContentPartPr>
+            <p14:xfrm>
+              <a:off x="2989594" y="1841040"/>
+              <a:ext cx="158760" cy="886320"/>
+            </p14:xfrm>
+          </p:contentPart>
+        </mc:Choice>
+        <mc:Fallback>
+          <p:pic>
+            <p:nvPicPr>
+              <p:cNvPr id="14" name="Ink 13">
+                <a:extLst>
+                  <a:ext uri="{FF2B5EF4-FFF2-40B4-BE49-F238E27FC236}">
+                    <a16:creationId xmlns:a16="http://schemas.microsoft.com/office/drawing/2014/main" id="{513006C1-165A-50DA-A9B4-D1820C14C5AF}"/>
+                  </a:ext>
+                </a:extLst>
+              </p:cNvPr>
+              <p:cNvPicPr/>
+              <p:nvPr/>
+            </p:nvPicPr>
+            <p:blipFill>
+              <a:blip r:embed="rId66"/>
+              <a:stretch>
+                <a:fillRect/>
+              </a:stretch>
+            </p:blipFill>
+            <p:spPr>
+              <a:xfrm>
+                <a:off x="2971594" y="1823040"/>
+                <a:ext cx="194400" cy="921960"/>
+              </a:xfrm>
+              <a:prstGeom prst="rect">
+                <a:avLst/>
+              </a:prstGeom>
+            </p:spPr>
+          </p:pic>
+        </mc:Fallback>
+      </mc:AlternateContent>
+      <mc:AlternateContent xmlns:mc="http://schemas.openxmlformats.org/markup-compatibility/2006">
+        <mc:Choice xmlns:p14="http://schemas.microsoft.com/office/powerpoint/2010/main" Requires="p14">
+          <p:contentPart p14:bwMode="auto" r:id="rId67">
+            <p14:nvContentPartPr>
+              <p14:cNvPr id="69" name="Ink 68">
+                <a:extLst>
+                  <a:ext uri="{FF2B5EF4-FFF2-40B4-BE49-F238E27FC236}">
+                    <a16:creationId xmlns:a16="http://schemas.microsoft.com/office/drawing/2014/main" id="{6DFAE1CE-E6A0-8B65-C049-9C14C929CD46}"/>
+                  </a:ext>
+                </a:extLst>
+              </p14:cNvPr>
+              <p14:cNvContentPartPr/>
+              <p14:nvPr/>
+            </p14:nvContentPartPr>
+            <p14:xfrm>
+              <a:off x="3029914" y="2087280"/>
+              <a:ext cx="360" cy="360"/>
+            </p14:xfrm>
+          </p:contentPart>
+        </mc:Choice>
+        <mc:Fallback>
+          <p:pic>
+            <p:nvPicPr>
+              <p:cNvPr id="69" name="Ink 68">
+                <a:extLst>
+                  <a:ext uri="{FF2B5EF4-FFF2-40B4-BE49-F238E27FC236}">
+                    <a16:creationId xmlns:a16="http://schemas.microsoft.com/office/drawing/2014/main" id="{6DFAE1CE-E6A0-8B65-C049-9C14C929CD46}"/>
+                  </a:ext>
+                </a:extLst>
+              </p:cNvPr>
+              <p:cNvPicPr/>
+              <p:nvPr/>
+            </p:nvPicPr>
+            <p:blipFill>
+              <a:blip r:embed="rId68"/>
+              <a:stretch>
+                <a:fillRect/>
+              </a:stretch>
+            </p:blipFill>
+            <p:spPr>
+              <a:xfrm>
+                <a:off x="3012274" y="2069280"/>
+                <a:ext cx="36000" cy="36000"/>
+              </a:xfrm>
+              <a:prstGeom prst="rect">
+                <a:avLst/>
+              </a:prstGeom>
+            </p:spPr>
+          </p:pic>
+        </mc:Fallback>
+      </mc:AlternateContent>
+      <mc:AlternateContent xmlns:mc="http://schemas.openxmlformats.org/markup-compatibility/2006">
+        <mc:Choice xmlns:p14="http://schemas.microsoft.com/office/powerpoint/2010/main" Requires="p14">
+          <p:contentPart p14:bwMode="auto" r:id="rId69">
+            <p14:nvContentPartPr>
+              <p14:cNvPr id="78" name="Ink 77">
+                <a:extLst>
+                  <a:ext uri="{FF2B5EF4-FFF2-40B4-BE49-F238E27FC236}">
+                    <a16:creationId xmlns:a16="http://schemas.microsoft.com/office/drawing/2014/main" id="{7491670E-00CA-E009-6CDF-57EE7DD27187}"/>
+                  </a:ext>
+                </a:extLst>
+              </p14:cNvPr>
+              <p14:cNvContentPartPr/>
+              <p14:nvPr/>
+            </p14:nvContentPartPr>
+            <p14:xfrm>
+              <a:off x="3030437" y="2157411"/>
+              <a:ext cx="360" cy="360"/>
+            </p14:xfrm>
+          </p:contentPart>
+        </mc:Choice>
+        <mc:Fallback>
+          <p:pic>
+            <p:nvPicPr>
+              <p:cNvPr id="78" name="Ink 77">
+                <a:extLst>
+                  <a:ext uri="{FF2B5EF4-FFF2-40B4-BE49-F238E27FC236}">
+                    <a16:creationId xmlns:a16="http://schemas.microsoft.com/office/drawing/2014/main" id="{7491670E-00CA-E009-6CDF-57EE7DD27187}"/>
+                  </a:ext>
+                </a:extLst>
+              </p:cNvPr>
+              <p:cNvPicPr/>
+              <p:nvPr/>
+            </p:nvPicPr>
+            <p:blipFill>
+              <a:blip r:embed="rId68"/>
+              <a:stretch>
+                <a:fillRect/>
+              </a:stretch>
+            </p:blipFill>
+            <p:spPr>
+              <a:xfrm>
+                <a:off x="3012797" y="2139771"/>
+                <a:ext cx="36000" cy="36000"/>
+              </a:xfrm>
+              <a:prstGeom prst="rect">
+                <a:avLst/>
+              </a:prstGeom>
+            </p:spPr>
+          </p:pic>
+        </mc:Fallback>
+      </mc:AlternateContent>
+      <mc:AlternateContent xmlns:mc="http://schemas.openxmlformats.org/markup-compatibility/2006">
+        <mc:Choice xmlns:p14="http://schemas.microsoft.com/office/powerpoint/2010/main" Requires="p14">
+          <p:contentPart p14:bwMode="auto" r:id="rId70">
+            <p14:nvContentPartPr>
+              <p14:cNvPr id="79" name="Ink 78">
+                <a:extLst>
+                  <a:ext uri="{FF2B5EF4-FFF2-40B4-BE49-F238E27FC236}">
+                    <a16:creationId xmlns:a16="http://schemas.microsoft.com/office/drawing/2014/main" id="{4F3F55A2-B249-1B51-E405-544B4666C11D}"/>
+                  </a:ext>
+                </a:extLst>
+              </p14:cNvPr>
+              <p14:cNvContentPartPr/>
+              <p14:nvPr/>
+            </p14:nvContentPartPr>
+            <p14:xfrm>
+              <a:off x="3040157" y="2225811"/>
+              <a:ext cx="360" cy="360"/>
+            </p14:xfrm>
+          </p:contentPart>
+        </mc:Choice>
+        <mc:Fallback>
+          <p:pic>
+            <p:nvPicPr>
+              <p:cNvPr id="79" name="Ink 78">
+                <a:extLst>
+                  <a:ext uri="{FF2B5EF4-FFF2-40B4-BE49-F238E27FC236}">
+                    <a16:creationId xmlns:a16="http://schemas.microsoft.com/office/drawing/2014/main" id="{4F3F55A2-B249-1B51-E405-544B4666C11D}"/>
+                  </a:ext>
+                </a:extLst>
+              </p:cNvPr>
+              <p:cNvPicPr/>
+              <p:nvPr/>
+            </p:nvPicPr>
+            <p:blipFill>
+              <a:blip r:embed="rId68"/>
+              <a:stretch>
+                <a:fillRect/>
+              </a:stretch>
+            </p:blipFill>
+            <p:spPr>
+              <a:xfrm>
+                <a:off x="3022517" y="2207811"/>
+                <a:ext cx="36000" cy="36000"/>
+              </a:xfrm>
+              <a:prstGeom prst="rect">
+                <a:avLst/>
+              </a:prstGeom>
+            </p:spPr>
+          </p:pic>
+        </mc:Fallback>
+      </mc:AlternateContent>
     </p:spTree>
     <p:extLst>
       <p:ext uri="{BB962C8B-B14F-4D97-AF65-F5344CB8AC3E}">

--- a/images/measurement/measurement_figs.pptx
+++ b/images/measurement/measurement_figs.pptx
@@ -9,6 +9,7 @@
     <p:sldId id="257" r:id="rId3"/>
     <p:sldId id="258" r:id="rId4"/>
     <p:sldId id="259" r:id="rId5"/>
+    <p:sldId id="275" r:id="rId6"/>
   </p:sldIdLst>
   <p:sldSz cx="12192000" cy="6858000"/>
   <p:notesSz cx="6858000" cy="9144000"/>
@@ -3403,7 +3404,7 @@
           <a:p>
             <a:fld id="{4BE83899-E222-4147-BECF-BE0E769C33DC}" type="datetimeFigureOut">
               <a:rPr lang="en-US" smtClean="0"/>
-              <a:t>12/8/22</a:t>
+              <a:t>6/23/23</a:t>
             </a:fld>
             <a:endParaRPr lang="en-US"/>
           </a:p>
@@ -3601,7 +3602,7 @@
           <a:p>
             <a:fld id="{4BE83899-E222-4147-BECF-BE0E769C33DC}" type="datetimeFigureOut">
               <a:rPr lang="en-US" smtClean="0"/>
-              <a:t>12/8/22</a:t>
+              <a:t>6/23/23</a:t>
             </a:fld>
             <a:endParaRPr lang="en-US"/>
           </a:p>
@@ -3809,7 +3810,7 @@
           <a:p>
             <a:fld id="{4BE83899-E222-4147-BECF-BE0E769C33DC}" type="datetimeFigureOut">
               <a:rPr lang="en-US" smtClean="0"/>
-              <a:t>12/8/22</a:t>
+              <a:t>6/23/23</a:t>
             </a:fld>
             <a:endParaRPr lang="en-US"/>
           </a:p>
@@ -4007,7 +4008,7 @@
           <a:p>
             <a:fld id="{4BE83899-E222-4147-BECF-BE0E769C33DC}" type="datetimeFigureOut">
               <a:rPr lang="en-US" smtClean="0"/>
-              <a:t>12/8/22</a:t>
+              <a:t>6/23/23</a:t>
             </a:fld>
             <a:endParaRPr lang="en-US"/>
           </a:p>
@@ -4282,7 +4283,7 @@
           <a:p>
             <a:fld id="{4BE83899-E222-4147-BECF-BE0E769C33DC}" type="datetimeFigureOut">
               <a:rPr lang="en-US" smtClean="0"/>
-              <a:t>12/8/22</a:t>
+              <a:t>6/23/23</a:t>
             </a:fld>
             <a:endParaRPr lang="en-US"/>
           </a:p>
@@ -4547,7 +4548,7 @@
           <a:p>
             <a:fld id="{4BE83899-E222-4147-BECF-BE0E769C33DC}" type="datetimeFigureOut">
               <a:rPr lang="en-US" smtClean="0"/>
-              <a:t>12/8/22</a:t>
+              <a:t>6/23/23</a:t>
             </a:fld>
             <a:endParaRPr lang="en-US"/>
           </a:p>
@@ -4959,7 +4960,7 @@
           <a:p>
             <a:fld id="{4BE83899-E222-4147-BECF-BE0E769C33DC}" type="datetimeFigureOut">
               <a:rPr lang="en-US" smtClean="0"/>
-              <a:t>12/8/22</a:t>
+              <a:t>6/23/23</a:t>
             </a:fld>
             <a:endParaRPr lang="en-US"/>
           </a:p>
@@ -5100,7 +5101,7 @@
           <a:p>
             <a:fld id="{4BE83899-E222-4147-BECF-BE0E769C33DC}" type="datetimeFigureOut">
               <a:rPr lang="en-US" smtClean="0"/>
-              <a:t>12/8/22</a:t>
+              <a:t>6/23/23</a:t>
             </a:fld>
             <a:endParaRPr lang="en-US"/>
           </a:p>
@@ -5213,7 +5214,7 @@
           <a:p>
             <a:fld id="{4BE83899-E222-4147-BECF-BE0E769C33DC}" type="datetimeFigureOut">
               <a:rPr lang="en-US" smtClean="0"/>
-              <a:t>12/8/22</a:t>
+              <a:t>6/23/23</a:t>
             </a:fld>
             <a:endParaRPr lang="en-US"/>
           </a:p>
@@ -5524,7 +5525,7 @@
           <a:p>
             <a:fld id="{4BE83899-E222-4147-BECF-BE0E769C33DC}" type="datetimeFigureOut">
               <a:rPr lang="en-US" smtClean="0"/>
-              <a:t>12/8/22</a:t>
+              <a:t>6/23/23</a:t>
             </a:fld>
             <a:endParaRPr lang="en-US"/>
           </a:p>
@@ -5812,7 +5813,7 @@
           <a:p>
             <a:fld id="{4BE83899-E222-4147-BECF-BE0E769C33DC}" type="datetimeFigureOut">
               <a:rPr lang="en-US" smtClean="0"/>
-              <a:t>12/8/22</a:t>
+              <a:t>6/23/23</a:t>
             </a:fld>
             <a:endParaRPr lang="en-US"/>
           </a:p>
@@ -6053,7 +6054,7 @@
           <a:p>
             <a:fld id="{4BE83899-E222-4147-BECF-BE0E769C33DC}" type="datetimeFigureOut">
               <a:rPr lang="en-US" smtClean="0"/>
-              <a:t>12/8/22</a:t>
+              <a:t>6/23/23</a:t>
             </a:fld>
             <a:endParaRPr lang="en-US"/>
           </a:p>
@@ -6515,13 +6516,13 @@
         </p:nvPicPr>
         <p:blipFill rotWithShape="1">
           <a:blip r:embed="rId2"/>
-          <a:srcRect l="84556" b="4704"/>
+          <a:srcRect l="84556" b="86520"/>
           <a:stretch/>
         </p:blipFill>
         <p:spPr>
           <a:xfrm>
-            <a:off x="3770334" y="337459"/>
-            <a:ext cx="1200374" cy="4232455"/>
+            <a:off x="3770334" y="293917"/>
+            <a:ext cx="1200374" cy="598712"/>
           </a:xfrm>
           <a:prstGeom prst="rect">
             <a:avLst/>
@@ -6557,6 +6558,74 @@
           </a:prstGeom>
         </p:spPr>
       </p:pic>
+      <p:pic>
+        <p:nvPicPr>
+          <p:cNvPr id="2" name="Picture 1" descr="Chart, scatter chart&#10;&#10;Description automatically generated">
+            <a:extLst>
+              <a:ext uri="{FF2B5EF4-FFF2-40B4-BE49-F238E27FC236}">
+                <a16:creationId xmlns:a16="http://schemas.microsoft.com/office/drawing/2014/main" id="{2EAB7973-7E41-A5BF-C8AD-33C611CBD47F}"/>
+              </a:ext>
+            </a:extLst>
+          </p:cNvPr>
+          <p:cNvPicPr>
+            <a:picLocks noChangeAspect="1"/>
+          </p:cNvPicPr>
+          <p:nvPr/>
+        </p:nvPicPr>
+        <p:blipFill rotWithShape="1">
+          <a:blip r:embed="rId2"/>
+          <a:srcRect l="84556" t="13481" b="4704"/>
+          <a:stretch/>
+        </p:blipFill>
+        <p:spPr>
+          <a:xfrm>
+            <a:off x="3770334" y="1295399"/>
+            <a:ext cx="1200374" cy="3633743"/>
+          </a:xfrm>
+          <a:prstGeom prst="rect">
+            <a:avLst/>
+          </a:prstGeom>
+        </p:spPr>
+      </p:pic>
+      <p:sp>
+        <p:nvSpPr>
+          <p:cNvPr id="3" name="TextBox 2">
+            <a:extLst>
+              <a:ext uri="{FF2B5EF4-FFF2-40B4-BE49-F238E27FC236}">
+                <a16:creationId xmlns:a16="http://schemas.microsoft.com/office/drawing/2014/main" id="{952BC471-F6E4-FE97-2E69-76E1F299A7DD}"/>
+              </a:ext>
+            </a:extLst>
+          </p:cNvPr>
+          <p:cNvSpPr txBox="1"/>
+          <p:nvPr/>
+        </p:nvSpPr>
+        <p:spPr>
+          <a:xfrm>
+            <a:off x="3785128" y="892629"/>
+            <a:ext cx="995785" cy="338554"/>
+          </a:xfrm>
+          <a:prstGeom prst="rect">
+            <a:avLst/>
+          </a:prstGeom>
+          <a:noFill/>
+        </p:spPr>
+        <p:txBody>
+          <a:bodyPr wrap="none" rtlCol="0">
+            <a:spAutoFit/>
+          </a:bodyPr>
+          <a:lstStyle/>
+          <a:p>
+            <a:r>
+              <a:rPr lang="en-US" sz="1600" dirty="0">
+                <a:latin typeface="Source Sans Pro" panose="020B0503030403020204" pitchFamily="34" charset="0"/>
+                <a:ea typeface="Source Sans Pro" panose="020B0503030403020204" pitchFamily="34" charset="0"/>
+                <a:cs typeface="Arial" panose="020B0604020202020204" pitchFamily="34" charset="0"/>
+              </a:rPr>
+              <a:t>(months)</a:t>
+            </a:r>
+          </a:p>
+        </p:txBody>
+      </p:sp>
     </p:spTree>
     <p:extLst>
       <p:ext uri="{BB962C8B-B14F-4D97-AF65-F5344CB8AC3E}">
@@ -13727,8 +13796,8 @@
           </a:p>
         </p:txBody>
       </p:sp>
-      <mc:AlternateContent xmlns:mc="http://schemas.openxmlformats.org/markup-compatibility/2006">
-        <mc:Choice xmlns:p14="http://schemas.microsoft.com/office/powerpoint/2010/main" Requires="p14">
+      <mc:AlternateContent xmlns:mc="http://schemas.openxmlformats.org/markup-compatibility/2006" xmlns:p14="http://schemas.microsoft.com/office/powerpoint/2010/main">
+        <mc:Choice Requires="p14">
           <p:contentPart p14:bwMode="auto" r:id="rId63">
             <p14:nvContentPartPr>
               <p14:cNvPr id="10" name="Ink 9">
@@ -13747,7 +13816,7 @@
             </p14:xfrm>
           </p:contentPart>
         </mc:Choice>
-        <mc:Fallback>
+        <mc:Fallback xmlns="">
           <p:pic>
             <p:nvPicPr>
               <p:cNvPr id="10" name="Ink 9">
@@ -13778,8 +13847,8 @@
           </p:pic>
         </mc:Fallback>
       </mc:AlternateContent>
-      <mc:AlternateContent xmlns:mc="http://schemas.openxmlformats.org/markup-compatibility/2006">
-        <mc:Choice xmlns:p14="http://schemas.microsoft.com/office/powerpoint/2010/main" Requires="p14">
+      <mc:AlternateContent xmlns:mc="http://schemas.openxmlformats.org/markup-compatibility/2006" xmlns:p14="http://schemas.microsoft.com/office/powerpoint/2010/main">
+        <mc:Choice Requires="p14">
           <p:contentPart p14:bwMode="auto" r:id="rId65">
             <p14:nvContentPartPr>
               <p14:cNvPr id="14" name="Ink 13">
@@ -13798,7 +13867,7 @@
             </p14:xfrm>
           </p:contentPart>
         </mc:Choice>
-        <mc:Fallback>
+        <mc:Fallback xmlns="">
           <p:pic>
             <p:nvPicPr>
               <p:cNvPr id="14" name="Ink 13">
@@ -13829,8 +13898,8 @@
           </p:pic>
         </mc:Fallback>
       </mc:AlternateContent>
-      <mc:AlternateContent xmlns:mc="http://schemas.openxmlformats.org/markup-compatibility/2006">
-        <mc:Choice xmlns:p14="http://schemas.microsoft.com/office/powerpoint/2010/main" Requires="p14">
+      <mc:AlternateContent xmlns:mc="http://schemas.openxmlformats.org/markup-compatibility/2006" xmlns:p14="http://schemas.microsoft.com/office/powerpoint/2010/main">
+        <mc:Choice Requires="p14">
           <p:contentPart p14:bwMode="auto" r:id="rId67">
             <p14:nvContentPartPr>
               <p14:cNvPr id="69" name="Ink 68">
@@ -13849,7 +13918,7 @@
             </p14:xfrm>
           </p:contentPart>
         </mc:Choice>
-        <mc:Fallback>
+        <mc:Fallback xmlns="">
           <p:pic>
             <p:nvPicPr>
               <p:cNvPr id="69" name="Ink 68">
@@ -13880,8 +13949,8 @@
           </p:pic>
         </mc:Fallback>
       </mc:AlternateContent>
-      <mc:AlternateContent xmlns:mc="http://schemas.openxmlformats.org/markup-compatibility/2006">
-        <mc:Choice xmlns:p14="http://schemas.microsoft.com/office/powerpoint/2010/main" Requires="p14">
+      <mc:AlternateContent xmlns:mc="http://schemas.openxmlformats.org/markup-compatibility/2006" xmlns:p14="http://schemas.microsoft.com/office/powerpoint/2010/main">
+        <mc:Choice Requires="p14">
           <p:contentPart p14:bwMode="auto" r:id="rId69">
             <p14:nvContentPartPr>
               <p14:cNvPr id="78" name="Ink 77">
@@ -13900,7 +13969,7 @@
             </p14:xfrm>
           </p:contentPart>
         </mc:Choice>
-        <mc:Fallback>
+        <mc:Fallback xmlns="">
           <p:pic>
             <p:nvPicPr>
               <p:cNvPr id="78" name="Ink 77">
@@ -13931,8 +14000,8 @@
           </p:pic>
         </mc:Fallback>
       </mc:AlternateContent>
-      <mc:AlternateContent xmlns:mc="http://schemas.openxmlformats.org/markup-compatibility/2006">
-        <mc:Choice xmlns:p14="http://schemas.microsoft.com/office/powerpoint/2010/main" Requires="p14">
+      <mc:AlternateContent xmlns:mc="http://schemas.openxmlformats.org/markup-compatibility/2006" xmlns:p14="http://schemas.microsoft.com/office/powerpoint/2010/main">
+        <mc:Choice Requires="p14">
           <p:contentPart p14:bwMode="auto" r:id="rId70">
             <p14:nvContentPartPr>
               <p14:cNvPr id="79" name="Ink 78">
@@ -13951,7 +14020,7 @@
             </p14:xfrm>
           </p:contentPart>
         </mc:Choice>
-        <mc:Fallback>
+        <mc:Fallback xmlns="">
           <p:pic>
             <p:nvPicPr>
               <p:cNvPr id="79" name="Ink 78">
@@ -13986,6 +14055,502 @@
     <p:extLst>
       <p:ext uri="{BB962C8B-B14F-4D97-AF65-F5344CB8AC3E}">
         <p14:creationId xmlns:p14="http://schemas.microsoft.com/office/powerpoint/2010/main" val="1142061699"/>
+      </p:ext>
+    </p:extLst>
+  </p:cSld>
+  <p:clrMapOvr>
+    <a:masterClrMapping/>
+  </p:clrMapOvr>
+</p:sld>
+</file>
+
+<file path=ppt/slides/slide5.xml><?xml version="1.0" encoding="utf-8"?>
+<p:sld xmlns:a="http://schemas.openxmlformats.org/drawingml/2006/main" xmlns:r="http://schemas.openxmlformats.org/officeDocument/2006/relationships" xmlns:p="http://schemas.openxmlformats.org/presentationml/2006/main">
+  <p:cSld>
+    <p:spTree>
+      <p:nvGrpSpPr>
+        <p:cNvPr id="1" name=""/>
+        <p:cNvGrpSpPr/>
+        <p:nvPr/>
+      </p:nvGrpSpPr>
+      <p:grpSpPr>
+        <a:xfrm>
+          <a:off x="0" y="0"/>
+          <a:ext cx="0" cy="0"/>
+          <a:chOff x="0" y="0"/>
+          <a:chExt cx="0" cy="0"/>
+        </a:xfrm>
+      </p:grpSpPr>
+      <p:cxnSp>
+        <p:nvCxnSpPr>
+          <p:cNvPr id="5" name="Straight Arrow Connector 4">
+            <a:extLst>
+              <a:ext uri="{FF2B5EF4-FFF2-40B4-BE49-F238E27FC236}">
+                <a16:creationId xmlns:a16="http://schemas.microsoft.com/office/drawing/2014/main" id="{0F14A885-CB98-C540-B58B-53B661A7A600}"/>
+              </a:ext>
+            </a:extLst>
+          </p:cNvPr>
+          <p:cNvCxnSpPr/>
+          <p:nvPr/>
+        </p:nvCxnSpPr>
+        <p:spPr bwMode="auto">
+          <a:xfrm>
+            <a:off x="1927302" y="3673700"/>
+            <a:ext cx="7924800" cy="0"/>
+          </a:xfrm>
+          <a:prstGeom prst="straightConnector1">
+            <a:avLst/>
+          </a:prstGeom>
+          <a:solidFill>
+            <a:schemeClr val="accent1"/>
+          </a:solidFill>
+          <a:ln w="25400" cap="flat" cmpd="sng" algn="ctr">
+            <a:solidFill>
+              <a:schemeClr val="tx1"/>
+            </a:solidFill>
+            <a:prstDash val="solid"/>
+            <a:round/>
+            <a:headEnd type="oval" w="med" len="med"/>
+            <a:tailEnd type="triangle"/>
+          </a:ln>
+          <a:effectLst/>
+          <a:extLst>
+            <a:ext uri="{AF507438-7753-43e0-B8FC-AC1667EBCBE1}">
+              <a14:hiddenEffects xmlns:a14="http://schemas.microsoft.com/office/drawing/2010/main" xmlns="">
+                <a:effectLst>
+                  <a:outerShdw blurRad="63500" dist="38099" dir="2700000" algn="ctr" rotWithShape="0">
+                    <a:schemeClr val="bg2">
+                      <a:alpha val="74998"/>
+                    </a:schemeClr>
+                  </a:outerShdw>
+                </a:effectLst>
+              </a14:hiddenEffects>
+            </a:ext>
+          </a:extLst>
+        </p:spPr>
+      </p:cxnSp>
+      <p:sp>
+        <p:nvSpPr>
+          <p:cNvPr id="7" name="TextBox 6">
+            <a:extLst>
+              <a:ext uri="{FF2B5EF4-FFF2-40B4-BE49-F238E27FC236}">
+                <a16:creationId xmlns:a16="http://schemas.microsoft.com/office/drawing/2014/main" id="{82133F33-924E-E942-B814-EE7360E0D1B6}"/>
+              </a:ext>
+            </a:extLst>
+          </p:cNvPr>
+          <p:cNvSpPr txBox="1"/>
+          <p:nvPr/>
+        </p:nvSpPr>
+        <p:spPr>
+          <a:xfrm>
+            <a:off x="7162800" y="4140172"/>
+            <a:ext cx="3298902" cy="2554545"/>
+          </a:xfrm>
+          <a:prstGeom prst="rect">
+            <a:avLst/>
+          </a:prstGeom>
+          <a:noFill/>
+        </p:spPr>
+        <p:txBody>
+          <a:bodyPr wrap="square" rtlCol="0">
+            <a:spAutoFit/>
+          </a:bodyPr>
+          <a:lstStyle/>
+          <a:p>
+            <a:pPr marL="342900" indent="-342900">
+              <a:buFont typeface="Arial" panose="020B0604020202020204" pitchFamily="34" charset="0"/>
+              <a:buChar char="•"/>
+            </a:pPr>
+            <a:r>
+              <a:rPr lang="en-US" sz="2000" dirty="0"/>
+              <a:t>More open-ended</a:t>
+            </a:r>
+          </a:p>
+          <a:p>
+            <a:pPr marL="342900" indent="-342900">
+              <a:buFont typeface="Arial" panose="020B0604020202020204" pitchFamily="34" charset="0"/>
+              <a:buChar char="•"/>
+            </a:pPr>
+            <a:r>
+              <a:rPr lang="en-US" sz="2000" dirty="0"/>
+              <a:t>Greater information content</a:t>
+            </a:r>
+          </a:p>
+          <a:p>
+            <a:pPr marL="342900" indent="-342900">
+              <a:buFont typeface="Arial" panose="020B0604020202020204" pitchFamily="34" charset="0"/>
+              <a:buChar char="•"/>
+            </a:pPr>
+            <a:r>
+              <a:rPr lang="en-US" sz="2000" dirty="0"/>
+              <a:t>Harder to analyze using quantitative methods</a:t>
+            </a:r>
+          </a:p>
+          <a:p>
+            <a:pPr marL="342900" indent="-342900">
+              <a:buFont typeface="Arial" panose="020B0604020202020204" pitchFamily="34" charset="0"/>
+              <a:buChar char="•"/>
+            </a:pPr>
+            <a:r>
+              <a:rPr lang="en-US" sz="2000" dirty="0"/>
+              <a:t>More affected by other factors, e.g., task, language skill, etc.</a:t>
+            </a:r>
+          </a:p>
+        </p:txBody>
+      </p:sp>
+      <p:sp>
+        <p:nvSpPr>
+          <p:cNvPr id="8" name="TextBox 7">
+            <a:extLst>
+              <a:ext uri="{FF2B5EF4-FFF2-40B4-BE49-F238E27FC236}">
+                <a16:creationId xmlns:a16="http://schemas.microsoft.com/office/drawing/2014/main" id="{B44FAC5F-A52F-9E44-A97D-A96C17FEFE22}"/>
+              </a:ext>
+            </a:extLst>
+          </p:cNvPr>
+          <p:cNvSpPr txBox="1"/>
+          <p:nvPr/>
+        </p:nvSpPr>
+        <p:spPr>
+          <a:xfrm rot="16200000">
+            <a:off x="598588" y="1938327"/>
+            <a:ext cx="2771913" cy="369332"/>
+          </a:xfrm>
+          <a:prstGeom prst="rect">
+            <a:avLst/>
+          </a:prstGeom>
+          <a:noFill/>
+        </p:spPr>
+        <p:txBody>
+          <a:bodyPr wrap="square" rtlCol="0">
+            <a:spAutoFit/>
+          </a:bodyPr>
+          <a:lstStyle/>
+          <a:p>
+            <a:r>
+              <a:rPr lang="en-US" dirty="0"/>
+              <a:t>Speeded button press</a:t>
+            </a:r>
+          </a:p>
+        </p:txBody>
+      </p:sp>
+      <p:sp>
+        <p:nvSpPr>
+          <p:cNvPr id="9" name="TextBox 8">
+            <a:extLst>
+              <a:ext uri="{FF2B5EF4-FFF2-40B4-BE49-F238E27FC236}">
+                <a16:creationId xmlns:a16="http://schemas.microsoft.com/office/drawing/2014/main" id="{E91D4683-2096-874C-A7D5-A550CF867BFD}"/>
+              </a:ext>
+            </a:extLst>
+          </p:cNvPr>
+          <p:cNvSpPr txBox="1"/>
+          <p:nvPr/>
+        </p:nvSpPr>
+        <p:spPr>
+          <a:xfrm rot="16200000">
+            <a:off x="1875358" y="1925057"/>
+            <a:ext cx="2771913" cy="369332"/>
+          </a:xfrm>
+          <a:prstGeom prst="rect">
+            <a:avLst/>
+          </a:prstGeom>
+          <a:noFill/>
+        </p:spPr>
+        <p:txBody>
+          <a:bodyPr wrap="square" rtlCol="0">
+            <a:spAutoFit/>
+          </a:bodyPr>
+          <a:lstStyle/>
+          <a:p>
+            <a:r>
+              <a:rPr lang="en-US" dirty="0"/>
+              <a:t>2 alternative forced choice</a:t>
+            </a:r>
+          </a:p>
+        </p:txBody>
+      </p:sp>
+      <p:sp>
+        <p:nvSpPr>
+          <p:cNvPr id="10" name="TextBox 9">
+            <a:extLst>
+              <a:ext uri="{FF2B5EF4-FFF2-40B4-BE49-F238E27FC236}">
+                <a16:creationId xmlns:a16="http://schemas.microsoft.com/office/drawing/2014/main" id="{B6846B70-A7DA-E846-B6BC-0ADBB0E8C606}"/>
+              </a:ext>
+            </a:extLst>
+          </p:cNvPr>
+          <p:cNvSpPr txBox="1"/>
+          <p:nvPr/>
+        </p:nvSpPr>
+        <p:spPr>
+          <a:xfrm rot="16200000">
+            <a:off x="3152127" y="1935962"/>
+            <a:ext cx="2771913" cy="369332"/>
+          </a:xfrm>
+          <a:prstGeom prst="rect">
+            <a:avLst/>
+          </a:prstGeom>
+          <a:noFill/>
+        </p:spPr>
+        <p:txBody>
+          <a:bodyPr wrap="square" rtlCol="0">
+            <a:spAutoFit/>
+          </a:bodyPr>
+          <a:lstStyle/>
+          <a:p>
+            <a:r>
+              <a:rPr lang="en-US" dirty="0"/>
+              <a:t>Likert scale</a:t>
+            </a:r>
+          </a:p>
+        </p:txBody>
+      </p:sp>
+      <p:sp>
+        <p:nvSpPr>
+          <p:cNvPr id="11" name="TextBox 10">
+            <a:extLst>
+              <a:ext uri="{FF2B5EF4-FFF2-40B4-BE49-F238E27FC236}">
+                <a16:creationId xmlns:a16="http://schemas.microsoft.com/office/drawing/2014/main" id="{4288252E-048F-D04E-8BF9-347974B10592}"/>
+              </a:ext>
+            </a:extLst>
+          </p:cNvPr>
+          <p:cNvSpPr txBox="1"/>
+          <p:nvPr/>
+        </p:nvSpPr>
+        <p:spPr>
+          <a:xfrm rot="16200000">
+            <a:off x="4428896" y="1935961"/>
+            <a:ext cx="2771913" cy="369332"/>
+          </a:xfrm>
+          <a:prstGeom prst="rect">
+            <a:avLst/>
+          </a:prstGeom>
+          <a:noFill/>
+        </p:spPr>
+        <p:txBody>
+          <a:bodyPr wrap="square" rtlCol="0">
+            <a:spAutoFit/>
+          </a:bodyPr>
+          <a:lstStyle/>
+          <a:p>
+            <a:r>
+              <a:rPr lang="en-US" dirty="0"/>
+              <a:t>Multi-AFC</a:t>
+            </a:r>
+          </a:p>
+        </p:txBody>
+      </p:sp>
+      <p:sp>
+        <p:nvSpPr>
+          <p:cNvPr id="12" name="TextBox 11">
+            <a:extLst>
+              <a:ext uri="{FF2B5EF4-FFF2-40B4-BE49-F238E27FC236}">
+                <a16:creationId xmlns:a16="http://schemas.microsoft.com/office/drawing/2014/main" id="{6CBE3437-8185-7C42-9062-727DBDF64429}"/>
+              </a:ext>
+            </a:extLst>
+          </p:cNvPr>
+          <p:cNvSpPr txBox="1"/>
+          <p:nvPr/>
+        </p:nvSpPr>
+        <p:spPr>
+          <a:xfrm rot="16200000">
+            <a:off x="5705665" y="1925058"/>
+            <a:ext cx="2771913" cy="369332"/>
+          </a:xfrm>
+          <a:prstGeom prst="rect">
+            <a:avLst/>
+          </a:prstGeom>
+          <a:noFill/>
+        </p:spPr>
+        <p:txBody>
+          <a:bodyPr wrap="square" rtlCol="0">
+            <a:spAutoFit/>
+          </a:bodyPr>
+          <a:lstStyle/>
+          <a:p>
+            <a:r>
+              <a:rPr lang="en-US" dirty="0"/>
+              <a:t>Short answer question</a:t>
+            </a:r>
+          </a:p>
+        </p:txBody>
+      </p:sp>
+      <p:sp>
+        <p:nvSpPr>
+          <p:cNvPr id="18" name="TextBox 17">
+            <a:extLst>
+              <a:ext uri="{FF2B5EF4-FFF2-40B4-BE49-F238E27FC236}">
+                <a16:creationId xmlns:a16="http://schemas.microsoft.com/office/drawing/2014/main" id="{5BAF7290-DC19-8A4E-972A-A6BBCA89BC38}"/>
+              </a:ext>
+            </a:extLst>
+          </p:cNvPr>
+          <p:cNvSpPr txBox="1"/>
+          <p:nvPr/>
+        </p:nvSpPr>
+        <p:spPr>
+          <a:xfrm rot="16200000">
+            <a:off x="8397705" y="1790519"/>
+            <a:ext cx="2771913" cy="646331"/>
+          </a:xfrm>
+          <a:prstGeom prst="rect">
+            <a:avLst/>
+          </a:prstGeom>
+          <a:noFill/>
+        </p:spPr>
+        <p:txBody>
+          <a:bodyPr wrap="square" rtlCol="0">
+            <a:spAutoFit/>
+          </a:bodyPr>
+          <a:lstStyle/>
+          <a:p>
+            <a:r>
+              <a:rPr lang="en-US" dirty="0"/>
+              <a:t>Interview, long-form written response</a:t>
+            </a:r>
+          </a:p>
+        </p:txBody>
+      </p:sp>
+      <p:sp>
+        <p:nvSpPr>
+          <p:cNvPr id="19" name="TextBox 18">
+            <a:extLst>
+              <a:ext uri="{FF2B5EF4-FFF2-40B4-BE49-F238E27FC236}">
+                <a16:creationId xmlns:a16="http://schemas.microsoft.com/office/drawing/2014/main" id="{04B374BC-4439-DD42-B6A2-3006E08B2ECA}"/>
+              </a:ext>
+            </a:extLst>
+          </p:cNvPr>
+          <p:cNvSpPr txBox="1"/>
+          <p:nvPr/>
+        </p:nvSpPr>
+        <p:spPr>
+          <a:xfrm>
+            <a:off x="1615071" y="4136210"/>
+            <a:ext cx="3298902" cy="1938992"/>
+          </a:xfrm>
+          <a:prstGeom prst="rect">
+            <a:avLst/>
+          </a:prstGeom>
+          <a:noFill/>
+        </p:spPr>
+        <p:txBody>
+          <a:bodyPr wrap="square" rtlCol="0">
+            <a:spAutoFit/>
+          </a:bodyPr>
+          <a:lstStyle/>
+          <a:p>
+            <a:pPr marL="342900" indent="-342900">
+              <a:buFont typeface="Arial" panose="020B0604020202020204" pitchFamily="34" charset="0"/>
+              <a:buChar char="•"/>
+            </a:pPr>
+            <a:r>
+              <a:rPr lang="en-US" sz="2000" dirty="0"/>
+              <a:t>More constrained, fewer alternatives</a:t>
+            </a:r>
+          </a:p>
+          <a:p>
+            <a:pPr marL="342900" indent="-342900">
+              <a:buFont typeface="Arial" panose="020B0604020202020204" pitchFamily="34" charset="0"/>
+              <a:buChar char="•"/>
+            </a:pPr>
+            <a:r>
+              <a:rPr lang="en-US" sz="2000" dirty="0"/>
+              <a:t>Less information content</a:t>
+            </a:r>
+          </a:p>
+          <a:p>
+            <a:pPr marL="342900" indent="-342900">
+              <a:buFont typeface="Arial" panose="020B0604020202020204" pitchFamily="34" charset="0"/>
+              <a:buChar char="•"/>
+            </a:pPr>
+            <a:r>
+              <a:rPr lang="en-US" sz="2000" dirty="0"/>
+              <a:t>Easier to analyze</a:t>
+            </a:r>
+          </a:p>
+          <a:p>
+            <a:pPr marL="342900" indent="-342900">
+              <a:buFont typeface="Arial" panose="020B0604020202020204" pitchFamily="34" charset="0"/>
+              <a:buChar char="•"/>
+            </a:pPr>
+            <a:r>
+              <a:rPr lang="en-US" sz="2000" dirty="0"/>
+              <a:t>Easier to use with children, animals, etc.</a:t>
+            </a:r>
+          </a:p>
+        </p:txBody>
+      </p:sp>
+      <p:sp>
+        <p:nvSpPr>
+          <p:cNvPr id="6" name="TextBox 5">
+            <a:extLst>
+              <a:ext uri="{FF2B5EF4-FFF2-40B4-BE49-F238E27FC236}">
+                <a16:creationId xmlns:a16="http://schemas.microsoft.com/office/drawing/2014/main" id="{FA60C04D-74D4-AD6A-B3F5-40F399AAAE5B}"/>
+              </a:ext>
+            </a:extLst>
+          </p:cNvPr>
+          <p:cNvSpPr txBox="1"/>
+          <p:nvPr/>
+        </p:nvSpPr>
+        <p:spPr>
+          <a:xfrm rot="16200000">
+            <a:off x="7058636" y="1786557"/>
+            <a:ext cx="2771913" cy="646331"/>
+          </a:xfrm>
+          <a:prstGeom prst="rect">
+            <a:avLst/>
+          </a:prstGeom>
+          <a:noFill/>
+        </p:spPr>
+        <p:txBody>
+          <a:bodyPr wrap="square" rtlCol="0">
+            <a:spAutoFit/>
+          </a:bodyPr>
+          <a:lstStyle/>
+          <a:p>
+            <a:r>
+              <a:rPr lang="en-US" dirty="0"/>
+              <a:t>Body movements or gestures</a:t>
+            </a:r>
+          </a:p>
+        </p:txBody>
+      </p:sp>
+      <p:sp>
+        <p:nvSpPr>
+          <p:cNvPr id="13" name="TextBox 12">
+            <a:extLst>
+              <a:ext uri="{FF2B5EF4-FFF2-40B4-BE49-F238E27FC236}">
+                <a16:creationId xmlns:a16="http://schemas.microsoft.com/office/drawing/2014/main" id="{212C2A7E-5486-77AA-E2EE-6F27C66F585F}"/>
+              </a:ext>
+            </a:extLst>
+          </p:cNvPr>
+          <p:cNvSpPr txBox="1"/>
+          <p:nvPr/>
+        </p:nvSpPr>
+        <p:spPr>
+          <a:xfrm>
+            <a:off x="4403260" y="3719111"/>
+            <a:ext cx="3385479" cy="369332"/>
+          </a:xfrm>
+          <a:prstGeom prst="rect">
+            <a:avLst/>
+          </a:prstGeom>
+          <a:noFill/>
+        </p:spPr>
+        <p:txBody>
+          <a:bodyPr wrap="none" rtlCol="0">
+            <a:spAutoFit/>
+          </a:bodyPr>
+          <a:lstStyle/>
+          <a:p>
+            <a:r>
+              <a:rPr lang="en-US" dirty="0"/>
+              <a:t>Approximate measure complexity </a:t>
+            </a:r>
+          </a:p>
+        </p:txBody>
+      </p:sp>
+    </p:spTree>
+    <p:extLst>
+      <p:ext uri="{BB962C8B-B14F-4D97-AF65-F5344CB8AC3E}">
+        <p14:creationId xmlns:p14="http://schemas.microsoft.com/office/powerpoint/2010/main" val="199880302"/>
       </p:ext>
     </p:extLst>
   </p:cSld>

--- a/images/measurement/measurement_figs.pptx
+++ b/images/measurement/measurement_figs.pptx
@@ -186,316 +186,6 @@
           <inkml:channelProperty channel="F" name="resolution" value="0" units="1/dev"/>
         </inkml:channelProperties>
       </inkml:inkSource>
-      <inkml:timestamp xml:id="ts0" timeString="2022-09-22T23:16:26.333"/>
-    </inkml:context>
-    <inkml:brush xml:id="br0">
-      <inkml:brushProperty name="width" value="0.1" units="cm"/>
-      <inkml:brushProperty name="height" value="0.1" units="cm"/>
-      <inkml:brushProperty name="color" value="#FFC114"/>
-    </inkml:brush>
-  </inkml:definitions>
-  <inkml:trace contextRef="#ctx0" brushRef="#br0">1 0 24575,'17'0'0,"2"0"0,5 0 0,-1 0 0,1 0 0,0 0 0,0 0 0,0 0 0,-4 0 0,-2 0 0,-7 0 0,3 0 0,-6 0 0,2 0 0,-4 0 0,0 0 0,-2 0 0,-2 0 0</inkml:trace>
-</inkml:ink>
-</file>
-
-<file path=ppt/ink/ink101.xml><?xml version="1.0" encoding="utf-8"?>
-<inkml:ink xmlns:inkml="http://www.w3.org/2003/InkML">
-  <inkml:definitions>
-    <inkml:context xml:id="ctx0">
-      <inkml:inkSource xml:id="inkSrc0">
-        <inkml:traceFormat>
-          <inkml:channel name="X" type="integer" min="-2.14748E9" max="2.14748E9" units="cm"/>
-          <inkml:channel name="Y" type="integer" min="-2.14748E9" max="2.14748E9" units="cm"/>
-          <inkml:channel name="F" type="integer" max="32767" units="dev"/>
-        </inkml:traceFormat>
-        <inkml:channelProperties>
-          <inkml:channelProperty channel="X" name="resolution" value="1000" units="1/cm"/>
-          <inkml:channelProperty channel="Y" name="resolution" value="1000" units="1/cm"/>
-          <inkml:channelProperty channel="F" name="resolution" value="0" units="1/dev"/>
-        </inkml:channelProperties>
-      </inkml:inkSource>
-      <inkml:timestamp xml:id="ts0" timeString="2022-09-22T23:16:29.437"/>
-    </inkml:context>
-    <inkml:brush xml:id="br0">
-      <inkml:brushProperty name="width" value="0.1" units="cm"/>
-      <inkml:brushProperty name="height" value="0.1" units="cm"/>
-      <inkml:brushProperty name="color" value="#FFC114"/>
-    </inkml:brush>
-  </inkml:definitions>
-  <inkml:trace contextRef="#ctx0" brushRef="#br0">1 7 24575,'17'0'0,"5"0"0,-7 0 0,4 0 0,0 0 0,-4 0 0,0 0 0,-1 0 0,-7 0 0,4 0 0,-5 0 0,1 0 0,-1 0 0,4 0 0,1 0 0,3 0 0,1 0 0,-4 0 0,-1 0 0,-4 0 0,1 0 0,-1-2 0,1 1 0,-1-2 0,0 3 0,0 0 0,1 0 0,-1 0 0,0 0 0,0 0 0,1 0 0,-1 0 0,1 0 0,-1 0 0,1 0 0,-1 0 0,1 0 0,-1 0 0,0 0 0,1 0 0,-1 0 0,0 0 0,1 0 0,-1 0 0,1 0 0,-1 0 0,1 0 0,-1 0 0,0 0 0,1 0 0,-1 0 0,1 0 0,-1 0 0,1 0 0,-1 0 0,-2 0 0,-1 0 0</inkml:trace>
-</inkml:ink>
-</file>
-
-<file path=ppt/ink/ink102.xml><?xml version="1.0" encoding="utf-8"?>
-<inkml:ink xmlns:inkml="http://www.w3.org/2003/InkML">
-  <inkml:definitions>
-    <inkml:context xml:id="ctx0">
-      <inkml:inkSource xml:id="inkSrc0">
-        <inkml:traceFormat>
-          <inkml:channel name="X" type="integer" min="-2.14748E9" max="2.14748E9" units="cm"/>
-          <inkml:channel name="Y" type="integer" min="-2.14748E9" max="2.14748E9" units="cm"/>
-          <inkml:channel name="F" type="integer" max="32767" units="dev"/>
-        </inkml:traceFormat>
-        <inkml:channelProperties>
-          <inkml:channelProperty channel="X" name="resolution" value="1000" units="1/cm"/>
-          <inkml:channelProperty channel="Y" name="resolution" value="1000" units="1/cm"/>
-          <inkml:channelProperty channel="F" name="resolution" value="0" units="1/dev"/>
-        </inkml:channelProperties>
-      </inkml:inkSource>
-      <inkml:timestamp xml:id="ts0" timeString="2022-09-22T23:16:31.106"/>
-    </inkml:context>
-    <inkml:brush xml:id="br0">
-      <inkml:brushProperty name="width" value="0.1" units="cm"/>
-      <inkml:brushProperty name="height" value="0.1" units="cm"/>
-      <inkml:brushProperty name="color" value="#FFC114"/>
-    </inkml:brush>
-  </inkml:definitions>
-  <inkml:trace contextRef="#ctx0" brushRef="#br0">1 0 24575,'13'0'0,"0"0"0,6 0 0,5 0 0,1 0 0,4 0 0,-9 0 0,7 0 0,-10 0 0,6 0 0,-8 0 0,0 0 0,-1 0 0,-3 0 0,-1 0 0,-3 0 0,-1 0 0,1 0 0,-4 0 0,0 0 0</inkml:trace>
-</inkml:ink>
-</file>
-
-<file path=ppt/ink/ink103.xml><?xml version="1.0" encoding="utf-8"?>
-<inkml:ink xmlns:inkml="http://www.w3.org/2003/InkML">
-  <inkml:definitions>
-    <inkml:context xml:id="ctx0">
-      <inkml:inkSource xml:id="inkSrc0">
-        <inkml:traceFormat>
-          <inkml:channel name="X" type="integer" min="-2.14748E9" max="2.14748E9" units="cm"/>
-          <inkml:channel name="Y" type="integer" min="-2.14748E9" max="2.14748E9" units="cm"/>
-          <inkml:channel name="F" type="integer" max="32767" units="dev"/>
-        </inkml:traceFormat>
-        <inkml:channelProperties>
-          <inkml:channelProperty channel="X" name="resolution" value="1000" units="1/cm"/>
-          <inkml:channelProperty channel="Y" name="resolution" value="1000" units="1/cm"/>
-          <inkml:channelProperty channel="F" name="resolution" value="0" units="1/dev"/>
-        </inkml:channelProperties>
-      </inkml:inkSource>
-      <inkml:timestamp xml:id="ts0" timeString="2022-09-22T23:16:32.938"/>
-    </inkml:context>
-    <inkml:brush xml:id="br0">
-      <inkml:brushProperty name="width" value="0.1" units="cm"/>
-      <inkml:brushProperty name="height" value="0.1" units="cm"/>
-      <inkml:brushProperty name="color" value="#FFC114"/>
-    </inkml:brush>
-  </inkml:definitions>
-  <inkml:trace contextRef="#ctx0" brushRef="#br0">1 1 24575,'16'0'0,"9"0"0,-4 0 0,7 0 0,1 0 0,-4 0 0,0 0 0,-7 0 0,-7 0 0,0 0 0,-1 0 0,-3 0 0,3 0 0,-4 0 0,1 0 0,-1 0 0,0 0 0,0 0 0,1 0 0,-1 0 0,4 0 0,1 0 0,8 0 0,-3 0 0,6 0 0,-6 0 0,-1 0 0,-1 0 0,-7 0 0,3 0 0,-3 0 0,-3 0 0,-2 0 0</inkml:trace>
-</inkml:ink>
-</file>
-
-<file path=ppt/ink/ink104.xml><?xml version="1.0" encoding="utf-8"?>
-<inkml:ink xmlns:inkml="http://www.w3.org/2003/InkML">
-  <inkml:definitions>
-    <inkml:context xml:id="ctx0">
-      <inkml:inkSource xml:id="inkSrc0">
-        <inkml:traceFormat>
-          <inkml:channel name="X" type="integer" min="-2.14748E9" max="2.14748E9" units="cm"/>
-          <inkml:channel name="Y" type="integer" min="-2.14748E9" max="2.14748E9" units="cm"/>
-          <inkml:channel name="F" type="integer" max="32767" units="dev"/>
-        </inkml:traceFormat>
-        <inkml:channelProperties>
-          <inkml:channelProperty channel="X" name="resolution" value="1000" units="1/cm"/>
-          <inkml:channelProperty channel="Y" name="resolution" value="1000" units="1/cm"/>
-          <inkml:channelProperty channel="F" name="resolution" value="0" units="1/dev"/>
-        </inkml:channelProperties>
-      </inkml:inkSource>
-      <inkml:timestamp xml:id="ts0" timeString="2022-09-22T23:19:19.462"/>
-    </inkml:context>
-    <inkml:brush xml:id="br0">
-      <inkml:brushProperty name="width" value="0.1" units="cm"/>
-      <inkml:brushProperty name="height" value="0.1" units="cm"/>
-      <inkml:brushProperty name="color" value="#EBEBEB"/>
-    </inkml:brush>
-  </inkml:definitions>
-  <inkml:trace contextRef="#ctx0" brushRef="#br0">1 1 24575,'22'0'0,"-4"0"0,0 0 0,-3 0 0,4 0 0,-4 0 0,4 0 0,-5 3 0,1-2 0,-1 2 0,1 0 0,-1-2 0,1 5 0,4-5 0,0 2 0,5-3 0,0 4 0,0-3 0,0 2 0,5 1 0,6-3 0,1 3 0,0-1 0,-7-2 0,-1 3 0,2-4 0,0 3 0,3-2 0,-8 6 0,9-6 0,-9 6 0,3-6 0,-4 6 0,-4-6 0,3 6 0,-8-6 0,4 3 0,-4-1 0,3-2 0,2 2 0,4-3 0,0 4 0,0-4 0,4 4 0,-3-1 0,9-2 0,-9 3 0,9 0 0,-9-3 0,8 3 0,-3-4 0,5 0 0,-1 0 0,1 0 0,5 0 0,-4 0 0,10 0 0,-5 0 0,6 0 0,13 0 0,-16 0 0,35 0 0,-38 0 0,30-5 0,-28 4 0,16-4 0,-10 5 0,4 0 0,-7 0 0,1 0 0,0 0 0,-5 0 0,-7 0 0,-2 0 0,-7 4 0,-2-3 0,-1 6 0,-8-6 0,4 6 0,-4-7 0,-1 4 0,1-4 0,-1 0 0,1 3 0,-1-2 0,5 2 0,-4-3 0,8 0 0,-7 0 0,2 0 0,-3 0 0,3 0 0,-2 3 0,7-2 0,-3 6 0,14-3 0,-8 1 0,13 2 0,-14-3 0,8 5 0,-8-1 0,9 1 0,-4-1 0,0 0 0,3 1 0,-3-1 0,5-3 0,-5 3 0,8-8 0,-6 8 0,8-7 0,-6 3 0,1-4 0,0 3 0,-1-2 0,1 7 0,0-7 0,5 7 0,-4-7 0,19 11 0,-16-6 0,11 6 0,-20-3 0,-1-5 0,-5 4 0,-1-4 0,-3 4 0,3-4 0,-7 2 0,2-2 0,1 4 0,-4-1 0,4-2 0,-4 1 0,-1-5 0,1 5 0,-1-5 0,1 6 0,-1-7 0,5 7 0,-3-6 0,6 6 0,-6-6 0,17 10 0,-10-6 0,11 7 0,-10-5 0,0 1 0,-4-3 0,3 2 0,-8-3 0,4 0 0,-5 0 0,-3-1 0,3-3 0,-7 6 0,4-5 0,1 5 0,0-6 0,2 3 0,0 1 0,-3-4 0,0 4 0,-1-4 0,-4 0 0,1 0 0,-1 0 0,1 0 0,-1 0 0,-2 0 0,-1 0 0</inkml:trace>
-</inkml:ink>
-</file>
-
-<file path=ppt/ink/ink105.xml><?xml version="1.0" encoding="utf-8"?>
-<inkml:ink xmlns:inkml="http://www.w3.org/2003/InkML">
-  <inkml:definitions>
-    <inkml:context xml:id="ctx0">
-      <inkml:inkSource xml:id="inkSrc0">
-        <inkml:traceFormat>
-          <inkml:channel name="X" type="integer" min="-2.14748E9" max="2.14748E9" units="cm"/>
-          <inkml:channel name="Y" type="integer" min="-2.14748E9" max="2.14748E9" units="cm"/>
-          <inkml:channel name="F" type="integer" max="32767" units="dev"/>
-        </inkml:traceFormat>
-        <inkml:channelProperties>
-          <inkml:channelProperty channel="X" name="resolution" value="1000" units="1/cm"/>
-          <inkml:channelProperty channel="Y" name="resolution" value="1000" units="1/cm"/>
-          <inkml:channelProperty channel="F" name="resolution" value="0" units="1/dev"/>
-        </inkml:channelProperties>
-      </inkml:inkSource>
-      <inkml:timestamp xml:id="ts0" timeString="2022-09-22T23:19:21.978"/>
-    </inkml:context>
-    <inkml:brush xml:id="br0">
-      <inkml:brushProperty name="width" value="0.1" units="cm"/>
-      <inkml:brushProperty name="height" value="0.1" units="cm"/>
-      <inkml:brushProperty name="color" value="#EBEBEB"/>
-    </inkml:brush>
-  </inkml:definitions>
-  <inkml:trace contextRef="#ctx0" brushRef="#br0">0 1304 24575,'21'0'0,"10"-4"0,12-6 0,12-6 0,5-8 0,7 2 0,2-8 0,0 3 0,0-10 0,-24 15 0,13-7 0,-12 4 0,4 4 0,23-16 0,-37 19 0,49-9 0,-58 10 0,42-8 0,-35 11 0,25-9 0,-16 9 0,9-6 0,-11 2 0,1 4 0,-2-3 0,-10 8 0,-2-3 0,-4 4 0,0-4 0,0 3 0,0-2 0,0 3 0,-5-3 0,4 2 0,-3-2 0,4 0 0,0-2 0,0 1 0,20-11 0,-11 11 0,23-12 0,-20 10 0,10-4 0,-10 4 0,9-4 0,-9 5 0,4-1 0,-5 1 0,-5 1 0,3 3 0,-3-3 0,0 3 0,4 1 0,-5-1 0,18-4 0,-10 3 0,15-4 0,-11 5 0,12-1 0,-4 5 0,3-4 0,-10 4 0,-2 0 0,-10-3 0,-1 4 0,-10-4 0,4 1 0,-3 2 0,4-2 0,0-1 0,0 0 0,0-4 0,4 4 0,-3 0 0,4-1 0,0-3 0,-4 7 0,3-6 0,1 6 0,1-4 0,5 1 0,-1 3 0,1-3 0,5 3 0,2-4 0,5 0 0,-1-1 0,-4 1 0,-2 4 0,-5-3 0,-1 4 0,-4-1 0,4-3 0,-9 7 0,3-3 0,-4 4 0,5 0 0,-4 0 0,4 0 0,0 0 0,-4-3 0,3 2 0,1-6 0,-4 6 0,8-7 0,-8 7 0,4-6 0,0 2 0,-4 0 0,8-2 0,-8 6 0,4-7 0,-5 7 0,0-6 0,-1 3 0,1-1 0,-4-1 0,3 5 0,-8-6 0,4 7 0,-4-4 0,-1 1 0,1 2 0,-1-2 0,1 3 0,-1-3 0,1 2 0,-5-2 0,4 0 0,-7 2 0,7-2 0,-7 3 0,4-3 0,-5 2 0,1-2 0,-1 3 0,1 0 0,-1-2 0,0 1 0,1-2 0,-4 3 0,0 0 0</inkml:trace>
-</inkml:ink>
-</file>
-
-<file path=ppt/ink/ink106.xml><?xml version="1.0" encoding="utf-8"?>
-<inkml:ink xmlns:inkml="http://www.w3.org/2003/InkML">
-  <inkml:definitions>
-    <inkml:context xml:id="ctx0">
-      <inkml:inkSource xml:id="inkSrc0">
-        <inkml:traceFormat>
-          <inkml:channel name="X" type="integer" min="-2.14748E9" max="2.14748E9" units="cm"/>
-          <inkml:channel name="Y" type="integer" min="-2.14748E9" max="2.14748E9" units="cm"/>
-          <inkml:channel name="F" type="integer" max="32767" units="dev"/>
-        </inkml:traceFormat>
-        <inkml:channelProperties>
-          <inkml:channelProperty channel="X" name="resolution" value="1000" units="1/cm"/>
-          <inkml:channelProperty channel="Y" name="resolution" value="1000" units="1/cm"/>
-          <inkml:channelProperty channel="F" name="resolution" value="0" units="1/dev"/>
-        </inkml:channelProperties>
-      </inkml:inkSource>
-      <inkml:timestamp xml:id="ts0" timeString="2022-09-22T23:19:24.876"/>
-    </inkml:context>
-    <inkml:brush xml:id="br0">
-      <inkml:brushProperty name="width" value="0.1" units="cm"/>
-      <inkml:brushProperty name="height" value="0.1" units="cm"/>
-      <inkml:brushProperty name="color" value="#EBEBEB"/>
-    </inkml:brush>
-  </inkml:definitions>
-  <inkml:trace contextRef="#ctx0" brushRef="#br0">1 87 24575,'13'0'0,"0"0"0,1 0 0,5 0 0,-3 0 0,2 0 0,1-3 0,-3 2 0,2-3 0,-3 4 0,-4-3 0,2 3 0,-5-3 0,6 3 0,-4 0 0,4 0 0,-4 0 0,3 0 0,-6-3 0,3 2 0,-3-2 0,3 3 0,-2 0 0,5-6 0,-5 4 0,5-4 0,-2 6 0,4-4 0,-1 4 0,1-4 0,-1 1 0,1 2 0,4-2 0,-4 3 0,4 0 0,-1-3 0,-2 2 0,7-3 0,-3 1 0,8 2 0,2-7 0,5 7 0,0-3 0,-1 1 0,1 2 0,0-3 0,-1 4 0,1 0 0,0 0 0,-1 0 0,1 0 0,0 0 0,5 0 0,1 0 0,6 0 0,0 0 0,21 0 0,-22 0 0,21 0 0,-26 0 0,1 0 0,-2 0 0,-6 0 0,1 0 0,0 0 0,-5 0 0,3 0 0,-3 0 0,5 0 0,-1 0 0,6 0 0,-4 0 0,10 0 0,-5 0 0,6 0 0,6 4 0,-4-3 0,3 4 0,-10-5 0,3 0 0,-9 0 0,4 0 0,0 0 0,-3 0 0,8 0 0,-3 0 0,4 0 0,1 0 0,21 0 0,-16 0 0,10 0 0,-16 0 0,-5 0 0,6 0 0,-6 0 0,5 0 0,-5 0 0,1 0 0,3 0 0,-9 0 0,9 0 0,-3 0 0,4 0 0,1 0 0,16 0 0,-13 0 0,7 0 0,-17 0 0,-5 0 0,5 4 0,-4-3 0,4 3 0,-5 0 0,-5-3 0,3 3 0,-8-4 0,4 0 0,-5 0 0,-5 0 0,0 0 0,-8 0 0,-1 0 0,-3 0 0,3 0 0,1 0 0,0 0 0,2 0 0,3 0 0,3 0 0,5 0 0,5 0 0,-4 0 0,8 0 0,-7 0 0,2 0 0,-4 0 0,-4 0 0,3 0 0,-8 0 0,4 0 0,-5 0 0,5 0 0,1 0 0,4 0 0,0-4 0,-1 4 0,1-4 0,0 0 0,0 4 0,-4-4 0,3 0 0,-8 4 0,4-4 0,0 0 0,-4 4 0,4-4 0,-5 4 0,5 0 0,-3 0 0,2 0 0,-3 0 0,-1 0 0,-3 0 0,3 0 0,-3 0 0,3 0 0,1 0 0,4 0 0,-4 0 0,4 0 0,-5 0 0,1 0 0,-4 0 0,2 0 0,-6 0 0,4 0 0,-5 0 0,0 0 0,-2 0 0,-1 0 0</inkml:trace>
-</inkml:ink>
-</file>
-
-<file path=ppt/ink/ink107.xml><?xml version="1.0" encoding="utf-8"?>
-<inkml:ink xmlns:inkml="http://www.w3.org/2003/InkML">
-  <inkml:definitions>
-    <inkml:context xml:id="ctx0">
-      <inkml:inkSource xml:id="inkSrc0">
-        <inkml:traceFormat>
-          <inkml:channel name="X" type="integer" min="-2.14748E9" max="2.14748E9" units="cm"/>
-          <inkml:channel name="Y" type="integer" min="-2.14748E9" max="2.14748E9" units="cm"/>
-          <inkml:channel name="F" type="integer" max="32767" units="dev"/>
-        </inkml:traceFormat>
-        <inkml:channelProperties>
-          <inkml:channelProperty channel="X" name="resolution" value="1000" units="1/cm"/>
-          <inkml:channelProperty channel="Y" name="resolution" value="1000" units="1/cm"/>
-          <inkml:channelProperty channel="F" name="resolution" value="0" units="1/dev"/>
-        </inkml:channelProperties>
-      </inkml:inkSource>
-      <inkml:timestamp xml:id="ts0" timeString="2022-09-22T23:19:28.509"/>
-    </inkml:context>
-    <inkml:brush xml:id="br0">
-      <inkml:brushProperty name="width" value="0.1" units="cm"/>
-      <inkml:brushProperty name="height" value="0.1" units="cm"/>
-      <inkml:brushProperty name="color" value="#EBEBEB"/>
-    </inkml:brush>
-  </inkml:definitions>
-  <inkml:trace contextRef="#ctx0" brushRef="#br0">1 0 24575,'13'0'0,"4"0"0,3 0 0,4 0 0,4 0 0,-7 0 0,12 0 0,-8 0 0,5 0 0,4 0 0,-4 0 0,-1 0 0,5 0 0,-9 0 0,3 0 0,-4 0 0,0 0 0,0 0 0,0 0 0,5 0 0,-9 0 0,8 0 0,-8 0 0,0 0 0,2 0 0,-2 0 0,0 0 0,3 0 0,-4 0 0,5 4 0,0-3 0,0 6 0,-4-6 0,3 6 0,-4-3 0,5 1 0,0 2 0,0-6 0,0 6 0,0-6 0,4 6 0,-3-6 0,9 3 0,-9-1 0,9-2 0,-5 3 0,1-4 0,4 0 0,-4 0 0,4 0 0,-4 3 0,4-2 0,-4 3 0,10-4 0,-4 0 0,9 0 0,-3 0 0,5 4 0,0-3 0,5 3 0,-3 0 0,10-3 0,-11 8 0,11-8 0,-16 7 0,9-7 0,-16 6 0,4-2 0,-6 0 0,1 3 0,0-7 0,-5 6 0,3-6 0,-3 2 0,5 1 0,-1-3 0,0 7 0,0-7 0,7 3 0,-5 0 0,9-3 0,-3 7 0,-1-7 0,5 3 0,-5 0 0,1-3 0,3 3 0,-9-4 0,4 0 0,0 4 0,-4-3 0,4 4 0,1-5 0,-5 0 0,9 0 0,-3 0 0,4 0 0,7 4 0,-4-3 0,3 4 0,1-1 0,-4-3 0,4 4 0,-6-1 0,-6-3 0,-1 3 0,-5 0 0,0-3 0,-1 3 0,-4-4 0,-1 0 0,-6 0 0,6 0 0,-4 0 0,4 0 0,-5 0 0,0 0 0,0 0 0,0 0 0,-5 0 0,4 0 0,-3 0 0,4 0 0,0 0 0,0 0 0,-1 0 0,12 0 0,-9 0 0,9 0 0,-15 0 0,2 0 0,-10 0 0,6 0 0,-7 0 0,4 0 0,-1 0 0,1 0 0,-1 3 0,1-2 0,-1 2 0,1-3 0,-1 0 0,1 3 0,-1-2 0,-3 2 0,3-3 0,-7 0 0,4 0 0,-5 0 0,1 0 0,-1 0 0,0 0 0,1 0 0,-1 0 0,4 0 0,-2 0 0,2 0 0,-4 0 0,1 0 0,-4 0 0,0 0 0</inkml:trace>
-</inkml:ink>
-</file>
-
-<file path=ppt/ink/ink108.xml><?xml version="1.0" encoding="utf-8"?>
-<inkml:ink xmlns:inkml="http://www.w3.org/2003/InkML">
-  <inkml:definitions>
-    <inkml:context xml:id="ctx0">
-      <inkml:inkSource xml:id="inkSrc0">
-        <inkml:traceFormat>
-          <inkml:channel name="X" type="integer" min="-2.14748E9" max="2.14748E9" units="cm"/>
-          <inkml:channel name="Y" type="integer" min="-2.14748E9" max="2.14748E9" units="cm"/>
-          <inkml:channel name="F" type="integer" max="32767" units="dev"/>
-        </inkml:traceFormat>
-        <inkml:channelProperties>
-          <inkml:channelProperty channel="X" name="resolution" value="1000" units="1/cm"/>
-          <inkml:channelProperty channel="Y" name="resolution" value="1000" units="1/cm"/>
-          <inkml:channelProperty channel="F" name="resolution" value="0" units="1/dev"/>
-        </inkml:channelProperties>
-      </inkml:inkSource>
-      <inkml:timestamp xml:id="ts0" timeString="2022-09-22T23:19:31.108"/>
-    </inkml:context>
-    <inkml:brush xml:id="br0">
-      <inkml:brushProperty name="width" value="0.1" units="cm"/>
-      <inkml:brushProperty name="height" value="0.1" units="cm"/>
-      <inkml:brushProperty name="color" value="#EBEBEB"/>
-    </inkml:brush>
-  </inkml:definitions>
-  <inkml:trace contextRef="#ctx0" brushRef="#br0">0 109 24575,'10'0'0,"3"0"0,-2 0 0,3 0 0,1 0 0,-1 0 0,5 0 0,-3 0 0,7 0 0,1 0 0,17 0 0,-3 0 0,8 0 0,-11 0 0,5 0 0,-4 0 0,10 0 0,-10 0 0,9 0 0,-14 0 0,8 0 0,-3 0 0,5 0 0,6 0 0,0 0 0,6 0 0,8 0 0,-11 0 0,15 0 0,-16 0 0,18 0 0,-11 0 0,9 0 0,-16 0 0,-2 0 0,-7 0 0,-5 0 0,-5 0 0,-2 0 0,1 0 0,-4 0 0,9 0 0,-4 0 0,4 0 0,1 0 0,5 0 0,-4 0 0,4 0 0,0-4 0,-4 3 0,9-7 0,-8 7 0,8-8 0,-9 8 0,10-7 0,-10 7 0,9-7 0,-9 3 0,10-4 0,-10 4 0,25-3 0,-22 3 0,22 0 0,-25-3 0,10 7 0,-5-3 0,1 4 0,3-4 0,-9 3 0,5-3 0,-7 0 0,6 3 0,-4-3 0,4 4 0,-5 0 0,0 0 0,-5 0 0,-2 0 0,1 0 0,-8 0 0,7 0 0,-9 0 0,5 0 0,-4 0 0,8 0 0,-7 0 0,12 0 0,-8 0 0,9 0 0,-4 0 0,4 0 0,6 0 0,-4 0 0,4 0 0,-5 0 0,-5 0 0,3 0 0,-8 0 0,4 0 0,6 0 0,-13 0 0,12 0 0,-19 0 0,8 0 0,-8 0 0,8 4 0,-3-3 0,4 6 0,0-6 0,0 6 0,0-6 0,0 2 0,-1 1 0,1 0 0,0 1 0,5 2 0,-4-6 0,8 7 0,-7-4 0,2 5 0,-4-1 0,0-4 0,0 3 0,0-6 0,-4 6 0,-2-6 0,-3 2 0,-1-3 0,-3 3 0,2-3 0,-5 3 0,5-3 0,-2 0 0,0 0 0,2 0 0,-5 0 0,2 0 0,-4 0 0,1 0 0,-1 0 0,1 0 0,-1 0 0,1 0 0,-1 0 0,9 0 0,-3 0 0,10 0 0,-2 0 0,4 0 0,-4 0 0,3 0 0,-11 0 0,5 0 0,-9 0 0,2 0 0,-4 0 0,1 0 0,0 0 0,3 0 0,1 0 0,3 0 0,1 0 0,-1 0 0,-3 0 0,3 0 0,-7 0 0,3 0 0,-3 0 0,-1 0 0,1 0 0,-1 0 0,1 0 0,-1 0 0,0 0 0,1 3 0,-1-2 0,4 5 0,-5-5 0,1 2 0</inkml:trace>
-</inkml:ink>
-</file>
-
-<file path=ppt/ink/ink109.xml><?xml version="1.0" encoding="utf-8"?>
-<inkml:ink xmlns:inkml="http://www.w3.org/2003/InkML">
-  <inkml:definitions>
-    <inkml:context xml:id="ctx0">
-      <inkml:inkSource xml:id="inkSrc0">
-        <inkml:traceFormat>
-          <inkml:channel name="X" type="integer" min="-2.14748E9" max="2.14748E9" units="cm"/>
-          <inkml:channel name="Y" type="integer" min="-2.14748E9" max="2.14748E9" units="cm"/>
-          <inkml:channel name="F" type="integer" max="32767" units="dev"/>
-        </inkml:traceFormat>
-        <inkml:channelProperties>
-          <inkml:channelProperty channel="X" name="resolution" value="1000" units="1/cm"/>
-          <inkml:channelProperty channel="Y" name="resolution" value="1000" units="1/cm"/>
-          <inkml:channelProperty channel="F" name="resolution" value="0" units="1/dev"/>
-        </inkml:channelProperties>
-      </inkml:inkSource>
-      <inkml:timestamp xml:id="ts0" timeString="2022-12-08T20:42:06.122"/>
-    </inkml:context>
-    <inkml:brush xml:id="br0">
-      <inkml:brushProperty name="width" value="0.1" units="cm"/>
-      <inkml:brushProperty name="height" value="0.1" units="cm"/>
-      <inkml:brushProperty name="color" value="#E71224"/>
-    </inkml:brush>
-  </inkml:definitions>
-  <inkml:trace contextRef="#ctx0" brushRef="#br0">0 7 24575,'24'-1'0,"2"0"0,0 0 0,-2 0 0,-6 0 0,-8 1 0,-1-1 0,1 1 0,0 0 0,9 0 0,0 1 0,0-1 0,-4 1 0,-8-1 0,-2 0 0,2 1 0,7 0 0,3 1 0,-1 0 0,-4-1 0,-6 0 0,0-1 0,3 0 0,-1 0 0,-1 0 0,-3 0 0,-2 0 0,1 0 0,0 0 0,0 0 0,1 0 0,3 0 0,-3 0 0,3 0 0,-2 0 0,2 0 0,-2 0 0,0-1 0,-3-1 0,-2-1 0</inkml:trace>
-</inkml:ink>
-</file>
-
-<file path=ppt/ink/ink11.xml><?xml version="1.0" encoding="utf-8"?>
-<inkml:ink xmlns:inkml="http://www.w3.org/2003/InkML">
-  <inkml:definitions>
-    <inkml:context xml:id="ctx0">
-      <inkml:inkSource xml:id="inkSrc0">
-        <inkml:traceFormat>
-          <inkml:channel name="X" type="integer" min="-2.14748E9" max="2.14748E9" units="cm"/>
-          <inkml:channel name="Y" type="integer" min="-2.14748E9" max="2.14748E9" units="cm"/>
-          <inkml:channel name="F" type="integer" max="32767" units="dev"/>
-        </inkml:traceFormat>
-        <inkml:channelProperties>
-          <inkml:channelProperty channel="X" name="resolution" value="1000" units="1/cm"/>
-          <inkml:channelProperty channel="Y" name="resolution" value="1000" units="1/cm"/>
-          <inkml:channelProperty channel="F" name="resolution" value="0" units="1/dev"/>
-        </inkml:channelProperties>
-      </inkml:inkSource>
-      <inkml:timestamp xml:id="ts0" timeString="2022-09-20T23:32:33.702"/>
-    </inkml:context>
-    <inkml:brush xml:id="br0">
-      <inkml:brushProperty name="width" value="0.2" units="cm"/>
-      <inkml:brushProperty name="height" value="0.4" units="cm"/>
-      <inkml:brushProperty name="color" value="#FF2500"/>
-      <inkml:brushProperty name="tip" value="rectangle"/>
-      <inkml:brushProperty name="rasterOp" value="maskPen"/>
-    </inkml:brush>
-  </inkml:definitions>
-  <inkml:trace contextRef="#ctx0" brushRef="#br0">42 125 16383,'36'0'0,"-6"0"0,-18 0 0,-4 0 0,7 0 0,-6 0 0,1-3 0,1-4 0,-7-1 0,6-3 0,-5 0 0,2 6 0,0-8 0,1 8 0,-4-5 0,2-1 0,-5 3 0,6-3 0,-7 0 0,-17 7 0,9-3 0,-21 7 0,20 0 0,-7 4 0,8-3 0,-4 3 0,2-4 0,2 0 0,-6 0 0,6 0 0,-3 0 0,0 0 0,3 3 0,-3 4 0,4 1 0,3 2 0,-3-2 0,3-1 0,-3 4 0,-1-2 0,4 1 0,-3-2 0,3-1 0</inkml:trace>
-</inkml:ink>
-</file>
-
-<file path=ppt/ink/ink110.xml><?xml version="1.0" encoding="utf-8"?>
-<inkml:ink xmlns:inkml="http://www.w3.org/2003/InkML">
-  <inkml:definitions>
-    <inkml:context xml:id="ctx0">
-      <inkml:inkSource xml:id="inkSrc0">
-        <inkml:traceFormat>
-          <inkml:channel name="X" type="integer" min="-2.14748E9" max="2.14748E9" units="cm"/>
-          <inkml:channel name="Y" type="integer" min="-2.14748E9" max="2.14748E9" units="cm"/>
-          <inkml:channel name="F" type="integer" max="32767" units="dev"/>
-        </inkml:traceFormat>
-        <inkml:channelProperties>
-          <inkml:channelProperty channel="X" name="resolution" value="1000" units="1/cm"/>
-          <inkml:channelProperty channel="Y" name="resolution" value="1000" units="1/cm"/>
-          <inkml:channelProperty channel="F" name="resolution" value="0" units="1/dev"/>
-        </inkml:channelProperties>
-      </inkml:inkSource>
       <inkml:timestamp xml:id="ts0" timeString="2022-12-08T20:42:37.607"/>
     </inkml:context>
     <inkml:brush xml:id="br0">
@@ -508,7 +198,7 @@
 </inkml:ink>
 </file>
 
-<file path=ppt/ink/ink111.xml><?xml version="1.0" encoding="utf-8"?>
+<file path=ppt/ink/ink101.xml><?xml version="1.0" encoding="utf-8"?>
 <inkml:ink xmlns:inkml="http://www.w3.org/2003/InkML">
   <inkml:definitions>
     <inkml:context xml:id="ctx0">
@@ -536,7 +226,7 @@
 </inkml:ink>
 </file>
 
-<file path=ppt/ink/ink112.xml><?xml version="1.0" encoding="utf-8"?>
+<file path=ppt/ink/ink102.xml><?xml version="1.0" encoding="utf-8"?>
 <inkml:ink xmlns:inkml="http://www.w3.org/2003/InkML">
   <inkml:definitions>
     <inkml:context xml:id="ctx0">
@@ -564,7 +254,7 @@
 </inkml:ink>
 </file>
 
-<file path=ppt/ink/ink113.xml><?xml version="1.0" encoding="utf-8"?>
+<file path=ppt/ink/ink103.xml><?xml version="1.0" encoding="utf-8"?>
 <inkml:ink xmlns:inkml="http://www.w3.org/2003/InkML">
   <inkml:definitions>
     <inkml:context xml:id="ctx0">
@@ -589,6 +279,36 @@
     </inkml:brush>
   </inkml:definitions>
   <inkml:trace contextRef="#ctx0" brushRef="#br0">1 0 24575,'0'0'0</inkml:trace>
+</inkml:ink>
+</file>
+
+<file path=ppt/ink/ink11.xml><?xml version="1.0" encoding="utf-8"?>
+<inkml:ink xmlns:inkml="http://www.w3.org/2003/InkML">
+  <inkml:definitions>
+    <inkml:context xml:id="ctx0">
+      <inkml:inkSource xml:id="inkSrc0">
+        <inkml:traceFormat>
+          <inkml:channel name="X" type="integer" min="-2.14748E9" max="2.14748E9" units="cm"/>
+          <inkml:channel name="Y" type="integer" min="-2.14748E9" max="2.14748E9" units="cm"/>
+          <inkml:channel name="F" type="integer" max="32767" units="dev"/>
+        </inkml:traceFormat>
+        <inkml:channelProperties>
+          <inkml:channelProperty channel="X" name="resolution" value="1000" units="1/cm"/>
+          <inkml:channelProperty channel="Y" name="resolution" value="1000" units="1/cm"/>
+          <inkml:channelProperty channel="F" name="resolution" value="0" units="1/dev"/>
+        </inkml:channelProperties>
+      </inkml:inkSource>
+      <inkml:timestamp xml:id="ts0" timeString="2022-09-20T23:32:33.702"/>
+    </inkml:context>
+    <inkml:brush xml:id="br0">
+      <inkml:brushProperty name="width" value="0.2" units="cm"/>
+      <inkml:brushProperty name="height" value="0.4" units="cm"/>
+      <inkml:brushProperty name="color" value="#FFE699"/>
+      <inkml:brushProperty name="tip" value="rectangle"/>
+      <inkml:brushProperty name="rasterOp" value="maskPen"/>
+    </inkml:brush>
+  </inkml:definitions>
+  <inkml:trace contextRef="#ctx0" brushRef="#br0">42 125 16383,'36'0'0,"-6"0"0,-18 0 0,-4 0 0,7 0 0,-6 0 0,1-3 0,1-4 0,-7-1 0,6-3 0,-5 0 0,2 6 0,0-8 0,1 8 0,-4-5 0,2-1 0,-5 3 0,6-3 0,-7 0 0,-17 7 0,9-3 0,-21 7 0,20 0 0,-7 4 0,8-3 0,-4 3 0,2-4 0,2 0 0,-6 0 0,6 0 0,-3 0 0,0 0 0,3 3 0,-3 4 0,4 1 0,3 2 0,-3-2 0,3-1 0,-3 4 0,-1-2 0,4 1 0,-3-2 0,3-1 0</inkml:trace>
 </inkml:ink>
 </file>
 
@@ -751,7 +471,7 @@
     <inkml:brush xml:id="br0">
       <inkml:brushProperty name="width" value="0.2" units="cm"/>
       <inkml:brushProperty name="height" value="0.4" units="cm"/>
-      <inkml:brushProperty name="color" value="#FF2500"/>
+      <inkml:brushProperty name="color" value="#FFE699"/>
       <inkml:brushProperty name="tip" value="rectangle"/>
       <inkml:brushProperty name="rasterOp" value="maskPen"/>
     </inkml:brush>
@@ -946,7 +666,7 @@
     <inkml:brush xml:id="br0">
       <inkml:brushProperty name="width" value="0.2" units="cm"/>
       <inkml:brushProperty name="height" value="0.4" units="cm"/>
-      <inkml:brushProperty name="color" value="#FF2500"/>
+      <inkml:brushProperty name="color" value="#FFE699"/>
       <inkml:brushProperty name="tip" value="rectangle"/>
       <inkml:brushProperty name="rasterOp" value="maskPen"/>
     </inkml:brush>
@@ -1001,15 +721,15 @@
           <inkml:channelProperty channel="F" name="resolution" value="0" units="1/dev"/>
         </inkml:channelProperties>
       </inkml:inkSource>
-      <inkml:timestamp xml:id="ts0" timeString="2022-09-20T23:34:27.210"/>
+      <inkml:timestamp xml:id="ts0" timeString="2022-09-20T23:34:40.930"/>
     </inkml:context>
     <inkml:brush xml:id="br0">
       <inkml:brushProperty name="width" value="0.2" units="cm"/>
       <inkml:brushProperty name="height" value="0.2" units="cm"/>
-      <inkml:brushProperty name="color" value="#FFC000"/>
+      <inkml:brushProperty name="color" value="#FF0000"/>
     </inkml:brush>
   </inkml:definitions>
-  <inkml:trace contextRef="#ctx0" brushRef="#br0">1 1 24575,'0'0'0</inkml:trace>
+  <inkml:trace contextRef="#ctx0" brushRef="#br0">0 0 24575,'0'0'0</inkml:trace>
 </inkml:ink>
 </file>
 
@@ -1029,15 +749,15 @@
           <inkml:channelProperty channel="F" name="resolution" value="0" units="1/dev"/>
         </inkml:channelProperties>
       </inkml:inkSource>
-      <inkml:timestamp xml:id="ts0" timeString="2022-09-20T23:34:27.788"/>
+      <inkml:timestamp xml:id="ts0" timeString="2022-09-20T23:34:41.530"/>
     </inkml:context>
     <inkml:brush xml:id="br0">
       <inkml:brushProperty name="width" value="0.2" units="cm"/>
       <inkml:brushProperty name="height" value="0.2" units="cm"/>
-      <inkml:brushProperty name="color" value="#FFC000"/>
+      <inkml:brushProperty name="color" value="#FF0000"/>
     </inkml:brush>
   </inkml:definitions>
-  <inkml:trace contextRef="#ctx0" brushRef="#br0">1 0 24575,'0'0'0</inkml:trace>
+  <inkml:trace contextRef="#ctx0" brushRef="#br0">0 0 24575,'0'0'0</inkml:trace>
 </inkml:ink>
 </file>
 
@@ -1057,15 +777,15 @@
           <inkml:channelProperty channel="F" name="resolution" value="0" units="1/dev"/>
         </inkml:channelProperties>
       </inkml:inkSource>
-      <inkml:timestamp xml:id="ts0" timeString="2022-09-20T23:34:28.315"/>
+      <inkml:timestamp xml:id="ts0" timeString="2022-09-20T23:34:42.009"/>
     </inkml:context>
     <inkml:brush xml:id="br0">
       <inkml:brushProperty name="width" value="0.2" units="cm"/>
       <inkml:brushProperty name="height" value="0.2" units="cm"/>
-      <inkml:brushProperty name="color" value="#FFC000"/>
+      <inkml:brushProperty name="color" value="#FF0000"/>
     </inkml:brush>
   </inkml:definitions>
-  <inkml:trace contextRef="#ctx0" brushRef="#br0">1 0 24575,'0'0'0</inkml:trace>
+  <inkml:trace contextRef="#ctx0" brushRef="#br0">0 1 24575,'0'0'0</inkml:trace>
 </inkml:ink>
 </file>
 
@@ -1085,15 +805,15 @@
           <inkml:channelProperty channel="F" name="resolution" value="0" units="1/dev"/>
         </inkml:channelProperties>
       </inkml:inkSource>
-      <inkml:timestamp xml:id="ts0" timeString="2022-09-20T23:34:28.714"/>
+      <inkml:timestamp xml:id="ts0" timeString="2022-09-20T23:34:42.729"/>
     </inkml:context>
     <inkml:brush xml:id="br0">
       <inkml:brushProperty name="width" value="0.2" units="cm"/>
       <inkml:brushProperty name="height" value="0.2" units="cm"/>
-      <inkml:brushProperty name="color" value="#FFC000"/>
+      <inkml:brushProperty name="color" value="#FF0000"/>
     </inkml:brush>
   </inkml:definitions>
-  <inkml:trace contextRef="#ctx0" brushRef="#br0">1 1 24575,'0'0'0</inkml:trace>
+  <inkml:trace contextRef="#ctx0" brushRef="#br0">0 0 24575,'0'0'0</inkml:trace>
 </inkml:ink>
 </file>
 
@@ -1113,15 +833,15 @@
           <inkml:channelProperty channel="F" name="resolution" value="0" units="1/dev"/>
         </inkml:channelProperties>
       </inkml:inkSource>
-      <inkml:timestamp xml:id="ts0" timeString="2022-09-20T23:34:29.082"/>
+      <inkml:timestamp xml:id="ts0" timeString="2022-09-20T23:34:43.418"/>
     </inkml:context>
     <inkml:brush xml:id="br0">
       <inkml:brushProperty name="width" value="0.2" units="cm"/>
       <inkml:brushProperty name="height" value="0.2" units="cm"/>
-      <inkml:brushProperty name="color" value="#FFC000"/>
+      <inkml:brushProperty name="color" value="#FF0000"/>
     </inkml:brush>
   </inkml:definitions>
-  <inkml:trace contextRef="#ctx0" brushRef="#br0">0 1 24575,'0'0'0</inkml:trace>
+  <inkml:trace contextRef="#ctx0" brushRef="#br0">1 1 24575,'0'0'0</inkml:trace>
 </inkml:ink>
 </file>
 
@@ -1168,15 +888,15 @@
           <inkml:channelProperty channel="F" name="resolution" value="0" units="1/dev"/>
         </inkml:channelProperties>
       </inkml:inkSource>
-      <inkml:timestamp xml:id="ts0" timeString="2022-09-20T23:34:29.480"/>
+      <inkml:timestamp xml:id="ts0" timeString="2022-09-20T23:34:43.993"/>
     </inkml:context>
     <inkml:brush xml:id="br0">
       <inkml:brushProperty name="width" value="0.2" units="cm"/>
       <inkml:brushProperty name="height" value="0.2" units="cm"/>
-      <inkml:brushProperty name="color" value="#FFC000"/>
+      <inkml:brushProperty name="color" value="#FF0000"/>
     </inkml:brush>
   </inkml:definitions>
-  <inkml:trace contextRef="#ctx0" brushRef="#br0">0 1 24575,'0'0'0</inkml:trace>
+  <inkml:trace contextRef="#ctx0" brushRef="#br0">0 0 24575,'0'0'0</inkml:trace>
 </inkml:ink>
 </file>
 
@@ -1196,15 +916,15 @@
           <inkml:channelProperty channel="F" name="resolution" value="0" units="1/dev"/>
         </inkml:channelProperties>
       </inkml:inkSource>
-      <inkml:timestamp xml:id="ts0" timeString="2022-09-20T23:34:29.922"/>
+      <inkml:timestamp xml:id="ts0" timeString="2022-09-20T23:34:44.863"/>
     </inkml:context>
     <inkml:brush xml:id="br0">
       <inkml:brushProperty name="width" value="0.2" units="cm"/>
       <inkml:brushProperty name="height" value="0.2" units="cm"/>
-      <inkml:brushProperty name="color" value="#FFC000"/>
+      <inkml:brushProperty name="color" value="#FF0000"/>
     </inkml:brush>
   </inkml:definitions>
-  <inkml:trace contextRef="#ctx0" brushRef="#br0">0 0 24575,'0'0'0</inkml:trace>
+  <inkml:trace contextRef="#ctx0" brushRef="#br0">0 1 24575,'0'0'0</inkml:trace>
 </inkml:ink>
 </file>
 
@@ -1224,12 +944,12 @@
           <inkml:channelProperty channel="F" name="resolution" value="0" units="1/dev"/>
         </inkml:channelProperties>
       </inkml:inkSource>
-      <inkml:timestamp xml:id="ts0" timeString="2022-09-20T23:34:30.529"/>
+      <inkml:timestamp xml:id="ts0" timeString="2022-09-20T23:34:47.638"/>
     </inkml:context>
     <inkml:brush xml:id="br0">
       <inkml:brushProperty name="width" value="0.2" units="cm"/>
       <inkml:brushProperty name="height" value="0.2" units="cm"/>
-      <inkml:brushProperty name="color" value="#FFC000"/>
+      <inkml:brushProperty name="color" value="#FF0000"/>
     </inkml:brush>
   </inkml:definitions>
   <inkml:trace contextRef="#ctx0" brushRef="#br0">1 1 24575,'0'0'0</inkml:trace>
@@ -1252,15 +972,15 @@
           <inkml:channelProperty channel="F" name="resolution" value="0" units="1/dev"/>
         </inkml:channelProperties>
       </inkml:inkSource>
-      <inkml:timestamp xml:id="ts0" timeString="2022-09-20T23:34:31.001"/>
+      <inkml:timestamp xml:id="ts0" timeString="2022-09-20T23:34:49.928"/>
     </inkml:context>
     <inkml:brush xml:id="br0">
       <inkml:brushProperty name="width" value="0.2" units="cm"/>
       <inkml:brushProperty name="height" value="0.2" units="cm"/>
-      <inkml:brushProperty name="color" value="#FFC000"/>
+      <inkml:brushProperty name="color" value="#FF0000"/>
     </inkml:brush>
   </inkml:definitions>
-  <inkml:trace contextRef="#ctx0" brushRef="#br0">0 0 24575,'0'0'0</inkml:trace>
+  <inkml:trace contextRef="#ctx0" brushRef="#br0">1 1 24575,'0'0'0</inkml:trace>
 </inkml:ink>
 </file>
 
@@ -1280,15 +1000,15 @@
           <inkml:channelProperty channel="F" name="resolution" value="0" units="1/dev"/>
         </inkml:channelProperties>
       </inkml:inkSource>
-      <inkml:timestamp xml:id="ts0" timeString="2022-09-20T23:34:37.061"/>
+      <inkml:timestamp xml:id="ts0" timeString="2022-09-20T23:34:57.285"/>
     </inkml:context>
     <inkml:brush xml:id="br0">
       <inkml:brushProperty name="width" value="0.2" units="cm"/>
       <inkml:brushProperty name="height" value="0.2" units="cm"/>
-      <inkml:brushProperty name="color" value="#FFC000"/>
+      <inkml:brushProperty name="color" value="#FF0000"/>
     </inkml:brush>
   </inkml:definitions>
-  <inkml:trace contextRef="#ctx0" brushRef="#br0">1 1 24575,'0'0'0</inkml:trace>
+  <inkml:trace contextRef="#ctx0" brushRef="#br0">1 0 24575,'0'0'0</inkml:trace>
 </inkml:ink>
 </file>
 
@@ -1308,12 +1028,12 @@
           <inkml:channelProperty channel="F" name="resolution" value="0" units="1/dev"/>
         </inkml:channelProperties>
       </inkml:inkSource>
-      <inkml:timestamp xml:id="ts0" timeString="2022-09-20T23:34:40.930"/>
+      <inkml:timestamp xml:id="ts0" timeString="2022-09-20T23:35:19.236"/>
     </inkml:context>
     <inkml:brush xml:id="br0">
       <inkml:brushProperty name="width" value="0.2" units="cm"/>
       <inkml:brushProperty name="height" value="0.2" units="cm"/>
-      <inkml:brushProperty name="color" value="#FFC000"/>
+      <inkml:brushProperty name="color" value="#FF0000"/>
     </inkml:brush>
   </inkml:definitions>
   <inkml:trace contextRef="#ctx0" brushRef="#br0">0 0 24575,'0'0'0</inkml:trace>
@@ -1336,12 +1056,12 @@
           <inkml:channelProperty channel="F" name="resolution" value="0" units="1/dev"/>
         </inkml:channelProperties>
       </inkml:inkSource>
-      <inkml:timestamp xml:id="ts0" timeString="2022-09-20T23:34:41.530"/>
+      <inkml:timestamp xml:id="ts0" timeString="2022-09-20T23:35:19.237"/>
     </inkml:context>
     <inkml:brush xml:id="br0">
       <inkml:brushProperty name="width" value="0.2" units="cm"/>
       <inkml:brushProperty name="height" value="0.2" units="cm"/>
-      <inkml:brushProperty name="color" value="#FFC000"/>
+      <inkml:brushProperty name="color" value="#FF0000"/>
     </inkml:brush>
   </inkml:definitions>
   <inkml:trace contextRef="#ctx0" brushRef="#br0">0 0 24575,'0'0'0</inkml:trace>
@@ -1364,12 +1084,12 @@
           <inkml:channelProperty channel="F" name="resolution" value="0" units="1/dev"/>
         </inkml:channelProperties>
       </inkml:inkSource>
-      <inkml:timestamp xml:id="ts0" timeString="2022-09-20T23:34:42.009"/>
+      <inkml:timestamp xml:id="ts0" timeString="2022-09-20T23:35:19.238"/>
     </inkml:context>
     <inkml:brush xml:id="br0">
       <inkml:brushProperty name="width" value="0.2" units="cm"/>
       <inkml:brushProperty name="height" value="0.2" units="cm"/>
-      <inkml:brushProperty name="color" value="#FFC000"/>
+      <inkml:brushProperty name="color" value="#FF0000"/>
     </inkml:brush>
   </inkml:definitions>
   <inkml:trace contextRef="#ctx0" brushRef="#br0">0 1 24575,'0'0'0</inkml:trace>
@@ -1392,12 +1112,12 @@
           <inkml:channelProperty channel="F" name="resolution" value="0" units="1/dev"/>
         </inkml:channelProperties>
       </inkml:inkSource>
-      <inkml:timestamp xml:id="ts0" timeString="2022-09-20T23:34:42.729"/>
+      <inkml:timestamp xml:id="ts0" timeString="2022-09-20T23:35:19.239"/>
     </inkml:context>
     <inkml:brush xml:id="br0">
       <inkml:brushProperty name="width" value="0.2" units="cm"/>
       <inkml:brushProperty name="height" value="0.2" units="cm"/>
-      <inkml:brushProperty name="color" value="#FFC000"/>
+      <inkml:brushProperty name="color" value="#FF0000"/>
     </inkml:brush>
   </inkml:definitions>
   <inkml:trace contextRef="#ctx0" brushRef="#br0">0 0 24575,'0'0'0</inkml:trace>
@@ -1420,12 +1140,12 @@
           <inkml:channelProperty channel="F" name="resolution" value="0" units="1/dev"/>
         </inkml:channelProperties>
       </inkml:inkSource>
-      <inkml:timestamp xml:id="ts0" timeString="2022-09-20T23:34:43.418"/>
+      <inkml:timestamp xml:id="ts0" timeString="2022-09-20T23:35:19.240"/>
     </inkml:context>
     <inkml:brush xml:id="br0">
       <inkml:brushProperty name="width" value="0.2" units="cm"/>
       <inkml:brushProperty name="height" value="0.2" units="cm"/>
-      <inkml:brushProperty name="color" value="#FFC000"/>
+      <inkml:brushProperty name="color" value="#FF0000"/>
     </inkml:brush>
   </inkml:definitions>
   <inkml:trace contextRef="#ctx0" brushRef="#br0">1 1 24575,'0'0'0</inkml:trace>
@@ -1475,12 +1195,12 @@
           <inkml:channelProperty channel="F" name="resolution" value="0" units="1/dev"/>
         </inkml:channelProperties>
       </inkml:inkSource>
-      <inkml:timestamp xml:id="ts0" timeString="2022-09-20T23:34:43.993"/>
+      <inkml:timestamp xml:id="ts0" timeString="2022-09-20T23:35:19.241"/>
     </inkml:context>
     <inkml:brush xml:id="br0">
       <inkml:brushProperty name="width" value="0.2" units="cm"/>
       <inkml:brushProperty name="height" value="0.2" units="cm"/>
-      <inkml:brushProperty name="color" value="#FFC000"/>
+      <inkml:brushProperty name="color" value="#FF0000"/>
     </inkml:brush>
   </inkml:definitions>
   <inkml:trace contextRef="#ctx0" brushRef="#br0">0 0 24575,'0'0'0</inkml:trace>
@@ -1503,12 +1223,12 @@
           <inkml:channelProperty channel="F" name="resolution" value="0" units="1/dev"/>
         </inkml:channelProperties>
       </inkml:inkSource>
-      <inkml:timestamp xml:id="ts0" timeString="2022-09-20T23:34:44.863"/>
+      <inkml:timestamp xml:id="ts0" timeString="2022-09-20T23:35:19.242"/>
     </inkml:context>
     <inkml:brush xml:id="br0">
       <inkml:brushProperty name="width" value="0.2" units="cm"/>
       <inkml:brushProperty name="height" value="0.2" units="cm"/>
-      <inkml:brushProperty name="color" value="#FFC000"/>
+      <inkml:brushProperty name="color" value="#FF0000"/>
     </inkml:brush>
   </inkml:definitions>
   <inkml:trace contextRef="#ctx0" brushRef="#br0">0 1 24575,'0'0'0</inkml:trace>
@@ -1531,12 +1251,12 @@
           <inkml:channelProperty channel="F" name="resolution" value="0" units="1/dev"/>
         </inkml:channelProperties>
       </inkml:inkSource>
-      <inkml:timestamp xml:id="ts0" timeString="2022-09-20T23:34:47.638"/>
+      <inkml:timestamp xml:id="ts0" timeString="2022-09-20T23:35:19.243"/>
     </inkml:context>
     <inkml:brush xml:id="br0">
       <inkml:brushProperty name="width" value="0.2" units="cm"/>
       <inkml:brushProperty name="height" value="0.2" units="cm"/>
-      <inkml:brushProperty name="color" value="#FFC000"/>
+      <inkml:brushProperty name="color" value="#FF0000"/>
     </inkml:brush>
   </inkml:definitions>
   <inkml:trace contextRef="#ctx0" brushRef="#br0">1 1 24575,'0'0'0</inkml:trace>
@@ -1559,12 +1279,12 @@
           <inkml:channelProperty channel="F" name="resolution" value="0" units="1/dev"/>
         </inkml:channelProperties>
       </inkml:inkSource>
-      <inkml:timestamp xml:id="ts0" timeString="2022-09-20T23:34:49.928"/>
+      <inkml:timestamp xml:id="ts0" timeString="2022-09-20T23:35:19.244"/>
     </inkml:context>
     <inkml:brush xml:id="br0">
       <inkml:brushProperty name="width" value="0.2" units="cm"/>
       <inkml:brushProperty name="height" value="0.2" units="cm"/>
-      <inkml:brushProperty name="color" value="#FFC000"/>
+      <inkml:brushProperty name="color" value="#FF0000"/>
     </inkml:brush>
   </inkml:definitions>
   <inkml:trace contextRef="#ctx0" brushRef="#br0">1 1 24575,'0'0'0</inkml:trace>
@@ -1587,12 +1307,12 @@
           <inkml:channelProperty channel="F" name="resolution" value="0" units="1/dev"/>
         </inkml:channelProperties>
       </inkml:inkSource>
-      <inkml:timestamp xml:id="ts0" timeString="2022-09-20T23:34:57.285"/>
+      <inkml:timestamp xml:id="ts0" timeString="2022-09-20T23:35:19.245"/>
     </inkml:context>
     <inkml:brush xml:id="br0">
       <inkml:brushProperty name="width" value="0.2" units="cm"/>
       <inkml:brushProperty name="height" value="0.2" units="cm"/>
-      <inkml:brushProperty name="color" value="#FFC000"/>
+      <inkml:brushProperty name="color" value="#FF0000"/>
     </inkml:brush>
   </inkml:definitions>
   <inkml:trace contextRef="#ctx0" brushRef="#br0">1 0 24575,'0'0'0</inkml:trace>
@@ -1615,15 +1335,15 @@
           <inkml:channelProperty channel="F" name="resolution" value="0" units="1/dev"/>
         </inkml:channelProperties>
       </inkml:inkSource>
-      <inkml:timestamp xml:id="ts0" timeString="2022-09-20T23:35:19.236"/>
+      <inkml:timestamp xml:id="ts0" timeString="2022-09-20T23:35:57.720"/>
     </inkml:context>
     <inkml:brush xml:id="br0">
       <inkml:brushProperty name="width" value="0.2" units="cm"/>
       <inkml:brushProperty name="height" value="0.2" units="cm"/>
-      <inkml:brushProperty name="color" value="#FFC000"/>
+      <inkml:brushProperty name="color" value="#FF0000"/>
     </inkml:brush>
   </inkml:definitions>
-  <inkml:trace contextRef="#ctx0" brushRef="#br0">0 0 24575,'0'0'0</inkml:trace>
+  <inkml:trace contextRef="#ctx0" brushRef="#br0">1 1 24575,'0'0'0</inkml:trace>
 </inkml:ink>
 </file>
 
@@ -1643,15 +1363,15 @@
           <inkml:channelProperty channel="F" name="resolution" value="0" units="1/dev"/>
         </inkml:channelProperties>
       </inkml:inkSource>
-      <inkml:timestamp xml:id="ts0" timeString="2022-09-20T23:35:19.237"/>
+      <inkml:timestamp xml:id="ts0" timeString="2022-09-20T23:35:57.721"/>
     </inkml:context>
     <inkml:brush xml:id="br0">
       <inkml:brushProperty name="width" value="0.2" units="cm"/>
       <inkml:brushProperty name="height" value="0.2" units="cm"/>
-      <inkml:brushProperty name="color" value="#FFC000"/>
+      <inkml:brushProperty name="color" value="#FF0000"/>
     </inkml:brush>
   </inkml:definitions>
-  <inkml:trace contextRef="#ctx0" brushRef="#br0">0 0 24575,'0'0'0</inkml:trace>
+  <inkml:trace contextRef="#ctx0" brushRef="#br0">1 0 24575,'0'0'0</inkml:trace>
 </inkml:ink>
 </file>
 
@@ -1671,15 +1391,15 @@
           <inkml:channelProperty channel="F" name="resolution" value="0" units="1/dev"/>
         </inkml:channelProperties>
       </inkml:inkSource>
-      <inkml:timestamp xml:id="ts0" timeString="2022-09-20T23:35:19.238"/>
+      <inkml:timestamp xml:id="ts0" timeString="2022-09-20T23:35:57.722"/>
     </inkml:context>
     <inkml:brush xml:id="br0">
       <inkml:brushProperty name="width" value="0.2" units="cm"/>
       <inkml:brushProperty name="height" value="0.2" units="cm"/>
-      <inkml:brushProperty name="color" value="#FFC000"/>
+      <inkml:brushProperty name="color" value="#FF0000"/>
     </inkml:brush>
   </inkml:definitions>
-  <inkml:trace contextRef="#ctx0" brushRef="#br0">0 1 24575,'0'0'0</inkml:trace>
+  <inkml:trace contextRef="#ctx0" brushRef="#br0">1 0 24575,'0'0'0</inkml:trace>
 </inkml:ink>
 </file>
 
@@ -1699,15 +1419,15 @@
           <inkml:channelProperty channel="F" name="resolution" value="0" units="1/dev"/>
         </inkml:channelProperties>
       </inkml:inkSource>
-      <inkml:timestamp xml:id="ts0" timeString="2022-09-20T23:35:19.239"/>
+      <inkml:timestamp xml:id="ts0" timeString="2022-09-20T23:35:57.723"/>
     </inkml:context>
     <inkml:brush xml:id="br0">
       <inkml:brushProperty name="width" value="0.2" units="cm"/>
       <inkml:brushProperty name="height" value="0.2" units="cm"/>
-      <inkml:brushProperty name="color" value="#FFC000"/>
+      <inkml:brushProperty name="color" value="#FF0000"/>
     </inkml:brush>
   </inkml:definitions>
-  <inkml:trace contextRef="#ctx0" brushRef="#br0">0 0 24575,'0'0'0</inkml:trace>
+  <inkml:trace contextRef="#ctx0" brushRef="#br0">1 1 24575,'0'0'0</inkml:trace>
 </inkml:ink>
 </file>
 
@@ -1727,15 +1447,15 @@
           <inkml:channelProperty channel="F" name="resolution" value="0" units="1/dev"/>
         </inkml:channelProperties>
       </inkml:inkSource>
-      <inkml:timestamp xml:id="ts0" timeString="2022-09-20T23:35:19.240"/>
+      <inkml:timestamp xml:id="ts0" timeString="2022-09-20T23:35:57.724"/>
     </inkml:context>
     <inkml:brush xml:id="br0">
       <inkml:brushProperty name="width" value="0.2" units="cm"/>
       <inkml:brushProperty name="height" value="0.2" units="cm"/>
-      <inkml:brushProperty name="color" value="#FFC000"/>
+      <inkml:brushProperty name="color" value="#FF0000"/>
     </inkml:brush>
   </inkml:definitions>
-  <inkml:trace contextRef="#ctx0" brushRef="#br0">1 1 24575,'0'0'0</inkml:trace>
+  <inkml:trace contextRef="#ctx0" brushRef="#br0">0 1 24575,'0'0'0</inkml:trace>
 </inkml:ink>
 </file>
 
@@ -1760,7 +1480,7 @@
     <inkml:brush xml:id="br0">
       <inkml:brushProperty name="width" value="0.2" units="cm"/>
       <inkml:brushProperty name="height" value="0.4" units="cm"/>
-      <inkml:brushProperty name="color" value="#FF2500"/>
+      <inkml:brushProperty name="color" value="#FFE699"/>
       <inkml:brushProperty name="tip" value="rectangle"/>
       <inkml:brushProperty name="rasterOp" value="maskPen"/>
     </inkml:brush>
@@ -1785,15 +1505,15 @@
           <inkml:channelProperty channel="F" name="resolution" value="0" units="1/dev"/>
         </inkml:channelProperties>
       </inkml:inkSource>
-      <inkml:timestamp xml:id="ts0" timeString="2022-09-20T23:35:19.241"/>
+      <inkml:timestamp xml:id="ts0" timeString="2022-09-20T23:35:57.725"/>
     </inkml:context>
     <inkml:brush xml:id="br0">
       <inkml:brushProperty name="width" value="0.2" units="cm"/>
       <inkml:brushProperty name="height" value="0.2" units="cm"/>
-      <inkml:brushProperty name="color" value="#FFC000"/>
+      <inkml:brushProperty name="color" value="#FF0000"/>
     </inkml:brush>
   </inkml:definitions>
-  <inkml:trace contextRef="#ctx0" brushRef="#br0">0 0 24575,'0'0'0</inkml:trace>
+  <inkml:trace contextRef="#ctx0" brushRef="#br0">0 1 24575,'0'0'0</inkml:trace>
 </inkml:ink>
 </file>
 
@@ -1813,15 +1533,15 @@
           <inkml:channelProperty channel="F" name="resolution" value="0" units="1/dev"/>
         </inkml:channelProperties>
       </inkml:inkSource>
-      <inkml:timestamp xml:id="ts0" timeString="2022-09-20T23:35:19.242"/>
+      <inkml:timestamp xml:id="ts0" timeString="2022-09-20T23:35:57.726"/>
     </inkml:context>
     <inkml:brush xml:id="br0">
       <inkml:brushProperty name="width" value="0.2" units="cm"/>
       <inkml:brushProperty name="height" value="0.2" units="cm"/>
-      <inkml:brushProperty name="color" value="#FFC000"/>
+      <inkml:brushProperty name="color" value="#FF0000"/>
     </inkml:brush>
   </inkml:definitions>
-  <inkml:trace contextRef="#ctx0" brushRef="#br0">0 1 24575,'0'0'0</inkml:trace>
+  <inkml:trace contextRef="#ctx0" brushRef="#br0">0 0 24575,'0'0'0</inkml:trace>
 </inkml:ink>
 </file>
 
@@ -1841,12 +1561,12 @@
           <inkml:channelProperty channel="F" name="resolution" value="0" units="1/dev"/>
         </inkml:channelProperties>
       </inkml:inkSource>
-      <inkml:timestamp xml:id="ts0" timeString="2022-09-20T23:35:19.243"/>
+      <inkml:timestamp xml:id="ts0" timeString="2022-09-20T23:35:57.727"/>
     </inkml:context>
     <inkml:brush xml:id="br0">
       <inkml:brushProperty name="width" value="0.2" units="cm"/>
       <inkml:brushProperty name="height" value="0.2" units="cm"/>
-      <inkml:brushProperty name="color" value="#FFC000"/>
+      <inkml:brushProperty name="color" value="#FF0000"/>
     </inkml:brush>
   </inkml:definitions>
   <inkml:trace contextRef="#ctx0" brushRef="#br0">1 1 24575,'0'0'0</inkml:trace>
@@ -1869,15 +1589,15 @@
           <inkml:channelProperty channel="F" name="resolution" value="0" units="1/dev"/>
         </inkml:channelProperties>
       </inkml:inkSource>
-      <inkml:timestamp xml:id="ts0" timeString="2022-09-20T23:35:19.244"/>
+      <inkml:timestamp xml:id="ts0" timeString="2022-09-20T23:35:57.728"/>
     </inkml:context>
     <inkml:brush xml:id="br0">
       <inkml:brushProperty name="width" value="0.2" units="cm"/>
       <inkml:brushProperty name="height" value="0.2" units="cm"/>
-      <inkml:brushProperty name="color" value="#FFC000"/>
+      <inkml:brushProperty name="color" value="#FF0000"/>
     </inkml:brush>
   </inkml:definitions>
-  <inkml:trace contextRef="#ctx0" brushRef="#br0">1 1 24575,'0'0'0</inkml:trace>
+  <inkml:trace contextRef="#ctx0" brushRef="#br0">0 0 24575,'0'0'0</inkml:trace>
 </inkml:ink>
 </file>
 
@@ -1897,15 +1617,15 @@
           <inkml:channelProperty channel="F" name="resolution" value="0" units="1/dev"/>
         </inkml:channelProperties>
       </inkml:inkSource>
-      <inkml:timestamp xml:id="ts0" timeString="2022-09-20T23:35:19.245"/>
+      <inkml:timestamp xml:id="ts0" timeString="2022-09-20T23:35:57.729"/>
     </inkml:context>
     <inkml:brush xml:id="br0">
       <inkml:brushProperty name="width" value="0.2" units="cm"/>
       <inkml:brushProperty name="height" value="0.2" units="cm"/>
-      <inkml:brushProperty name="color" value="#FFC000"/>
+      <inkml:brushProperty name="color" value="#FF0000"/>
     </inkml:brush>
   </inkml:definitions>
-  <inkml:trace contextRef="#ctx0" brushRef="#br0">1 0 24575,'0'0'0</inkml:trace>
+  <inkml:trace contextRef="#ctx0" brushRef="#br0">1 1 24575,'0'0'0</inkml:trace>
 </inkml:ink>
 </file>
 
@@ -1925,15 +1645,14 @@
           <inkml:channelProperty channel="F" name="resolution" value="0" units="1/dev"/>
         </inkml:channelProperties>
       </inkml:inkSource>
-      <inkml:timestamp xml:id="ts0" timeString="2022-09-20T23:35:57.720"/>
+      <inkml:timestamp xml:id="ts0" timeString="2022-09-22T05:01:18.677"/>
     </inkml:context>
     <inkml:brush xml:id="br0">
-      <inkml:brushProperty name="width" value="0.2" units="cm"/>
-      <inkml:brushProperty name="height" value="0.2" units="cm"/>
-      <inkml:brushProperty name="color" value="#FFC000"/>
+      <inkml:brushProperty name="width" value="0.1" units="cm"/>
+      <inkml:brushProperty name="height" value="0.1" units="cm"/>
     </inkml:brush>
   </inkml:definitions>
-  <inkml:trace contextRef="#ctx0" brushRef="#br0">1 1 24575,'0'0'0</inkml:trace>
+  <inkml:trace contextRef="#ctx0" brushRef="#br0">1 168 24575,'28'0'0,"-3"0"0,8 0 0,-8 0 0,20 0 0,-7-5 0,21 4 0,-11-7 0,11 3 0,-5-1 0,0-2 0,5 2 0,-5 1 0,0-3 0,5 7 0,-10-8 0,10 8 0,-11-3 0,11 4 0,-11 0 0,11 0 0,-10 0 0,10 0 0,9 0 0,3 0 0,5-5 0,-2 0 0,-5-1 0,6-4 0,8 4 0,-6 0 0,13-4 0,-14 8 0,7-3 0,0 0 0,-24 4 0,-7-5 0,-2 1 0,-4 4 0,18-5 0,3 0 0,-8 5 0,-7-1 0,0-1 0,2-1 0,5 2 0,-16-2 0,8 4 0,-14 0 0,-2 0 0,-6 0 0,-6 0 0,1 0 0,-4 0 0,-1 0 0,-5 0 0,-3 0 0,3 0 0,-7 0 0,3 0 0,0 0 0,-2 0 0,6 0 0,-3 0 0,-1 0 0,11 0 0,-5 4 0,10 0 0,-6 4 0,3-4 0,-4 3 0,10-2 0,1 3 0,5 1 0,11 0 0,3 0 0,0 1 0,22 0 0,-30-1 0,37 2 0,-28-6 0,23 0 0,3-5 0,-12 0 0,31 0 0,-28 0 0,17 0 0,-3 0 0,-10 0 0,18 0 0,-12 0 0,12 0 0,-24 0 0,30 0 0,-29 0 0,11 0 0,10 0 0,-39 0 0,32 0 0,-9 0 0,-17 0 0,25 0 0,-30 4 0,10 2 0,2-1 0,-7 4 0,-1-8 0,-7 7 0,1-7 0,-6 4 0,-1-5 0,-5 3 0,0-2 0,-1 3 0,1-4 0,0 4 0,5-3 0,-4 3 0,9-4 0,-9 0 0,10 0 0,-5 0 0,6 0 0,0 0 0,-5 0 0,3 4 0,-9 1 0,9 0 0,-9 3 0,10-3 0,8 0 0,2 3 0,18-7 0,-23 2 0,0-1 0,41-2 0,0 4 0,-13-3 0,-22 7 0,12-6 0,-2 7 0,-13-4 0,-1 1 0,-6 2 0,0-3 0,-6 0 0,0 3 0,-1-7 0,-4 3 0,9-4 0,-9 0 0,4 0 0,-10 0 0,-1 0 0,-5 0 0,-4 0 0,-2 0 0,-3 0 0,6 0 0,-5 0 0,5 3 0,-3-2 0,2 6 0,9-6 0,-4 6 0,8-6 0,-3 2 0,5-3 0,0 0 0,-14 0 0,16 0 0,-9 0 0,14-3 0,-2 2 0,-6-3 0,1 0 0,-5 3 0,3-7 0,-3 3 0,4 1 0,-8 0 0,1 4 0,-7 0 0,-1 0 0,0 0 0,-4 0 0,3 0 0,-2 0 0,6 0 0,-2 0 0,4 0 0,0 0 0,0 0 0,-1 0 0,6 0 0,-4 0 0,4 0 0,-9 0 0,3 0 0,-4 0 0,5 0 0,0 0 0,0 0 0,4 0 0,2 0 0,16 0 0,-9-4 0,15-1 0,-5 0 0,8-4 0,5 4 0,-5-1 0,4-3 0,-11 8 0,5-3 0,-12 4 0,5 0 0,-5 0 0,1 0 0,-2 0 0,0 0 0,-4 0 0,4 0 0,-10 0 0,3-4 0,-3 3 0,0-3 0,4 4 0,-9 0 0,3 0 0,-4-4 0,15 4 0,-6-4 0,23 0 0,-13-2 0,16-4 0,-4 1 0,12-7 0,2 5 0,-7-4 0,4 4 0,-5 6 0,-7-3 0,5 7 0,-14-3 0,-3 4 0,-2 0 0,-6 0 0,1 0 0,0 0 0,-1 0 0,7 0 0,-5 0 0,24 0 0,-20 0 0,21 0 0,-25 0 0,4 0 0,-5 0 0,0 0 0,-1 0 0,1 0 0,0 0 0,-1 0 0,1 0 0,0 0 0,-1 0 0,1 0 0,-5 0 0,3 0 0,-8 0 0,4 0 0,-5 0 0,-4 0 0,2 0 0,-6 0 0,7 0 0,-8 0 0,8 0 0,-7 0 0,2 0 0,-3 0 0,-1 0 0,1 0 0,-1 0 0,1 0 0,-1 0 0,1 0 0,-1 0 0,5 0 0,1 0 0,4 0 0,0 0 0,-5 0 0,9 0 0,-11 0 0,10 0 0,-7 0 0,4 0 0,0 0 0,0 0 0,-1 4 0,6-3 0,1 2 0,0-3 0,3 0 0,-3 0 0,5 0 0,-5 0 0,-2 0 0,1 4 0,-4-3 0,3 3 0,-4-1 0,-4-2 0,3 6 0,-4-6 0,5 3 0,-4-1 0,3-2 0,-8 2 0,4 0 0,-4-2 0,-1 2 0,1-3 0,-1 0 0,-3 0 0,2 3 0,-2-2 0,4 2 0,-1-3 0,1 0 0,-1 0 0,1 0 0,-1 0 0,5 0 0,1 0 0,3 0 0,1 0 0,0 0 0,0 0 0,0 0 0,0 0 0,4 0 0,-3 0 0,8 0 0,-8 0 0,9-4 0,-9 3 0,4-2 0,-6 3 0,1 0 0,0 0 0,0 0 0,0 0 0,4 0 0,-3 0 0,3 0 0,-4 0 0,5 0 0,-4 0 0,8 0 0,-8 0 0,3 0 0,-4 0 0,0 0 0,0 0 0,-5 0 0,4 0 0,-3 0 0,4 0 0,-1 0 0,1 0 0,0 0 0,0 3 0,-4-2 0,3 6 0,-4-6 0,10 6 0,6-2 0,-3 0 0,2 2 0,-10-6 0,0 6 0,-4-6 0,2 2 0,3-3 0,0 0 0,8 4 0,-3-3 0,10 3 0,-4-4 0,10 0 0,-10 0 0,9 4 0,-9-3 0,-1 3 0,-2-4 0,-8 0 0,0 0 0,-3 0 0,-6 0 0,3 0 0,-5 0 0,0 0 0,5 0 0,-3 0 0,2 0 0,-3 0 0,-1 0 0,1 0 0,-1 0 0,5 0 0,-7 0 0,6-3 0,-7-5 0,4 3 0,4-1 0,-2 6 0,6 0 0,-7 0 0,7 0 0,-4 0 0,1 0 0,3 0 0,-4 0 0,5 0 0,0 0 0,0 0 0,4 0 0,-3 0 0,9 0 0,-4 0 0,4 0 0,1 0 0,-1-4 0,1 3 0,0-3 0,-1 4 0,-4-3 0,4 2 0,-4-3 0,4 4 0,6 0 0,2 0 0,5-4 0,0 3 0,-1-3 0,1 4 0,6 0 0,-10 0 0,3 0 0,-11 0 0,-1 0 0,1 0 0,-5 0 0,-2 0 0,-4 0 0,5 0 0,-4 0 0,8 0 0,-3 0 0,5 0 0,-1 0 0,1 0 0,5 0 0,-4 0 0,4 0 0,0 0 0,1 0 0,1 0 0,9 0 0,-8 0 0,10 0 0,0 0 0,-5 0 0,32 0 0,-26 0 0,19 0 0,-26 0 0,0 0 0,-6 0 0,4-4 0,-9 3 0,4-3 0,-10 4 0,3 0 0,-3 0 0,0-4 0,4 3 0,-5-2 0,1 3 0,3 0 0,-8-4 0,3 3 0,1-6 0,7 6 0,-5-3 0,3 4 0,-10 0 0,0 0 0,-1 0 0,1 0 0,0 0 0,0 0 0,5 0 0,-4 0 0,3-3 0,-4 2 0,0-3 0,0 4 0,0 0 0,-1 0 0,1 0 0,0-3 0,0 2 0,0-3 0,0 4 0,-5 0 0,4 0 0,-3 0 0,4 0 0,-5 0 0,4 0 0,-1 0 0,-1 0 0,-1 0 0,-5 0 0,-1 0 0,1 0 0,-1 0 0,5 0 0,-3 0 0,7 0 0,-4 0 0,5 0 0,0 0 0,-4 0 0,2 0 0,-2 0 0,0 0 0,2 0 0,-2 0 0,0 0 0,2 0 0,-2 0 0,14 0 0,-11 0 0,10 0 0,-13 0 0,4 0 0,-1 0 0,-3 0 0,-1 0 0,-5-3 0,1 2 0,-1-2 0,1 3 0,-4 0 0,2-3 0,-2 2 0,4-2 0,-1 0 0,1 2 0,-1-2 0,-3 3 0,3 0 0,-7 0 0,3 0 0,-3 0 0,-1 0 0,1 0 0,-1 0 0,1 0 0,-1 0 0,1 0 0,3 0 0,1-4 0,3 4 0,-3-4 0,-1 2 0,-3 1 0,-1-5 0,-2-1 0,-1-4 0,2 3 0,7 1 0,7 7 0,4 0 0,6 0 0,1 0 0,4 0 0,1 0 0,-6 0 0,5 0 0,-9 0 0,8 0 0,-8 0 0,9 0 0,-9 0 0,3 0 0,-4 0 0,0 0 0,0 0 0,4 0 0,-3 0 0,8 0 0,-8 0 0,9 0 0,-5 0 0,6 0 0,-1 0 0,6 0 0,1 4 0,6-3 0,6 8 0,-5-8 0,5 4 0,-6-5 0,-1 0 0,-4 0 0,2 0 0,-12 0 0,6 0 0,-8 0 0,5 0 0,-5 0 0,3 0 0,-3 0 0,4 0 0,1 0 0,5 0 0,-4 0 0,9 0 0,-4 0 0,0 0 0,4 0 0,-9 0 0,4 0 0,-6 0 0,-4 0 0,3 0 0,-8-4 0,8 3 0,-8-2 0,19 3 0,-20 0 0,14 0 0,-18 0 0,3 0 0,-3 0 0,3 0 0,-8 0 0,4 0 0,-4 0 0,-1 0 0,0 3 0,1-2 0,-1 5 0,1-5 0,-1 5 0,5-1 0,-3 2 0,6-3 0,-2 3 0,-1-6 0,4 6 0,-1-3 0,3 1 0,-3-2 0,0-3 0,-6 0 0,7 3 0,-4-2 0,5 3 0,-4-4 0,3 0 0,-4 0 0,5 0 0,-4 0 0,-2 3 0,1-2 0,-3 2 0,6-3 0,-6 0 0,7 0 0,-3 0 0,3 0 0,6 0 0,-4 0 0,8 0 0,-8 0 0,4 0 0,6 0 0,-9 0 0,9-3 0,-11 2 0,-4-6 0,-2 6 0,1-6 0,-3 6 0,2-2 0,-3 0 0,-1 2 0,1-6 0,-1 7 0,-3-4 0,3 1 0,-3 2 0,3-2 0,1 0 0,-1 2 0,1-5 0,-1 5 0,1-6 0,-1 7 0,1-4 0,-1 4 0,-3-3 0,-2 3 0,-2-3 0,-1 3 0,1 0 0,-1 0 0,4 0 0,-3 0 0,6 0 0,-5 0 0,2 0 0,-3 0 0,-1 0 0,-2 0 0,-1 0 0</inkml:trace>
 </inkml:ink>
 </file>
 
@@ -1953,15 +1672,14 @@
           <inkml:channelProperty channel="F" name="resolution" value="0" units="1/dev"/>
         </inkml:channelProperties>
       </inkml:inkSource>
-      <inkml:timestamp xml:id="ts0" timeString="2022-09-20T23:35:57.721"/>
+      <inkml:timestamp xml:id="ts0" timeString="2022-09-22T05:01:20.380"/>
     </inkml:context>
     <inkml:brush xml:id="br0">
-      <inkml:brushProperty name="width" value="0.2" units="cm"/>
-      <inkml:brushProperty name="height" value="0.2" units="cm"/>
-      <inkml:brushProperty name="color" value="#FFC000"/>
+      <inkml:brushProperty name="width" value="0.1" units="cm"/>
+      <inkml:brushProperty name="height" value="0.1" units="cm"/>
     </inkml:brush>
   </inkml:definitions>
-  <inkml:trace contextRef="#ctx0" brushRef="#br0">1 0 24575,'0'0'0</inkml:trace>
+  <inkml:trace contextRef="#ctx0" brushRef="#br0">1 1 24575,'0'17'0,"0"1"0,0-4 0,0 5 0,0 1 0,0-1 0,0 0 0,0-5 0,0 1 0,0 4 0,0-4 0,0 15 0,0-9 0,0 9 0,0-6 0,0-4 0,0 3 0,0-4 0,0 5 0,0-8 0,0 6 0,0-13 0,0 9 0,0-11 0,0 3 0,0-3 0,0-1 0,0 0 0,0-2 0,0-2 0</inkml:trace>
 </inkml:ink>
 </file>
 
@@ -1981,15 +1699,14 @@
           <inkml:channelProperty channel="F" name="resolution" value="0" units="1/dev"/>
         </inkml:channelProperties>
       </inkml:inkSource>
-      <inkml:timestamp xml:id="ts0" timeString="2022-09-20T23:35:57.722"/>
+      <inkml:timestamp xml:id="ts0" timeString="2022-09-22T05:01:22.938"/>
     </inkml:context>
     <inkml:brush xml:id="br0">
-      <inkml:brushProperty name="width" value="0.2" units="cm"/>
-      <inkml:brushProperty name="height" value="0.2" units="cm"/>
-      <inkml:brushProperty name="color" value="#FFC000"/>
+      <inkml:brushProperty name="width" value="0.1" units="cm"/>
+      <inkml:brushProperty name="height" value="0.1" units="cm"/>
     </inkml:brush>
   </inkml:definitions>
-  <inkml:trace contextRef="#ctx0" brushRef="#br0">1 0 24575,'0'0'0</inkml:trace>
+  <inkml:trace contextRef="#ctx0" brushRef="#br0">0 1 24575,'0'18'0,"0"-1"0,0 2 0,0-4 0,0 4 0,0-1 0,0-2 0,0 7 0,0-3 0,0-1 0,0 0 0,0 0 0,0 0 0,0 5 0,0-8 0,0 6 0,0-10 0,0 4 0,0-3 0,0-5 0,0 2 0,0-4 0,0 1 0,0-1 0,0 0 0,0 0 0,0 0 0,0 0 0,0 1 0,0-1 0,0 1 0,0-1 0,0 4 0,0 1 0,0 0 0,0 3 0,0-7 0,0 3 0,0-3 0,0-1 0,0 0 0,0 1 0,0-4 0,0 0 0</inkml:trace>
 </inkml:ink>
 </file>
 
@@ -2009,15 +1726,14 @@
           <inkml:channelProperty channel="F" name="resolution" value="0" units="1/dev"/>
         </inkml:channelProperties>
       </inkml:inkSource>
-      <inkml:timestamp xml:id="ts0" timeString="2022-09-20T23:35:57.723"/>
+      <inkml:timestamp xml:id="ts0" timeString="2022-09-22T05:01:25.585"/>
     </inkml:context>
     <inkml:brush xml:id="br0">
-      <inkml:brushProperty name="width" value="0.2" units="cm"/>
-      <inkml:brushProperty name="height" value="0.2" units="cm"/>
-      <inkml:brushProperty name="color" value="#FFC000"/>
+      <inkml:brushProperty name="width" value="0.1" units="cm"/>
+      <inkml:brushProperty name="height" value="0.1" units="cm"/>
     </inkml:brush>
   </inkml:definitions>
-  <inkml:trace contextRef="#ctx0" brushRef="#br0">1 1 24575,'0'0'0</inkml:trace>
+  <inkml:trace contextRef="#ctx0" brushRef="#br0">1 0 24575,'0'23'0,"0"-2"0,0-6 0,0-1 0,0 5 0,0-3 0,0 7 0,0-4 0,0 5 0,0 0 0,0 0 0,0 0 0,0 0 0,0-5 0,0 4 0,0-7 0,0 7 0,0-8 0,0 0 0,0-5 0,0-3 0,0-1 0,0 1 0,0-1 0,0 1 0,0-1 0,0 0 0,0 1 0,0-1 0,0 1 0,0-1 0,0 1 0,0-1 0,0 1 0,0-1 0,0 0 0,0 0 0,0 1 0,0-1 0,0 1 0,0-1 0,0 1 0,0-1 0,0 1 0,0-1 0,0 0 0,0 0 0,0 0 0,0 0 0,0 1 0,0-1 0,0 0 0,0 0 0,0 0 0,0-3 0,0 0 0</inkml:trace>
 </inkml:ink>
 </file>
 
@@ -2037,15 +1753,14 @@
           <inkml:channelProperty channel="F" name="resolution" value="0" units="1/dev"/>
         </inkml:channelProperties>
       </inkml:inkSource>
-      <inkml:timestamp xml:id="ts0" timeString="2022-09-20T23:35:57.724"/>
+      <inkml:timestamp xml:id="ts0" timeString="2022-09-22T05:01:28.048"/>
     </inkml:context>
     <inkml:brush xml:id="br0">
-      <inkml:brushProperty name="width" value="0.2" units="cm"/>
-      <inkml:brushProperty name="height" value="0.2" units="cm"/>
-      <inkml:brushProperty name="color" value="#FFC000"/>
+      <inkml:brushProperty name="width" value="0.1" units="cm"/>
+      <inkml:brushProperty name="height" value="0.1" units="cm"/>
     </inkml:brush>
   </inkml:definitions>
-  <inkml:trace contextRef="#ctx0" brushRef="#br0">0 1 24575,'0'0'0</inkml:trace>
+  <inkml:trace contextRef="#ctx0" brushRef="#br0">0 1 24575,'0'26'0,"0"-6"0,0 7 0,0-7 0,0 14 0,0-7 0,0 7 0,0-6 0,0-2 0,0 7 0,0-3 0,0-4 0,0 1 0,0-7 0,0 0 0,0-2 0,0-3 0,0-1 0,0 1 0,0-1 0,0-3 0,0-1 0,0-3 0,0 0 0,0-1 0,0 1 0,0-1 0,0 1 0,0-1 0,0 0 0,0 0 0,0 0 0,0 1 0,0 3 0,0-3 0,0 7 0,0-6 0,0 2 0,0-4 0,0 1 0,0-1 0,0 1 0,0-1 0,0-2 0,0-1 0</inkml:trace>
 </inkml:ink>
 </file>
 
@@ -2095,15 +1810,14 @@
           <inkml:channelProperty channel="F" name="resolution" value="0" units="1/dev"/>
         </inkml:channelProperties>
       </inkml:inkSource>
-      <inkml:timestamp xml:id="ts0" timeString="2022-09-20T23:35:57.725"/>
+      <inkml:timestamp xml:id="ts0" timeString="2022-09-22T05:01:30.671"/>
     </inkml:context>
     <inkml:brush xml:id="br0">
-      <inkml:brushProperty name="width" value="0.2" units="cm"/>
-      <inkml:brushProperty name="height" value="0.2" units="cm"/>
-      <inkml:brushProperty name="color" value="#FFC000"/>
+      <inkml:brushProperty name="width" value="0.1" units="cm"/>
+      <inkml:brushProperty name="height" value="0.1" units="cm"/>
     </inkml:brush>
   </inkml:definitions>
-  <inkml:trace contextRef="#ctx0" brushRef="#br0">0 1 24575,'0'0'0</inkml:trace>
+  <inkml:trace contextRef="#ctx0" brushRef="#br0">7 0 24575,'0'22'0,"0"-4"0,0-3 0,0-1 0,0-3 0,0 12 0,0-6 0,0 7 0,0-13 0,0 2 0,0 2 0,0 1 0,0 3 0,0 1 0,0-3 0,0 0 0,0-7 0,0-3 0,0-1 0,0 1 0,0-1 0,0 0 0,0 1 0,0-1 0,0 0 0,0 0 0,0 1 0,0-1 0,0 4 0,0 1 0,0 4 0,0-1 0,0-3 0,0 3 0,0-7 0,0 3 0,0-3 0,0-1 0,0 1 0,0-1 0,0 0 0,0 1 0,-3-1 0,3 1 0,-3 0 0,3-1 0,0 1 0,0-1 0,0 1 0,0-1 0,0 1 0,0-1 0,0 1 0,0-1 0,0 0 0,0 0 0,0 0 0,0 1 0,0-1 0,0 0 0,0 0 0,0 0 0,0 0 0,0 0 0,0 0 0,0-3 0,0 0 0</inkml:trace>
 </inkml:ink>
 </file>
 
@@ -2123,15 +1837,14 @@
           <inkml:channelProperty channel="F" name="resolution" value="0" units="1/dev"/>
         </inkml:channelProperties>
       </inkml:inkSource>
-      <inkml:timestamp xml:id="ts0" timeString="2022-09-20T23:35:57.726"/>
+      <inkml:timestamp xml:id="ts0" timeString="2022-09-22T05:01:32.900"/>
     </inkml:context>
     <inkml:brush xml:id="br0">
-      <inkml:brushProperty name="width" value="0.2" units="cm"/>
-      <inkml:brushProperty name="height" value="0.2" units="cm"/>
-      <inkml:brushProperty name="color" value="#FFC000"/>
+      <inkml:brushProperty name="width" value="0.1" units="cm"/>
+      <inkml:brushProperty name="height" value="0.1" units="cm"/>
     </inkml:brush>
   </inkml:definitions>
-  <inkml:trace contextRef="#ctx0" brushRef="#br0">0 0 24575,'0'0'0</inkml:trace>
+  <inkml:trace contextRef="#ctx0" brushRef="#br0">0 0 24575,'0'21'0,"0"-4"0,0 10 0,0-10 0,0 11 0,0-8 0,0-1 0,0 4 0,0-7 0,0 2 0,0 1 0,0-7 0,0 6 0,0-11 0,0 7 0,0-7 0,0 14 0,0-8 0,0 12 0,0-10 0,0 4 0,0-5 0,0-3 0,0-1 0,0 0 0,0-3 0,0 7 0,0-7 0,0 3 0,0 0 0,0-2 0,0 5 0,0-5 0,0 2 0,0-4 0,0 1 0,0 0 0,0-1 0,0 0 0,0 0 0,0 1 0,0-1 0,0 1 0,0-1 0,0 1 0,0-1 0,0 1 0,0-1 0,0 1 0,0-1 0,0 1 0,0-4 0,0 0 0</inkml:trace>
 </inkml:ink>
 </file>
 
@@ -2151,15 +1864,14 @@
           <inkml:channelProperty channel="F" name="resolution" value="0" units="1/dev"/>
         </inkml:channelProperties>
       </inkml:inkSource>
-      <inkml:timestamp xml:id="ts0" timeString="2022-09-20T23:35:57.727"/>
+      <inkml:timestamp xml:id="ts0" timeString="2022-09-22T05:01:37.335"/>
     </inkml:context>
     <inkml:brush xml:id="br0">
-      <inkml:brushProperty name="width" value="0.2" units="cm"/>
-      <inkml:brushProperty name="height" value="0.2" units="cm"/>
-      <inkml:brushProperty name="color" value="#FFC000"/>
+      <inkml:brushProperty name="width" value="0.1" units="cm"/>
+      <inkml:brushProperty name="height" value="0.1" units="cm"/>
     </inkml:brush>
   </inkml:definitions>
-  <inkml:trace contextRef="#ctx0" brushRef="#br0">1 1 24575,'0'0'0</inkml:trace>
+  <inkml:trace contextRef="#ctx0" brushRef="#br0">14 1 24575,'0'9'0,"0"-4"0,0 19 0,0-6 0,0-2 0,0 7 0,0-8 0,0 8 0,0-7 0,0-1 0,0-2 0,0-2 0,0 4 0,0-4 0,0 2 0,0-5 0,0 2 0,0 0 0,0-3 0,0 3 0,0 0 0,0-2 0,0 2 0,0-3 0,0-1 0,0 1 0,0 3 0,0-3 0,0 7 0,0-7 0,0 7 0,0-7 0,0 6 0,0-6 0,0 3 0,0-4 0,0 1 0,0-1 0,0 0 0,0 0 0,0 0 0,0 1 0,0-1 0,0 1 0,-3 3 0,2 1 0,-2 3 0,0-3 0,3-1 0,-3-3 0,3-1 0,0 1 0,0-1 0,0 1 0,0-1 0,0 0 0,0 0 0,0 0 0,0 1 0,0-1 0,0 0 0,0 1 0,0-1 0,0 1 0,0-1 0,0 0 0,0 1 0,0-1 0,0 0 0,0 0 0,0 1 0,0-1 0,0 0 0,0 0 0,0 0 0,0 0 0,0 0 0,0 0 0,0 0 0,0 0 0,0 0 0,0 0 0,0-2 0,0-2 0</inkml:trace>
 </inkml:ink>
 </file>
 
@@ -2179,15 +1891,14 @@
           <inkml:channelProperty channel="F" name="resolution" value="0" units="1/dev"/>
         </inkml:channelProperties>
       </inkml:inkSource>
-      <inkml:timestamp xml:id="ts0" timeString="2022-09-20T23:35:57.728"/>
+      <inkml:timestamp xml:id="ts0" timeString="2022-09-22T05:03:04.635"/>
     </inkml:context>
     <inkml:brush xml:id="br0">
-      <inkml:brushProperty name="width" value="0.2" units="cm"/>
-      <inkml:brushProperty name="height" value="0.2" units="cm"/>
-      <inkml:brushProperty name="color" value="#FFC000"/>
+      <inkml:brushProperty name="width" value="0.1" units="cm"/>
+      <inkml:brushProperty name="height" value="0.1" units="cm"/>
     </inkml:brush>
   </inkml:definitions>
-  <inkml:trace contextRef="#ctx0" brushRef="#br0">0 0 24575,'0'0'0</inkml:trace>
+  <inkml:trace contextRef="#ctx0" brushRef="#br0">2 6 24575,'13'0'0,"4"0"0,-1 0 0,6 0 0,-3 0 0,4 0 0,1 0 0,-1 0 0,0 0 0,0 0 0,1 0 0,-1 0 0,0 0 0,-3 0 0,2 0 0,-7 0 0,7 0 0,-7 3 0,4-2 0,5 9 0,-7-8 0,4 5 0,-8-4 0,-6-2 0,3 2 0,-3 0 0,-1-2 0,0 2 0,0-3 0,1 0 0,-1 0 0,0 2 0,1-1 0,-1 2 0,4-3 0,0 0 0,5 0 0,3 4 0,1-3 0,0 2 0,8-3 0,-7 4 0,13-4 0,-9 8 0,9-8 0,-4 4 0,5-4 0,0 0 0,0 0 0,5 4 0,-9-3 0,8 3 0,-9-4 0,5 0 0,-5 0 0,4 4 0,-9-3 0,4 7 0,0-8 0,-4 8 0,4-8 0,0 8 0,-3-7 0,7 3 0,-2-4 0,3 3 0,0-2 0,6 3 0,-5-4 0,5 0 0,-5 4 0,5-3 0,-4 7 0,4-7 0,-6 3 0,6-4 0,-4 0 0,10 0 0,-10 0 0,42 0 0,-34 0 0,47 0 0,-47 0 0,21 0 0,-17 0 0,11 0 0,-5 0 0,0 0 0,4 0 0,-15 0 0,8 0 0,-15 4 0,10-4 0,-10 8 0,-1-7 0,-1 3 0,-9 0 0,9-4 0,-9 8 0,4-8 0,-4 4 0,-1-1 0,0-2 0,5 3 0,-3-4 0,7 4 0,-3-3 0,0 3 0,4-4 0,-4 0 0,5 0 0,0 3 0,0-2 0,-1 3 0,1-4 0,0 4 0,0-3 0,5 3 0,-4 0 0,9-3 0,-4 3 0,6-4 0,-1 4 0,1-3 0,0 3 0,5-4 0,-4 0 0,5 0 0,-1 0 0,-4 0 0,5 0 0,-6 0 0,5 0 0,-4 0 0,5 0 0,-7 0 0,7 0 0,1 0 0,0 0 0,5 0 0,8 0 0,-15 0 0,19 0 0,-22 0 0,11 0 0,0 0 0,0-5 0,13 4 0,-9-3 0,4 4 0,3 0 0,-19 0 0,19 0 0,5 0 0,-22 0 0,31 0 0,-35 0 0,17 0 0,-7 0 0,-1 0 0,1 0 0,0-5 0,0 4 0,-6-3 0,18 4 0,-25 0 0,23 0 0,-21 0 0,11 0 0,0 0 0,-7 0 0,6-5 0,-11 4 0,4-3 0,-10 0 0,3 3 0,11-7 0,-10 7 0,14-3 0,-19 4 0,1 0 0,3-4 0,-4 2 0,5-2 0,1 0 0,-7 3 0,5-3 0,-3 0 0,-1 3 0,-1-3 0,-5 0 0,0 3 0,0-3 0,-1 4 0,1 0 0,0-4 0,0 3 0,0-3 0,4 4 0,-3 0 0,9 0 0,-3 0 0,4-4 0,7 3 0,-5-3 0,5 4 0,-1 0 0,-4-4 0,5 3 0,-6-4 0,-1 5 0,1 0 0,-1 0 0,7 0 0,7 0 0,-14 0 0,17 0 0,-19 0 0,16 0 0,0 0 0,-6 0 0,4 0 0,-10 0 0,11 0 0,-11 0 0,4 0 0,-5 0 0,0 0 0,5 0 0,-4 0 0,11 0 0,-11 0 0,10 0 0,10 0 0,-16 0 0,13 0 0,-17 0 0,0 0 0,10 0 0,-10 0 0,5 0 0,-6 0 0,-1 0 0,1 0 0,0 0 0,-1 0 0,1 0 0,5 0 0,-4 0 0,10 0 0,17 0 0,-16 0 0,14 0 0,-27 0 0,1 5 0,0-4 0,-1 3 0,1 0 0,11-3 0,-14 3 0,19-4 0,-8 0 0,-5 0 0,8 0 0,-11 0 0,1 4 0,10-3 0,-10 4 0,4-5 0,-5 0 0,-1 0 0,1 0 0,-1 0 0,1 0 0,26 0 0,-20 4 0,26-3 0,-31 3 0,10 0 0,-9 2 0,3-1 0,-5 4 0,-1-4 0,1 0 0,-1 3 0,1-7 0,0 3 0,-1 1 0,1-4 0,0 3 0,-1-4 0,7 0 0,-5 0 0,10 0 0,-9 0 0,3 0 0,21 0 0,-25 0 0,24 0 0,-36 0 0,9 0 0,-9 0 0,9 0 0,-8 0 0,8 0 0,-4 0 0,1 0 0,3 0 0,-4 0 0,6 0 0,-1 0 0,1 0 0,19 0 0,-24 0 0,27 0 0,-31 0 0,14 0 0,-5 0 0,-1 0 0,1 0 0,20 0 0,-16 0 0,16 0 0,-14 0 0,-5 0 0,4 0 0,-5 0 0,-1 0 0,1 0 0,0 0 0,-1 0 0,-4 0 0,-3 0 0,-4 0 0,0 0 0,-1 0 0,1 0 0,-5 0 0,9 0 0,-7 0 0,8 0 0,-6 0 0,6 0 0,-4 0 0,5 0 0,-7 0 0,1 0 0,-5 0 0,-1 0 0,-5 0 0,0 0 0,-3 0 0,-2 0 0,-8 0 0,0 0 0,-3 0 0,-1 0 0,0 0 0,1 0 0,-1 0 0,0 0 0,0 0 0,1 0 0,-1 0 0,0 0 0,0 0 0,0 0 0,1 0 0,-1 0 0,0 0 0,1 0 0,-1 0 0,0 0 0,1 0 0,-1 0 0,0 0 0,0 0 0,1 0 0,-1 0 0,0 0 0,0 0 0,0 0 0,0 0 0,0 0 0,0 0 0,1 0 0,-1 0 0,0 0 0,1 0 0,-1 0 0,0 0 0,0 0 0,0 0 0,0 0 0,1 0 0,-1 0 0,0 0 0,0 0 0,0 0 0,0 0 0,1 0 0,-1 0 0,0 0 0,0 0 0,1 0 0,-1 0 0,0 0 0,0 0 0,1 0 0,-1 0 0,0 0 0,0 0 0,0 0 0,0 0 0,0 0 0,1 0 0,-1 0 0,0 0 0,1 0 0,-1 0 0,-3 0 0,0 0 0</inkml:trace>
 </inkml:ink>
 </file>
 
@@ -2207,15 +1918,14 @@
           <inkml:channelProperty channel="F" name="resolution" value="0" units="1/dev"/>
         </inkml:channelProperties>
       </inkml:inkSource>
-      <inkml:timestamp xml:id="ts0" timeString="2022-09-20T23:35:57.729"/>
+      <inkml:timestamp xml:id="ts0" timeString="2022-09-22T05:03:06.522"/>
     </inkml:context>
     <inkml:brush xml:id="br0">
-      <inkml:brushProperty name="width" value="0.2" units="cm"/>
-      <inkml:brushProperty name="height" value="0.2" units="cm"/>
-      <inkml:brushProperty name="color" value="#FFC000"/>
+      <inkml:brushProperty name="width" value="0.1" units="cm"/>
+      <inkml:brushProperty name="height" value="0.1" units="cm"/>
     </inkml:brush>
   </inkml:definitions>
-  <inkml:trace contextRef="#ctx0" brushRef="#br0">1 1 24575,'0'0'0</inkml:trace>
+  <inkml:trace contextRef="#ctx0" brushRef="#br0">0 1 24575,'0'13'0,"0"4"0,0-2 0,0 4 0,0-1 0,0-2 0,0 3 0,0-1 0,0 2 0,0 0 0,0-2 0,0 1 0,0 1 0,0 4 0,0 0 0,0 0 0,0-1 0,0 1 0,0 0 0,0-4 0,0 3 0,0-4 0,0 5 0,0 0 0,4 0 0,0 0 0,1-4 0,-2 3 0,1-4 0,-4 1 0,4-1 0,-4-5 0,0 1 0,0-4 0,0 2 0,3-2 0,-2 0 0,2-2 0,-3-3 0,0 1 0,0-1 0,0 0 0,0-3 0,0 0 0</inkml:trace>
 </inkml:ink>
 </file>
 
@@ -2235,14 +1945,14 @@
           <inkml:channelProperty channel="F" name="resolution" value="0" units="1/dev"/>
         </inkml:channelProperties>
       </inkml:inkSource>
-      <inkml:timestamp xml:id="ts0" timeString="2022-09-22T05:01:18.677"/>
+      <inkml:timestamp xml:id="ts0" timeString="2022-09-22T05:03:08.513"/>
     </inkml:context>
     <inkml:brush xml:id="br0">
       <inkml:brushProperty name="width" value="0.1" units="cm"/>
       <inkml:brushProperty name="height" value="0.1" units="cm"/>
     </inkml:brush>
   </inkml:definitions>
-  <inkml:trace contextRef="#ctx0" brushRef="#br0">1 168 24575,'28'0'0,"-3"0"0,8 0 0,-8 0 0,20 0 0,-7-5 0,21 4 0,-11-7 0,11 3 0,-5-1 0,0-2 0,5 2 0,-5 1 0,0-3 0,5 7 0,-10-8 0,10 8 0,-11-3 0,11 4 0,-11 0 0,11 0 0,-10 0 0,10 0 0,9 0 0,3 0 0,5-5 0,-2 0 0,-5-1 0,6-4 0,8 4 0,-6 0 0,13-4 0,-14 8 0,7-3 0,0 0 0,-24 4 0,-7-5 0,-2 1 0,-4 4 0,18-5 0,3 0 0,-8 5 0,-7-1 0,0-1 0,2-1 0,5 2 0,-16-2 0,8 4 0,-14 0 0,-2 0 0,-6 0 0,-6 0 0,1 0 0,-4 0 0,-1 0 0,-5 0 0,-3 0 0,3 0 0,-7 0 0,3 0 0,0 0 0,-2 0 0,6 0 0,-3 0 0,-1 0 0,11 0 0,-5 4 0,10 0 0,-6 4 0,3-4 0,-4 3 0,10-2 0,1 3 0,5 1 0,11 0 0,3 0 0,0 1 0,22 0 0,-30-1 0,37 2 0,-28-6 0,23 0 0,3-5 0,-12 0 0,31 0 0,-28 0 0,17 0 0,-3 0 0,-10 0 0,18 0 0,-12 0 0,12 0 0,-24 0 0,30 0 0,-29 0 0,11 0 0,10 0 0,-39 0 0,32 0 0,-9 0 0,-17 0 0,25 0 0,-30 4 0,10 2 0,2-1 0,-7 4 0,-1-8 0,-7 7 0,1-7 0,-6 4 0,-1-5 0,-5 3 0,0-2 0,-1 3 0,1-4 0,0 4 0,5-3 0,-4 3 0,9-4 0,-9 0 0,10 0 0,-5 0 0,6 0 0,0 0 0,-5 0 0,3 4 0,-9 1 0,9 0 0,-9 3 0,10-3 0,8 0 0,2 3 0,18-7 0,-23 2 0,0-1 0,41-2 0,0 4 0,-13-3 0,-22 7 0,12-6 0,-2 7 0,-13-4 0,-1 1 0,-6 2 0,0-3 0,-6 0 0,0 3 0,-1-7 0,-4 3 0,9-4 0,-9 0 0,4 0 0,-10 0 0,-1 0 0,-5 0 0,-4 0 0,-2 0 0,-3 0 0,6 0 0,-5 0 0,5 3 0,-3-2 0,2 6 0,9-6 0,-4 6 0,8-6 0,-3 2 0,5-3 0,0 0 0,-14 0 0,16 0 0,-9 0 0,14-3 0,-2 2 0,-6-3 0,1 0 0,-5 3 0,3-7 0,-3 3 0,4 1 0,-8 0 0,1 4 0,-7 0 0,-1 0 0,0 0 0,-4 0 0,3 0 0,-2 0 0,6 0 0,-2 0 0,4 0 0,0 0 0,0 0 0,-1 0 0,6 0 0,-4 0 0,4 0 0,-9 0 0,3 0 0,-4 0 0,5 0 0,0 0 0,0 0 0,4 0 0,2 0 0,16 0 0,-9-4 0,15-1 0,-5 0 0,8-4 0,5 4 0,-5-1 0,4-3 0,-11 8 0,5-3 0,-12 4 0,5 0 0,-5 0 0,1 0 0,-2 0 0,0 0 0,-4 0 0,4 0 0,-10 0 0,3-4 0,-3 3 0,0-3 0,4 4 0,-9 0 0,3 0 0,-4-4 0,15 4 0,-6-4 0,23 0 0,-13-2 0,16-4 0,-4 1 0,12-7 0,2 5 0,-7-4 0,4 4 0,-5 6 0,-7-3 0,5 7 0,-14-3 0,-3 4 0,-2 0 0,-6 0 0,1 0 0,0 0 0,-1 0 0,7 0 0,-5 0 0,24 0 0,-20 0 0,21 0 0,-25 0 0,4 0 0,-5 0 0,0 0 0,-1 0 0,1 0 0,0 0 0,-1 0 0,1 0 0,0 0 0,-1 0 0,1 0 0,-5 0 0,3 0 0,-8 0 0,4 0 0,-5 0 0,-4 0 0,2 0 0,-6 0 0,7 0 0,-8 0 0,8 0 0,-7 0 0,2 0 0,-3 0 0,-1 0 0,1 0 0,-1 0 0,1 0 0,-1 0 0,1 0 0,-1 0 0,5 0 0,1 0 0,4 0 0,0 0 0,-5 0 0,9 0 0,-11 0 0,10 0 0,-7 0 0,4 0 0,0 0 0,0 0 0,-1 4 0,6-3 0,1 2 0,0-3 0,3 0 0,-3 0 0,5 0 0,-5 0 0,-2 0 0,1 4 0,-4-3 0,3 3 0,-4-1 0,-4-2 0,3 6 0,-4-6 0,5 3 0,-4-1 0,3-2 0,-8 2 0,4 0 0,-4-2 0,-1 2 0,1-3 0,-1 0 0,-3 0 0,2 3 0,-2-2 0,4 2 0,-1-3 0,1 0 0,-1 0 0,1 0 0,-1 0 0,5 0 0,1 0 0,3 0 0,1 0 0,0 0 0,0 0 0,0 0 0,0 0 0,4 0 0,-3 0 0,8 0 0,-8 0 0,9-4 0,-9 3 0,4-2 0,-6 3 0,1 0 0,0 0 0,0 0 0,0 0 0,4 0 0,-3 0 0,3 0 0,-4 0 0,5 0 0,-4 0 0,8 0 0,-8 0 0,3 0 0,-4 0 0,0 0 0,0 0 0,-5 0 0,4 0 0,-3 0 0,4 0 0,-1 0 0,1 0 0,0 0 0,0 3 0,-4-2 0,3 6 0,-4-6 0,10 6 0,6-2 0,-3 0 0,2 2 0,-10-6 0,0 6 0,-4-6 0,2 2 0,3-3 0,0 0 0,8 4 0,-3-3 0,10 3 0,-4-4 0,10 0 0,-10 0 0,9 4 0,-9-3 0,-1 3 0,-2-4 0,-8 0 0,0 0 0,-3 0 0,-6 0 0,3 0 0,-5 0 0,0 0 0,5 0 0,-3 0 0,2 0 0,-3 0 0,-1 0 0,1 0 0,-1 0 0,5 0 0,-7 0 0,6-3 0,-7-5 0,4 3 0,4-1 0,-2 6 0,6 0 0,-7 0 0,7 0 0,-4 0 0,1 0 0,3 0 0,-4 0 0,5 0 0,0 0 0,0 0 0,4 0 0,-3 0 0,9 0 0,-4 0 0,4 0 0,1 0 0,-1-4 0,1 3 0,0-3 0,-1 4 0,-4-3 0,4 2 0,-4-3 0,4 4 0,6 0 0,2 0 0,5-4 0,0 3 0,-1-3 0,1 4 0,6 0 0,-10 0 0,3 0 0,-11 0 0,-1 0 0,1 0 0,-5 0 0,-2 0 0,-4 0 0,5 0 0,-4 0 0,8 0 0,-3 0 0,5 0 0,-1 0 0,1 0 0,5 0 0,-4 0 0,4 0 0,0 0 0,1 0 0,1 0 0,9 0 0,-8 0 0,10 0 0,0 0 0,-5 0 0,32 0 0,-26 0 0,19 0 0,-26 0 0,0 0 0,-6 0 0,4-4 0,-9 3 0,4-3 0,-10 4 0,3 0 0,-3 0 0,0-4 0,4 3 0,-5-2 0,1 3 0,3 0 0,-8-4 0,3 3 0,1-6 0,7 6 0,-5-3 0,3 4 0,-10 0 0,0 0 0,-1 0 0,1 0 0,0 0 0,0 0 0,5 0 0,-4 0 0,3-3 0,-4 2 0,0-3 0,0 4 0,0 0 0,-1 0 0,1 0 0,0-3 0,0 2 0,0-3 0,0 4 0,-5 0 0,4 0 0,-3 0 0,4 0 0,-5 0 0,4 0 0,-1 0 0,-1 0 0,-1 0 0,-5 0 0,-1 0 0,1 0 0,-1 0 0,5 0 0,-3 0 0,7 0 0,-4 0 0,5 0 0,0 0 0,-4 0 0,2 0 0,-2 0 0,0 0 0,2 0 0,-2 0 0,0 0 0,2 0 0,-2 0 0,14 0 0,-11 0 0,10 0 0,-13 0 0,4 0 0,-1 0 0,-3 0 0,-1 0 0,-5-3 0,1 2 0,-1-2 0,1 3 0,-4 0 0,2-3 0,-2 2 0,4-2 0,-1 0 0,1 2 0,-1-2 0,-3 3 0,3 0 0,-7 0 0,3 0 0,-3 0 0,-1 0 0,1 0 0,-1 0 0,1 0 0,-1 0 0,1 0 0,3 0 0,1-4 0,3 4 0,-3-4 0,-1 2 0,-3 1 0,-1-5 0,-2-1 0,-1-4 0,2 3 0,7 1 0,7 7 0,4 0 0,6 0 0,1 0 0,4 0 0,1 0 0,-6 0 0,5 0 0,-9 0 0,8 0 0,-8 0 0,9 0 0,-9 0 0,3 0 0,-4 0 0,0 0 0,0 0 0,4 0 0,-3 0 0,8 0 0,-8 0 0,9 0 0,-5 0 0,6 0 0,-1 0 0,6 0 0,1 4 0,6-3 0,6 8 0,-5-8 0,5 4 0,-6-5 0,-1 0 0,-4 0 0,2 0 0,-12 0 0,6 0 0,-8 0 0,5 0 0,-5 0 0,3 0 0,-3 0 0,4 0 0,1 0 0,5 0 0,-4 0 0,9 0 0,-4 0 0,0 0 0,4 0 0,-9 0 0,4 0 0,-6 0 0,-4 0 0,3 0 0,-8-4 0,8 3 0,-8-2 0,19 3 0,-20 0 0,14 0 0,-18 0 0,3 0 0,-3 0 0,3 0 0,-8 0 0,4 0 0,-4 0 0,-1 0 0,0 3 0,1-2 0,-1 5 0,1-5 0,-1 5 0,5-1 0,-3 2 0,6-3 0,-2 3 0,-1-6 0,4 6 0,-1-3 0,3 1 0,-3-2 0,0-3 0,-6 0 0,7 3 0,-4-2 0,5 3 0,-4-4 0,3 0 0,-4 0 0,5 0 0,-4 0 0,-2 3 0,1-2 0,-3 2 0,6-3 0,-6 0 0,7 0 0,-3 0 0,3 0 0,6 0 0,-4 0 0,8 0 0,-8 0 0,4 0 0,6 0 0,-9 0 0,9-3 0,-11 2 0,-4-6 0,-2 6 0,1-6 0,-3 6 0,2-2 0,-3 0 0,-1 2 0,1-6 0,-1 7 0,-3-4 0,3 1 0,-3 2 0,3-2 0,1 0 0,-1 2 0,1-5 0,-1 5 0,1-6 0,-1 7 0,1-4 0,-1 4 0,-3-3 0,-2 3 0,-2-3 0,-1 3 0,1 0 0,-1 0 0,4 0 0,-3 0 0,6 0 0,-5 0 0,2 0 0,-3 0 0,-1 0 0,-2 0 0,-1 0 0</inkml:trace>
+  <inkml:trace contextRef="#ctx0" brushRef="#br0">0 1 24575,'0'20'0,"0"2"0,0 6 0,0 2 0,0 10 0,0-4 0,0 10 0,0-10 0,0 4 0,0-5 0,0-5 0,0-2 0,0-4 0,0-4 0,0 3 0,0-11 0,0 5 0,0-9 0,0 5 0,0-6 0,0 3 0,0-4 0,0 1 0,0-1 0,0 0 0,0 0 0,0 1 0,0-1 0,0 1 0,0-1 0,0 1 0,0-1 0,0 1 0,0-1 0,0 1 0,0 0 0,0-1 0,0 0 0,0-2 0,0-1 0</inkml:trace>
 </inkml:ink>
 </file>
 
@@ -2262,14 +1972,14 @@
           <inkml:channelProperty channel="F" name="resolution" value="0" units="1/dev"/>
         </inkml:channelProperties>
       </inkml:inkSource>
-      <inkml:timestamp xml:id="ts0" timeString="2022-09-22T05:01:20.380"/>
+      <inkml:timestamp xml:id="ts0" timeString="2022-09-22T05:03:10.158"/>
     </inkml:context>
     <inkml:brush xml:id="br0">
       <inkml:brushProperty name="width" value="0.1" units="cm"/>
       <inkml:brushProperty name="height" value="0.1" units="cm"/>
     </inkml:brush>
   </inkml:definitions>
-  <inkml:trace contextRef="#ctx0" brushRef="#br0">1 1 24575,'0'17'0,"0"1"0,0-4 0,0 5 0,0 1 0,0-1 0,0 0 0,0-5 0,0 1 0,0 4 0,0-4 0,0 15 0,0-9 0,0 9 0,0-6 0,0-4 0,0 3 0,0-4 0,0 5 0,0-8 0,0 6 0,0-13 0,0 9 0,0-11 0,0 3 0,0-3 0,0-1 0,0 0 0,0-2 0,0-2 0</inkml:trace>
+  <inkml:trace contextRef="#ctx0" brushRef="#br0">0 1 24575,'0'17'0,"0"-3"0,0 9 0,0 13 0,0-12 0,0 31 0,0-21 0,0 9 0,0 1 0,0-1 0,0 5 0,0 0 0,0-3 0,0-3 0,0-6 0,0-2 0,0-5 0,0-11 0,0 4 0,0-14 0,0 2 0,0-4 0,0-2 0,0-2 0</inkml:trace>
 </inkml:ink>
 </file>
 
@@ -2289,14 +1999,14 @@
           <inkml:channelProperty channel="F" name="resolution" value="0" units="1/dev"/>
         </inkml:channelProperties>
       </inkml:inkSource>
-      <inkml:timestamp xml:id="ts0" timeString="2022-09-22T05:01:22.938"/>
+      <inkml:timestamp xml:id="ts0" timeString="2022-09-22T05:03:13.149"/>
     </inkml:context>
     <inkml:brush xml:id="br0">
       <inkml:brushProperty name="width" value="0.1" units="cm"/>
       <inkml:brushProperty name="height" value="0.1" units="cm"/>
     </inkml:brush>
   </inkml:definitions>
-  <inkml:trace contextRef="#ctx0" brushRef="#br0">0 1 24575,'0'18'0,"0"-1"0,0 2 0,0-4 0,0 4 0,0-1 0,0-2 0,0 7 0,0-3 0,0-1 0,0 0 0,0 0 0,0 0 0,0 5 0,0-8 0,0 6 0,0-10 0,0 4 0,0-3 0,0-5 0,0 2 0,0-4 0,0 1 0,0-1 0,0 0 0,0 0 0,0 0 0,0 0 0,0 1 0,0-1 0,0 1 0,0-1 0,0 4 0,0 1 0,0 0 0,0 3 0,0-7 0,0 3 0,0-3 0,0-1 0,0 0 0,0 1 0,0-4 0,0 0 0</inkml:trace>
+  <inkml:trace contextRef="#ctx0" brushRef="#br0">1 1 24575,'0'9'0,"0"8"0,0-1 0,0 13 0,0-4 0,0 4 0,0-1 0,0-3 0,0 4 0,0-5 0,0-4 0,0 3 0,0-1 0,0-2 0,0-3 0,0-3 0,0-7 0,0 7 0,0-7 0,0 7 0,0-6 0,0 5 0,0-5 0,0 2 0,0 0 0,0-3 0,0 3 0,0-3 0,0-1 0,0 1 0,0-1 0,0 0 0,0 0 0,0 0 0,0 0 0,0 0 0,0 0 0,0 1 0,0-1 0,0 0 0,0 0 0,0 0 0,0 0 0,0 0 0,0 0 0,0 0 0,3-3 0,-3 3 0,3-3 0,-3 3 0,3-3 0,-3 3 0,3-3 0,0 4 0,-3-1 0,6-3 0,-5 3 0,1-3 0,-2 3 0,3-3 0,-2 3 0,1-15 0,-2 3 0,0-4 0,0 3 0</inkml:trace>
 </inkml:ink>
 </file>
 
@@ -2316,14 +2026,14 @@
           <inkml:channelProperty channel="F" name="resolution" value="0" units="1/dev"/>
         </inkml:channelProperties>
       </inkml:inkSource>
-      <inkml:timestamp xml:id="ts0" timeString="2022-09-22T05:01:25.585"/>
+      <inkml:timestamp xml:id="ts0" timeString="2022-09-22T05:03:18.028"/>
     </inkml:context>
     <inkml:brush xml:id="br0">
       <inkml:brushProperty name="width" value="0.1" units="cm"/>
       <inkml:brushProperty name="height" value="0.1" units="cm"/>
     </inkml:brush>
   </inkml:definitions>
-  <inkml:trace contextRef="#ctx0" brushRef="#br0">1 0 24575,'0'23'0,"0"-2"0,0-6 0,0-1 0,0 5 0,0-3 0,0 7 0,0-4 0,0 5 0,0 0 0,0 0 0,0 0 0,0 0 0,0-5 0,0 4 0,0-7 0,0 7 0,0-8 0,0 0 0,0-5 0,0-3 0,0-1 0,0 1 0,0-1 0,0 1 0,0-1 0,0 0 0,0 1 0,0-1 0,0 1 0,0-1 0,0 1 0,0-1 0,0 1 0,0-1 0,0 0 0,0 0 0,0 1 0,0-1 0,0 1 0,0-1 0,0 1 0,0-1 0,0 1 0,0-1 0,0 0 0,0 0 0,0 0 0,0 0 0,0 1 0,0-1 0,0 0 0,0 0 0,0 0 0,0-3 0,0 0 0</inkml:trace>
+  <inkml:trace contextRef="#ctx0" brushRef="#br0">15 1 24575,'0'17'0,"0"1"0,0-4 0,0 1 0,0-1 0,0 1 0,0-5 0,0 4 0,0-6 0,0 5 0,0-5 0,0 9 0,0-5 0,0 7 0,0-4 0,0 3 0,0-2 0,0 7 0,0-8 0,0 8 0,0-7 0,0-1 0,0-2 0,0 3 0,0-1 0,0 4 0,0-5 0,0 1 0,0-4 0,0 3 0,-6-7 0,4 7 0,-4-6 0,6 5 0,0-5 0,0 2 0,0-4 0,0 5 0,0-4 0,0 3 0,0-3 0,0 3 0,0-3 0,0 3 0,0-3 0,0 3 0,0-3 0,0 7 0,0 0 0,0-2 0,0 1 0,0-3 0,0-3 0,0 3 0,0-3 0,0-1 0,0 1 0,0 0 0,0-1 0,0-2 0,0-1 0</inkml:trace>
 </inkml:ink>
 </file>
 
@@ -2343,14 +2053,14 @@
           <inkml:channelProperty channel="F" name="resolution" value="0" units="1/dev"/>
         </inkml:channelProperties>
       </inkml:inkSource>
-      <inkml:timestamp xml:id="ts0" timeString="2022-09-22T05:01:28.048"/>
+      <inkml:timestamp xml:id="ts0" timeString="2022-09-22T23:10:51.397"/>
     </inkml:context>
     <inkml:brush xml:id="br0">
       <inkml:brushProperty name="width" value="0.1" units="cm"/>
       <inkml:brushProperty name="height" value="0.1" units="cm"/>
     </inkml:brush>
   </inkml:definitions>
-  <inkml:trace contextRef="#ctx0" brushRef="#br0">0 1 24575,'0'26'0,"0"-6"0,0 7 0,0-7 0,0 14 0,0-7 0,0 7 0,0-6 0,0-2 0,0 7 0,0-3 0,0-4 0,0 1 0,0-7 0,0 0 0,0-2 0,0-3 0,0-1 0,0 1 0,0-1 0,0-3 0,0-1 0,0-3 0,0 0 0,0-1 0,0 1 0,0-1 0,0 1 0,0-1 0,0 0 0,0 0 0,0 0 0,0 1 0,0 3 0,0-3 0,0 7 0,0-6 0,0 2 0,0-4 0,0 1 0,0-1 0,0 1 0,0-1 0,0-2 0,0-1 0</inkml:trace>
+  <inkml:trace contextRef="#ctx0" brushRef="#br0">68 0 24575,'0'49'0,"0"3"0,0 30 0,0 5-1128,0-29 0,0 2 1128,0-5 0,0 2 0,0 11 0,0 0 0,0-6 0,0-1 0,0 8 0,0 0 0,0 1 0,0-1 0,0-8 0,0 1 0,0 15 0,0 1 0,0-11 0,0 1-666,0 11 0,0 1 666,0-5 0,0 0 0,0 10 0,0 0 0,0-7 0,0-1 0,0 9 0,0-1 0,0-14 0,0-2 0,0 6 0,0-2 0,0-11 0,0-1 36,0-1 1,0-1-37,0-4 0,0-2 0,0 34 0,0-9 0,0 18 0,0-45 0,0 44 1019,0-45-1019,0 11 1618,0 5-1618,0-16 878,0 16-878,0-18 0,0 11 0,0-10 0,0 16 0,0-25 0,0 37 0,0-22 0,0 21 0,0-15 0,0 20 0,0-33 0,0 39 0,0-37 0,0 17 0,0-6 0,0-1 0,0 1 0,-4-1 0,3 1 0,-4-7 0,5 5 0,0-10 0,0 4 0,-4-6 0,3-1 0,-3 1 0,0 0 0,3 0 0,-4 0 0,1 13 0,2-21 0,-2 25 0,4-20 0,0 16 0,0 1 0,0-7 0,-4-1 0,3 0 0,-4-5 0,5 5 0,0-12 0,0 5 0,-4-5 0,3 6 0,-7 0 0,7 0 0,-3-5 0,4-2 0,0-6 0,0 1 0,0 0 0,0-5 0,0 14 0,0-12 0,0 14 0,0-17 0,0 5 0,0-4 0,0 5 0,0-1 0,0 1 0,0 0 0,0-1 0,0 1 0,0 0 0,4-1 0,-4 1 0,4 0 0,-4-1 0,4 1 0,-3 5 0,3-4 0,0 10 0,-3-10 0,3 9 0,-4-3 0,0-1 0,5 5 0,-4-10 0,3 4 0,-4-5 0,0-1 0,0-4 0,0 4 0,0-9 0,0 8 0,0-3 0,0 5 0,0 5 0,0 1 0,0 1 0,0 3 0,0-9 0,0 4 0,0-5 0,0 0 0,0-6 0,0 0 0,0-5 0,0 0 0,0 0 0,0 10 0,0-2 0,0 8 0,0-5 0,0-1 0,0 1 0,0 5 0,0-4 0,0 4 0,0-5 0,0 0 0,0-1 0,0-4 0,0-1 0,0-6 0,0 1 0,0 0 0,0 0 0,0 0 0,0 0 0,0 0 0,0 0 0,0-1 0,0 1 0,0 5 0,0-4 0,0 24 0,0-15 0,4 16 0,0-16 0,5 1 0,-4 0 0,3-1 0,-4 1 0,5 0 0,0-1 0,-4-4 0,-2 4 0,-3-9 0,0 4 0,0-6 0,0 1 0,0 0 0,0 0 0,0 6 0,0-4 0,0 4 0,0-6 0,0 5 0,0-4 0,0 4 0,0-6 0,0 1 0,0 0 0,0-4 0,0-1 0,0-1 0,0-6 0,0 10 0,0-13 0,0 9 0,0-7 0,0 3 0,0-3 0,0-1 0,0-3 0,0 2 0,0-1 0,0 1 0,0-2 0,0-1 0,0 1 0,0 3 0,0-3 0,0 7 0,-3-3 0,2 3 0,-2 1 0,0-4 0,2 2 0,-5-2 0,6 0 0,-4 0 0,4-5 0,0 1 0,-3-1 0,3 1 0,-3-1 0,3 6 0,0 8 0,0 7 0,0 3 0,0 3 0,0-4 0,0 6 0,0-5 0,0-1 0,0-6 0,0-3 0,0-1 0,0-5 0,0 1 0,0-4 0,0 3 0,0-3 0,0-1 0,0 4 0,0-6 0,0 2 0,0 0 0,0-3 0,0 3 0,0 0 0,0-2 0,0 5 0,0-5 0,0 6 0,0-7 0,0 3 0,0 0 0,0-2 0,0 2 0,0-4 0,0 1 0,0 3 0,0 7 0,0-1 0,0 5 0,0-2 0,0-3 0,0 7 0,0-8 0,0 8 0,0-7 0,0 2 0,0-7 0,0 3 0,0-7 0,0 3 0,0-3 0,0-1 0,0 1 0,0-1 0,0 1 0,0-1 0,0 1 0,0-1 0,0 0 0,0 1 0,0-1 0,0 0 0,0 1 0,0 3 0,0 1 0,-7 4 0,6-1 0,-6-3 0,7-1 0,0-3 0,0-1 0,0 1 0,-3-4 0,3 3 0,-3-2 0,3 2 0,0 8 0,-4-2 0,4 7 0,-4-5 0,1 1 0,2-4 0,-2-1 0,3-3 0,0-1 0,-3-2 0,3-1 0,-3-3 0</inkml:trace>
 </inkml:ink>
 </file>
 
@@ -2397,14 +2107,14 @@
           <inkml:channelProperty channel="F" name="resolution" value="0" units="1/dev"/>
         </inkml:channelProperties>
       </inkml:inkSource>
-      <inkml:timestamp xml:id="ts0" timeString="2022-09-22T05:01:30.671"/>
+      <inkml:timestamp xml:id="ts0" timeString="2022-09-22T23:11:01.507"/>
     </inkml:context>
     <inkml:brush xml:id="br0">
       <inkml:brushProperty name="width" value="0.1" units="cm"/>
       <inkml:brushProperty name="height" value="0.1" units="cm"/>
     </inkml:brush>
   </inkml:definitions>
-  <inkml:trace contextRef="#ctx0" brushRef="#br0">7 0 24575,'0'22'0,"0"-4"0,0-3 0,0-1 0,0-3 0,0 12 0,0-6 0,0 7 0,0-13 0,0 2 0,0 2 0,0 1 0,0 3 0,0 1 0,0-3 0,0 0 0,0-7 0,0-3 0,0-1 0,0 1 0,0-1 0,0 0 0,0 1 0,0-1 0,0 0 0,0 0 0,0 1 0,0-1 0,0 4 0,0 1 0,0 4 0,0-1 0,0-3 0,0 3 0,0-7 0,0 3 0,0-3 0,0-1 0,0 1 0,0-1 0,0 0 0,0 1 0,-3-1 0,3 1 0,-3 0 0,3-1 0,0 1 0,0-1 0,0 1 0,0-1 0,0 1 0,0-1 0,0 1 0,0-1 0,0 0 0,0 0 0,0 0 0,0 1 0,0-1 0,0 0 0,0 0 0,0 0 0,0 0 0,0 0 0,0 0 0,0-3 0,0 0 0</inkml:trace>
+  <inkml:trace contextRef="#ctx0" brushRef="#br0">1 64 24575,'18'0'0,"3"0"0,-6 0 0,13 0 0,-7 0 0,4 0 0,-3 0 0,-2 0 0,0 0 0,9 0 0,-8 0 0,6 0 0,-9 0 0,1 0 0,-7 0 0,6 0 0,-11 0 0,7 0 0,-7 0 0,3 0 0,0 0 0,-2 0 0,5 0 0,-5-3 0,6 2 0,-3-2 0,3 3 0,-3-3 0,3 2 0,-3-5 0,3 5 0,1-2 0,-1 0 0,1 2 0,-1-5 0,1 5 0,-1-2 0,1 3 0,-1-3 0,-3 2 0,3-3 0,-7 4 0,3 0 0,0 0 0,-2 0 0,5 0 0,-5-2 0,5 1 0,-5-2 0,5 3 0,-5 0 0,12 0 0,-11 0 0,11 0 0,-12 0 0,2 0 0,0-3 0,-3 2 0,3-2 0,0 3 0,-2 0 0,5-4 0,-2 4 0,4-4 0,-1 4 0,1 0 0,-1 0 0,1 0 0,-1 0 0,5 0 0,-3 0 0,2 0 0,-3 0 0,-1 0 0,1 0 0,-1 0 0,5 0 0,1 0 0,-1 0 0,15 0 0,-12 0 0,13 0 0,-12 0 0,1 0 0,5 0 0,-4 0 0,4 0 0,-5 0 0,4 0 0,-3 0 0,4 0 0,-5 0 0,0 0 0,10 0 0,-11 0 0,10 0 0,-17 4 0,6-4 0,-6 7 0,3-3 0,-5 0 0,5 3 0,-4-6 0,4 5 0,-4-5 0,3 2 0,-6-3 0,6 0 0,-3 0 0,1 0 0,2 0 0,-3 0 0,4 0 0,-4 0 0,8 0 0,-3 0 0,4 0 0,-1 0 0,1 0 0,-4 0 0,2 0 0,-2 0 0,3 0 0,1 0 0,0 0 0,-5 0 0,4 0 0,-7 0 0,2 0 0,-3 0 0,-1 0 0,1 0 0,-1 0 0,-3 0 0,3 0 0,-7 0 0,7 0 0,-3 0 0,0 0 0,3 0 0,-7 0 0,7 0 0,-7 0 0,7 0 0,-7 0 0,7 0 0,-7 0 0,3 3 0,-3-2 0,0 2 0,-1-3 0,-3 3 0,3-2 0,-3 2 0,3-3 0,4 0 0,1 0 0,8 0 0,0 0 0,5 0 0,-4 0 0,3 0 0,-8 0 0,4 0 0,-8 0 0,-1 0 0,-3 0 0,-1 0 0,0 0 0,4 0 0,1 0 0,4 0 0,3 0 0,-2 0 0,3-4 0,-5 3 0,-3-2 0,3 3 0,-7 0 0,3 0 0,-3 0 0,-1 0 0,1 0 0,-1 0 0,1 0 0,-1 0 0,0 0 0,1 0 0,-1 0 0,1 0 0,-1 0 0,1 0 0,-1 0 0,1 0 0,-4 0 0,0 0 0</inkml:trace>
 </inkml:ink>
 </file>
 
@@ -2424,14 +2134,15 @@
           <inkml:channelProperty channel="F" name="resolution" value="0" units="1/dev"/>
         </inkml:channelProperties>
       </inkml:inkSource>
-      <inkml:timestamp xml:id="ts0" timeString="2022-09-22T05:01:32.900"/>
+      <inkml:timestamp xml:id="ts0" timeString="2022-09-22T23:11:08.807"/>
     </inkml:context>
     <inkml:brush xml:id="br0">
       <inkml:brushProperty name="width" value="0.1" units="cm"/>
       <inkml:brushProperty name="height" value="0.1" units="cm"/>
+      <inkml:brushProperty name="color" value="#FFC000"/>
     </inkml:brush>
   </inkml:definitions>
-  <inkml:trace contextRef="#ctx0" brushRef="#br0">0 0 24575,'0'21'0,"0"-4"0,0 10 0,0-10 0,0 11 0,0-8 0,0-1 0,0 4 0,0-7 0,0 2 0,0 1 0,0-7 0,0 6 0,0-11 0,0 7 0,0-7 0,0 14 0,0-8 0,0 12 0,0-10 0,0 4 0,0-5 0,0-3 0,0-1 0,0 0 0,0-3 0,0 7 0,0-7 0,0 3 0,0 0 0,0-2 0,0 5 0,0-5 0,0 2 0,0-4 0,0 1 0,0 0 0,0-1 0,0 0 0,0 0 0,0 1 0,0-1 0,0 1 0,0-1 0,0 1 0,0-1 0,0 1 0,0-1 0,0 1 0,0-1 0,0 1 0,0-4 0,0 0 0</inkml:trace>
+  <inkml:trace contextRef="#ctx0" brushRef="#br0">1 1 24575,'19'0'0,"18"0"0,-5 0 0,13 0 0,-10 0 0,-6 0 0,0 0 0,0 0 0,-4 0 0,4 0 0,-5 0 0,-1 0 0,-3 0 0,-1 0 0,-5 0 0,-3 0 0,-1 0 0,-3 0 0,-1 0 0,-2 0 0,-1 0 0</inkml:trace>
 </inkml:ink>
 </file>
 
@@ -2451,14 +2162,15 @@
           <inkml:channelProperty channel="F" name="resolution" value="0" units="1/dev"/>
         </inkml:channelProperties>
       </inkml:inkSource>
-      <inkml:timestamp xml:id="ts0" timeString="2022-09-22T05:01:37.335"/>
+      <inkml:timestamp xml:id="ts0" timeString="2022-09-22T23:11:10.657"/>
     </inkml:context>
     <inkml:brush xml:id="br0">
       <inkml:brushProperty name="width" value="0.1" units="cm"/>
       <inkml:brushProperty name="height" value="0.1" units="cm"/>
+      <inkml:brushProperty name="color" value="#FFC000"/>
     </inkml:brush>
   </inkml:definitions>
-  <inkml:trace contextRef="#ctx0" brushRef="#br0">14 1 24575,'0'9'0,"0"-4"0,0 19 0,0-6 0,0-2 0,0 7 0,0-8 0,0 8 0,0-7 0,0-1 0,0-2 0,0-2 0,0 4 0,0-4 0,0 2 0,0-5 0,0 2 0,0 0 0,0-3 0,0 3 0,0 0 0,0-2 0,0 2 0,0-3 0,0-1 0,0 1 0,0 3 0,0-3 0,0 7 0,0-7 0,0 7 0,0-7 0,0 6 0,0-6 0,0 3 0,0-4 0,0 1 0,0-1 0,0 0 0,0 0 0,0 0 0,0 1 0,0-1 0,0 1 0,-3 3 0,2 1 0,-2 3 0,0-3 0,3-1 0,-3-3 0,3-1 0,0 1 0,0-1 0,0 1 0,0-1 0,0 0 0,0 0 0,0 0 0,0 1 0,0-1 0,0 0 0,0 1 0,0-1 0,0 1 0,0-1 0,0 0 0,0 1 0,0-1 0,0 0 0,0 0 0,0 1 0,0-1 0,0 0 0,0 0 0,0 0 0,0 0 0,0 0 0,0 0 0,0 0 0,0 0 0,0 0 0,0 0 0,0-2 0,0-2 0</inkml:trace>
+  <inkml:trace contextRef="#ctx0" brushRef="#br0">1 0 24575,'14'0'0,"2"0"0,-5 0 0,4 0 0,-1 0 0,1 0 0,3 0 0,-2 0 0,3 0 0,-1 0 0,-2 0 0,3 0 0,-1 0 0,2 0 0,0 0 0,-2 0 0,-3 0 0,-4 0 0,-1 0 0,-4 0 0,1 0 0,-1 0 0,0 0 0,1 0 0,0 0 0,3 0 0,-6 0 0,3 0 0</inkml:trace>
 </inkml:ink>
 </file>
 
@@ -2478,14 +2190,15 @@
           <inkml:channelProperty channel="F" name="resolution" value="0" units="1/dev"/>
         </inkml:channelProperties>
       </inkml:inkSource>
-      <inkml:timestamp xml:id="ts0" timeString="2022-09-22T05:03:04.635"/>
+      <inkml:timestamp xml:id="ts0" timeString="2022-09-22T23:11:12.295"/>
     </inkml:context>
     <inkml:brush xml:id="br0">
       <inkml:brushProperty name="width" value="0.1" units="cm"/>
       <inkml:brushProperty name="height" value="0.1" units="cm"/>
+      <inkml:brushProperty name="color" value="#FFC000"/>
     </inkml:brush>
   </inkml:definitions>
-  <inkml:trace contextRef="#ctx0" brushRef="#br0">2 6 24575,'13'0'0,"4"0"0,-1 0 0,6 0 0,-3 0 0,4 0 0,1 0 0,-1 0 0,0 0 0,0 0 0,1 0 0,-1 0 0,0 0 0,-3 0 0,2 0 0,-7 0 0,7 0 0,-7 3 0,4-2 0,5 9 0,-7-8 0,4 5 0,-8-4 0,-6-2 0,3 2 0,-3 0 0,-1-2 0,0 2 0,0-3 0,1 0 0,-1 0 0,0 2 0,1-1 0,-1 2 0,4-3 0,0 0 0,5 0 0,3 4 0,1-3 0,0 2 0,8-3 0,-7 4 0,13-4 0,-9 8 0,9-8 0,-4 4 0,5-4 0,0 0 0,0 0 0,5 4 0,-9-3 0,8 3 0,-9-4 0,5 0 0,-5 0 0,4 4 0,-9-3 0,4 7 0,0-8 0,-4 8 0,4-8 0,0 8 0,-3-7 0,7 3 0,-2-4 0,3 3 0,0-2 0,6 3 0,-5-4 0,5 0 0,-5 4 0,5-3 0,-4 7 0,4-7 0,-6 3 0,6-4 0,-4 0 0,10 0 0,-10 0 0,42 0 0,-34 0 0,47 0 0,-47 0 0,21 0 0,-17 0 0,11 0 0,-5 0 0,0 0 0,4 0 0,-15 0 0,8 0 0,-15 4 0,10-4 0,-10 8 0,-1-7 0,-1 3 0,-9 0 0,9-4 0,-9 8 0,4-8 0,-4 4 0,-1-1 0,0-2 0,5 3 0,-3-4 0,7 4 0,-3-3 0,0 3 0,4-4 0,-4 0 0,5 0 0,0 3 0,0-2 0,-1 3 0,1-4 0,0 4 0,0-3 0,5 3 0,-4 0 0,9-3 0,-4 3 0,6-4 0,-1 4 0,1-3 0,0 3 0,5-4 0,-4 0 0,5 0 0,-1 0 0,-4 0 0,5 0 0,-6 0 0,5 0 0,-4 0 0,5 0 0,-7 0 0,7 0 0,1 0 0,0 0 0,5 0 0,8 0 0,-15 0 0,19 0 0,-22 0 0,11 0 0,0 0 0,0-5 0,13 4 0,-9-3 0,4 4 0,3 0 0,-19 0 0,19 0 0,5 0 0,-22 0 0,31 0 0,-35 0 0,17 0 0,-7 0 0,-1 0 0,1 0 0,0-5 0,0 4 0,-6-3 0,18 4 0,-25 0 0,23 0 0,-21 0 0,11 0 0,0 0 0,-7 0 0,6-5 0,-11 4 0,4-3 0,-10 0 0,3 3 0,11-7 0,-10 7 0,14-3 0,-19 4 0,1 0 0,3-4 0,-4 2 0,5-2 0,1 0 0,-7 3 0,5-3 0,-3 0 0,-1 3 0,-1-3 0,-5 0 0,0 3 0,0-3 0,-1 4 0,1 0 0,0-4 0,0 3 0,0-3 0,4 4 0,-3 0 0,9 0 0,-3 0 0,4-4 0,7 3 0,-5-3 0,5 4 0,-1 0 0,-4-4 0,5 3 0,-6-4 0,-1 5 0,1 0 0,-1 0 0,7 0 0,7 0 0,-14 0 0,17 0 0,-19 0 0,16 0 0,0 0 0,-6 0 0,4 0 0,-10 0 0,11 0 0,-11 0 0,4 0 0,-5 0 0,0 0 0,5 0 0,-4 0 0,11 0 0,-11 0 0,10 0 0,10 0 0,-16 0 0,13 0 0,-17 0 0,0 0 0,10 0 0,-10 0 0,5 0 0,-6 0 0,-1 0 0,1 0 0,0 0 0,-1 0 0,1 0 0,5 0 0,-4 0 0,10 0 0,17 0 0,-16 0 0,14 0 0,-27 0 0,1 5 0,0-4 0,-1 3 0,1 0 0,11-3 0,-14 3 0,19-4 0,-8 0 0,-5 0 0,8 0 0,-11 0 0,1 4 0,10-3 0,-10 4 0,4-5 0,-5 0 0,-1 0 0,1 0 0,-1 0 0,1 0 0,26 0 0,-20 4 0,26-3 0,-31 3 0,10 0 0,-9 2 0,3-1 0,-5 4 0,-1-4 0,1 0 0,-1 3 0,1-7 0,0 3 0,-1 1 0,1-4 0,0 3 0,-1-4 0,7 0 0,-5 0 0,10 0 0,-9 0 0,3 0 0,21 0 0,-25 0 0,24 0 0,-36 0 0,9 0 0,-9 0 0,9 0 0,-8 0 0,8 0 0,-4 0 0,1 0 0,3 0 0,-4 0 0,6 0 0,-1 0 0,1 0 0,19 0 0,-24 0 0,27 0 0,-31 0 0,14 0 0,-5 0 0,-1 0 0,1 0 0,20 0 0,-16 0 0,16 0 0,-14 0 0,-5 0 0,4 0 0,-5 0 0,-1 0 0,1 0 0,0 0 0,-1 0 0,-4 0 0,-3 0 0,-4 0 0,0 0 0,-1 0 0,1 0 0,-5 0 0,9 0 0,-7 0 0,8 0 0,-6 0 0,6 0 0,-4 0 0,5 0 0,-7 0 0,1 0 0,-5 0 0,-1 0 0,-5 0 0,0 0 0,-3 0 0,-2 0 0,-8 0 0,0 0 0,-3 0 0,-1 0 0,0 0 0,1 0 0,-1 0 0,0 0 0,0 0 0,1 0 0,-1 0 0,0 0 0,0 0 0,0 0 0,1 0 0,-1 0 0,0 0 0,1 0 0,-1 0 0,0 0 0,1 0 0,-1 0 0,0 0 0,0 0 0,1 0 0,-1 0 0,0 0 0,0 0 0,0 0 0,0 0 0,0 0 0,0 0 0,1 0 0,-1 0 0,0 0 0,1 0 0,-1 0 0,0 0 0,0 0 0,0 0 0,0 0 0,1 0 0,-1 0 0,0 0 0,0 0 0,0 0 0,0 0 0,1 0 0,-1 0 0,0 0 0,0 0 0,1 0 0,-1 0 0,0 0 0,0 0 0,1 0 0,-1 0 0,0 0 0,0 0 0,0 0 0,0 0 0,0 0 0,1 0 0,-1 0 0,0 0 0,1 0 0,-1 0 0,-3 0 0,0 0 0</inkml:trace>
+  <inkml:trace contextRef="#ctx0" brushRef="#br0">0 0 24575,'24'0'0,"-1"0"0,1 0 0,5 0 0,-4 0 0,8 0 0,-7 0 0,2 0 0,1 0 0,-4 0 0,8 0 0,-3 0 0,0 0 0,-1 0 0,0 0 0,-8 0 0,2 0 0,-12 0 0,-1 0 0,-3 0 0,-4 0 0,0 0 0</inkml:trace>
 </inkml:ink>
 </file>
 
@@ -2505,14 +2218,15 @@
           <inkml:channelProperty channel="F" name="resolution" value="0" units="1/dev"/>
         </inkml:channelProperties>
       </inkml:inkSource>
-      <inkml:timestamp xml:id="ts0" timeString="2022-09-22T05:03:06.522"/>
+      <inkml:timestamp xml:id="ts0" timeString="2022-09-22T23:11:14.482"/>
     </inkml:context>
     <inkml:brush xml:id="br0">
       <inkml:brushProperty name="width" value="0.1" units="cm"/>
       <inkml:brushProperty name="height" value="0.1" units="cm"/>
+      <inkml:brushProperty name="color" value="#FFC000"/>
     </inkml:brush>
   </inkml:definitions>
-  <inkml:trace contextRef="#ctx0" brushRef="#br0">0 1 24575,'0'13'0,"0"4"0,0-2 0,0 4 0,0-1 0,0-2 0,0 3 0,0-1 0,0 2 0,0 0 0,0-2 0,0 1 0,0 1 0,0 4 0,0 0 0,0 0 0,0-1 0,0 1 0,0 0 0,0-4 0,0 3 0,0-4 0,0 5 0,0 0 0,4 0 0,0 0 0,1-4 0,-2 3 0,1-4 0,-4 1 0,4-1 0,-4-5 0,0 1 0,0-4 0,0 2 0,3-2 0,-2 0 0,2-2 0,-3-3 0,0 1 0,0-1 0,0 0 0,0-3 0,0 0 0</inkml:trace>
+  <inkml:trace contextRef="#ctx0" brushRef="#br0">0 0 24575,'27'0'0,"0"0"0,-4 0 0,6 0 0,6 0 0,1 0 0,5 0 0,-7 0 0,1 0 0,-5 0 0,3 0 0,-15 0 0,4 0 0,-14 0 0,2 0 0,-4 0 0,1 0 0,-1 0 0,1 0 0,-1 0 0,0 0 0,0 0 0,0 0 0,1 0 0,-1 0 0,4 0 0,1 0 0,0 0 0,-1 0 0,-3 0 0,-3 0 0,-2 0 0</inkml:trace>
 </inkml:ink>
 </file>
 
@@ -2532,14 +2246,15 @@
           <inkml:channelProperty channel="F" name="resolution" value="0" units="1/dev"/>
         </inkml:channelProperties>
       </inkml:inkSource>
-      <inkml:timestamp xml:id="ts0" timeString="2022-09-22T05:03:08.513"/>
+      <inkml:timestamp xml:id="ts0" timeString="2022-09-22T23:11:16.239"/>
     </inkml:context>
     <inkml:brush xml:id="br0">
       <inkml:brushProperty name="width" value="0.1" units="cm"/>
       <inkml:brushProperty name="height" value="0.1" units="cm"/>
+      <inkml:brushProperty name="color" value="#FFC000"/>
     </inkml:brush>
   </inkml:definitions>
-  <inkml:trace contextRef="#ctx0" brushRef="#br0">0 1 24575,'0'20'0,"0"2"0,0 6 0,0 2 0,0 10 0,0-4 0,0 10 0,0-10 0,0 4 0,0-5 0,0-5 0,0-2 0,0-4 0,0-4 0,0 3 0,0-11 0,0 5 0,0-9 0,0 5 0,0-6 0,0 3 0,0-4 0,0 1 0,0-1 0,0 0 0,0 0 0,0 1 0,0-1 0,0 1 0,0-1 0,0 1 0,0-1 0,0 1 0,0-1 0,0 1 0,0 0 0,0-1 0,0 0 0,0-2 0,0-1 0</inkml:trace>
+  <inkml:trace contextRef="#ctx0" brushRef="#br0">1 0 24575,'22'0'0,"5"0"0,-2 0 0,8 0 0,-3 0 0,5 0 0,-1 0 0,-4 0 0,4 0 0,1 0 0,-14 0 0,-1 0 0</inkml:trace>
 </inkml:ink>
 </file>
 
@@ -2559,14 +2274,14 @@
           <inkml:channelProperty channel="F" name="resolution" value="0" units="1/dev"/>
         </inkml:channelProperties>
       </inkml:inkSource>
-      <inkml:timestamp xml:id="ts0" timeString="2022-09-22T05:03:10.158"/>
+      <inkml:timestamp xml:id="ts0" timeString="2022-09-22T23:11:30.491"/>
     </inkml:context>
     <inkml:brush xml:id="br0">
       <inkml:brushProperty name="width" value="0.1" units="cm"/>
       <inkml:brushProperty name="height" value="0.1" units="cm"/>
     </inkml:brush>
   </inkml:definitions>
-  <inkml:trace contextRef="#ctx0" brushRef="#br0">0 1 24575,'0'17'0,"0"-3"0,0 9 0,0 13 0,0-12 0,0 31 0,0-21 0,0 9 0,0 1 0,0-1 0,0 5 0,0 0 0,0-3 0,0-3 0,0-6 0,0-2 0,0-5 0,0-11 0,0 4 0,0-14 0,0 2 0,0-4 0,0-2 0,0-2 0</inkml:trace>
+  <inkml:trace contextRef="#ctx0" brushRef="#br0">0 0 24575,'10'0'0,"-1"0"0,-2 0 0,3 0 0,-3 0 0,3 0 0,-4 0 0,1 0 0,0 0 0,3 0 0,-3 0 0,3 0 0,0 0 0,-2 0 0,2 0 0,0 0 0,-3 0 0,3 0 0,-3 0 0,0 0 0,-1 0 0,1 0 0,3 0 0,-3 0 0,3 0 0,-3 0 0,-1 0 0,4 0 0,-2 0 0,2 0 0,-4 0 0,1 0 0,0 0 0,-1 0 0,1 0 0,-1 0 0,1 0 0,-1 0 0,1 0 0,-1 0 0,1 0 0,0 0 0,-1 0 0,1 0 0,-1 0 0,1 0 0,-1 0 0,1 0 0,-1 0 0,1 0 0,3 3 0,-3-2 0,7 2 0,0 0 0,-2-2 0,1 2 0,-3 0 0,-3-2 0,7 2 0,-7-3 0,3 0 0,-3 0 0,3 0 0,-3 0 0,4 0 0,-1 0 0,-3 0 0,7 0 0,-7 0 0,7 0 0,-3 0 0,3 0 0,1 0 0,-1 0 0,1 0 0,-1 0 0,1 0 0,-1 0 0,1 0 0,-1 0 0,1 0 0,-1 0 0,-3 0 0,2 0 0,-2 0 0,4 0 0,-4 0 0,-1 0 0,-3 0 0,-1 0 0,1 0 0,-1 0 0,1 0 0,-1 0 0,4 0 0,1 0 0,0 0 0,7 0 0,-6 0 0,7 0 0,0 0 0,-4 0 0,4 0 0,-5 0 0,-3 0 0,-1 0 0,0 0 0,-2 0 0,2 0 0,-4 0 0,1 0 0,0 0 0,-1 0 0,0 0 0,0 0 0,0 0 0,1 0 0,-1 0 0,0 0 0,0 0 0,1 0 0,-1 0 0,0 0 0,0-3 0,1 3 0,-1-3 0,1 0 0,0 2 0,-1-2 0,0 3 0,-2-3 0,1 2 0,-4-1 0,2 2 0</inkml:trace>
 </inkml:ink>
 </file>
 
@@ -2586,14 +2301,15 @@
           <inkml:channelProperty channel="F" name="resolution" value="0" units="1/dev"/>
         </inkml:channelProperties>
       </inkml:inkSource>
-      <inkml:timestamp xml:id="ts0" timeString="2022-09-22T05:03:13.149"/>
+      <inkml:timestamp xml:id="ts0" timeString="2022-09-22T23:13:45.450"/>
     </inkml:context>
     <inkml:brush xml:id="br0">
       <inkml:brushProperty name="width" value="0.1" units="cm"/>
       <inkml:brushProperty name="height" value="0.1" units="cm"/>
+      <inkml:brushProperty name="color" value="#0070C0"/>
     </inkml:brush>
   </inkml:definitions>
-  <inkml:trace contextRef="#ctx0" brushRef="#br0">1 1 24575,'0'9'0,"0"8"0,0-1 0,0 13 0,0-4 0,0 4 0,0-1 0,0-3 0,0 4 0,0-5 0,0-4 0,0 3 0,0-1 0,0-2 0,0-3 0,0-3 0,0-7 0,0 7 0,0-7 0,0 7 0,0-6 0,0 5 0,0-5 0,0 2 0,0 0 0,0-3 0,0 3 0,0-3 0,0-1 0,0 1 0,0-1 0,0 0 0,0 0 0,0 0 0,0 0 0,0 0 0,0 0 0,0 1 0,0-1 0,0 0 0,0 0 0,0 0 0,0 0 0,0 0 0,0 0 0,0 0 0,3-3 0,-3 3 0,3-3 0,-3 3 0,3-3 0,-3 3 0,3-3 0,0 4 0,-3-1 0,6-3 0,-5 3 0,1-3 0,-2 3 0,3-3 0,-2 3 0,1-15 0,-2 3 0,0-4 0,0 3 0</inkml:trace>
+  <inkml:trace contextRef="#ctx0" brushRef="#br0">1253 1 24575,'-13'0'0,"1"0"0,5 0 0,1 0 0,-1 0 0,0 0 0,1 0 0,-1 0 0,1 0 0,-1 0 0,1 0 0,-1 0 0,1 3 0,-1-2 0,1 4 0,-1-4 0,1 2 0,-1 0 0,1-2 0,-1 2 0,1-3 0,2 2 0,-1-1 0,4 5 0,-4-5 0,1 2 0,0 0 0,-2-3 0,6 6 0,-6-5 0,2 5 0,-2-6 0,-1 6 0,1-2 0,-1 2 0,0 1 0,1 0 0,-1-4 0,1 3 0,-1-3 0,4 4 0,-3-3 0,2 1 0,-2 3 0,-1 2 0,-4 9 0,-1-3 0,-4 7 0,1-4 0,3 1 0,-3 3 0,7-8 0,-7 8 0,7-7 0,0 3 0,1-5 0,3 1 0,-3-1 0,0 1 0,-1 3 0,0 2 0,0 4 0,4 0 0,-3 0 0,3-5 0,-4 4 0,1-7 0,-1 3 0,4-5 0,-2-3 0,5 3 0,-5-7 0,6 3 0,-3-3 0,3-1 0,0 1 0,0-1 0,-3 0 0,2 5 0,-5 0 0,5 7 0,-6 2 0,3 4 0,-4 0 0,4-1 0,-4 6 0,7-4 0,-6 4 0,6-1 0,-2-3 0,3 4 0,0-1 0,0 2 0,0 5 0,0 0 0,0-1 0,0-4 0,0 4 0,0-5 0,0 6 0,0-5 0,0-1 0,0-6 0,0 1 0,0 0 0,0 6 0,0-4 0,0 4 0,0-2 0,0-3 0,0 4 0,0 0 0,0 1 0,0 4 0,3 1 0,2 0 0,0-6 0,2 0 0,-6-9 0,3-5 0,-4-5 0,0-4 0,0 8 0,0 7 0,0 9 0,0 5 0,0-1 0,0-4 0,0-1 0,0 0 0,0-4 0,0-1 0,0-1 0,0-4 0,0 5 0,0-1 0,0 1 0,0-1 0,0 1 0,0 0 0,-4 0 0,3 0 0,-6 0 0,6-4 0,-2 3 0,3-8 0,0 8 0,0-3 0,0-1 0,0 4 0,0-3 0,0 4 0,0 0 0,0 0 0,0 0 0,0-1 0,0 1 0,0-4 0,0-1 0,0-5 0,0 5 0,0-3 0,0 13 0,3-8 0,-2 5 0,3-3 0,-1-3 0,-2 4 0,3 5 0,-4-9 0,0 8 0,0-8 0,0 0 0,0 2 0,0-6 0,0 3 0,0-5 0,3 1 0,1-1 0,0 1 0,3 3 0,-2 7 0,3 5 0,1 4 0,0 6 0,-5 2 0,1 4 0,-5-4 0,0 3 0,0-9 0,0-1 0,0-1 0,0-9 0,0 4 0,0-10 0,0 9 0,0-7 0,0 7 0,0 1 0,0 1 0,0 10 0,0-4 0,0 4 0,0 0 0,-4-4 0,3 4 0,-7-5 0,7-5 0,-7 3 0,7-3 0,-2 0 0,3 3 0,-4-8 0,3 4 0,-2-5 0,3 11 0,0-8 0,0 4 0,0-8 0,0-8 0,0 0 0,0-1 0,-4-3 0,4 0 0,-7 2 0,3-5 0,0 6 0,-1-7 0,4 3 0,-2-3 0,0-4 0,2 3 0,-1-2 0,-1 2 0,-1 1 0,-3 7 0,0-2 0,3 7 0,-3-5 0,3 1 0,0-1 0,-2-3 0,5-1 0,-5-3 0,6-1 0,-3 1 0,0-3 0,-1 1 0,-2-1 0,-4 3 0,-1 0 0,-8 4 0,-6-2 0,-4 3 0,-17-3 0,13 0 0,-23-4 0,17-2 0,-13-3 0,6 0 0,-1 0 0,6 0 0,1 0 0,6 0 0,4 0 0,5 0 0,6 0 0,5 0 0,3 0 0,1 0 0,3 0 0,6 0 0,8 0 0,4 0 0,6 0 0,2 0 0,-4 0 0,8 0 0,-3 0 0,8 0 0,-3 0 0,9 0 0,-4 0 0,-1 0 0,0 0 0,-5 0 0,-1 0 0,-3 4 0,-1-4 0,-8 4 0,-1-1 0,-4-3 0,1 3 0,0-3 0,-4 3 0,3-2 0,-3 1 0,4 1 0,-1-2 0,1 2 0,3 0 0,5-2 0,1 5 0,2-2 0,-3 0 0,-1 3 0,1-3 0,-4 0 0,2 2 0,-2-2 0,4 4 0,-1-1 0,1 0 0,3 1 0,-2-1 0,7 1 0,-8-1 0,4 1 0,-8-1 0,3 0 0,-7-1 0,3 1 0,-3 3 0,0-2 0,0 5 0,-1-5 0,2 6 0,-1-3 0,-3 3 0,2 7 0,-5-1 0,2 2 0,-3 6 0,0-7 0,0 8 0,0-6 0,0 6 0,0-4 0,-4 9 0,-1-4 0,-3 4 0,-1 1 0,0 0 0,0 5 0,5 1 0,-5 19 0,4-16 0,-1 43 0,-3-33 0,8 22 0,-3-17 0,4 2 0,0-5 0,0 9 0,0-22 0,0 3 0,0-16 0,0-5 0,-7-10 0,-1-7 0,0 0 0,2 9 0,6 7 0,0 6 0,-4-1 0,3-5 0,-2 0 0,-1-1 0,3 1 0,-2 0 0,3-4 0,0 3 0,0-3 0,0-1 0,0 4 0,0-7 0,0 2 0,0-3 0,0-1 0,0-3 0,0 3 0,0-7 0,0 7 0,0-3 0,0 0 0,0 2 0,0-2 0,0 4 0,0 4 0,0-4 0,0 4 0,0-5 0,0 1 0,0-1 0,0 1 0,0-1 0,0 1 0,0-1 0,0-3 0,0 3 0,0-3 0,0 0 0,0 7 0,0-6 0,0 11 0,0-8 0,0 8 0,0-3 0,0 7 0,0-2 0,-4 3 0,3-4 0,-2-5 0,3 4 0,-3-7 0,2 2 0,-2-7 0,3 3 0,0-3 0,0 0 0,0 3 0,0-3 0,0 7 0,0 2 0,0 0 0,-4 3 0,3-4 0,-2 5 0,-1 0 0,3 0 0,-2 0 0,3-4 0,0 9 0,0-8 0,0 5 0,0-7 0,0 0 0,0-4 0,0 8 0,0-3 0,0 0 0,0 3 0,0-8 0,0 8 0,0-3 0,0 4 0,0-1 0,0 1 0,0 5 0,0-4 0,0 9 0,0-5 0,0 6 0,0-5 0,0-6 0,0-5 0,0-8 0,-7-4 0,6 1 0,-6 4 0,7 7 0,0 5 0,0 0 0,0 0 0,0-1 0,0-3 0,0 3 0,0-7 0,0 2 0,0-7 0,0-1 0,0-3 0,0-1 0,0 1 0,0 0 0,0-1 0,0 1 0,0-1 0,0 1 0,0 3 0,-6 1 0,4 8 0,-4-4 0,6 8 0,-4-8 0,4 4 0,-4-4 0,4-1 0,0 1 0,0-4 0,0 2 0,0-2 0,0 3 0,0 1 0,0 0 0,0-1 0,0 1 0,0-1 0,0-3 0,0-1 0,0 0 0,0-2 0,0 5 0,0-5 0,0 5 0,0-5 0,0 2 0,0 0 0,0-3 0,4 7 0,-4-7 0,4 7 0,-4-3 0,0 0 0,3 3 0,-2-3 0,2 3 0,-3 1 0,3-1 0,-2 1 0,5-1 0,-5 1 0,2-1 0,1 1 0,-4-1 0,4 1 0,-1-1 0,-2 1 0,2 3 0,-3-2 0,0 7 0,0-8 0,0 4 0,0-4 0,3-1 0,-2-3 0,2 3 0,-3-7 0,0 3 0,0-3 0,0-1 0,0 1 0,0 3 0,0-3 0,0 4 0,0-5 0,0 4 0,0-2 0,0 5 0,3-2 0,-2 0 0,2 3 0,-3-3 0,0 3 0,0 1 0,0-4 0,0-1 0,0-4 0,0 1 0,0 2 0,0-1 0,0 1 0,0-3 0,0 1 0,0 7 0,0-2 0,0 7 0,0-1 0,0-2 0,0 3 0,0-1 0,0-6 0,0 6 0,0-10 0,0 2 0,0-4 0,0 1 0,0-1 0,0 1 0,0-1 0,0 1 0,0-1 0,0 4 0,0 1 0,0 4 0,0 3 0,0-2 0,0 7 0,0-8 0,0 4 0,0 0 0,0-4 0,0 4 0,0-4 0,0-1 0,0 5 0,4-4 0,-4 8 0,4-3 0,-4 4 0,0-5 0,0 0 0,0-4 0,0-5 0,0 1 0,0-5 0,0 1 0,0-1 0,0 1 0,2-4 0,2 3 0,2-3 0,0 1 0,1 2 0,-1-3 0,1 4 0,0 3 0,-1-3 0,-2 3 0,2-3 0,-2 0 0,0-1 0,1 1 0,-1-4 0,-1 3 0,3-5 0,-2 5 0,2-6 0,1 3 0,-4 0 0,3-2 0,-5 5 0,5-6 0,-3 6 0,4-5 0,-1 4 0,0-1 0,1 2 0,-1-3 0,0 0 0,0-3 0,1 3 0,-1-2 0,4 2 0,-2-1 0,2-1 0,-4 2 0,1-3 0,0 0 0,-1 0 0,0 0 0,1 0 0,-1 0 0,1 0 0,-1 0 0,1 0 0,-1 0 0,1 0 0,-1 0 0,1 0 0,-1 0 0,1 0 0,-1 0 0,0 0 0,1 0 0,-1 0 0,0 0 0,-2 0 0,-1 0 0</inkml:trace>
 </inkml:ink>
 </file>
 
@@ -2613,14 +2329,14 @@
           <inkml:channelProperty channel="F" name="resolution" value="0" units="1/dev"/>
         </inkml:channelProperties>
       </inkml:inkSource>
-      <inkml:timestamp xml:id="ts0" timeString="2022-09-22T05:03:18.028"/>
+      <inkml:timestamp xml:id="ts0" timeString="2022-09-22T23:15:39.192"/>
     </inkml:context>
     <inkml:brush xml:id="br0">
       <inkml:brushProperty name="width" value="0.1" units="cm"/>
       <inkml:brushProperty name="height" value="0.1" units="cm"/>
     </inkml:brush>
   </inkml:definitions>
-  <inkml:trace contextRef="#ctx0" brushRef="#br0">15 1 24575,'0'17'0,"0"1"0,0-4 0,0 1 0,0-1 0,0 1 0,0-5 0,0 4 0,0-6 0,0 5 0,0-5 0,0 9 0,0-5 0,0 7 0,0-4 0,0 3 0,0-2 0,0 7 0,0-8 0,0 8 0,0-7 0,0-1 0,0-2 0,0 3 0,0-1 0,0 4 0,0-5 0,0 1 0,0-4 0,0 3 0,-6-7 0,4 7 0,-4-6 0,6 5 0,0-5 0,0 2 0,0-4 0,0 5 0,0-4 0,0 3 0,0-3 0,0 3 0,0-3 0,0 3 0,0-3 0,0 3 0,0-3 0,0 7 0,0 0 0,0-2 0,0 1 0,0-3 0,0-3 0,0 3 0,0-3 0,0-1 0,0 1 0,0 0 0,0-1 0,0-2 0,0-1 0</inkml:trace>
+  <inkml:trace contextRef="#ctx0" brushRef="#br0">0 0 24575,'0'18'0,"0"10"0,0 9 0,0 10 0,0 13 0,0 2 0,0 7 0,0 5 0,0-5 0,0 14 0,0 2-724,0 7 724,0 7 0,0-48 0,0 0 0,0 8 0,0 1 0,0-5 0,0 2 0,0 10 0,0 2-810,0-3 1,0 0 809,0 8 0,0 2 0,0-1 0,0 0 0,0 0 0,0 0 0,0-5 0,0 0 0,0 0 0,0-1-478,0-4 1,0-1 477,0-4 0,0 1 0,0 3 0,0-1 0,0-11 0,0 0 0,0 6 0,0 0 0,0-7 0,0 0 0,0 4 0,0 0 0,0 0 0,0 0-175,0-4 1,0 0 174,0 49 0,0-8 0,0 7-167,0-5 167,0-39 0,0-2 0,0 21 0,0-14 0,0 0 0,0 19 1389,0 13-1389,0-14 0,5-20 0,1 17 0,0 1 0,4 7 0,-9-6 0,9 6 0,-9-8 0,4 0 0,-5 1 1003,0-19-1003,0 14 0,0-20 0,0 16 394,0-7-394,0 1 916,0-1-916,0-5 112,0-8-112,0-2 0,0-9 0,0 0 0,0-3 0,0-3 0,0 5 0,0-5 0,0 3 0,0-8 0,0 9 0,0-9 0,0-1 0,0-5 0,0-2 0,0-5 0,0 1 0,0-6 0,0-4 0,0 0 0</inkml:trace>
 </inkml:ink>
 </file>
 
@@ -2640,14 +2356,14 @@
           <inkml:channelProperty channel="F" name="resolution" value="0" units="1/dev"/>
         </inkml:channelProperties>
       </inkml:inkSource>
-      <inkml:timestamp xml:id="ts0" timeString="2022-09-22T23:10:51.397"/>
+      <inkml:timestamp xml:id="ts0" timeString="2022-09-22T23:15:41.575"/>
     </inkml:context>
     <inkml:brush xml:id="br0">
       <inkml:brushProperty name="width" value="0.1" units="cm"/>
       <inkml:brushProperty name="height" value="0.1" units="cm"/>
     </inkml:brush>
   </inkml:definitions>
-  <inkml:trace contextRef="#ctx0" brushRef="#br0">68 0 24575,'0'49'0,"0"3"0,0 30 0,0 5-1128,0-29 0,0 2 1128,0-5 0,0 2 0,0 11 0,0 0 0,0-6 0,0-1 0,0 8 0,0 0 0,0 1 0,0-1 0,0-8 0,0 1 0,0 15 0,0 1 0,0-11 0,0 1-666,0 11 0,0 1 666,0-5 0,0 0 0,0 10 0,0 0 0,0-7 0,0-1 0,0 9 0,0-1 0,0-14 0,0-2 0,0 6 0,0-2 0,0-11 0,0-1 36,0-1 1,0-1-37,0-4 0,0-2 0,0 34 0,0-9 0,0 18 0,0-45 0,0 44 1019,0-45-1019,0 11 1618,0 5-1618,0-16 878,0 16-878,0-18 0,0 11 0,0-10 0,0 16 0,0-25 0,0 37 0,0-22 0,0 21 0,0-15 0,0 20 0,0-33 0,0 39 0,0-37 0,0 17 0,0-6 0,0-1 0,0 1 0,-4-1 0,3 1 0,-4-7 0,5 5 0,0-10 0,0 4 0,-4-6 0,3-1 0,-3 1 0,0 0 0,3 0 0,-4 0 0,1 13 0,2-21 0,-2 25 0,4-20 0,0 16 0,0 1 0,0-7 0,-4-1 0,3 0 0,-4-5 0,5 5 0,0-12 0,0 5 0,-4-5 0,3 6 0,-7 0 0,7 0 0,-3-5 0,4-2 0,0-6 0,0 1 0,0 0 0,0-5 0,0 14 0,0-12 0,0 14 0,0-17 0,0 5 0,0-4 0,0 5 0,0-1 0,0 1 0,0 0 0,0-1 0,0 1 0,0 0 0,4-1 0,-4 1 0,4 0 0,-4-1 0,4 1 0,-3 5 0,3-4 0,0 10 0,-3-10 0,3 9 0,-4-3 0,0-1 0,5 5 0,-4-10 0,3 4 0,-4-5 0,0-1 0,0-4 0,0 4 0,0-9 0,0 8 0,0-3 0,0 5 0,0 5 0,0 1 0,0 1 0,0 3 0,0-9 0,0 4 0,0-5 0,0 0 0,0-6 0,0 0 0,0-5 0,0 0 0,0 0 0,0 10 0,0-2 0,0 8 0,0-5 0,0-1 0,0 1 0,0 5 0,0-4 0,0 4 0,0-5 0,0 0 0,0-1 0,0-4 0,0-1 0,0-6 0,0 1 0,0 0 0,0 0 0,0 0 0,0 0 0,0 0 0,0 0 0,0-1 0,0 1 0,0 5 0,0-4 0,0 24 0,0-15 0,4 16 0,0-16 0,5 1 0,-4 0 0,3-1 0,-4 1 0,5 0 0,0-1 0,-4-4 0,-2 4 0,-3-9 0,0 4 0,0-6 0,0 1 0,0 0 0,0 0 0,0 6 0,0-4 0,0 4 0,0-6 0,0 5 0,0-4 0,0 4 0,0-6 0,0 1 0,0 0 0,0-4 0,0-1 0,0-1 0,0-6 0,0 10 0,0-13 0,0 9 0,0-7 0,0 3 0,0-3 0,0-1 0,0-3 0,0 2 0,0-1 0,0 1 0,0-2 0,0-1 0,0 1 0,0 3 0,0-3 0,0 7 0,-3-3 0,2 3 0,-2 1 0,0-4 0,2 2 0,-5-2 0,6 0 0,-4 0 0,4-5 0,0 1 0,-3-1 0,3 1 0,-3-1 0,3 6 0,0 8 0,0 7 0,0 3 0,0 3 0,0-4 0,0 6 0,0-5 0,0-1 0,0-6 0,0-3 0,0-1 0,0-5 0,0 1 0,0-4 0,0 3 0,0-3 0,0-1 0,0 4 0,0-6 0,0 2 0,0 0 0,0-3 0,0 3 0,0 0 0,0-2 0,0 5 0,0-5 0,0 6 0,0-7 0,0 3 0,0 0 0,0-2 0,0 2 0,0-4 0,0 1 0,0 3 0,0 7 0,0-1 0,0 5 0,0-2 0,0-3 0,0 7 0,0-8 0,0 8 0,0-7 0,0 2 0,0-7 0,0 3 0,0-7 0,0 3 0,0-3 0,0-1 0,0 1 0,0-1 0,0 1 0,0-1 0,0 1 0,0-1 0,0 0 0,0 1 0,0-1 0,0 0 0,0 1 0,0 3 0,0 1 0,-7 4 0,6-1 0,-6-3 0,7-1 0,0-3 0,0-1 0,0 1 0,-3-4 0,3 3 0,-3-2 0,3 2 0,0 8 0,-4-2 0,4 7 0,-4-5 0,1 1 0,2-4 0,-2-1 0,3-3 0,0-1 0,-3-2 0,3-1 0,-3-3 0</inkml:trace>
+  <inkml:trace contextRef="#ctx0" brushRef="#br0">1 343 24575,'0'-9'0,"0"-4"0,7-2 0,2-5 0,7-3 0,-1 3 0,1-3 0,-5 8 0,4-8 0,-7 7 0,3 1 0,-4 5 0,0 3 0,-1 1 0,-2-1 0,1 1 0,-1 0 0,-1-1 0,3 4 0,-5-3 0,5-1 0,-5 0 0,5-3 0,-2 0 0,-1 2 0,4-2 0,-7 0 0,6 5 0,-5-4 0,2 5 0,-1-2 0,2 2 0,2 2 0,4 2 0,5 3 0,5 5 0,3 5 0,1 3 0,0-1 0,0 1 0,0 0 0,0 0 0,-5-1 0,4 1 0,-7-1 0,3 0 0,-8-4 0,2 3 0,-2-3 0,0 0 0,3 2 0,-6-2 0,2 0 0,-3-1 0,-1-3 0,1-1 0,-1 1 0,-2-1 0,-1 1 0,0-4 0,-3 0 0,3-3 0</inkml:trace>
 </inkml:ink>
 </file>
 
@@ -2694,14 +2410,14 @@
           <inkml:channelProperty channel="F" name="resolution" value="0" units="1/dev"/>
         </inkml:channelProperties>
       </inkml:inkSource>
-      <inkml:timestamp xml:id="ts0" timeString="2022-09-22T23:11:01.507"/>
+      <inkml:timestamp xml:id="ts0" timeString="2022-09-22T23:15:44.175"/>
     </inkml:context>
     <inkml:brush xml:id="br0">
       <inkml:brushProperty name="width" value="0.1" units="cm"/>
       <inkml:brushProperty name="height" value="0.1" units="cm"/>
     </inkml:brush>
   </inkml:definitions>
-  <inkml:trace contextRef="#ctx0" brushRef="#br0">1 64 24575,'18'0'0,"3"0"0,-6 0 0,13 0 0,-7 0 0,4 0 0,-3 0 0,-2 0 0,0 0 0,9 0 0,-8 0 0,6 0 0,-9 0 0,1 0 0,-7 0 0,6 0 0,-11 0 0,7 0 0,-7 0 0,3 0 0,0 0 0,-2 0 0,5 0 0,-5-3 0,6 2 0,-3-2 0,3 3 0,-3-3 0,3 2 0,-3-5 0,3 5 0,1-2 0,-1 0 0,1 2 0,-1-5 0,1 5 0,-1-2 0,1 3 0,-1-3 0,-3 2 0,3-3 0,-7 4 0,3 0 0,0 0 0,-2 0 0,5 0 0,-5-2 0,5 1 0,-5-2 0,5 3 0,-5 0 0,12 0 0,-11 0 0,11 0 0,-12 0 0,2 0 0,0-3 0,-3 2 0,3-2 0,0 3 0,-2 0 0,5-4 0,-2 4 0,4-4 0,-1 4 0,1 0 0,-1 0 0,1 0 0,-1 0 0,5 0 0,-3 0 0,2 0 0,-3 0 0,-1 0 0,1 0 0,-1 0 0,5 0 0,1 0 0,-1 0 0,15 0 0,-12 0 0,13 0 0,-12 0 0,1 0 0,5 0 0,-4 0 0,4 0 0,-5 0 0,4 0 0,-3 0 0,4 0 0,-5 0 0,0 0 0,10 0 0,-11 0 0,10 0 0,-17 4 0,6-4 0,-6 7 0,3-3 0,-5 0 0,5 3 0,-4-6 0,4 5 0,-4-5 0,3 2 0,-6-3 0,6 0 0,-3 0 0,1 0 0,2 0 0,-3 0 0,4 0 0,-4 0 0,8 0 0,-3 0 0,4 0 0,-1 0 0,1 0 0,-4 0 0,2 0 0,-2 0 0,3 0 0,1 0 0,0 0 0,-5 0 0,4 0 0,-7 0 0,2 0 0,-3 0 0,-1 0 0,1 0 0,-1 0 0,-3 0 0,3 0 0,-7 0 0,7 0 0,-3 0 0,0 0 0,3 0 0,-7 0 0,7 0 0,-7 0 0,7 0 0,-7 0 0,7 0 0,-7 0 0,3 3 0,-3-2 0,0 2 0,-1-3 0,-3 3 0,3-2 0,-3 2 0,3-3 0,4 0 0,1 0 0,8 0 0,0 0 0,5 0 0,-4 0 0,3 0 0,-8 0 0,4 0 0,-8 0 0,-1 0 0,-3 0 0,-1 0 0,0 0 0,4 0 0,1 0 0,4 0 0,3 0 0,-2 0 0,3-4 0,-5 3 0,-3-2 0,3 3 0,-7 0 0,3 0 0,-3 0 0,-1 0 0,1 0 0,-1 0 0,1 0 0,-1 0 0,0 0 0,1 0 0,-1 0 0,1 0 0,-1 0 0,1 0 0,-1 0 0,1 0 0,-4 0 0,0 0 0</inkml:trace>
+  <inkml:trace contextRef="#ctx0" brushRef="#br0">0 111 24575,'10'0'0,"-2"0"0,2 0 0,1 3 0,1 4 0,-2 1 0,0 2 0,-2 5 0,2-7 0,-2 10 0,-1-10 0,-1 2 0,1-4 0,-1 1 0,1-1 0,-1 1 0,1-1 0,-3 1 0,1-4 0,-4 3 0,5-5 0,-5 5 0,4-5 0,-1 1 0,-1 1 0,0 0 0,0 4 0,0-1 0,1 1 0,2 3 0,-2-3 0,0 3 0,2 0 0,-5-2 0,5 2 0,-5-4 0,1 1 0,1-4 0,-2-3 0,4 0 0,-1-6 0,3-1 0,3-1 0,-2-5 0,6 1 0,-7 1 0,7-2 0,-3 2 0,4-8 0,0 4 0,0-4 0,-3 0 0,1 4 0,0-8 0,-2 3 0,4-4 0,-6 5 0,6-4 0,-7 7 0,3 1 0,-4 1 0,0 7 0,0-3 0,-1 6 0,1 1 0,-4 0 0,3 3 0,-5-3 0,2 3 0</inkml:trace>
 </inkml:ink>
 </file>
 
@@ -2721,15 +2437,14 @@
           <inkml:channelProperty channel="F" name="resolution" value="0" units="1/dev"/>
         </inkml:channelProperties>
       </inkml:inkSource>
-      <inkml:timestamp xml:id="ts0" timeString="2022-09-22T23:11:08.807"/>
+      <inkml:timestamp xml:id="ts0" timeString="2022-09-22T23:15:52.137"/>
     </inkml:context>
     <inkml:brush xml:id="br0">
       <inkml:brushProperty name="width" value="0.1" units="cm"/>
       <inkml:brushProperty name="height" value="0.1" units="cm"/>
-      <inkml:brushProperty name="color" value="#FFC000"/>
     </inkml:brush>
   </inkml:definitions>
-  <inkml:trace contextRef="#ctx0" brushRef="#br0">1 1 24575,'19'0'0,"18"0"0,-5 0 0,13 0 0,-10 0 0,-6 0 0,0 0 0,0 0 0,-4 0 0,4 0 0,-5 0 0,-1 0 0,-3 0 0,-1 0 0,-5 0 0,-3 0 0,-1 0 0,-3 0 0,-1 0 0,-2 0 0,-1 0 0</inkml:trace>
+  <inkml:trace contextRef="#ctx0" brushRef="#br0">0 0 24575,'0'18'0,"0"10"0,0 9 0,0 10 0,0 13 0,0 2 0,0 7 0,0 5 0,0-5 0,0 14 0,0 2-724,0 7 724,0 7 0,0-48 0,0 0 0,0 8 0,0 1 0,0-5 0,0 2 0,0 10 0,0 2-810,0-3 1,0 0 809,0 8 0,0 2 0,0-1 0,0 0 0,0 0 0,0 0 0,0-5 0,0 0 0,0 0 0,0-1-478,0-4 1,0-1 477,0-4 0,0 1 0,0 3 0,0-1 0,0-11 0,0 0 0,0 6 0,0 0 0,0-7 0,0 0 0,0 4 0,0 0 0,0 0 0,0 0-175,0-4 1,0 0 174,0 49 0,0-8 0,0 7-167,0-5 167,0-39 0,0-2 0,0 21 0,0-14 0,0 0 0,0 19 1389,0 13-1389,0-14 0,5-20 0,1 17 0,0 1 0,4 7 0,-9-6 0,9 6 0,-9-8 0,4 0 0,-5 1 1003,0-19-1003,0 14 0,0-20 0,0 16 394,0-7-394,0 1 916,0-1-916,0-5 112,0-8-112,0-2 0,0-9 0,0 0 0,0-3 0,0-3 0,0 5 0,0-5 0,0 3 0,0-8 0,0 9 0,0-9 0,0-1 0,0-5 0,0-2 0,0-5 0,0 1 0,0-6 0,0-4 0,0 0 0</inkml:trace>
 </inkml:ink>
 </file>
 
@@ -2749,15 +2464,14 @@
           <inkml:channelProperty channel="F" name="resolution" value="0" units="1/dev"/>
         </inkml:channelProperties>
       </inkml:inkSource>
-      <inkml:timestamp xml:id="ts0" timeString="2022-09-22T23:11:10.657"/>
+      <inkml:timestamp xml:id="ts0" timeString="2022-09-22T23:15:52.138"/>
     </inkml:context>
     <inkml:brush xml:id="br0">
       <inkml:brushProperty name="width" value="0.1" units="cm"/>
       <inkml:brushProperty name="height" value="0.1" units="cm"/>
-      <inkml:brushProperty name="color" value="#FFC000"/>
     </inkml:brush>
   </inkml:definitions>
-  <inkml:trace contextRef="#ctx0" brushRef="#br0">1 0 24575,'14'0'0,"2"0"0,-5 0 0,4 0 0,-1 0 0,1 0 0,3 0 0,-2 0 0,3 0 0,-1 0 0,-2 0 0,3 0 0,-1 0 0,2 0 0,0 0 0,-2 0 0,-3 0 0,-4 0 0,-1 0 0,-4 0 0,1 0 0,-1 0 0,0 0 0,1 0 0,0 0 0,3 0 0,-6 0 0,3 0 0</inkml:trace>
+  <inkml:trace contextRef="#ctx0" brushRef="#br0">1 343 24575,'0'-9'0,"0"-4"0,7-2 0,2-5 0,7-3 0,-1 3 0,1-3 0,-5 8 0,4-8 0,-7 7 0,3 1 0,-4 5 0,0 3 0,-1 1 0,-2-1 0,1 1 0,-1 0 0,-1-1 0,3 4 0,-5-3 0,5-1 0,-5 0 0,5-3 0,-2 0 0,-1 2 0,4-2 0,-7 0 0,6 5 0,-5-4 0,2 5 0,-1-2 0,2 2 0,2 2 0,4 2 0,5 3 0,5 5 0,3 5 0,1 3 0,0-1 0,0 1 0,0 0 0,0 0 0,-5-1 0,4 1 0,-7-1 0,3 0 0,-8-4 0,2 3 0,-2-3 0,0 0 0,3 2 0,-6-2 0,2 0 0,-3-1 0,-1-3 0,1-1 0,-1 1 0,-2-1 0,-1 1 0,0-4 0,-3 0 0,3-3 0</inkml:trace>
 </inkml:ink>
 </file>
 
@@ -2777,15 +2491,14 @@
           <inkml:channelProperty channel="F" name="resolution" value="0" units="1/dev"/>
         </inkml:channelProperties>
       </inkml:inkSource>
-      <inkml:timestamp xml:id="ts0" timeString="2022-09-22T23:11:12.295"/>
+      <inkml:timestamp xml:id="ts0" timeString="2022-09-22T23:15:52.139"/>
     </inkml:context>
     <inkml:brush xml:id="br0">
       <inkml:brushProperty name="width" value="0.1" units="cm"/>
       <inkml:brushProperty name="height" value="0.1" units="cm"/>
-      <inkml:brushProperty name="color" value="#FFC000"/>
     </inkml:brush>
   </inkml:definitions>
-  <inkml:trace contextRef="#ctx0" brushRef="#br0">0 0 24575,'24'0'0,"-1"0"0,1 0 0,5 0 0,-4 0 0,8 0 0,-7 0 0,2 0 0,1 0 0,-4 0 0,8 0 0,-3 0 0,0 0 0,-1 0 0,0 0 0,-8 0 0,2 0 0,-12 0 0,-1 0 0,-3 0 0,-4 0 0,0 0 0</inkml:trace>
+  <inkml:trace contextRef="#ctx0" brushRef="#br0">0 111 24575,'10'0'0,"-2"0"0,2 0 0,1 3 0,1 4 0,-2 1 0,0 2 0,-2 5 0,2-7 0,-2 10 0,-1-10 0,-1 2 0,1-4 0,-1 1 0,1-1 0,-1 1 0,1-1 0,-3 1 0,1-4 0,-4 3 0,5-5 0,-5 5 0,4-5 0,-1 1 0,-1 1 0,0 0 0,0 4 0,0-1 0,1 1 0,2 3 0,-2-3 0,0 3 0,2 0 0,-5-2 0,5 2 0,-5-4 0,1 1 0,1-4 0,-2-3 0,4 0 0,-1-6 0,3-1 0,3-1 0,-2-5 0,6 1 0,-7 1 0,7-2 0,-3 2 0,4-8 0,0 4 0,0-4 0,-3 0 0,1 4 0,0-8 0,-2 3 0,4-4 0,-6 5 0,6-4 0,-7 7 0,3 1 0,-4 1 0,0 7 0,0-3 0,-1 6 0,1 1 0,-4 0 0,3 3 0,-5-3 0,2 3 0</inkml:trace>
 </inkml:ink>
 </file>
 
@@ -2805,15 +2518,15 @@
           <inkml:channelProperty channel="F" name="resolution" value="0" units="1/dev"/>
         </inkml:channelProperties>
       </inkml:inkSource>
-      <inkml:timestamp xml:id="ts0" timeString="2022-09-22T23:11:14.482"/>
+      <inkml:timestamp xml:id="ts0" timeString="2022-09-22T23:16:11.251"/>
     </inkml:context>
     <inkml:brush xml:id="br0">
       <inkml:brushProperty name="width" value="0.1" units="cm"/>
       <inkml:brushProperty name="height" value="0.1" units="cm"/>
-      <inkml:brushProperty name="color" value="#FFC000"/>
+      <inkml:brushProperty name="color" value="#FFC114"/>
     </inkml:brush>
   </inkml:definitions>
-  <inkml:trace contextRef="#ctx0" brushRef="#br0">0 0 24575,'27'0'0,"0"0"0,-4 0 0,6 0 0,6 0 0,1 0 0,5 0 0,-7 0 0,1 0 0,-5 0 0,3 0 0,-15 0 0,4 0 0,-14 0 0,2 0 0,-4 0 0,1 0 0,-1 0 0,1 0 0,-1 0 0,0 0 0,0 0 0,0 0 0,1 0 0,-1 0 0,4 0 0,1 0 0,0 0 0,-1 0 0,-3 0 0,-3 0 0,-2 0 0</inkml:trace>
+  <inkml:trace contextRef="#ctx0" brushRef="#br0">0 7 24575,'13'0'0,"0"0"0,11 0 0,-7 0 0,6 0 0,-8 0 0,8 0 0,-6 0 0,11 0 0,-9 0 0,5 0 0,-4 0 0,3 0 0,-8 0 0,4 0 0,-8 0 0,3 0 0,-7 0 0,3 0 0,-3 0 0,-1 0 0,1 0 0,-1 0 0,0 0 0,1 0 0,-1 0 0,0 0 0,0 0 0,1-3 0,-1 3 0,0-3 0,0 3 0,-2 0 0,-2 0 0</inkml:trace>
 </inkml:ink>
 </file>
 
@@ -2833,15 +2546,15 @@
           <inkml:channelProperty channel="F" name="resolution" value="0" units="1/dev"/>
         </inkml:channelProperties>
       </inkml:inkSource>
-      <inkml:timestamp xml:id="ts0" timeString="2022-09-22T23:11:16.239"/>
+      <inkml:timestamp xml:id="ts0" timeString="2022-09-22T23:16:13.499"/>
     </inkml:context>
     <inkml:brush xml:id="br0">
       <inkml:brushProperty name="width" value="0.1" units="cm"/>
       <inkml:brushProperty name="height" value="0.1" units="cm"/>
-      <inkml:brushProperty name="color" value="#FFC000"/>
+      <inkml:brushProperty name="color" value="#FFC114"/>
     </inkml:brush>
   </inkml:definitions>
-  <inkml:trace contextRef="#ctx0" brushRef="#br0">1 0 24575,'22'0'0,"5"0"0,-2 0 0,8 0 0,-3 0 0,5 0 0,-1 0 0,-4 0 0,4 0 0,1 0 0,-14 0 0,-1 0 0</inkml:trace>
+  <inkml:trace contextRef="#ctx0" brushRef="#br0">0 1 24575,'22'0'0,"1"0"0,1 0 0,-1 0 0,1 0 0,0 0 0,0 0 0,0 0 0,0 0 0,-1 0 0,-3 0 0,3 0 0,-3 0 0,4 0 0,-5 0 0,4 0 0,-7 0 0,2 0 0,-7 0 0,0 0 0,-5 0 0,1 0 0,-1 0 0,0 0 0,0 0 0,1 0 0,-1 0 0,1 0 0,0 0 0,-1 0 0,1 0 0,-1 0 0,-2 0 0,-1 0 0</inkml:trace>
 </inkml:ink>
 </file>
 
@@ -2861,14 +2574,15 @@
           <inkml:channelProperty channel="F" name="resolution" value="0" units="1/dev"/>
         </inkml:channelProperties>
       </inkml:inkSource>
-      <inkml:timestamp xml:id="ts0" timeString="2022-09-22T23:11:30.491"/>
+      <inkml:timestamp xml:id="ts0" timeString="2022-09-22T23:16:15.169"/>
     </inkml:context>
     <inkml:brush xml:id="br0">
       <inkml:brushProperty name="width" value="0.1" units="cm"/>
       <inkml:brushProperty name="height" value="0.1" units="cm"/>
+      <inkml:brushProperty name="color" value="#FFC114"/>
     </inkml:brush>
   </inkml:definitions>
-  <inkml:trace contextRef="#ctx0" brushRef="#br0">0 0 24575,'10'0'0,"-1"0"0,-2 0 0,3 0 0,-3 0 0,3 0 0,-4 0 0,1 0 0,0 0 0,3 0 0,-3 0 0,3 0 0,0 0 0,-2 0 0,2 0 0,0 0 0,-3 0 0,3 0 0,-3 0 0,0 0 0,-1 0 0,1 0 0,3 0 0,-3 0 0,3 0 0,-3 0 0,-1 0 0,4 0 0,-2 0 0,2 0 0,-4 0 0,1 0 0,0 0 0,-1 0 0,1 0 0,-1 0 0,1 0 0,-1 0 0,1 0 0,-1 0 0,1 0 0,0 0 0,-1 0 0,1 0 0,-1 0 0,1 0 0,-1 0 0,1 0 0,-1 0 0,1 0 0,3 3 0,-3-2 0,7 2 0,0 0 0,-2-2 0,1 2 0,-3 0 0,-3-2 0,7 2 0,-7-3 0,3 0 0,-3 0 0,3 0 0,-3 0 0,4 0 0,-1 0 0,-3 0 0,7 0 0,-7 0 0,7 0 0,-3 0 0,3 0 0,1 0 0,-1 0 0,1 0 0,-1 0 0,1 0 0,-1 0 0,1 0 0,-1 0 0,1 0 0,-1 0 0,-3 0 0,2 0 0,-2 0 0,4 0 0,-4 0 0,-1 0 0,-3 0 0,-1 0 0,1 0 0,-1 0 0,1 0 0,-1 0 0,4 0 0,1 0 0,0 0 0,7 0 0,-6 0 0,7 0 0,0 0 0,-4 0 0,4 0 0,-5 0 0,-3 0 0,-1 0 0,0 0 0,-2 0 0,2 0 0,-4 0 0,1 0 0,0 0 0,-1 0 0,0 0 0,0 0 0,0 0 0,1 0 0,-1 0 0,0 0 0,0 0 0,1 0 0,-1 0 0,0 0 0,0-3 0,1 3 0,-1-3 0,1 0 0,0 2 0,-1-2 0,0 3 0,-2-3 0,1 2 0,-4-1 0,2 2 0</inkml:trace>
+  <inkml:trace contextRef="#ctx0" brushRef="#br0">1 0 24575,'21'0'0,"-2"0"0,3 0 0,-2 0 0,4 0 0,0 0 0,0 0 0,-5 0 0,4 0 0,-11 0 0,10 0 0,-10 0 0,3 0 0,-6 0 0,1 0 0,-2 0 0,2 0 0,0 0 0,-3 0 0,3 0 0,-3 0 0,0 0 0,-1 0 0,-2 0 0,-1 0 0</inkml:trace>
 </inkml:ink>
 </file>
 
@@ -2888,15 +2602,15 @@
           <inkml:channelProperty channel="F" name="resolution" value="0" units="1/dev"/>
         </inkml:channelProperties>
       </inkml:inkSource>
-      <inkml:timestamp xml:id="ts0" timeString="2022-09-22T23:13:45.450"/>
+      <inkml:timestamp xml:id="ts0" timeString="2022-09-22T23:16:16.600"/>
     </inkml:context>
     <inkml:brush xml:id="br0">
       <inkml:brushProperty name="width" value="0.1" units="cm"/>
       <inkml:brushProperty name="height" value="0.1" units="cm"/>
-      <inkml:brushProperty name="color" value="#0070C0"/>
+      <inkml:brushProperty name="color" value="#FFC114"/>
     </inkml:brush>
   </inkml:definitions>
-  <inkml:trace contextRef="#ctx0" brushRef="#br0">1253 1 24575,'-13'0'0,"1"0"0,5 0 0,1 0 0,-1 0 0,0 0 0,1 0 0,-1 0 0,1 0 0,-1 0 0,1 0 0,-1 0 0,1 3 0,-1-2 0,1 4 0,-1-4 0,1 2 0,-1 0 0,1-2 0,-1 2 0,1-3 0,2 2 0,-1-1 0,4 5 0,-4-5 0,1 2 0,0 0 0,-2-3 0,6 6 0,-6-5 0,2 5 0,-2-6 0,-1 6 0,1-2 0,-1 2 0,0 1 0,1 0 0,-1-4 0,1 3 0,-1-3 0,4 4 0,-3-3 0,2 1 0,-2 3 0,-1 2 0,-4 9 0,-1-3 0,-4 7 0,1-4 0,3 1 0,-3 3 0,7-8 0,-7 8 0,7-7 0,0 3 0,1-5 0,3 1 0,-3-1 0,0 1 0,-1 3 0,0 2 0,0 4 0,4 0 0,-3 0 0,3-5 0,-4 4 0,1-7 0,-1 3 0,4-5 0,-2-3 0,5 3 0,-5-7 0,6 3 0,-3-3 0,3-1 0,0 1 0,0-1 0,-3 0 0,2 5 0,-5 0 0,5 7 0,-6 2 0,3 4 0,-4 0 0,4-1 0,-4 6 0,7-4 0,-6 4 0,6-1 0,-2-3 0,3 4 0,0-1 0,0 2 0,0 5 0,0 0 0,0-1 0,0-4 0,0 4 0,0-5 0,0 6 0,0-5 0,0-1 0,0-6 0,0 1 0,0 0 0,0 6 0,0-4 0,0 4 0,0-2 0,0-3 0,0 4 0,0 0 0,0 1 0,0 4 0,3 1 0,2 0 0,0-6 0,2 0 0,-6-9 0,3-5 0,-4-5 0,0-4 0,0 8 0,0 7 0,0 9 0,0 5 0,0-1 0,0-4 0,0-1 0,0 0 0,0-4 0,0-1 0,0-1 0,0-4 0,0 5 0,0-1 0,0 1 0,0-1 0,0 1 0,0 0 0,-4 0 0,3 0 0,-6 0 0,6-4 0,-2 3 0,3-8 0,0 8 0,0-3 0,0-1 0,0 4 0,0-3 0,0 4 0,0 0 0,0 0 0,0 0 0,0-1 0,0 1 0,0-4 0,0-1 0,0-5 0,0 5 0,0-3 0,0 13 0,3-8 0,-2 5 0,3-3 0,-1-3 0,-2 4 0,3 5 0,-4-9 0,0 8 0,0-8 0,0 0 0,0 2 0,0-6 0,0 3 0,0-5 0,3 1 0,1-1 0,0 1 0,3 3 0,-2 7 0,3 5 0,1 4 0,0 6 0,-5 2 0,1 4 0,-5-4 0,0 3 0,0-9 0,0-1 0,0-1 0,0-9 0,0 4 0,0-10 0,0 9 0,0-7 0,0 7 0,0 1 0,0 1 0,0 10 0,0-4 0,0 4 0,0 0 0,-4-4 0,3 4 0,-7-5 0,7-5 0,-7 3 0,7-3 0,-2 0 0,3 3 0,-4-8 0,3 4 0,-2-5 0,3 11 0,0-8 0,0 4 0,0-8 0,0-8 0,0 0 0,0-1 0,-4-3 0,4 0 0,-7 2 0,3-5 0,0 6 0,-1-7 0,4 3 0,-2-3 0,0-4 0,2 3 0,-1-2 0,-1 2 0,-1 1 0,-3 7 0,0-2 0,3 7 0,-3-5 0,3 1 0,0-1 0,-2-3 0,5-1 0,-5-3 0,6-1 0,-3 1 0,0-3 0,-1 1 0,-2-1 0,-4 3 0,-1 0 0,-8 4 0,-6-2 0,-4 3 0,-17-3 0,13 0 0,-23-4 0,17-2 0,-13-3 0,6 0 0,-1 0 0,6 0 0,1 0 0,6 0 0,4 0 0,5 0 0,6 0 0,5 0 0,3 0 0,1 0 0,3 0 0,6 0 0,8 0 0,4 0 0,6 0 0,2 0 0,-4 0 0,8 0 0,-3 0 0,8 0 0,-3 0 0,9 0 0,-4 0 0,-1 0 0,0 0 0,-5 0 0,-1 0 0,-3 4 0,-1-4 0,-8 4 0,-1-1 0,-4-3 0,1 3 0,0-3 0,-4 3 0,3-2 0,-3 1 0,4 1 0,-1-2 0,1 2 0,3 0 0,5-2 0,1 5 0,2-2 0,-3 0 0,-1 3 0,1-3 0,-4 0 0,2 2 0,-2-2 0,4 4 0,-1-1 0,1 0 0,3 1 0,-2-1 0,7 1 0,-8-1 0,4 1 0,-8-1 0,3 0 0,-7-1 0,3 1 0,-3 3 0,0-2 0,0 5 0,-1-5 0,2 6 0,-1-3 0,-3 3 0,2 7 0,-5-1 0,2 2 0,-3 6 0,0-7 0,0 8 0,0-6 0,0 6 0,0-4 0,-4 9 0,-1-4 0,-3 4 0,-1 1 0,0 0 0,0 5 0,5 1 0,-5 19 0,4-16 0,-1 43 0,-3-33 0,8 22 0,-3-17 0,4 2 0,0-5 0,0 9 0,0-22 0,0 3 0,0-16 0,0-5 0,-7-10 0,-1-7 0,0 0 0,2 9 0,6 7 0,0 6 0,-4-1 0,3-5 0,-2 0 0,-1-1 0,3 1 0,-2 0 0,3-4 0,0 3 0,0-3 0,0-1 0,0 4 0,0-7 0,0 2 0,0-3 0,0-1 0,0-3 0,0 3 0,0-7 0,0 7 0,0-3 0,0 0 0,0 2 0,0-2 0,0 4 0,0 4 0,0-4 0,0 4 0,0-5 0,0 1 0,0-1 0,0 1 0,0-1 0,0 1 0,0-1 0,0-3 0,0 3 0,0-3 0,0 0 0,0 7 0,0-6 0,0 11 0,0-8 0,0 8 0,0-3 0,0 7 0,0-2 0,-4 3 0,3-4 0,-2-5 0,3 4 0,-3-7 0,2 2 0,-2-7 0,3 3 0,0-3 0,0 0 0,0 3 0,0-3 0,0 7 0,0 2 0,0 0 0,-4 3 0,3-4 0,-2 5 0,-1 0 0,3 0 0,-2 0 0,3-4 0,0 9 0,0-8 0,0 5 0,0-7 0,0 0 0,0-4 0,0 8 0,0-3 0,0 0 0,0 3 0,0-8 0,0 8 0,0-3 0,0 4 0,0-1 0,0 1 0,0 5 0,0-4 0,0 9 0,0-5 0,0 6 0,0-5 0,0-6 0,0-5 0,0-8 0,-7-4 0,6 1 0,-6 4 0,7 7 0,0 5 0,0 0 0,0 0 0,0-1 0,0-3 0,0 3 0,0-7 0,0 2 0,0-7 0,0-1 0,0-3 0,0-1 0,0 1 0,0 0 0,0-1 0,0 1 0,0-1 0,0 1 0,0 3 0,-6 1 0,4 8 0,-4-4 0,6 8 0,-4-8 0,4 4 0,-4-4 0,4-1 0,0 1 0,0-4 0,0 2 0,0-2 0,0 3 0,0 1 0,0 0 0,0-1 0,0 1 0,0-1 0,0-3 0,0-1 0,0 0 0,0-2 0,0 5 0,0-5 0,0 5 0,0-5 0,0 2 0,0 0 0,0-3 0,4 7 0,-4-7 0,4 7 0,-4-3 0,0 0 0,3 3 0,-2-3 0,2 3 0,-3 1 0,3-1 0,-2 1 0,5-1 0,-5 1 0,2-1 0,1 1 0,-4-1 0,4 1 0,-1-1 0,-2 1 0,2 3 0,-3-2 0,0 7 0,0-8 0,0 4 0,0-4 0,3-1 0,-2-3 0,2 3 0,-3-7 0,0 3 0,0-3 0,0-1 0,0 1 0,0 3 0,0-3 0,0 4 0,0-5 0,0 4 0,0-2 0,0 5 0,3-2 0,-2 0 0,2 3 0,-3-3 0,0 3 0,0 1 0,0-4 0,0-1 0,0-4 0,0 1 0,0 2 0,0-1 0,0 1 0,0-3 0,0 1 0,0 7 0,0-2 0,0 7 0,0-1 0,0-2 0,0 3 0,0-1 0,0-6 0,0 6 0,0-10 0,0 2 0,0-4 0,0 1 0,0-1 0,0 1 0,0-1 0,0 1 0,0-1 0,0 4 0,0 1 0,0 4 0,0 3 0,0-2 0,0 7 0,0-8 0,0 4 0,0 0 0,0-4 0,0 4 0,0-4 0,0-1 0,0 5 0,4-4 0,-4 8 0,4-3 0,-4 4 0,0-5 0,0 0 0,0-4 0,0-5 0,0 1 0,0-5 0,0 1 0,0-1 0,0 1 0,2-4 0,2 3 0,2-3 0,0 1 0,1 2 0,-1-3 0,1 4 0,0 3 0,-1-3 0,-2 3 0,2-3 0,-2 0 0,0-1 0,1 1 0,-1-4 0,-1 3 0,3-5 0,-2 5 0,2-6 0,1 3 0,-4 0 0,3-2 0,-5 5 0,5-6 0,-3 6 0,4-5 0,-1 4 0,0-1 0,1 2 0,-1-3 0,0 0 0,0-3 0,1 3 0,-1-2 0,4 2 0,-2-1 0,2-1 0,-4 2 0,1-3 0,0 0 0,-1 0 0,0 0 0,1 0 0,-1 0 0,1 0 0,-1 0 0,1 0 0,-1 0 0,1 0 0,-1 0 0,1 0 0,-1 0 0,1 0 0,-1 0 0,0 0 0,1 0 0,-1 0 0,0 0 0,-2 0 0,-1 0 0</inkml:trace>
+  <inkml:trace contextRef="#ctx0" brushRef="#br0">1 1 24575,'23'0'0,"6"0"0,1 0 0,5 0 0,-1 0 0,-4 0 0,-1 0 0,-10 0 0,4 0 0,-11 0 0,3 0 0,-9 0 0,1 0 0,-1 0 0,-2 0 0,-1 0 0</inkml:trace>
 </inkml:ink>
 </file>
 
@@ -2916,14 +2630,15 @@
           <inkml:channelProperty channel="F" name="resolution" value="0" units="1/dev"/>
         </inkml:channelProperties>
       </inkml:inkSource>
-      <inkml:timestamp xml:id="ts0" timeString="2022-09-22T23:15:39.192"/>
+      <inkml:timestamp xml:id="ts0" timeString="2022-09-22T23:16:19.647"/>
     </inkml:context>
     <inkml:brush xml:id="br0">
       <inkml:brushProperty name="width" value="0.1" units="cm"/>
       <inkml:brushProperty name="height" value="0.1" units="cm"/>
+      <inkml:brushProperty name="color" value="#FFC114"/>
     </inkml:brush>
   </inkml:definitions>
-  <inkml:trace contextRef="#ctx0" brushRef="#br0">0 0 24575,'0'18'0,"0"10"0,0 9 0,0 10 0,0 13 0,0 2 0,0 7 0,0 5 0,0-5 0,0 14 0,0 2-724,0 7 724,0 7 0,0-48 0,0 0 0,0 8 0,0 1 0,0-5 0,0 2 0,0 10 0,0 2-810,0-3 1,0 0 809,0 8 0,0 2 0,0-1 0,0 0 0,0 0 0,0 0 0,0-5 0,0 0 0,0 0 0,0-1-478,0-4 1,0-1 477,0-4 0,0 1 0,0 3 0,0-1 0,0-11 0,0 0 0,0 6 0,0 0 0,0-7 0,0 0 0,0 4 0,0 0 0,0 0 0,0 0-175,0-4 1,0 0 174,0 49 0,0-8 0,0 7-167,0-5 167,0-39 0,0-2 0,0 21 0,0-14 0,0 0 0,0 19 1389,0 13-1389,0-14 0,5-20 0,1 17 0,0 1 0,4 7 0,-9-6 0,9 6 0,-9-8 0,4 0 0,-5 1 1003,0-19-1003,0 14 0,0-20 0,0 16 394,0-7-394,0 1 916,0-1-916,0-5 112,0-8-112,0-2 0,0-9 0,0 0 0,0-3 0,0-3 0,0 5 0,0-5 0,0 3 0,0-8 0,0 9 0,0-9 0,0-1 0,0-5 0,0-2 0,0-5 0,0 1 0,0-6 0,0-4 0,0 0 0</inkml:trace>
+  <inkml:trace contextRef="#ctx0" brushRef="#br0">0 1 24575,'13'0'0,"10"0"0,-3 0 0,5 0 0,-2 0 0,-8 0 0,8 0 0,-7 0 0,3 0 0,-1 0 0,-6 0 0,10 0 0,-6 0 0,1 0 0,5 0 0,-10 0 0,6 0 0,-7 0 0,3 0 0,-7 0 0,3 0 0,-3 0 0,-1 0 0,-2 0 0,-2 0 0</inkml:trace>
 </inkml:ink>
 </file>
 
@@ -2943,14 +2658,15 @@
           <inkml:channelProperty channel="F" name="resolution" value="0" units="1/dev"/>
         </inkml:channelProperties>
       </inkml:inkSource>
-      <inkml:timestamp xml:id="ts0" timeString="2022-09-22T23:15:41.575"/>
+      <inkml:timestamp xml:id="ts0" timeString="2022-09-22T23:16:24.861"/>
     </inkml:context>
     <inkml:brush xml:id="br0">
       <inkml:brushProperty name="width" value="0.1" units="cm"/>
       <inkml:brushProperty name="height" value="0.1" units="cm"/>
+      <inkml:brushProperty name="color" value="#FFC114"/>
     </inkml:brush>
   </inkml:definitions>
-  <inkml:trace contextRef="#ctx0" brushRef="#br0">1 343 24575,'0'-9'0,"0"-4"0,7-2 0,2-5 0,7-3 0,-1 3 0,1-3 0,-5 8 0,4-8 0,-7 7 0,3 1 0,-4 5 0,0 3 0,-1 1 0,-2-1 0,1 1 0,-1 0 0,-1-1 0,3 4 0,-5-3 0,5-1 0,-5 0 0,5-3 0,-2 0 0,-1 2 0,4-2 0,-7 0 0,6 5 0,-5-4 0,2 5 0,-1-2 0,2 2 0,2 2 0,4 2 0,5 3 0,5 5 0,3 5 0,1 3 0,0-1 0,0 1 0,0 0 0,0 0 0,-5-1 0,4 1 0,-7-1 0,3 0 0,-8-4 0,2 3 0,-2-3 0,0 0 0,3 2 0,-6-2 0,2 0 0,-3-1 0,-1-3 0,1-1 0,-1 1 0,-2-1 0,-1 1 0,0-4 0,-3 0 0,3-3 0</inkml:trace>
+  <inkml:trace contextRef="#ctx0" brushRef="#br0">0 15 24575,'10'0'0,"2"0"0,-1 0 0,4 0 0,-4 0 0,2 0 0,-5 0 0,5 0 0,-2 0 0,4 0 0,-1 0 0,1 0 0,-1 0 0,1 0 0,-4 0 0,7 0 0,-10 0 0,10-7 0,-7 6 0,0-6 0,-1 7 0,-3 0 0,-1 0 0,1 0 0,-1 0 0,1 0 0,-1 0 0,0 0 0,0 0 0,0 0 0,1 0 0,-1 0 0,4 0 0,-2 0 0,5 0 0,-2 0 0,4 0 0,-4 0 0,-1 0 0,-4 0 0,1 0 0,0 0 0,-1 0 0,-2 0 0,-1 0 0</inkml:trace>
 </inkml:ink>
 </file>
 
@@ -2997,14 +2713,15 @@
           <inkml:channelProperty channel="F" name="resolution" value="0" units="1/dev"/>
         </inkml:channelProperties>
       </inkml:inkSource>
-      <inkml:timestamp xml:id="ts0" timeString="2022-09-22T23:15:44.175"/>
+      <inkml:timestamp xml:id="ts0" timeString="2022-09-22T23:16:26.333"/>
     </inkml:context>
     <inkml:brush xml:id="br0">
       <inkml:brushProperty name="width" value="0.1" units="cm"/>
       <inkml:brushProperty name="height" value="0.1" units="cm"/>
+      <inkml:brushProperty name="color" value="#FFC114"/>
     </inkml:brush>
   </inkml:definitions>
-  <inkml:trace contextRef="#ctx0" brushRef="#br0">0 111 24575,'10'0'0,"-2"0"0,2 0 0,1 3 0,1 4 0,-2 1 0,0 2 0,-2 5 0,2-7 0,-2 10 0,-1-10 0,-1 2 0,1-4 0,-1 1 0,1-1 0,-1 1 0,1-1 0,-3 1 0,1-4 0,-4 3 0,5-5 0,-5 5 0,4-5 0,-1 1 0,-1 1 0,0 0 0,0 4 0,0-1 0,1 1 0,2 3 0,-2-3 0,0 3 0,2 0 0,-5-2 0,5 2 0,-5-4 0,1 1 0,1-4 0,-2-3 0,4 0 0,-1-6 0,3-1 0,3-1 0,-2-5 0,6 1 0,-7 1 0,7-2 0,-3 2 0,4-8 0,0 4 0,0-4 0,-3 0 0,1 4 0,0-8 0,-2 3 0,4-4 0,-6 5 0,6-4 0,-7 7 0,3 1 0,-4 1 0,0 7 0,0-3 0,-1 6 0,1 1 0,-4 0 0,3 3 0,-5-3 0,2 3 0</inkml:trace>
+  <inkml:trace contextRef="#ctx0" brushRef="#br0">1 0 24575,'17'0'0,"2"0"0,5 0 0,-1 0 0,1 0 0,0 0 0,0 0 0,0 0 0,-4 0 0,-2 0 0,-7 0 0,3 0 0,-6 0 0,2 0 0,-4 0 0,0 0 0,-2 0 0,-2 0 0</inkml:trace>
 </inkml:ink>
 </file>
 
@@ -3024,14 +2741,15 @@
           <inkml:channelProperty channel="F" name="resolution" value="0" units="1/dev"/>
         </inkml:channelProperties>
       </inkml:inkSource>
-      <inkml:timestamp xml:id="ts0" timeString="2022-09-22T23:15:52.137"/>
+      <inkml:timestamp xml:id="ts0" timeString="2022-09-22T23:16:29.437"/>
     </inkml:context>
     <inkml:brush xml:id="br0">
       <inkml:brushProperty name="width" value="0.1" units="cm"/>
       <inkml:brushProperty name="height" value="0.1" units="cm"/>
+      <inkml:brushProperty name="color" value="#FFC114"/>
     </inkml:brush>
   </inkml:definitions>
-  <inkml:trace contextRef="#ctx0" brushRef="#br0">0 0 24575,'0'18'0,"0"10"0,0 9 0,0 10 0,0 13 0,0 2 0,0 7 0,0 5 0,0-5 0,0 14 0,0 2-724,0 7 724,0 7 0,0-48 0,0 0 0,0 8 0,0 1 0,0-5 0,0 2 0,0 10 0,0 2-810,0-3 1,0 0 809,0 8 0,0 2 0,0-1 0,0 0 0,0 0 0,0 0 0,0-5 0,0 0 0,0 0 0,0-1-478,0-4 1,0-1 477,0-4 0,0 1 0,0 3 0,0-1 0,0-11 0,0 0 0,0 6 0,0 0 0,0-7 0,0 0 0,0 4 0,0 0 0,0 0 0,0 0-175,0-4 1,0 0 174,0 49 0,0-8 0,0 7-167,0-5 167,0-39 0,0-2 0,0 21 0,0-14 0,0 0 0,0 19 1389,0 13-1389,0-14 0,5-20 0,1 17 0,0 1 0,4 7 0,-9-6 0,9 6 0,-9-8 0,4 0 0,-5 1 1003,0-19-1003,0 14 0,0-20 0,0 16 394,0-7-394,0 1 916,0-1-916,0-5 112,0-8-112,0-2 0,0-9 0,0 0 0,0-3 0,0-3 0,0 5 0,0-5 0,0 3 0,0-8 0,0 9 0,0-9 0,0-1 0,0-5 0,0-2 0,0-5 0,0 1 0,0-6 0,0-4 0,0 0 0</inkml:trace>
+  <inkml:trace contextRef="#ctx0" brushRef="#br0">1 7 24575,'17'0'0,"5"0"0,-7 0 0,4 0 0,0 0 0,-4 0 0,0 0 0,-1 0 0,-7 0 0,4 0 0,-5 0 0,1 0 0,-1 0 0,4 0 0,1 0 0,3 0 0,1 0 0,-4 0 0,-1 0 0,-4 0 0,1 0 0,-1-2 0,1 1 0,-1-2 0,0 3 0,0 0 0,1 0 0,-1 0 0,0 0 0,0 0 0,1 0 0,-1 0 0,1 0 0,-1 0 0,1 0 0,-1 0 0,1 0 0,-1 0 0,0 0 0,1 0 0,-1 0 0,0 0 0,1 0 0,-1 0 0,1 0 0,-1 0 0,1 0 0,-1 0 0,0 0 0,1 0 0,-1 0 0,1 0 0,-1 0 0,1 0 0,-1 0 0,-2 0 0,-1 0 0</inkml:trace>
 </inkml:ink>
 </file>
 
@@ -3051,14 +2769,15 @@
           <inkml:channelProperty channel="F" name="resolution" value="0" units="1/dev"/>
         </inkml:channelProperties>
       </inkml:inkSource>
-      <inkml:timestamp xml:id="ts0" timeString="2022-09-22T23:15:52.138"/>
+      <inkml:timestamp xml:id="ts0" timeString="2022-09-22T23:16:31.106"/>
     </inkml:context>
     <inkml:brush xml:id="br0">
       <inkml:brushProperty name="width" value="0.1" units="cm"/>
       <inkml:brushProperty name="height" value="0.1" units="cm"/>
+      <inkml:brushProperty name="color" value="#FFC114"/>
     </inkml:brush>
   </inkml:definitions>
-  <inkml:trace contextRef="#ctx0" brushRef="#br0">1 343 24575,'0'-9'0,"0"-4"0,7-2 0,2-5 0,7-3 0,-1 3 0,1-3 0,-5 8 0,4-8 0,-7 7 0,3 1 0,-4 5 0,0 3 0,-1 1 0,-2-1 0,1 1 0,-1 0 0,-1-1 0,3 4 0,-5-3 0,5-1 0,-5 0 0,5-3 0,-2 0 0,-1 2 0,4-2 0,-7 0 0,6 5 0,-5-4 0,2 5 0,-1-2 0,2 2 0,2 2 0,4 2 0,5 3 0,5 5 0,3 5 0,1 3 0,0-1 0,0 1 0,0 0 0,0 0 0,-5-1 0,4 1 0,-7-1 0,3 0 0,-8-4 0,2 3 0,-2-3 0,0 0 0,3 2 0,-6-2 0,2 0 0,-3-1 0,-1-3 0,1-1 0,-1 1 0,-2-1 0,-1 1 0,0-4 0,-3 0 0,3-3 0</inkml:trace>
+  <inkml:trace contextRef="#ctx0" brushRef="#br0">1 0 24575,'13'0'0,"0"0"0,6 0 0,5 0 0,1 0 0,4 0 0,-9 0 0,7 0 0,-10 0 0,6 0 0,-8 0 0,0 0 0,-1 0 0,-3 0 0,-1 0 0,-3 0 0,-1 0 0,1 0 0,-4 0 0,0 0 0</inkml:trace>
 </inkml:ink>
 </file>
 
@@ -3078,14 +2797,15 @@
           <inkml:channelProperty channel="F" name="resolution" value="0" units="1/dev"/>
         </inkml:channelProperties>
       </inkml:inkSource>
-      <inkml:timestamp xml:id="ts0" timeString="2022-09-22T23:15:52.139"/>
+      <inkml:timestamp xml:id="ts0" timeString="2022-09-22T23:16:32.938"/>
     </inkml:context>
     <inkml:brush xml:id="br0">
       <inkml:brushProperty name="width" value="0.1" units="cm"/>
       <inkml:brushProperty name="height" value="0.1" units="cm"/>
+      <inkml:brushProperty name="color" value="#FFC114"/>
     </inkml:brush>
   </inkml:definitions>
-  <inkml:trace contextRef="#ctx0" brushRef="#br0">0 111 24575,'10'0'0,"-2"0"0,2 0 0,1 3 0,1 4 0,-2 1 0,0 2 0,-2 5 0,2-7 0,-2 10 0,-1-10 0,-1 2 0,1-4 0,-1 1 0,1-1 0,-1 1 0,1-1 0,-3 1 0,1-4 0,-4 3 0,5-5 0,-5 5 0,4-5 0,-1 1 0,-1 1 0,0 0 0,0 4 0,0-1 0,1 1 0,2 3 0,-2-3 0,0 3 0,2 0 0,-5-2 0,5 2 0,-5-4 0,1 1 0,1-4 0,-2-3 0,4 0 0,-1-6 0,3-1 0,3-1 0,-2-5 0,6 1 0,-7 1 0,7-2 0,-3 2 0,4-8 0,0 4 0,0-4 0,-3 0 0,1 4 0,0-8 0,-2 3 0,4-4 0,-6 5 0,6-4 0,-7 7 0,3 1 0,-4 1 0,0 7 0,0-3 0,-1 6 0,1 1 0,-4 0 0,3 3 0,-5-3 0,2 3 0</inkml:trace>
+  <inkml:trace contextRef="#ctx0" brushRef="#br0">1 1 24575,'16'0'0,"9"0"0,-4 0 0,7 0 0,1 0 0,-4 0 0,0 0 0,-7 0 0,-7 0 0,0 0 0,-1 0 0,-3 0 0,3 0 0,-4 0 0,1 0 0,-1 0 0,0 0 0,0 0 0,1 0 0,-1 0 0,4 0 0,1 0 0,8 0 0,-3 0 0,6 0 0,-6 0 0,-1 0 0,-1 0 0,-7 0 0,3 0 0,-3 0 0,-3 0 0,-2 0 0</inkml:trace>
 </inkml:ink>
 </file>
 
@@ -3105,15 +2825,15 @@
           <inkml:channelProperty channel="F" name="resolution" value="0" units="1/dev"/>
         </inkml:channelProperties>
       </inkml:inkSource>
-      <inkml:timestamp xml:id="ts0" timeString="2022-09-22T23:16:11.251"/>
+      <inkml:timestamp xml:id="ts0" timeString="2022-09-22T23:19:19.462"/>
     </inkml:context>
     <inkml:brush xml:id="br0">
       <inkml:brushProperty name="width" value="0.1" units="cm"/>
       <inkml:brushProperty name="height" value="0.1" units="cm"/>
-      <inkml:brushProperty name="color" value="#FFC114"/>
+      <inkml:brushProperty name="color" value="#EBEBEB"/>
     </inkml:brush>
   </inkml:definitions>
-  <inkml:trace contextRef="#ctx0" brushRef="#br0">0 7 24575,'13'0'0,"0"0"0,11 0 0,-7 0 0,6 0 0,-8 0 0,8 0 0,-6 0 0,11 0 0,-9 0 0,5 0 0,-4 0 0,3 0 0,-8 0 0,4 0 0,-8 0 0,3 0 0,-7 0 0,3 0 0,-3 0 0,-1 0 0,1 0 0,-1 0 0,0 0 0,1 0 0,-1 0 0,0 0 0,0 0 0,1-3 0,-1 3 0,0-3 0,0 3 0,-2 0 0,-2 0 0</inkml:trace>
+  <inkml:trace contextRef="#ctx0" brushRef="#br0">1 1 24575,'22'0'0,"-4"0"0,0 0 0,-3 0 0,4 0 0,-4 0 0,4 0 0,-5 3 0,1-2 0,-1 2 0,1 0 0,-1-2 0,1 5 0,4-5 0,0 2 0,5-3 0,0 4 0,0-3 0,0 2 0,5 1 0,6-3 0,1 3 0,0-1 0,-7-2 0,-1 3 0,2-4 0,0 3 0,3-2 0,-8 6 0,9-6 0,-9 6 0,3-6 0,-4 6 0,-4-6 0,3 6 0,-8-6 0,4 3 0,-4-1 0,3-2 0,2 2 0,4-3 0,0 4 0,0-4 0,4 4 0,-3-1 0,9-2 0,-9 3 0,9 0 0,-9-3 0,8 3 0,-3-4 0,5 0 0,-1 0 0,1 0 0,5 0 0,-4 0 0,10 0 0,-5 0 0,6 0 0,13 0 0,-16 0 0,35 0 0,-38 0 0,30-5 0,-28 4 0,16-4 0,-10 5 0,4 0 0,-7 0 0,1 0 0,0 0 0,-5 0 0,-7 0 0,-2 0 0,-7 4 0,-2-3 0,-1 6 0,-8-6 0,4 6 0,-4-7 0,-1 4 0,1-4 0,-1 0 0,1 3 0,-1-2 0,5 2 0,-4-3 0,8 0 0,-7 0 0,2 0 0,-3 0 0,3 0 0,-2 3 0,7-2 0,-3 6 0,14-3 0,-8 1 0,13 2 0,-14-3 0,8 5 0,-8-1 0,9 1 0,-4-1 0,0 0 0,3 1 0,-3-1 0,5-3 0,-5 3 0,8-8 0,-6 8 0,8-7 0,-6 3 0,1-4 0,0 3 0,-1-2 0,1 7 0,0-7 0,5 7 0,-4-7 0,19 11 0,-16-6 0,11 6 0,-20-3 0,-1-5 0,-5 4 0,-1-4 0,-3 4 0,3-4 0,-7 2 0,2-2 0,1 4 0,-4-1 0,4-2 0,-4 1 0,-1-5 0,1 5 0,-1-5 0,1 6 0,-1-7 0,5 7 0,-3-6 0,6 6 0,-6-6 0,17 10 0,-10-6 0,11 7 0,-10-5 0,0 1 0,-4-3 0,3 2 0,-8-3 0,4 0 0,-5 0 0,-3-1 0,3-3 0,-7 6 0,4-5 0,1 5 0,0-6 0,2 3 0,0 1 0,-3-4 0,0 4 0,-1-4 0,-4 0 0,1 0 0,-1 0 0,1 0 0,-1 0 0,-2 0 0,-1 0 0</inkml:trace>
 </inkml:ink>
 </file>
 
@@ -3133,15 +2853,15 @@
           <inkml:channelProperty channel="F" name="resolution" value="0" units="1/dev"/>
         </inkml:channelProperties>
       </inkml:inkSource>
-      <inkml:timestamp xml:id="ts0" timeString="2022-09-22T23:16:13.499"/>
+      <inkml:timestamp xml:id="ts0" timeString="2022-09-22T23:19:21.978"/>
     </inkml:context>
     <inkml:brush xml:id="br0">
       <inkml:brushProperty name="width" value="0.1" units="cm"/>
       <inkml:brushProperty name="height" value="0.1" units="cm"/>
-      <inkml:brushProperty name="color" value="#FFC114"/>
+      <inkml:brushProperty name="color" value="#EBEBEB"/>
     </inkml:brush>
   </inkml:definitions>
-  <inkml:trace contextRef="#ctx0" brushRef="#br0">0 1 24575,'22'0'0,"1"0"0,1 0 0,-1 0 0,1 0 0,0 0 0,0 0 0,0 0 0,0 0 0,-1 0 0,-3 0 0,3 0 0,-3 0 0,4 0 0,-5 0 0,4 0 0,-7 0 0,2 0 0,-7 0 0,0 0 0,-5 0 0,1 0 0,-1 0 0,0 0 0,0 0 0,1 0 0,-1 0 0,1 0 0,0 0 0,-1 0 0,1 0 0,-1 0 0,-2 0 0,-1 0 0</inkml:trace>
+  <inkml:trace contextRef="#ctx0" brushRef="#br0">0 1304 24575,'21'0'0,"10"-4"0,12-6 0,12-6 0,5-8 0,7 2 0,2-8 0,0 3 0,0-10 0,-24 15 0,13-7 0,-12 4 0,4 4 0,23-16 0,-37 19 0,49-9 0,-58 10 0,42-8 0,-35 11 0,25-9 0,-16 9 0,9-6 0,-11 2 0,1 4 0,-2-3 0,-10 8 0,-2-3 0,-4 4 0,0-4 0,0 3 0,0-2 0,0 3 0,-5-3 0,4 2 0,-3-2 0,4 0 0,0-2 0,0 1 0,20-11 0,-11 11 0,23-12 0,-20 10 0,10-4 0,-10 4 0,9-4 0,-9 5 0,4-1 0,-5 1 0,-5 1 0,3 3 0,-3-3 0,0 3 0,4 1 0,-5-1 0,18-4 0,-10 3 0,15-4 0,-11 5 0,12-1 0,-4 5 0,3-4 0,-10 4 0,-2 0 0,-10-3 0,-1 4 0,-10-4 0,4 1 0,-3 2 0,4-2 0,0-1 0,0 0 0,0-4 0,4 4 0,-3 0 0,4-1 0,0-3 0,-4 7 0,3-6 0,1 6 0,1-4 0,5 1 0,-1 3 0,1-3 0,5 3 0,2-4 0,5 0 0,-1-1 0,-4 1 0,-2 4 0,-5-3 0,-1 4 0,-4-1 0,4-3 0,-9 7 0,3-3 0,-4 4 0,5 0 0,-4 0 0,4 0 0,0 0 0,-4-3 0,3 2 0,1-6 0,-4 6 0,8-7 0,-8 7 0,4-6 0,0 2 0,-4 0 0,8-2 0,-8 6 0,4-7 0,-5 7 0,0-6 0,-1 3 0,1-1 0,-4-1 0,3 5 0,-8-6 0,4 7 0,-4-4 0,-1 1 0,1 2 0,-1-2 0,1 3 0,-1-3 0,1 2 0,-5-2 0,4 0 0,-7 2 0,7-2 0,-7 3 0,4-3 0,-5 2 0,1-2 0,-1 3 0,1 0 0,-1-2 0,0 1 0,1-2 0,-4 3 0,0 0 0</inkml:trace>
 </inkml:ink>
 </file>
 
@@ -3161,15 +2881,15 @@
           <inkml:channelProperty channel="F" name="resolution" value="0" units="1/dev"/>
         </inkml:channelProperties>
       </inkml:inkSource>
-      <inkml:timestamp xml:id="ts0" timeString="2022-09-22T23:16:15.169"/>
+      <inkml:timestamp xml:id="ts0" timeString="2022-09-22T23:19:24.876"/>
     </inkml:context>
     <inkml:brush xml:id="br0">
       <inkml:brushProperty name="width" value="0.1" units="cm"/>
       <inkml:brushProperty name="height" value="0.1" units="cm"/>
-      <inkml:brushProperty name="color" value="#FFC114"/>
+      <inkml:brushProperty name="color" value="#EBEBEB"/>
     </inkml:brush>
   </inkml:definitions>
-  <inkml:trace contextRef="#ctx0" brushRef="#br0">1 0 24575,'21'0'0,"-2"0"0,3 0 0,-2 0 0,4 0 0,0 0 0,0 0 0,-5 0 0,4 0 0,-11 0 0,10 0 0,-10 0 0,3 0 0,-6 0 0,1 0 0,-2 0 0,2 0 0,0 0 0,-3 0 0,3 0 0,-3 0 0,0 0 0,-1 0 0,-2 0 0,-1 0 0</inkml:trace>
+  <inkml:trace contextRef="#ctx0" brushRef="#br0">1 87 24575,'13'0'0,"0"0"0,1 0 0,5 0 0,-3 0 0,2 0 0,1-3 0,-3 2 0,2-3 0,-3 4 0,-4-3 0,2 3 0,-5-3 0,6 3 0,-4 0 0,4 0 0,-4 0 0,3 0 0,-6-3 0,3 2 0,-3-2 0,3 3 0,-2 0 0,5-6 0,-5 4 0,5-4 0,-2 6 0,4-4 0,-1 4 0,1-4 0,-1 1 0,1 2 0,4-2 0,-4 3 0,4 0 0,-1-3 0,-2 2 0,7-3 0,-3 1 0,8 2 0,2-7 0,5 7 0,0-3 0,-1 1 0,1 2 0,0-3 0,-1 4 0,1 0 0,0 0 0,-1 0 0,1 0 0,0 0 0,5 0 0,1 0 0,6 0 0,0 0 0,21 0 0,-22 0 0,21 0 0,-26 0 0,1 0 0,-2 0 0,-6 0 0,1 0 0,0 0 0,-5 0 0,3 0 0,-3 0 0,5 0 0,-1 0 0,6 0 0,-4 0 0,10 0 0,-5 0 0,6 0 0,6 4 0,-4-3 0,3 4 0,-10-5 0,3 0 0,-9 0 0,4 0 0,0 0 0,-3 0 0,8 0 0,-3 0 0,4 0 0,1 0 0,21 0 0,-16 0 0,10 0 0,-16 0 0,-5 0 0,6 0 0,-6 0 0,5 0 0,-5 0 0,1 0 0,3 0 0,-9 0 0,9 0 0,-3 0 0,4 0 0,1 0 0,16 0 0,-13 0 0,7 0 0,-17 0 0,-5 0 0,5 4 0,-4-3 0,4 3 0,-5 0 0,-5-3 0,3 3 0,-8-4 0,4 0 0,-5 0 0,-5 0 0,0 0 0,-8 0 0,-1 0 0,-3 0 0,3 0 0,1 0 0,0 0 0,2 0 0,3 0 0,3 0 0,5 0 0,5 0 0,-4 0 0,8 0 0,-7 0 0,2 0 0,-4 0 0,-4 0 0,3 0 0,-8 0 0,4 0 0,-5 0 0,5 0 0,1 0 0,4 0 0,0-4 0,-1 4 0,1-4 0,0 0 0,0 4 0,-4-4 0,3 0 0,-8 4 0,4-4 0,0 0 0,-4 4 0,4-4 0,-5 4 0,5 0 0,-3 0 0,2 0 0,-3 0 0,-1 0 0,-3 0 0,3 0 0,-3 0 0,3 0 0,1 0 0,4 0 0,-4 0 0,4 0 0,-5 0 0,1 0 0,-4 0 0,2 0 0,-6 0 0,4 0 0,-5 0 0,0 0 0,-2 0 0,-1 0 0</inkml:trace>
 </inkml:ink>
 </file>
 
@@ -3189,15 +2909,15 @@
           <inkml:channelProperty channel="F" name="resolution" value="0" units="1/dev"/>
         </inkml:channelProperties>
       </inkml:inkSource>
-      <inkml:timestamp xml:id="ts0" timeString="2022-09-22T23:16:16.600"/>
+      <inkml:timestamp xml:id="ts0" timeString="2022-09-22T23:19:28.509"/>
     </inkml:context>
     <inkml:brush xml:id="br0">
       <inkml:brushProperty name="width" value="0.1" units="cm"/>
       <inkml:brushProperty name="height" value="0.1" units="cm"/>
-      <inkml:brushProperty name="color" value="#FFC114"/>
+      <inkml:brushProperty name="color" value="#EBEBEB"/>
     </inkml:brush>
   </inkml:definitions>
-  <inkml:trace contextRef="#ctx0" brushRef="#br0">1 1 24575,'23'0'0,"6"0"0,1 0 0,5 0 0,-1 0 0,-4 0 0,-1 0 0,-10 0 0,4 0 0,-11 0 0,3 0 0,-9 0 0,1 0 0,-1 0 0,-2 0 0,-1 0 0</inkml:trace>
+  <inkml:trace contextRef="#ctx0" brushRef="#br0">1 0 24575,'13'0'0,"4"0"0,3 0 0,4 0 0,4 0 0,-7 0 0,12 0 0,-8 0 0,5 0 0,4 0 0,-4 0 0,-1 0 0,5 0 0,-9 0 0,3 0 0,-4 0 0,0 0 0,0 0 0,0 0 0,5 0 0,-9 0 0,8 0 0,-8 0 0,0 0 0,2 0 0,-2 0 0,0 0 0,3 0 0,-4 0 0,5 4 0,0-3 0,0 6 0,-4-6 0,3 6 0,-4-3 0,5 1 0,0 2 0,0-6 0,0 6 0,0-6 0,4 6 0,-3-6 0,9 3 0,-9-1 0,9-2 0,-5 3 0,1-4 0,4 0 0,-4 0 0,4 0 0,-4 3 0,4-2 0,-4 3 0,10-4 0,-4 0 0,9 0 0,-3 0 0,5 4 0,0-3 0,5 3 0,-3 0 0,10-3 0,-11 8 0,11-8 0,-16 7 0,9-7 0,-16 6 0,4-2 0,-6 0 0,1 3 0,0-7 0,-5 6 0,3-6 0,-3 2 0,5 1 0,-1-3 0,0 7 0,0-7 0,7 3 0,-5 0 0,9-3 0,-3 7 0,-1-7 0,5 3 0,-5 0 0,1-3 0,3 3 0,-9-4 0,4 0 0,0 4 0,-4-3 0,4 4 0,1-5 0,-5 0 0,9 0 0,-3 0 0,4 0 0,7 4 0,-4-3 0,3 4 0,1-1 0,-4-3 0,4 4 0,-6-1 0,-6-3 0,-1 3 0,-5 0 0,0-3 0,-1 3 0,-4-4 0,-1 0 0,-6 0 0,6 0 0,-4 0 0,4 0 0,-5 0 0,0 0 0,0 0 0,0 0 0,-5 0 0,4 0 0,-3 0 0,4 0 0,0 0 0,0 0 0,-1 0 0,12 0 0,-9 0 0,9 0 0,-15 0 0,2 0 0,-10 0 0,6 0 0,-7 0 0,4 0 0,-1 0 0,1 0 0,-1 3 0,1-2 0,-1 2 0,1-3 0,-1 0 0,1 3 0,-1-2 0,-3 2 0,3-3 0,-7 0 0,4 0 0,-5 0 0,1 0 0,-1 0 0,0 0 0,1 0 0,-1 0 0,4 0 0,-2 0 0,2 0 0,-4 0 0,1 0 0,-4 0 0,0 0 0</inkml:trace>
 </inkml:ink>
 </file>
 
@@ -3217,15 +2937,15 @@
           <inkml:channelProperty channel="F" name="resolution" value="0" units="1/dev"/>
         </inkml:channelProperties>
       </inkml:inkSource>
-      <inkml:timestamp xml:id="ts0" timeString="2022-09-22T23:16:19.647"/>
+      <inkml:timestamp xml:id="ts0" timeString="2022-09-22T23:19:31.108"/>
     </inkml:context>
     <inkml:brush xml:id="br0">
       <inkml:brushProperty name="width" value="0.1" units="cm"/>
       <inkml:brushProperty name="height" value="0.1" units="cm"/>
-      <inkml:brushProperty name="color" value="#FFC114"/>
+      <inkml:brushProperty name="color" value="#EBEBEB"/>
     </inkml:brush>
   </inkml:definitions>
-  <inkml:trace contextRef="#ctx0" brushRef="#br0">0 1 24575,'13'0'0,"10"0"0,-3 0 0,5 0 0,-2 0 0,-8 0 0,8 0 0,-7 0 0,3 0 0,-1 0 0,-6 0 0,10 0 0,-6 0 0,1 0 0,5 0 0,-10 0 0,6 0 0,-7 0 0,3 0 0,-7 0 0,3 0 0,-3 0 0,-1 0 0,-2 0 0,-2 0 0</inkml:trace>
+  <inkml:trace contextRef="#ctx0" brushRef="#br0">0 109 24575,'10'0'0,"3"0"0,-2 0 0,3 0 0,1 0 0,-1 0 0,5 0 0,-3 0 0,7 0 0,1 0 0,17 0 0,-3 0 0,8 0 0,-11 0 0,5 0 0,-4 0 0,10 0 0,-10 0 0,9 0 0,-14 0 0,8 0 0,-3 0 0,5 0 0,6 0 0,0 0 0,6 0 0,8 0 0,-11 0 0,15 0 0,-16 0 0,18 0 0,-11 0 0,9 0 0,-16 0 0,-2 0 0,-7 0 0,-5 0 0,-5 0 0,-2 0 0,1 0 0,-4 0 0,9 0 0,-4 0 0,4 0 0,1 0 0,5 0 0,-4 0 0,4 0 0,0-4 0,-4 3 0,9-7 0,-8 7 0,8-8 0,-9 8 0,10-7 0,-10 7 0,9-7 0,-9 3 0,10-4 0,-10 4 0,25-3 0,-22 3 0,22 0 0,-25-3 0,10 7 0,-5-3 0,1 4 0,3-4 0,-9 3 0,5-3 0,-7 0 0,6 3 0,-4-3 0,4 4 0,-5 0 0,0 0 0,-5 0 0,-2 0 0,1 0 0,-8 0 0,7 0 0,-9 0 0,5 0 0,-4 0 0,8 0 0,-7 0 0,12 0 0,-8 0 0,9 0 0,-4 0 0,4 0 0,6 0 0,-4 0 0,4 0 0,-5 0 0,-5 0 0,3 0 0,-8 0 0,4 0 0,6 0 0,-13 0 0,12 0 0,-19 0 0,8 0 0,-8 0 0,8 4 0,-3-3 0,4 6 0,0-6 0,0 6 0,0-6 0,0 2 0,-1 1 0,1 0 0,0 1 0,5 2 0,-4-6 0,8 7 0,-7-4 0,2 5 0,-4-1 0,0-4 0,0 3 0,0-6 0,-4 6 0,-2-6 0,-3 2 0,-1-3 0,-3 3 0,2-3 0,-5 3 0,5-3 0,-2 0 0,0 0 0,2 0 0,-5 0 0,2 0 0,-4 0 0,1 0 0,-1 0 0,1 0 0,-1 0 0,1 0 0,-1 0 0,9 0 0,-3 0 0,10 0 0,-2 0 0,4 0 0,-4 0 0,3 0 0,-11 0 0,5 0 0,-9 0 0,2 0 0,-4 0 0,1 0 0,0 0 0,3 0 0,1 0 0,3 0 0,1 0 0,-1 0 0,-3 0 0,3 0 0,-7 0 0,3 0 0,-3 0 0,-1 0 0,1 0 0,-1 0 0,1 0 0,-1 0 0,0 0 0,1 3 0,-1-2 0,4 5 0,-5-5 0,1 2 0</inkml:trace>
 </inkml:ink>
 </file>
 
@@ -3245,15 +2965,15 @@
           <inkml:channelProperty channel="F" name="resolution" value="0" units="1/dev"/>
         </inkml:channelProperties>
       </inkml:inkSource>
-      <inkml:timestamp xml:id="ts0" timeString="2022-09-22T23:16:24.861"/>
+      <inkml:timestamp xml:id="ts0" timeString="2022-12-08T20:42:06.122"/>
     </inkml:context>
     <inkml:brush xml:id="br0">
       <inkml:brushProperty name="width" value="0.1" units="cm"/>
       <inkml:brushProperty name="height" value="0.1" units="cm"/>
-      <inkml:brushProperty name="color" value="#FFC114"/>
+      <inkml:brushProperty name="color" value="#E71224"/>
     </inkml:brush>
   </inkml:definitions>
-  <inkml:trace contextRef="#ctx0" brushRef="#br0">0 15 24575,'10'0'0,"2"0"0,-1 0 0,4 0 0,-4 0 0,2 0 0,-5 0 0,5 0 0,-2 0 0,4 0 0,-1 0 0,1 0 0,-1 0 0,1 0 0,-4 0 0,7 0 0,-10 0 0,10-7 0,-7 6 0,0-6 0,-1 7 0,-3 0 0,-1 0 0,1 0 0,-1 0 0,1 0 0,-1 0 0,0 0 0,0 0 0,0 0 0,1 0 0,-1 0 0,4 0 0,-2 0 0,5 0 0,-2 0 0,4 0 0,-4 0 0,-1 0 0,-4 0 0,1 0 0,0 0 0,-1 0 0,-2 0 0,-1 0 0</inkml:trace>
+  <inkml:trace contextRef="#ctx0" brushRef="#br0">0 7 24575,'24'-1'0,"2"0"0,0 0 0,-2 0 0,-6 0 0,-8 1 0,-1-1 0,1 1 0,0 0 0,9 0 0,0 1 0,0-1 0,-4 1 0,-8-1 0,-2 0 0,2 1 0,7 0 0,3 1 0,-1 0 0,-4-1 0,-6 0 0,0-1 0,3 0 0,-1 0 0,-1 0 0,-3 0 0,-2 0 0,1 0 0,0 0 0,0 0 0,1 0 0,3 0 0,-3 0 0,3 0 0,-2 0 0,2 0 0,-2 0 0,0-1 0,-3-1 0,-2-1 0</inkml:trace>
 </inkml:ink>
 </file>
 
@@ -3404,7 +3124,7 @@
           <a:p>
             <a:fld id="{4BE83899-E222-4147-BECF-BE0E769C33DC}" type="datetimeFigureOut">
               <a:rPr lang="en-US" smtClean="0"/>
-              <a:t>6/23/23</a:t>
+              <a:t>9/20/23</a:t>
             </a:fld>
             <a:endParaRPr lang="en-US"/>
           </a:p>
@@ -3602,7 +3322,7 @@
           <a:p>
             <a:fld id="{4BE83899-E222-4147-BECF-BE0E769C33DC}" type="datetimeFigureOut">
               <a:rPr lang="en-US" smtClean="0"/>
-              <a:t>6/23/23</a:t>
+              <a:t>9/20/23</a:t>
             </a:fld>
             <a:endParaRPr lang="en-US"/>
           </a:p>
@@ -3810,7 +3530,7 @@
           <a:p>
             <a:fld id="{4BE83899-E222-4147-BECF-BE0E769C33DC}" type="datetimeFigureOut">
               <a:rPr lang="en-US" smtClean="0"/>
-              <a:t>6/23/23</a:t>
+              <a:t>9/20/23</a:t>
             </a:fld>
             <a:endParaRPr lang="en-US"/>
           </a:p>
@@ -4008,7 +3728,7 @@
           <a:p>
             <a:fld id="{4BE83899-E222-4147-BECF-BE0E769C33DC}" type="datetimeFigureOut">
               <a:rPr lang="en-US" smtClean="0"/>
-              <a:t>6/23/23</a:t>
+              <a:t>9/20/23</a:t>
             </a:fld>
             <a:endParaRPr lang="en-US"/>
           </a:p>
@@ -4283,7 +4003,7 @@
           <a:p>
             <a:fld id="{4BE83899-E222-4147-BECF-BE0E769C33DC}" type="datetimeFigureOut">
               <a:rPr lang="en-US" smtClean="0"/>
-              <a:t>6/23/23</a:t>
+              <a:t>9/20/23</a:t>
             </a:fld>
             <a:endParaRPr lang="en-US"/>
           </a:p>
@@ -4548,7 +4268,7 @@
           <a:p>
             <a:fld id="{4BE83899-E222-4147-BECF-BE0E769C33DC}" type="datetimeFigureOut">
               <a:rPr lang="en-US" smtClean="0"/>
-              <a:t>6/23/23</a:t>
+              <a:t>9/20/23</a:t>
             </a:fld>
             <a:endParaRPr lang="en-US"/>
           </a:p>
@@ -4960,7 +4680,7 @@
           <a:p>
             <a:fld id="{4BE83899-E222-4147-BECF-BE0E769C33DC}" type="datetimeFigureOut">
               <a:rPr lang="en-US" smtClean="0"/>
-              <a:t>6/23/23</a:t>
+              <a:t>9/20/23</a:t>
             </a:fld>
             <a:endParaRPr lang="en-US"/>
           </a:p>
@@ -5101,7 +4821,7 @@
           <a:p>
             <a:fld id="{4BE83899-E222-4147-BECF-BE0E769C33DC}" type="datetimeFigureOut">
               <a:rPr lang="en-US" smtClean="0"/>
-              <a:t>6/23/23</a:t>
+              <a:t>9/20/23</a:t>
             </a:fld>
             <a:endParaRPr lang="en-US"/>
           </a:p>
@@ -5214,7 +4934,7 @@
           <a:p>
             <a:fld id="{4BE83899-E222-4147-BECF-BE0E769C33DC}" type="datetimeFigureOut">
               <a:rPr lang="en-US" smtClean="0"/>
-              <a:t>6/23/23</a:t>
+              <a:t>9/20/23</a:t>
             </a:fld>
             <a:endParaRPr lang="en-US"/>
           </a:p>
@@ -5525,7 +5245,7 @@
           <a:p>
             <a:fld id="{4BE83899-E222-4147-BECF-BE0E769C33DC}" type="datetimeFigureOut">
               <a:rPr lang="en-US" smtClean="0"/>
-              <a:t>6/23/23</a:t>
+              <a:t>9/20/23</a:t>
             </a:fld>
             <a:endParaRPr lang="en-US"/>
           </a:p>
@@ -5813,7 +5533,7 @@
           <a:p>
             <a:fld id="{4BE83899-E222-4147-BECF-BE0E769C33DC}" type="datetimeFigureOut">
               <a:rPr lang="en-US" smtClean="0"/>
-              <a:t>6/23/23</a:t>
+              <a:t>9/20/23</a:t>
             </a:fld>
             <a:endParaRPr lang="en-US"/>
           </a:p>
@@ -6054,7 +5774,7 @@
           <a:p>
             <a:fld id="{4BE83899-E222-4147-BECF-BE0E769C33DC}" type="datetimeFigureOut">
               <a:rPr lang="en-US" smtClean="0"/>
-              <a:t>6/23/23</a:t>
+              <a:t>9/20/23</a:t>
             </a:fld>
             <a:endParaRPr lang="en-US"/>
           </a:p>
@@ -7071,8 +6791,8 @@
             </mc:Fallback>
           </mc:AlternateContent>
         </p:grpSp>
-        <mc:AlternateContent xmlns:mc="http://schemas.openxmlformats.org/markup-compatibility/2006" xmlns:p14="http://schemas.microsoft.com/office/powerpoint/2010/main">
-          <mc:Choice Requires="p14">
+        <mc:AlternateContent xmlns:mc="http://schemas.openxmlformats.org/markup-compatibility/2006">
+          <mc:Choice xmlns:p14="http://schemas.microsoft.com/office/powerpoint/2010/main" Requires="p14">
             <p:contentPart p14:bwMode="auto" r:id="rId11">
               <p14:nvContentPartPr>
                 <p14:cNvPr id="27" name="Ink 26">
@@ -7091,7 +6811,7 @@
               </p14:xfrm>
             </p:contentPart>
           </mc:Choice>
-          <mc:Fallback xmlns="">
+          <mc:Fallback>
             <p:pic>
               <p:nvPicPr>
                 <p:cNvPr id="27" name="Ink 26">
@@ -7419,8 +7139,8 @@
             </mc:Fallback>
           </mc:AlternateContent>
         </p:grpSp>
-        <mc:AlternateContent xmlns:mc="http://schemas.openxmlformats.org/markup-compatibility/2006" xmlns:p14="http://schemas.microsoft.com/office/powerpoint/2010/main">
-          <mc:Choice Requires="p14">
+        <mc:AlternateContent xmlns:mc="http://schemas.openxmlformats.org/markup-compatibility/2006">
+          <mc:Choice xmlns:p14="http://schemas.microsoft.com/office/powerpoint/2010/main" Requires="p14">
             <p:contentPart p14:bwMode="auto" r:id="rId19">
               <p14:nvContentPartPr>
                 <p14:cNvPr id="33" name="Ink 32">
@@ -7439,7 +7159,7 @@
               </p14:xfrm>
             </p:contentPart>
           </mc:Choice>
-          <mc:Fallback xmlns="">
+          <mc:Fallback>
             <p:pic>
               <p:nvPicPr>
                 <p:cNvPr id="33" name="Ink 32">
@@ -7767,8 +7487,8 @@
             </mc:Fallback>
           </mc:AlternateContent>
         </p:grpSp>
-        <mc:AlternateContent xmlns:mc="http://schemas.openxmlformats.org/markup-compatibility/2006" xmlns:p14="http://schemas.microsoft.com/office/powerpoint/2010/main">
-          <mc:Choice Requires="p14">
+        <mc:AlternateContent xmlns:mc="http://schemas.openxmlformats.org/markup-compatibility/2006">
+          <mc:Choice xmlns:p14="http://schemas.microsoft.com/office/powerpoint/2010/main" Requires="p14">
             <p:contentPart p14:bwMode="auto" r:id="rId25">
               <p14:nvContentPartPr>
                 <p14:cNvPr id="41" name="Ink 40">
@@ -7787,7 +7507,7 @@
               </p14:xfrm>
             </p:contentPart>
           </mc:Choice>
-          <mc:Fallback xmlns="">
+          <mc:Fallback>
             <p:pic>
               <p:nvPicPr>
                 <p:cNvPr id="41" name="Ink 40">
@@ -8115,8 +7835,8 @@
             </mc:Fallback>
           </mc:AlternateContent>
         </p:grpSp>
-        <mc:AlternateContent xmlns:mc="http://schemas.openxmlformats.org/markup-compatibility/2006" xmlns:p14="http://schemas.microsoft.com/office/powerpoint/2010/main">
-          <mc:Choice Requires="p14">
+        <mc:AlternateContent xmlns:mc="http://schemas.openxmlformats.org/markup-compatibility/2006">
+          <mc:Choice xmlns:p14="http://schemas.microsoft.com/office/powerpoint/2010/main" Requires="p14">
             <p:contentPart p14:bwMode="auto" r:id="rId31">
               <p14:nvContentPartPr>
                 <p14:cNvPr id="49" name="Ink 48">
@@ -8135,7 +7855,7 @@
               </p14:xfrm>
             </p:contentPart>
           </mc:Choice>
-          <mc:Fallback xmlns="">
+          <mc:Fallback>
             <p:pic>
               <p:nvPicPr>
                 <p:cNvPr id="49" name="Ink 48">
@@ -8220,537 +7940,6 @@
       </p:grpSp>
       <p:grpSp>
         <p:nvGrpSpPr>
-          <p:cNvPr id="108" name="Group 107">
-            <a:extLst>
-              <a:ext uri="{FF2B5EF4-FFF2-40B4-BE49-F238E27FC236}">
-                <a16:creationId xmlns:a16="http://schemas.microsoft.com/office/drawing/2014/main" id="{BDF92083-15A7-4BDE-E520-9551DBE9318E}"/>
-              </a:ext>
-            </a:extLst>
-          </p:cNvPr>
-          <p:cNvGrpSpPr/>
-          <p:nvPr/>
-        </p:nvGrpSpPr>
-        <p:grpSpPr>
-          <a:xfrm>
-            <a:off x="7552221" y="3329392"/>
-            <a:ext cx="216000" cy="264600"/>
-            <a:chOff x="7552221" y="3329392"/>
-            <a:chExt cx="216000" cy="264600"/>
-          </a:xfrm>
-        </p:grpSpPr>
-        <mc:AlternateContent xmlns:mc="http://schemas.openxmlformats.org/markup-compatibility/2006" xmlns:p14="http://schemas.microsoft.com/office/powerpoint/2010/main">
-          <mc:Choice Requires="p14">
-            <p:contentPart p14:bwMode="auto" r:id="rId33">
-              <p14:nvContentPartPr>
-                <p14:cNvPr id="70" name="Ink 69">
-                  <a:extLst>
-                    <a:ext uri="{FF2B5EF4-FFF2-40B4-BE49-F238E27FC236}">
-                      <a16:creationId xmlns:a16="http://schemas.microsoft.com/office/drawing/2014/main" id="{B8D53F5A-2188-7CFC-D2FD-E06127FE1693}"/>
-                    </a:ext>
-                  </a:extLst>
-                </p14:cNvPr>
-                <p14:cNvContentPartPr/>
-                <p14:nvPr/>
-              </p14:nvContentPartPr>
-              <p14:xfrm>
-                <a:off x="7653381" y="3329392"/>
-                <a:ext cx="360" cy="360"/>
-              </p14:xfrm>
-            </p:contentPart>
-          </mc:Choice>
-          <mc:Fallback xmlns="">
-            <p:pic>
-              <p:nvPicPr>
-                <p:cNvPr id="70" name="Ink 69">
-                  <a:extLst>
-                    <a:ext uri="{FF2B5EF4-FFF2-40B4-BE49-F238E27FC236}">
-                      <a16:creationId xmlns:a16="http://schemas.microsoft.com/office/drawing/2014/main" id="{B8D53F5A-2188-7CFC-D2FD-E06127FE1693}"/>
-                    </a:ext>
-                  </a:extLst>
-                </p:cNvPr>
-                <p:cNvPicPr/>
-                <p:nvPr/>
-              </p:nvPicPr>
-              <p:blipFill>
-                <a:blip r:embed="rId34"/>
-                <a:stretch>
-                  <a:fillRect/>
-                </a:stretch>
-              </p:blipFill>
-              <p:spPr>
-                <a:xfrm>
-                  <a:off x="7617741" y="3293752"/>
-                  <a:ext cx="72000" cy="72000"/>
-                </a:xfrm>
-                <a:prstGeom prst="rect">
-                  <a:avLst/>
-                </a:prstGeom>
-              </p:spPr>
-            </p:pic>
-          </mc:Fallback>
-        </mc:AlternateContent>
-        <mc:AlternateContent xmlns:mc="http://schemas.openxmlformats.org/markup-compatibility/2006" xmlns:p14="http://schemas.microsoft.com/office/powerpoint/2010/main">
-          <mc:Choice Requires="p14">
-            <p:contentPart p14:bwMode="auto" r:id="rId35">
-              <p14:nvContentPartPr>
-                <p14:cNvPr id="71" name="Ink 70">
-                  <a:extLst>
-                    <a:ext uri="{FF2B5EF4-FFF2-40B4-BE49-F238E27FC236}">
-                      <a16:creationId xmlns:a16="http://schemas.microsoft.com/office/drawing/2014/main" id="{839316D1-2228-4509-7587-BE2811125CD0}"/>
-                    </a:ext>
-                  </a:extLst>
-                </p14:cNvPr>
-                <p14:cNvContentPartPr/>
-                <p14:nvPr/>
-              </p14:nvContentPartPr>
-              <p14:xfrm>
-                <a:off x="7557981" y="3496432"/>
-                <a:ext cx="360" cy="360"/>
-              </p14:xfrm>
-            </p:contentPart>
-          </mc:Choice>
-          <mc:Fallback xmlns="">
-            <p:pic>
-              <p:nvPicPr>
-                <p:cNvPr id="71" name="Ink 70">
-                  <a:extLst>
-                    <a:ext uri="{FF2B5EF4-FFF2-40B4-BE49-F238E27FC236}">
-                      <a16:creationId xmlns:a16="http://schemas.microsoft.com/office/drawing/2014/main" id="{839316D1-2228-4509-7587-BE2811125CD0}"/>
-                    </a:ext>
-                  </a:extLst>
-                </p:cNvPr>
-                <p:cNvPicPr/>
-                <p:nvPr/>
-              </p:nvPicPr>
-              <p:blipFill>
-                <a:blip r:embed="rId34"/>
-                <a:stretch>
-                  <a:fillRect/>
-                </a:stretch>
-              </p:blipFill>
-              <p:spPr>
-                <a:xfrm>
-                  <a:off x="7522341" y="3460432"/>
-                  <a:ext cx="72000" cy="72000"/>
-                </a:xfrm>
-                <a:prstGeom prst="rect">
-                  <a:avLst/>
-                </a:prstGeom>
-              </p:spPr>
-            </p:pic>
-          </mc:Fallback>
-        </mc:AlternateContent>
-        <mc:AlternateContent xmlns:mc="http://schemas.openxmlformats.org/markup-compatibility/2006" xmlns:p14="http://schemas.microsoft.com/office/powerpoint/2010/main">
-          <mc:Choice Requires="p14">
-            <p:contentPart p14:bwMode="auto" r:id="rId36">
-              <p14:nvContentPartPr>
-                <p14:cNvPr id="72" name="Ink 71">
-                  <a:extLst>
-                    <a:ext uri="{FF2B5EF4-FFF2-40B4-BE49-F238E27FC236}">
-                      <a16:creationId xmlns:a16="http://schemas.microsoft.com/office/drawing/2014/main" id="{E42B4186-FE94-FDA1-19FD-24F8857FE549}"/>
-                    </a:ext>
-                  </a:extLst>
-                </p14:cNvPr>
-                <p14:cNvContentPartPr/>
-                <p14:nvPr/>
-              </p14:nvContentPartPr>
-              <p14:xfrm>
-                <a:off x="7713861" y="3463312"/>
-                <a:ext cx="360" cy="360"/>
-              </p14:xfrm>
-            </p:contentPart>
-          </mc:Choice>
-          <mc:Fallback xmlns="">
-            <p:pic>
-              <p:nvPicPr>
-                <p:cNvPr id="72" name="Ink 71">
-                  <a:extLst>
-                    <a:ext uri="{FF2B5EF4-FFF2-40B4-BE49-F238E27FC236}">
-                      <a16:creationId xmlns:a16="http://schemas.microsoft.com/office/drawing/2014/main" id="{E42B4186-FE94-FDA1-19FD-24F8857FE549}"/>
-                    </a:ext>
-                  </a:extLst>
-                </p:cNvPr>
-                <p:cNvPicPr/>
-                <p:nvPr/>
-              </p:nvPicPr>
-              <p:blipFill>
-                <a:blip r:embed="rId34"/>
-                <a:stretch>
-                  <a:fillRect/>
-                </a:stretch>
-              </p:blipFill>
-              <p:spPr>
-                <a:xfrm>
-                  <a:off x="7678221" y="3427312"/>
-                  <a:ext cx="72000" cy="72000"/>
-                </a:xfrm>
-                <a:prstGeom prst="rect">
-                  <a:avLst/>
-                </a:prstGeom>
-              </p:spPr>
-            </p:pic>
-          </mc:Fallback>
-        </mc:AlternateContent>
-        <mc:AlternateContent xmlns:mc="http://schemas.openxmlformats.org/markup-compatibility/2006" xmlns:p14="http://schemas.microsoft.com/office/powerpoint/2010/main">
-          <mc:Choice Requires="p14">
-            <p:contentPart p14:bwMode="auto" r:id="rId37">
-              <p14:nvContentPartPr>
-                <p14:cNvPr id="73" name="Ink 72">
-                  <a:extLst>
-                    <a:ext uri="{FF2B5EF4-FFF2-40B4-BE49-F238E27FC236}">
-                      <a16:creationId xmlns:a16="http://schemas.microsoft.com/office/drawing/2014/main" id="{756930C6-EAC4-330F-D663-F851A557FDDD}"/>
-                    </a:ext>
-                  </a:extLst>
-                </p14:cNvPr>
-                <p14:cNvContentPartPr/>
-                <p14:nvPr/>
-              </p14:nvContentPartPr>
-              <p14:xfrm>
-                <a:off x="7552221" y="3411472"/>
-                <a:ext cx="360" cy="360"/>
-              </p14:xfrm>
-            </p:contentPart>
-          </mc:Choice>
-          <mc:Fallback xmlns="">
-            <p:pic>
-              <p:nvPicPr>
-                <p:cNvPr id="73" name="Ink 72">
-                  <a:extLst>
-                    <a:ext uri="{FF2B5EF4-FFF2-40B4-BE49-F238E27FC236}">
-                      <a16:creationId xmlns:a16="http://schemas.microsoft.com/office/drawing/2014/main" id="{756930C6-EAC4-330F-D663-F851A557FDDD}"/>
-                    </a:ext>
-                  </a:extLst>
-                </p:cNvPr>
-                <p:cNvPicPr/>
-                <p:nvPr/>
-              </p:nvPicPr>
-              <p:blipFill>
-                <a:blip r:embed="rId34"/>
-                <a:stretch>
-                  <a:fillRect/>
-                </a:stretch>
-              </p:blipFill>
-              <p:spPr>
-                <a:xfrm>
-                  <a:off x="7516581" y="3375832"/>
-                  <a:ext cx="72000" cy="72000"/>
-                </a:xfrm>
-                <a:prstGeom prst="rect">
-                  <a:avLst/>
-                </a:prstGeom>
-              </p:spPr>
-            </p:pic>
-          </mc:Fallback>
-        </mc:AlternateContent>
-        <mc:AlternateContent xmlns:mc="http://schemas.openxmlformats.org/markup-compatibility/2006" xmlns:p14="http://schemas.microsoft.com/office/powerpoint/2010/main">
-          <mc:Choice Requires="p14">
-            <p:contentPart p14:bwMode="auto" r:id="rId38">
-              <p14:nvContentPartPr>
-                <p14:cNvPr id="74" name="Ink 73">
-                  <a:extLst>
-                    <a:ext uri="{FF2B5EF4-FFF2-40B4-BE49-F238E27FC236}">
-                      <a16:creationId xmlns:a16="http://schemas.microsoft.com/office/drawing/2014/main" id="{2128EE4F-0B56-1B5C-4397-BCB38B6DA8CF}"/>
-                    </a:ext>
-                  </a:extLst>
-                </p14:cNvPr>
-                <p14:cNvContentPartPr/>
-                <p14:nvPr/>
-              </p14:nvContentPartPr>
-              <p14:xfrm>
-                <a:off x="7608021" y="3473392"/>
-                <a:ext cx="360" cy="360"/>
-              </p14:xfrm>
-            </p:contentPart>
-          </mc:Choice>
-          <mc:Fallback xmlns="">
-            <p:pic>
-              <p:nvPicPr>
-                <p:cNvPr id="74" name="Ink 73">
-                  <a:extLst>
-                    <a:ext uri="{FF2B5EF4-FFF2-40B4-BE49-F238E27FC236}">
-                      <a16:creationId xmlns:a16="http://schemas.microsoft.com/office/drawing/2014/main" id="{2128EE4F-0B56-1B5C-4397-BCB38B6DA8CF}"/>
-                    </a:ext>
-                  </a:extLst>
-                </p:cNvPr>
-                <p:cNvPicPr/>
-                <p:nvPr/>
-              </p:nvPicPr>
-              <p:blipFill>
-                <a:blip r:embed="rId34"/>
-                <a:stretch>
-                  <a:fillRect/>
-                </a:stretch>
-              </p:blipFill>
-              <p:spPr>
-                <a:xfrm>
-                  <a:off x="7572021" y="3437752"/>
-                  <a:ext cx="72000" cy="72000"/>
-                </a:xfrm>
-                <a:prstGeom prst="rect">
-                  <a:avLst/>
-                </a:prstGeom>
-              </p:spPr>
-            </p:pic>
-          </mc:Fallback>
-        </mc:AlternateContent>
-        <mc:AlternateContent xmlns:mc="http://schemas.openxmlformats.org/markup-compatibility/2006" xmlns:p14="http://schemas.microsoft.com/office/powerpoint/2010/main">
-          <mc:Choice Requires="p14">
-            <p:contentPart p14:bwMode="auto" r:id="rId39">
-              <p14:nvContentPartPr>
-                <p14:cNvPr id="75" name="Ink 74">
-                  <a:extLst>
-                    <a:ext uri="{FF2B5EF4-FFF2-40B4-BE49-F238E27FC236}">
-                      <a16:creationId xmlns:a16="http://schemas.microsoft.com/office/drawing/2014/main" id="{613FA2BA-510E-5366-A273-8B0294328A81}"/>
-                    </a:ext>
-                  </a:extLst>
-                </p14:cNvPr>
-                <p14:cNvContentPartPr/>
-                <p14:nvPr/>
-              </p14:nvContentPartPr>
-              <p14:xfrm>
-                <a:off x="7636101" y="3588592"/>
-                <a:ext cx="360" cy="360"/>
-              </p14:xfrm>
-            </p:contentPart>
-          </mc:Choice>
-          <mc:Fallback xmlns="">
-            <p:pic>
-              <p:nvPicPr>
-                <p:cNvPr id="75" name="Ink 74">
-                  <a:extLst>
-                    <a:ext uri="{FF2B5EF4-FFF2-40B4-BE49-F238E27FC236}">
-                      <a16:creationId xmlns:a16="http://schemas.microsoft.com/office/drawing/2014/main" id="{613FA2BA-510E-5366-A273-8B0294328A81}"/>
-                    </a:ext>
-                  </a:extLst>
-                </p:cNvPr>
-                <p:cNvPicPr/>
-                <p:nvPr/>
-              </p:nvPicPr>
-              <p:blipFill>
-                <a:blip r:embed="rId34"/>
-                <a:stretch>
-                  <a:fillRect/>
-                </a:stretch>
-              </p:blipFill>
-              <p:spPr>
-                <a:xfrm>
-                  <a:off x="7600101" y="3552952"/>
-                  <a:ext cx="72000" cy="72000"/>
-                </a:xfrm>
-                <a:prstGeom prst="rect">
-                  <a:avLst/>
-                </a:prstGeom>
-              </p:spPr>
-            </p:pic>
-          </mc:Fallback>
-        </mc:AlternateContent>
-        <mc:AlternateContent xmlns:mc="http://schemas.openxmlformats.org/markup-compatibility/2006" xmlns:p14="http://schemas.microsoft.com/office/powerpoint/2010/main">
-          <mc:Choice Requires="p14">
-            <p:contentPart p14:bwMode="auto" r:id="rId40">
-              <p14:nvContentPartPr>
-                <p14:cNvPr id="76" name="Ink 75">
-                  <a:extLst>
-                    <a:ext uri="{FF2B5EF4-FFF2-40B4-BE49-F238E27FC236}">
-                      <a16:creationId xmlns:a16="http://schemas.microsoft.com/office/drawing/2014/main" id="{4E6154F5-2C6F-CB94-74B8-4FEE121D9597}"/>
-                    </a:ext>
-                  </a:extLst>
-                </p14:cNvPr>
-                <p14:cNvContentPartPr/>
-                <p14:nvPr/>
-              </p14:nvContentPartPr>
-              <p14:xfrm>
-                <a:off x="7674981" y="3473752"/>
-                <a:ext cx="360" cy="360"/>
-              </p14:xfrm>
-            </p:contentPart>
-          </mc:Choice>
-          <mc:Fallback xmlns="">
-            <p:pic>
-              <p:nvPicPr>
-                <p:cNvPr id="76" name="Ink 75">
-                  <a:extLst>
-                    <a:ext uri="{FF2B5EF4-FFF2-40B4-BE49-F238E27FC236}">
-                      <a16:creationId xmlns:a16="http://schemas.microsoft.com/office/drawing/2014/main" id="{4E6154F5-2C6F-CB94-74B8-4FEE121D9597}"/>
-                    </a:ext>
-                  </a:extLst>
-                </p:cNvPr>
-                <p:cNvPicPr/>
-                <p:nvPr/>
-              </p:nvPicPr>
-              <p:blipFill>
-                <a:blip r:embed="rId34"/>
-                <a:stretch>
-                  <a:fillRect/>
-                </a:stretch>
-              </p:blipFill>
-              <p:spPr>
-                <a:xfrm>
-                  <a:off x="7638981" y="3437752"/>
-                  <a:ext cx="72000" cy="72000"/>
-                </a:xfrm>
-                <a:prstGeom prst="rect">
-                  <a:avLst/>
-                </a:prstGeom>
-              </p:spPr>
-            </p:pic>
-          </mc:Fallback>
-        </mc:AlternateContent>
-        <mc:AlternateContent xmlns:mc="http://schemas.openxmlformats.org/markup-compatibility/2006" xmlns:p14="http://schemas.microsoft.com/office/powerpoint/2010/main">
-          <mc:Choice Requires="p14">
-            <p:contentPart p14:bwMode="auto" r:id="rId41">
-              <p14:nvContentPartPr>
-                <p14:cNvPr id="77" name="Ink 76">
-                  <a:extLst>
-                    <a:ext uri="{FF2B5EF4-FFF2-40B4-BE49-F238E27FC236}">
-                      <a16:creationId xmlns:a16="http://schemas.microsoft.com/office/drawing/2014/main" id="{3613DE11-B9DA-6FD3-62D0-84068AA038FC}"/>
-                    </a:ext>
-                  </a:extLst>
-                </p14:cNvPr>
-                <p14:cNvContentPartPr/>
-                <p14:nvPr/>
-              </p14:nvContentPartPr>
-              <p14:xfrm>
-                <a:off x="7737981" y="3366112"/>
-                <a:ext cx="360" cy="360"/>
-              </p14:xfrm>
-            </p:contentPart>
-          </mc:Choice>
-          <mc:Fallback xmlns="">
-            <p:pic>
-              <p:nvPicPr>
-                <p:cNvPr id="77" name="Ink 76">
-                  <a:extLst>
-                    <a:ext uri="{FF2B5EF4-FFF2-40B4-BE49-F238E27FC236}">
-                      <a16:creationId xmlns:a16="http://schemas.microsoft.com/office/drawing/2014/main" id="{3613DE11-B9DA-6FD3-62D0-84068AA038FC}"/>
-                    </a:ext>
-                  </a:extLst>
-                </p:cNvPr>
-                <p:cNvPicPr/>
-                <p:nvPr/>
-              </p:nvPicPr>
-              <p:blipFill>
-                <a:blip r:embed="rId34"/>
-                <a:stretch>
-                  <a:fillRect/>
-                </a:stretch>
-              </p:blipFill>
-              <p:spPr>
-                <a:xfrm>
-                  <a:off x="7702341" y="3330472"/>
-                  <a:ext cx="72000" cy="72000"/>
-                </a:xfrm>
-                <a:prstGeom prst="rect">
-                  <a:avLst/>
-                </a:prstGeom>
-              </p:spPr>
-            </p:pic>
-          </mc:Fallback>
-        </mc:AlternateContent>
-        <mc:AlternateContent xmlns:mc="http://schemas.openxmlformats.org/markup-compatibility/2006" xmlns:p14="http://schemas.microsoft.com/office/powerpoint/2010/main">
-          <mc:Choice Requires="p14">
-            <p:contentPart p14:bwMode="auto" r:id="rId42">
-              <p14:nvContentPartPr>
-                <p14:cNvPr id="78" name="Ink 77">
-                  <a:extLst>
-                    <a:ext uri="{FF2B5EF4-FFF2-40B4-BE49-F238E27FC236}">
-                      <a16:creationId xmlns:a16="http://schemas.microsoft.com/office/drawing/2014/main" id="{AD8FD5B1-8281-1C3A-1F99-8D45A02E7A18}"/>
-                    </a:ext>
-                  </a:extLst>
-                </p14:cNvPr>
-                <p14:cNvContentPartPr/>
-                <p14:nvPr/>
-              </p14:nvContentPartPr>
-              <p14:xfrm>
-                <a:off x="7767861" y="3593632"/>
-                <a:ext cx="360" cy="360"/>
-              </p14:xfrm>
-            </p:contentPart>
-          </mc:Choice>
-          <mc:Fallback xmlns="">
-            <p:pic>
-              <p:nvPicPr>
-                <p:cNvPr id="78" name="Ink 77">
-                  <a:extLst>
-                    <a:ext uri="{FF2B5EF4-FFF2-40B4-BE49-F238E27FC236}">
-                      <a16:creationId xmlns:a16="http://schemas.microsoft.com/office/drawing/2014/main" id="{AD8FD5B1-8281-1C3A-1F99-8D45A02E7A18}"/>
-                    </a:ext>
-                  </a:extLst>
-                </p:cNvPr>
-                <p:cNvPicPr/>
-                <p:nvPr/>
-              </p:nvPicPr>
-              <p:blipFill>
-                <a:blip r:embed="rId34"/>
-                <a:stretch>
-                  <a:fillRect/>
-                </a:stretch>
-              </p:blipFill>
-              <p:spPr>
-                <a:xfrm>
-                  <a:off x="7731861" y="3557632"/>
-                  <a:ext cx="72000" cy="72000"/>
-                </a:xfrm>
-                <a:prstGeom prst="rect">
-                  <a:avLst/>
-                </a:prstGeom>
-              </p:spPr>
-            </p:pic>
-          </mc:Fallback>
-        </mc:AlternateContent>
-        <mc:AlternateContent xmlns:mc="http://schemas.openxmlformats.org/markup-compatibility/2006" xmlns:p14="http://schemas.microsoft.com/office/powerpoint/2010/main">
-          <mc:Choice Requires="p14">
-            <p:contentPart p14:bwMode="auto" r:id="rId43">
-              <p14:nvContentPartPr>
-                <p14:cNvPr id="82" name="Ink 81">
-                  <a:extLst>
-                    <a:ext uri="{FF2B5EF4-FFF2-40B4-BE49-F238E27FC236}">
-                      <a16:creationId xmlns:a16="http://schemas.microsoft.com/office/drawing/2014/main" id="{57C4D0A3-9547-2A95-86B9-5051DE02ABBF}"/>
-                    </a:ext>
-                  </a:extLst>
-                </p14:cNvPr>
-                <p14:cNvContentPartPr/>
-                <p14:nvPr/>
-              </p14:nvContentPartPr>
-              <p14:xfrm>
-                <a:off x="7710261" y="3385192"/>
-                <a:ext cx="360" cy="360"/>
-              </p14:xfrm>
-            </p:contentPart>
-          </mc:Choice>
-          <mc:Fallback xmlns="">
-            <p:pic>
-              <p:nvPicPr>
-                <p:cNvPr id="82" name="Ink 81">
-                  <a:extLst>
-                    <a:ext uri="{FF2B5EF4-FFF2-40B4-BE49-F238E27FC236}">
-                      <a16:creationId xmlns:a16="http://schemas.microsoft.com/office/drawing/2014/main" id="{57C4D0A3-9547-2A95-86B9-5051DE02ABBF}"/>
-                    </a:ext>
-                  </a:extLst>
-                </p:cNvPr>
-                <p:cNvPicPr/>
-                <p:nvPr/>
-              </p:nvPicPr>
-              <p:blipFill>
-                <a:blip r:embed="rId34"/>
-                <a:stretch>
-                  <a:fillRect/>
-                </a:stretch>
-              </p:blipFill>
-              <p:spPr>
-                <a:xfrm>
-                  <a:off x="7674621" y="3349552"/>
-                  <a:ext cx="72000" cy="72000"/>
-                </a:xfrm>
-                <a:prstGeom prst="rect">
-                  <a:avLst/>
-                </a:prstGeom>
-              </p:spPr>
-            </p:pic>
-          </mc:Fallback>
-        </mc:AlternateContent>
-      </p:grpSp>
-      <p:grpSp>
-        <p:nvGrpSpPr>
           <p:cNvPr id="95" name="Group 94">
             <a:extLst>
               <a:ext uri="{FF2B5EF4-FFF2-40B4-BE49-F238E27FC236}">
@@ -8771,7 +7960,7 @@
         </p:grpSpPr>
         <mc:AlternateContent xmlns:mc="http://schemas.openxmlformats.org/markup-compatibility/2006" xmlns:p14="http://schemas.microsoft.com/office/powerpoint/2010/main">
           <mc:Choice Requires="p14">
-            <p:contentPart p14:bwMode="auto" r:id="rId44">
+            <p:contentPart p14:bwMode="auto" r:id="rId33">
               <p14:nvContentPartPr>
                 <p14:cNvPr id="83" name="Ink 82">
                   <a:extLst>
@@ -8822,7 +8011,7 @@
         </mc:AlternateContent>
         <mc:AlternateContent xmlns:mc="http://schemas.openxmlformats.org/markup-compatibility/2006" xmlns:p14="http://schemas.microsoft.com/office/powerpoint/2010/main">
           <mc:Choice Requires="p14">
-            <p:contentPart p14:bwMode="auto" r:id="rId45">
+            <p:contentPart p14:bwMode="auto" r:id="rId35">
               <p14:nvContentPartPr>
                 <p14:cNvPr id="84" name="Ink 83">
                   <a:extLst>
@@ -8873,7 +8062,7 @@
         </mc:AlternateContent>
         <mc:AlternateContent xmlns:mc="http://schemas.openxmlformats.org/markup-compatibility/2006" xmlns:p14="http://schemas.microsoft.com/office/powerpoint/2010/main">
           <mc:Choice Requires="p14">
-            <p:contentPart p14:bwMode="auto" r:id="rId46">
+            <p:contentPart p14:bwMode="auto" r:id="rId36">
               <p14:nvContentPartPr>
                 <p14:cNvPr id="85" name="Ink 84">
                   <a:extLst>
@@ -8924,7 +8113,7 @@
         </mc:AlternateContent>
         <mc:AlternateContent xmlns:mc="http://schemas.openxmlformats.org/markup-compatibility/2006" xmlns:p14="http://schemas.microsoft.com/office/powerpoint/2010/main">
           <mc:Choice Requires="p14">
-            <p:contentPart p14:bwMode="auto" r:id="rId47">
+            <p:contentPart p14:bwMode="auto" r:id="rId37">
               <p14:nvContentPartPr>
                 <p14:cNvPr id="86" name="Ink 85">
                   <a:extLst>
@@ -8975,7 +8164,7 @@
         </mc:AlternateContent>
         <mc:AlternateContent xmlns:mc="http://schemas.openxmlformats.org/markup-compatibility/2006" xmlns:p14="http://schemas.microsoft.com/office/powerpoint/2010/main">
           <mc:Choice Requires="p14">
-            <p:contentPart p14:bwMode="auto" r:id="rId48">
+            <p:contentPart p14:bwMode="auto" r:id="rId38">
               <p14:nvContentPartPr>
                 <p14:cNvPr id="87" name="Ink 86">
                   <a:extLst>
@@ -9026,7 +8215,7 @@
         </mc:AlternateContent>
         <mc:AlternateContent xmlns:mc="http://schemas.openxmlformats.org/markup-compatibility/2006" xmlns:p14="http://schemas.microsoft.com/office/powerpoint/2010/main">
           <mc:Choice Requires="p14">
-            <p:contentPart p14:bwMode="auto" r:id="rId49">
+            <p:contentPart p14:bwMode="auto" r:id="rId39">
               <p14:nvContentPartPr>
                 <p14:cNvPr id="88" name="Ink 87">
                   <a:extLst>
@@ -9077,7 +8266,7 @@
         </mc:AlternateContent>
         <mc:AlternateContent xmlns:mc="http://schemas.openxmlformats.org/markup-compatibility/2006" xmlns:p14="http://schemas.microsoft.com/office/powerpoint/2010/main">
           <mc:Choice Requires="p14">
-            <p:contentPart p14:bwMode="auto" r:id="rId50">
+            <p:contentPart p14:bwMode="auto" r:id="rId40">
               <p14:nvContentPartPr>
                 <p14:cNvPr id="89" name="Ink 88">
                   <a:extLst>
@@ -9128,7 +8317,7 @@
         </mc:AlternateContent>
         <mc:AlternateContent xmlns:mc="http://schemas.openxmlformats.org/markup-compatibility/2006" xmlns:p14="http://schemas.microsoft.com/office/powerpoint/2010/main">
           <mc:Choice Requires="p14">
-            <p:contentPart p14:bwMode="auto" r:id="rId51">
+            <p:contentPart p14:bwMode="auto" r:id="rId41">
               <p14:nvContentPartPr>
                 <p14:cNvPr id="90" name="Ink 89">
                   <a:extLst>
@@ -9179,7 +8368,7 @@
         </mc:AlternateContent>
         <mc:AlternateContent xmlns:mc="http://schemas.openxmlformats.org/markup-compatibility/2006" xmlns:p14="http://schemas.microsoft.com/office/powerpoint/2010/main">
           <mc:Choice Requires="p14">
-            <p:contentPart p14:bwMode="auto" r:id="rId52">
+            <p:contentPart p14:bwMode="auto" r:id="rId42">
               <p14:nvContentPartPr>
                 <p14:cNvPr id="91" name="Ink 90">
                   <a:extLst>
@@ -9230,7 +8419,7 @@
         </mc:AlternateContent>
         <mc:AlternateContent xmlns:mc="http://schemas.openxmlformats.org/markup-compatibility/2006" xmlns:p14="http://schemas.microsoft.com/office/powerpoint/2010/main">
           <mc:Choice Requires="p14">
-            <p:contentPart p14:bwMode="auto" r:id="rId53">
+            <p:contentPart p14:bwMode="auto" r:id="rId43">
               <p14:nvContentPartPr>
                 <p14:cNvPr id="94" name="Ink 93">
                   <a:extLst>
@@ -9302,7 +8491,7 @@
         </p:grpSpPr>
         <mc:AlternateContent xmlns:mc="http://schemas.openxmlformats.org/markup-compatibility/2006" xmlns:p14="http://schemas.microsoft.com/office/powerpoint/2010/main">
           <mc:Choice Requires="p14">
-            <p:contentPart p14:bwMode="auto" r:id="rId54">
+            <p:contentPart p14:bwMode="auto" r:id="rId44">
               <p14:nvContentPartPr>
                 <p14:cNvPr id="97" name="Ink 96">
                   <a:extLst>
@@ -9353,7 +8542,7 @@
         </mc:AlternateContent>
         <mc:AlternateContent xmlns:mc="http://schemas.openxmlformats.org/markup-compatibility/2006" xmlns:p14="http://schemas.microsoft.com/office/powerpoint/2010/main">
           <mc:Choice Requires="p14">
-            <p:contentPart p14:bwMode="auto" r:id="rId55">
+            <p:contentPart p14:bwMode="auto" r:id="rId45">
               <p14:nvContentPartPr>
                 <p14:cNvPr id="98" name="Ink 97">
                   <a:extLst>
@@ -9404,7 +8593,7 @@
         </mc:AlternateContent>
         <mc:AlternateContent xmlns:mc="http://schemas.openxmlformats.org/markup-compatibility/2006" xmlns:p14="http://schemas.microsoft.com/office/powerpoint/2010/main">
           <mc:Choice Requires="p14">
-            <p:contentPart p14:bwMode="auto" r:id="rId56">
+            <p:contentPart p14:bwMode="auto" r:id="rId46">
               <p14:nvContentPartPr>
                 <p14:cNvPr id="99" name="Ink 98">
                   <a:extLst>
@@ -9455,7 +8644,7 @@
         </mc:AlternateContent>
         <mc:AlternateContent xmlns:mc="http://schemas.openxmlformats.org/markup-compatibility/2006" xmlns:p14="http://schemas.microsoft.com/office/powerpoint/2010/main">
           <mc:Choice Requires="p14">
-            <p:contentPart p14:bwMode="auto" r:id="rId57">
+            <p:contentPart p14:bwMode="auto" r:id="rId47">
               <p14:nvContentPartPr>
                 <p14:cNvPr id="100" name="Ink 99">
                   <a:extLst>
@@ -9506,7 +8695,7 @@
         </mc:AlternateContent>
         <mc:AlternateContent xmlns:mc="http://schemas.openxmlformats.org/markup-compatibility/2006" xmlns:p14="http://schemas.microsoft.com/office/powerpoint/2010/main">
           <mc:Choice Requires="p14">
-            <p:contentPart p14:bwMode="auto" r:id="rId58">
+            <p:contentPart p14:bwMode="auto" r:id="rId48">
               <p14:nvContentPartPr>
                 <p14:cNvPr id="101" name="Ink 100">
                   <a:extLst>
@@ -9557,7 +8746,7 @@
         </mc:AlternateContent>
         <mc:AlternateContent xmlns:mc="http://schemas.openxmlformats.org/markup-compatibility/2006" xmlns:p14="http://schemas.microsoft.com/office/powerpoint/2010/main">
           <mc:Choice Requires="p14">
-            <p:contentPart p14:bwMode="auto" r:id="rId59">
+            <p:contentPart p14:bwMode="auto" r:id="rId49">
               <p14:nvContentPartPr>
                 <p14:cNvPr id="102" name="Ink 101">
                   <a:extLst>
@@ -9608,7 +8797,7 @@
         </mc:AlternateContent>
         <mc:AlternateContent xmlns:mc="http://schemas.openxmlformats.org/markup-compatibility/2006" xmlns:p14="http://schemas.microsoft.com/office/powerpoint/2010/main">
           <mc:Choice Requires="p14">
-            <p:contentPart p14:bwMode="auto" r:id="rId60">
+            <p:contentPart p14:bwMode="auto" r:id="rId50">
               <p14:nvContentPartPr>
                 <p14:cNvPr id="103" name="Ink 102">
                   <a:extLst>
@@ -9659,7 +8848,7 @@
         </mc:AlternateContent>
         <mc:AlternateContent xmlns:mc="http://schemas.openxmlformats.org/markup-compatibility/2006" xmlns:p14="http://schemas.microsoft.com/office/powerpoint/2010/main">
           <mc:Choice Requires="p14">
-            <p:contentPart p14:bwMode="auto" r:id="rId61">
+            <p:contentPart p14:bwMode="auto" r:id="rId51">
               <p14:nvContentPartPr>
                 <p14:cNvPr id="104" name="Ink 103">
                   <a:extLst>
@@ -9710,7 +8899,7 @@
         </mc:AlternateContent>
         <mc:AlternateContent xmlns:mc="http://schemas.openxmlformats.org/markup-compatibility/2006" xmlns:p14="http://schemas.microsoft.com/office/powerpoint/2010/main">
           <mc:Choice Requires="p14">
-            <p:contentPart p14:bwMode="auto" r:id="rId62">
+            <p:contentPart p14:bwMode="auto" r:id="rId52">
               <p14:nvContentPartPr>
                 <p14:cNvPr id="105" name="Ink 104">
                   <a:extLst>
@@ -9761,7 +8950,7 @@
         </mc:AlternateContent>
         <mc:AlternateContent xmlns:mc="http://schemas.openxmlformats.org/markup-compatibility/2006" xmlns:p14="http://schemas.microsoft.com/office/powerpoint/2010/main">
           <mc:Choice Requires="p14">
-            <p:contentPart p14:bwMode="auto" r:id="rId63">
+            <p:contentPart p14:bwMode="auto" r:id="rId53">
               <p14:nvContentPartPr>
                 <p14:cNvPr id="106" name="Ink 105">
                   <a:extLst>
@@ -9833,7 +9022,7 @@
         </p:grpSpPr>
         <mc:AlternateContent xmlns:mc="http://schemas.openxmlformats.org/markup-compatibility/2006" xmlns:p14="http://schemas.microsoft.com/office/powerpoint/2010/main">
           <mc:Choice Requires="p14">
-            <p:contentPart p14:bwMode="auto" r:id="rId64">
+            <p:contentPart p14:bwMode="auto" r:id="rId54">
               <p14:nvContentPartPr>
                 <p14:cNvPr id="110" name="Ink 109">
                   <a:extLst>
@@ -9884,7 +9073,7 @@
         </mc:AlternateContent>
         <mc:AlternateContent xmlns:mc="http://schemas.openxmlformats.org/markup-compatibility/2006" xmlns:p14="http://schemas.microsoft.com/office/powerpoint/2010/main">
           <mc:Choice Requires="p14">
-            <p:contentPart p14:bwMode="auto" r:id="rId65">
+            <p:contentPart p14:bwMode="auto" r:id="rId55">
               <p14:nvContentPartPr>
                 <p14:cNvPr id="111" name="Ink 110">
                   <a:extLst>
@@ -9935,7 +9124,7 @@
         </mc:AlternateContent>
         <mc:AlternateContent xmlns:mc="http://schemas.openxmlformats.org/markup-compatibility/2006" xmlns:p14="http://schemas.microsoft.com/office/powerpoint/2010/main">
           <mc:Choice Requires="p14">
-            <p:contentPart p14:bwMode="auto" r:id="rId66">
+            <p:contentPart p14:bwMode="auto" r:id="rId56">
               <p14:nvContentPartPr>
                 <p14:cNvPr id="112" name="Ink 111">
                   <a:extLst>
@@ -9986,7 +9175,7 @@
         </mc:AlternateContent>
         <mc:AlternateContent xmlns:mc="http://schemas.openxmlformats.org/markup-compatibility/2006" xmlns:p14="http://schemas.microsoft.com/office/powerpoint/2010/main">
           <mc:Choice Requires="p14">
-            <p:contentPart p14:bwMode="auto" r:id="rId67">
+            <p:contentPart p14:bwMode="auto" r:id="rId57">
               <p14:nvContentPartPr>
                 <p14:cNvPr id="113" name="Ink 112">
                   <a:extLst>
@@ -10037,7 +9226,7 @@
         </mc:AlternateContent>
         <mc:AlternateContent xmlns:mc="http://schemas.openxmlformats.org/markup-compatibility/2006" xmlns:p14="http://schemas.microsoft.com/office/powerpoint/2010/main">
           <mc:Choice Requires="p14">
-            <p:contentPart p14:bwMode="auto" r:id="rId68">
+            <p:contentPart p14:bwMode="auto" r:id="rId58">
               <p14:nvContentPartPr>
                 <p14:cNvPr id="114" name="Ink 113">
                   <a:extLst>
@@ -10088,7 +9277,7 @@
         </mc:AlternateContent>
         <mc:AlternateContent xmlns:mc="http://schemas.openxmlformats.org/markup-compatibility/2006" xmlns:p14="http://schemas.microsoft.com/office/powerpoint/2010/main">
           <mc:Choice Requires="p14">
-            <p:contentPart p14:bwMode="auto" r:id="rId69">
+            <p:contentPart p14:bwMode="auto" r:id="rId59">
               <p14:nvContentPartPr>
                 <p14:cNvPr id="115" name="Ink 114">
                   <a:extLst>
@@ -10139,7 +9328,7 @@
         </mc:AlternateContent>
         <mc:AlternateContent xmlns:mc="http://schemas.openxmlformats.org/markup-compatibility/2006" xmlns:p14="http://schemas.microsoft.com/office/powerpoint/2010/main">
           <mc:Choice Requires="p14">
-            <p:contentPart p14:bwMode="auto" r:id="rId70">
+            <p:contentPart p14:bwMode="auto" r:id="rId60">
               <p14:nvContentPartPr>
                 <p14:cNvPr id="116" name="Ink 115">
                   <a:extLst>
@@ -10190,7 +9379,7 @@
         </mc:AlternateContent>
         <mc:AlternateContent xmlns:mc="http://schemas.openxmlformats.org/markup-compatibility/2006" xmlns:p14="http://schemas.microsoft.com/office/powerpoint/2010/main">
           <mc:Choice Requires="p14">
-            <p:contentPart p14:bwMode="auto" r:id="rId71">
+            <p:contentPart p14:bwMode="auto" r:id="rId61">
               <p14:nvContentPartPr>
                 <p14:cNvPr id="117" name="Ink 116">
                   <a:extLst>
@@ -10241,7 +9430,7 @@
         </mc:AlternateContent>
         <mc:AlternateContent xmlns:mc="http://schemas.openxmlformats.org/markup-compatibility/2006" xmlns:p14="http://schemas.microsoft.com/office/powerpoint/2010/main">
           <mc:Choice Requires="p14">
-            <p:contentPart p14:bwMode="auto" r:id="rId72">
+            <p:contentPart p14:bwMode="auto" r:id="rId62">
               <p14:nvContentPartPr>
                 <p14:cNvPr id="118" name="Ink 117">
                   <a:extLst>
@@ -10292,7 +9481,7 @@
         </mc:AlternateContent>
         <mc:AlternateContent xmlns:mc="http://schemas.openxmlformats.org/markup-compatibility/2006" xmlns:p14="http://schemas.microsoft.com/office/powerpoint/2010/main">
           <mc:Choice Requires="p14">
-            <p:contentPart p14:bwMode="auto" r:id="rId73">
+            <p:contentPart p14:bwMode="auto" r:id="rId63">
               <p14:nvContentPartPr>
                 <p14:cNvPr id="119" name="Ink 118">
                   <a:extLst>
@@ -10342,6 +9531,36 @@
           </mc:Fallback>
         </mc:AlternateContent>
       </p:grpSp>
+      <p:pic>
+        <p:nvPicPr>
+          <p:cNvPr id="61" name="Picture 60">
+            <a:extLst>
+              <a:ext uri="{FF2B5EF4-FFF2-40B4-BE49-F238E27FC236}">
+                <a16:creationId xmlns:a16="http://schemas.microsoft.com/office/drawing/2014/main" id="{0F790184-AFE7-DDD2-CE02-1886DD5AFAA1}"/>
+              </a:ext>
+            </a:extLst>
+          </p:cNvPr>
+          <p:cNvPicPr>
+            <a:picLocks noChangeAspect="1"/>
+          </p:cNvPicPr>
+          <p:nvPr/>
+        </p:nvPicPr>
+        <p:blipFill>
+          <a:blip r:embed="rId64"/>
+          <a:stretch>
+            <a:fillRect/>
+          </a:stretch>
+        </p:blipFill>
+        <p:spPr>
+          <a:xfrm>
+            <a:off x="7464922" y="3228002"/>
+            <a:ext cx="419100" cy="469900"/>
+          </a:xfrm>
+          <a:prstGeom prst="rect">
+            <a:avLst/>
+          </a:prstGeom>
+        </p:spPr>
+      </p:pic>
     </p:spTree>
     <p:extLst>
       <p:ext uri="{BB962C8B-B14F-4D97-AF65-F5344CB8AC3E}">
@@ -14116,7 +13335,7 @@
           <a:effectLst/>
           <a:extLst>
             <a:ext uri="{AF507438-7753-43e0-B8FC-AC1667EBCBE1}">
-              <a14:hiddenEffects xmlns:a14="http://schemas.microsoft.com/office/drawing/2010/main" xmlns="">
+              <a14:hiddenEffects xmlns="" xmlns:a14="http://schemas.microsoft.com/office/drawing/2010/main">
                 <a:effectLst>
                   <a:outerShdw blurRad="63500" dist="38099" dir="2700000" algn="ctr" rotWithShape="0">
                     <a:schemeClr val="bg2">
